--- a/trunk/Serminar Html5/1. Slide/HTML5.pptx
+++ b/trunk/Serminar Html5/1. Slide/HTML5.pptx
@@ -5,14 +5,19 @@
     <p:sldMasterId id="2147483648" r:id="rId1"/>
   </p:sldMasterIdLst>
   <p:notesMasterIdLst>
-    <p:notesMasterId r:id="rId7"/>
+    <p:notesMasterId r:id="rId12"/>
   </p:notesMasterIdLst>
   <p:sldIdLst>
     <p:sldId id="256" r:id="rId2"/>
     <p:sldId id="319" r:id="rId3"/>
-    <p:sldId id="320" r:id="rId4"/>
-    <p:sldId id="312" r:id="rId5"/>
-    <p:sldId id="276" r:id="rId6"/>
+    <p:sldId id="326" r:id="rId4"/>
+    <p:sldId id="320" r:id="rId5"/>
+    <p:sldId id="321" r:id="rId6"/>
+    <p:sldId id="323" r:id="rId7"/>
+    <p:sldId id="324" r:id="rId8"/>
+    <p:sldId id="325" r:id="rId9"/>
+    <p:sldId id="312" r:id="rId10"/>
+    <p:sldId id="276" r:id="rId11"/>
   </p:sldIdLst>
   <p:sldSz cx="9144000" cy="6858000" type="screen4x3"/>
   <p:notesSz cx="6858000" cy="9144000"/>
@@ -145,6 +150,753 @@
 </file>
 
 <file path=ppt/diagrams/colors1.xml><?xml version="1.0" encoding="utf-8"?>
+<dgm:colorsDef xmlns:dgm="http://schemas.openxmlformats.org/drawingml/2006/diagram" xmlns:a="http://schemas.openxmlformats.org/drawingml/2006/main" uniqueId="urn:microsoft.com/office/officeart/2005/8/colors/accent2_2">
+  <dgm:title val=""/>
+  <dgm:desc val=""/>
+  <dgm:catLst>
+    <dgm:cat type="accent2" pri="11200"/>
+  </dgm:catLst>
+  <dgm:styleLbl name="node0">
+    <dgm:fillClrLst meth="repeat">
+      <a:schemeClr val="accent2"/>
+    </dgm:fillClrLst>
+    <dgm:linClrLst meth="repeat">
+      <a:schemeClr val="lt1"/>
+    </dgm:linClrLst>
+    <dgm:effectClrLst/>
+    <dgm:txLinClrLst/>
+    <dgm:txFillClrLst/>
+    <dgm:txEffectClrLst/>
+  </dgm:styleLbl>
+  <dgm:styleLbl name="node1">
+    <dgm:fillClrLst meth="repeat">
+      <a:schemeClr val="accent2"/>
+    </dgm:fillClrLst>
+    <dgm:linClrLst meth="repeat">
+      <a:schemeClr val="lt1"/>
+    </dgm:linClrLst>
+    <dgm:effectClrLst/>
+    <dgm:txLinClrLst/>
+    <dgm:txFillClrLst/>
+    <dgm:txEffectClrLst/>
+  </dgm:styleLbl>
+  <dgm:styleLbl name="alignNode1">
+    <dgm:fillClrLst meth="repeat">
+      <a:schemeClr val="accent2"/>
+    </dgm:fillClrLst>
+    <dgm:linClrLst meth="repeat">
+      <a:schemeClr val="accent2"/>
+    </dgm:linClrLst>
+    <dgm:effectClrLst/>
+    <dgm:txLinClrLst/>
+    <dgm:txFillClrLst/>
+    <dgm:txEffectClrLst/>
+  </dgm:styleLbl>
+  <dgm:styleLbl name="lnNode1">
+    <dgm:fillClrLst meth="repeat">
+      <a:schemeClr val="accent2"/>
+    </dgm:fillClrLst>
+    <dgm:linClrLst meth="repeat">
+      <a:schemeClr val="lt1"/>
+    </dgm:linClrLst>
+    <dgm:effectClrLst/>
+    <dgm:txLinClrLst/>
+    <dgm:txFillClrLst/>
+    <dgm:txEffectClrLst/>
+  </dgm:styleLbl>
+  <dgm:styleLbl name="vennNode1">
+    <dgm:fillClrLst meth="repeat">
+      <a:schemeClr val="accent2">
+        <a:alpha val="50000"/>
+      </a:schemeClr>
+    </dgm:fillClrLst>
+    <dgm:linClrLst meth="repeat">
+      <a:schemeClr val="lt1"/>
+    </dgm:linClrLst>
+    <dgm:effectClrLst/>
+    <dgm:txLinClrLst/>
+    <dgm:txFillClrLst/>
+    <dgm:txEffectClrLst/>
+  </dgm:styleLbl>
+  <dgm:styleLbl name="node2">
+    <dgm:fillClrLst meth="repeat">
+      <a:schemeClr val="accent2"/>
+    </dgm:fillClrLst>
+    <dgm:linClrLst meth="repeat">
+      <a:schemeClr val="lt1"/>
+    </dgm:linClrLst>
+    <dgm:effectClrLst/>
+    <dgm:txLinClrLst/>
+    <dgm:txFillClrLst/>
+    <dgm:txEffectClrLst/>
+  </dgm:styleLbl>
+  <dgm:styleLbl name="node3">
+    <dgm:fillClrLst meth="repeat">
+      <a:schemeClr val="accent2"/>
+    </dgm:fillClrLst>
+    <dgm:linClrLst meth="repeat">
+      <a:schemeClr val="lt1"/>
+    </dgm:linClrLst>
+    <dgm:effectClrLst/>
+    <dgm:txLinClrLst/>
+    <dgm:txFillClrLst/>
+    <dgm:txEffectClrLst/>
+  </dgm:styleLbl>
+  <dgm:styleLbl name="node4">
+    <dgm:fillClrLst meth="repeat">
+      <a:schemeClr val="accent2"/>
+    </dgm:fillClrLst>
+    <dgm:linClrLst meth="repeat">
+      <a:schemeClr val="lt1"/>
+    </dgm:linClrLst>
+    <dgm:effectClrLst/>
+    <dgm:txLinClrLst/>
+    <dgm:txFillClrLst/>
+    <dgm:txEffectClrLst/>
+  </dgm:styleLbl>
+  <dgm:styleLbl name="fgImgPlace1">
+    <dgm:fillClrLst meth="repeat">
+      <a:schemeClr val="accent2">
+        <a:tint val="50000"/>
+      </a:schemeClr>
+    </dgm:fillClrLst>
+    <dgm:linClrLst meth="repeat">
+      <a:schemeClr val="lt1"/>
+    </dgm:linClrLst>
+    <dgm:effectClrLst/>
+    <dgm:txLinClrLst/>
+    <dgm:txFillClrLst meth="repeat">
+      <a:schemeClr val="lt1"/>
+    </dgm:txFillClrLst>
+    <dgm:txEffectClrLst/>
+  </dgm:styleLbl>
+  <dgm:styleLbl name="alignImgPlace1">
+    <dgm:fillClrLst meth="repeat">
+      <a:schemeClr val="accent2">
+        <a:tint val="50000"/>
+      </a:schemeClr>
+    </dgm:fillClrLst>
+    <dgm:linClrLst meth="repeat">
+      <a:schemeClr val="lt1"/>
+    </dgm:linClrLst>
+    <dgm:effectClrLst/>
+    <dgm:txLinClrLst/>
+    <dgm:txFillClrLst meth="repeat">
+      <a:schemeClr val="lt1"/>
+    </dgm:txFillClrLst>
+    <dgm:txEffectClrLst/>
+  </dgm:styleLbl>
+  <dgm:styleLbl name="bgImgPlace1">
+    <dgm:fillClrLst meth="repeat">
+      <a:schemeClr val="accent2">
+        <a:tint val="50000"/>
+      </a:schemeClr>
+    </dgm:fillClrLst>
+    <dgm:linClrLst meth="repeat">
+      <a:schemeClr val="lt1"/>
+    </dgm:linClrLst>
+    <dgm:effectClrLst/>
+    <dgm:txLinClrLst/>
+    <dgm:txFillClrLst meth="repeat">
+      <a:schemeClr val="lt1"/>
+    </dgm:txFillClrLst>
+    <dgm:txEffectClrLst/>
+  </dgm:styleLbl>
+  <dgm:styleLbl name="sibTrans2D1">
+    <dgm:fillClrLst meth="repeat">
+      <a:schemeClr val="accent2">
+        <a:tint val="60000"/>
+      </a:schemeClr>
+    </dgm:fillClrLst>
+    <dgm:linClrLst meth="repeat">
+      <a:schemeClr val="accent2">
+        <a:tint val="60000"/>
+      </a:schemeClr>
+    </dgm:linClrLst>
+    <dgm:effectClrLst/>
+    <dgm:txLinClrLst/>
+    <dgm:txFillClrLst/>
+    <dgm:txEffectClrLst/>
+  </dgm:styleLbl>
+  <dgm:styleLbl name="fgSibTrans2D1">
+    <dgm:fillClrLst meth="repeat">
+      <a:schemeClr val="accent2">
+        <a:tint val="60000"/>
+      </a:schemeClr>
+    </dgm:fillClrLst>
+    <dgm:linClrLst meth="repeat">
+      <a:schemeClr val="accent2">
+        <a:tint val="60000"/>
+      </a:schemeClr>
+    </dgm:linClrLst>
+    <dgm:effectClrLst/>
+    <dgm:txLinClrLst/>
+    <dgm:txFillClrLst/>
+    <dgm:txEffectClrLst/>
+  </dgm:styleLbl>
+  <dgm:styleLbl name="bgSibTrans2D1">
+    <dgm:fillClrLst meth="repeat">
+      <a:schemeClr val="accent2">
+        <a:tint val="60000"/>
+      </a:schemeClr>
+    </dgm:fillClrLst>
+    <dgm:linClrLst meth="repeat">
+      <a:schemeClr val="accent2">
+        <a:tint val="60000"/>
+      </a:schemeClr>
+    </dgm:linClrLst>
+    <dgm:effectClrLst/>
+    <dgm:txLinClrLst/>
+    <dgm:txFillClrLst/>
+    <dgm:txEffectClrLst/>
+  </dgm:styleLbl>
+  <dgm:styleLbl name="sibTrans1D1">
+    <dgm:fillClrLst meth="repeat">
+      <a:schemeClr val="accent2"/>
+    </dgm:fillClrLst>
+    <dgm:linClrLst meth="repeat">
+      <a:schemeClr val="accent2"/>
+    </dgm:linClrLst>
+    <dgm:effectClrLst/>
+    <dgm:txLinClrLst/>
+    <dgm:txFillClrLst meth="repeat">
+      <a:schemeClr val="tx1"/>
+    </dgm:txFillClrLst>
+    <dgm:txEffectClrLst/>
+  </dgm:styleLbl>
+  <dgm:styleLbl name="callout">
+    <dgm:fillClrLst meth="repeat">
+      <a:schemeClr val="accent2"/>
+    </dgm:fillClrLst>
+    <dgm:linClrLst meth="repeat">
+      <a:schemeClr val="accent2">
+        <a:tint val="50000"/>
+      </a:schemeClr>
+    </dgm:linClrLst>
+    <dgm:effectClrLst/>
+    <dgm:txLinClrLst/>
+    <dgm:txFillClrLst meth="repeat">
+      <a:schemeClr val="tx1"/>
+    </dgm:txFillClrLst>
+    <dgm:txEffectClrLst/>
+  </dgm:styleLbl>
+  <dgm:styleLbl name="asst0">
+    <dgm:fillClrLst meth="repeat">
+      <a:schemeClr val="accent2"/>
+    </dgm:fillClrLst>
+    <dgm:linClrLst meth="repeat">
+      <a:schemeClr val="lt1"/>
+    </dgm:linClrLst>
+    <dgm:effectClrLst/>
+    <dgm:txLinClrLst/>
+    <dgm:txFillClrLst/>
+    <dgm:txEffectClrLst/>
+  </dgm:styleLbl>
+  <dgm:styleLbl name="asst1">
+    <dgm:fillClrLst meth="repeat">
+      <a:schemeClr val="accent2"/>
+    </dgm:fillClrLst>
+    <dgm:linClrLst meth="repeat">
+      <a:schemeClr val="lt1"/>
+    </dgm:linClrLst>
+    <dgm:effectClrLst/>
+    <dgm:txLinClrLst/>
+    <dgm:txFillClrLst/>
+    <dgm:txEffectClrLst/>
+  </dgm:styleLbl>
+  <dgm:styleLbl name="asst2">
+    <dgm:fillClrLst meth="repeat">
+      <a:schemeClr val="accent2"/>
+    </dgm:fillClrLst>
+    <dgm:linClrLst meth="repeat">
+      <a:schemeClr val="lt1"/>
+    </dgm:linClrLst>
+    <dgm:effectClrLst/>
+    <dgm:txLinClrLst/>
+    <dgm:txFillClrLst/>
+    <dgm:txEffectClrLst/>
+  </dgm:styleLbl>
+  <dgm:styleLbl name="asst3">
+    <dgm:fillClrLst meth="repeat">
+      <a:schemeClr val="accent2"/>
+    </dgm:fillClrLst>
+    <dgm:linClrLst meth="repeat">
+      <a:schemeClr val="lt1"/>
+    </dgm:linClrLst>
+    <dgm:effectClrLst/>
+    <dgm:txLinClrLst/>
+    <dgm:txFillClrLst/>
+    <dgm:txEffectClrLst/>
+  </dgm:styleLbl>
+  <dgm:styleLbl name="asst4">
+    <dgm:fillClrLst meth="repeat">
+      <a:schemeClr val="accent2"/>
+    </dgm:fillClrLst>
+    <dgm:linClrLst meth="repeat">
+      <a:schemeClr val="lt1"/>
+    </dgm:linClrLst>
+    <dgm:effectClrLst/>
+    <dgm:txLinClrLst/>
+    <dgm:txFillClrLst/>
+    <dgm:txEffectClrLst/>
+  </dgm:styleLbl>
+  <dgm:styleLbl name="parChTrans2D1">
+    <dgm:fillClrLst meth="repeat">
+      <a:schemeClr val="accent2">
+        <a:tint val="60000"/>
+      </a:schemeClr>
+    </dgm:fillClrLst>
+    <dgm:linClrLst meth="repeat">
+      <a:schemeClr val="accent2">
+        <a:tint val="60000"/>
+      </a:schemeClr>
+    </dgm:linClrLst>
+    <dgm:effectClrLst/>
+    <dgm:txLinClrLst/>
+    <dgm:txFillClrLst meth="repeat">
+      <a:schemeClr val="lt1"/>
+    </dgm:txFillClrLst>
+    <dgm:txEffectClrLst/>
+  </dgm:styleLbl>
+  <dgm:styleLbl name="parChTrans2D2">
+    <dgm:fillClrLst meth="repeat">
+      <a:schemeClr val="accent2"/>
+    </dgm:fillClrLst>
+    <dgm:linClrLst meth="repeat">
+      <a:schemeClr val="accent2"/>
+    </dgm:linClrLst>
+    <dgm:effectClrLst/>
+    <dgm:txLinClrLst/>
+    <dgm:txFillClrLst meth="repeat">
+      <a:schemeClr val="lt1"/>
+    </dgm:txFillClrLst>
+    <dgm:txEffectClrLst/>
+  </dgm:styleLbl>
+  <dgm:styleLbl name="parChTrans2D3">
+    <dgm:fillClrLst meth="repeat">
+      <a:schemeClr val="accent2"/>
+    </dgm:fillClrLst>
+    <dgm:linClrLst meth="repeat">
+      <a:schemeClr val="accent2"/>
+    </dgm:linClrLst>
+    <dgm:effectClrLst/>
+    <dgm:txLinClrLst/>
+    <dgm:txFillClrLst meth="repeat">
+      <a:schemeClr val="lt1"/>
+    </dgm:txFillClrLst>
+    <dgm:txEffectClrLst/>
+  </dgm:styleLbl>
+  <dgm:styleLbl name="parChTrans2D4">
+    <dgm:fillClrLst meth="repeat">
+      <a:schemeClr val="accent2"/>
+    </dgm:fillClrLst>
+    <dgm:linClrLst meth="repeat">
+      <a:schemeClr val="accent2"/>
+    </dgm:linClrLst>
+    <dgm:effectClrLst/>
+    <dgm:txLinClrLst/>
+    <dgm:txFillClrLst meth="repeat">
+      <a:schemeClr val="lt1"/>
+    </dgm:txFillClrLst>
+    <dgm:txEffectClrLst/>
+  </dgm:styleLbl>
+  <dgm:styleLbl name="parChTrans1D1">
+    <dgm:fillClrLst meth="repeat">
+      <a:schemeClr val="accent2"/>
+    </dgm:fillClrLst>
+    <dgm:linClrLst meth="repeat">
+      <a:schemeClr val="accent2">
+        <a:shade val="60000"/>
+      </a:schemeClr>
+    </dgm:linClrLst>
+    <dgm:effectClrLst/>
+    <dgm:txLinClrLst/>
+    <dgm:txFillClrLst meth="repeat">
+      <a:schemeClr val="tx1"/>
+    </dgm:txFillClrLst>
+    <dgm:txEffectClrLst/>
+  </dgm:styleLbl>
+  <dgm:styleLbl name="parChTrans1D2">
+    <dgm:fillClrLst meth="repeat">
+      <a:schemeClr val="accent2"/>
+    </dgm:fillClrLst>
+    <dgm:linClrLst meth="repeat">
+      <a:schemeClr val="accent2">
+        <a:shade val="60000"/>
+      </a:schemeClr>
+    </dgm:linClrLst>
+    <dgm:effectClrLst/>
+    <dgm:txLinClrLst/>
+    <dgm:txFillClrLst meth="repeat">
+      <a:schemeClr val="tx1"/>
+    </dgm:txFillClrLst>
+    <dgm:txEffectClrLst/>
+  </dgm:styleLbl>
+  <dgm:styleLbl name="parChTrans1D3">
+    <dgm:fillClrLst meth="repeat">
+      <a:schemeClr val="accent2"/>
+    </dgm:fillClrLst>
+    <dgm:linClrLst meth="repeat">
+      <a:schemeClr val="accent2">
+        <a:shade val="80000"/>
+      </a:schemeClr>
+    </dgm:linClrLst>
+    <dgm:effectClrLst/>
+    <dgm:txLinClrLst/>
+    <dgm:txFillClrLst meth="repeat">
+      <a:schemeClr val="tx1"/>
+    </dgm:txFillClrLst>
+    <dgm:txEffectClrLst/>
+  </dgm:styleLbl>
+  <dgm:styleLbl name="parChTrans1D4">
+    <dgm:fillClrLst meth="repeat">
+      <a:schemeClr val="accent2"/>
+    </dgm:fillClrLst>
+    <dgm:linClrLst meth="repeat">
+      <a:schemeClr val="accent2">
+        <a:shade val="80000"/>
+      </a:schemeClr>
+    </dgm:linClrLst>
+    <dgm:effectClrLst/>
+    <dgm:txLinClrLst/>
+    <dgm:txFillClrLst meth="repeat">
+      <a:schemeClr val="tx1"/>
+    </dgm:txFillClrLst>
+    <dgm:txEffectClrLst/>
+  </dgm:styleLbl>
+  <dgm:styleLbl name="fgAcc1">
+    <dgm:fillClrLst meth="repeat">
+      <a:schemeClr val="lt1">
+        <a:alpha val="90000"/>
+      </a:schemeClr>
+    </dgm:fillClrLst>
+    <dgm:linClrLst meth="repeat">
+      <a:schemeClr val="accent2"/>
+    </dgm:linClrLst>
+    <dgm:effectClrLst/>
+    <dgm:txLinClrLst/>
+    <dgm:txFillClrLst meth="repeat">
+      <a:schemeClr val="dk1"/>
+    </dgm:txFillClrLst>
+    <dgm:txEffectClrLst/>
+  </dgm:styleLbl>
+  <dgm:styleLbl name="conFgAcc1">
+    <dgm:fillClrLst meth="repeat">
+      <a:schemeClr val="lt1">
+        <a:alpha val="90000"/>
+      </a:schemeClr>
+    </dgm:fillClrLst>
+    <dgm:linClrLst meth="repeat">
+      <a:schemeClr val="accent2"/>
+    </dgm:linClrLst>
+    <dgm:effectClrLst/>
+    <dgm:txLinClrLst/>
+    <dgm:txFillClrLst meth="repeat">
+      <a:schemeClr val="dk1"/>
+    </dgm:txFillClrLst>
+    <dgm:txEffectClrLst/>
+  </dgm:styleLbl>
+  <dgm:styleLbl name="alignAcc1">
+    <dgm:fillClrLst meth="repeat">
+      <a:schemeClr val="lt1">
+        <a:alpha val="90000"/>
+      </a:schemeClr>
+    </dgm:fillClrLst>
+    <dgm:linClrLst meth="repeat">
+      <a:schemeClr val="accent2"/>
+    </dgm:linClrLst>
+    <dgm:effectClrLst/>
+    <dgm:txLinClrLst/>
+    <dgm:txFillClrLst meth="repeat">
+      <a:schemeClr val="dk1"/>
+    </dgm:txFillClrLst>
+    <dgm:txEffectClrLst/>
+  </dgm:styleLbl>
+  <dgm:styleLbl name="trAlignAcc1">
+    <dgm:fillClrLst meth="repeat">
+      <a:schemeClr val="lt1">
+        <a:alpha val="40000"/>
+      </a:schemeClr>
+    </dgm:fillClrLst>
+    <dgm:linClrLst meth="repeat">
+      <a:schemeClr val="accent2"/>
+    </dgm:linClrLst>
+    <dgm:effectClrLst/>
+    <dgm:txLinClrLst/>
+    <dgm:txFillClrLst meth="repeat">
+      <a:schemeClr val="dk1"/>
+    </dgm:txFillClrLst>
+    <dgm:txEffectClrLst/>
+  </dgm:styleLbl>
+  <dgm:styleLbl name="bgAcc1">
+    <dgm:fillClrLst meth="repeat">
+      <a:schemeClr val="lt1">
+        <a:alpha val="90000"/>
+      </a:schemeClr>
+    </dgm:fillClrLst>
+    <dgm:linClrLst meth="repeat">
+      <a:schemeClr val="accent2"/>
+    </dgm:linClrLst>
+    <dgm:effectClrLst/>
+    <dgm:txLinClrLst/>
+    <dgm:txFillClrLst meth="repeat">
+      <a:schemeClr val="dk1"/>
+    </dgm:txFillClrLst>
+    <dgm:txEffectClrLst/>
+  </dgm:styleLbl>
+  <dgm:styleLbl name="solidFgAcc1">
+    <dgm:fillClrLst meth="repeat">
+      <a:schemeClr val="lt1"/>
+    </dgm:fillClrLst>
+    <dgm:linClrLst meth="repeat">
+      <a:schemeClr val="accent2"/>
+    </dgm:linClrLst>
+    <dgm:effectClrLst/>
+    <dgm:txLinClrLst/>
+    <dgm:txFillClrLst meth="repeat">
+      <a:schemeClr val="dk1"/>
+    </dgm:txFillClrLst>
+    <dgm:txEffectClrLst/>
+  </dgm:styleLbl>
+  <dgm:styleLbl name="solidAlignAcc1">
+    <dgm:fillClrLst meth="repeat">
+      <a:schemeClr val="lt1"/>
+    </dgm:fillClrLst>
+    <dgm:linClrLst meth="repeat">
+      <a:schemeClr val="accent2"/>
+    </dgm:linClrLst>
+    <dgm:effectClrLst/>
+    <dgm:txLinClrLst/>
+    <dgm:txFillClrLst meth="repeat">
+      <a:schemeClr val="dk1"/>
+    </dgm:txFillClrLst>
+    <dgm:txEffectClrLst/>
+  </dgm:styleLbl>
+  <dgm:styleLbl name="solidBgAcc1">
+    <dgm:fillClrLst meth="repeat">
+      <a:schemeClr val="lt1"/>
+    </dgm:fillClrLst>
+    <dgm:linClrLst meth="repeat">
+      <a:schemeClr val="accent2"/>
+    </dgm:linClrLst>
+    <dgm:effectClrLst/>
+    <dgm:txLinClrLst/>
+    <dgm:txFillClrLst meth="repeat">
+      <a:schemeClr val="dk1"/>
+    </dgm:txFillClrLst>
+    <dgm:txEffectClrLst/>
+  </dgm:styleLbl>
+  <dgm:styleLbl name="fgAccFollowNode1">
+    <dgm:fillClrLst meth="repeat">
+      <a:schemeClr val="accent2">
+        <a:alpha val="90000"/>
+        <a:tint val="40000"/>
+      </a:schemeClr>
+    </dgm:fillClrLst>
+    <dgm:linClrLst meth="repeat">
+      <a:schemeClr val="accent2">
+        <a:alpha val="90000"/>
+        <a:tint val="40000"/>
+      </a:schemeClr>
+    </dgm:linClrLst>
+    <dgm:effectClrLst/>
+    <dgm:txLinClrLst/>
+    <dgm:txFillClrLst meth="repeat">
+      <a:schemeClr val="dk1"/>
+    </dgm:txFillClrLst>
+    <dgm:txEffectClrLst/>
+  </dgm:styleLbl>
+  <dgm:styleLbl name="alignAccFollowNode1">
+    <dgm:fillClrLst meth="repeat">
+      <a:schemeClr val="accent2">
+        <a:alpha val="90000"/>
+        <a:tint val="40000"/>
+      </a:schemeClr>
+    </dgm:fillClrLst>
+    <dgm:linClrLst meth="repeat">
+      <a:schemeClr val="accent2">
+        <a:alpha val="90000"/>
+        <a:tint val="40000"/>
+      </a:schemeClr>
+    </dgm:linClrLst>
+    <dgm:effectClrLst/>
+    <dgm:txLinClrLst/>
+    <dgm:txFillClrLst meth="repeat">
+      <a:schemeClr val="dk1"/>
+    </dgm:txFillClrLst>
+    <dgm:txEffectClrLst/>
+  </dgm:styleLbl>
+  <dgm:styleLbl name="bgAccFollowNode1">
+    <dgm:fillClrLst meth="repeat">
+      <a:schemeClr val="accent2">
+        <a:alpha val="90000"/>
+        <a:tint val="40000"/>
+      </a:schemeClr>
+    </dgm:fillClrLst>
+    <dgm:linClrLst meth="repeat">
+      <a:schemeClr val="accent2">
+        <a:alpha val="90000"/>
+        <a:tint val="40000"/>
+      </a:schemeClr>
+    </dgm:linClrLst>
+    <dgm:effectClrLst/>
+    <dgm:txLinClrLst/>
+    <dgm:txFillClrLst meth="repeat">
+      <a:schemeClr val="dk1"/>
+    </dgm:txFillClrLst>
+    <dgm:txEffectClrLst/>
+  </dgm:styleLbl>
+  <dgm:styleLbl name="fgAcc0">
+    <dgm:fillClrLst meth="repeat">
+      <a:schemeClr val="lt1">
+        <a:alpha val="90000"/>
+      </a:schemeClr>
+    </dgm:fillClrLst>
+    <dgm:linClrLst meth="repeat">
+      <a:schemeClr val="accent2"/>
+    </dgm:linClrLst>
+    <dgm:effectClrLst/>
+    <dgm:txLinClrLst/>
+    <dgm:txFillClrLst meth="repeat">
+      <a:schemeClr val="dk1"/>
+    </dgm:txFillClrLst>
+    <dgm:txEffectClrLst/>
+  </dgm:styleLbl>
+  <dgm:styleLbl name="fgAcc2">
+    <dgm:fillClrLst meth="repeat">
+      <a:schemeClr val="lt1">
+        <a:alpha val="90000"/>
+      </a:schemeClr>
+    </dgm:fillClrLst>
+    <dgm:linClrLst meth="repeat">
+      <a:schemeClr val="accent2"/>
+    </dgm:linClrLst>
+    <dgm:effectClrLst/>
+    <dgm:txLinClrLst/>
+    <dgm:txFillClrLst meth="repeat">
+      <a:schemeClr val="dk1"/>
+    </dgm:txFillClrLst>
+    <dgm:txEffectClrLst/>
+  </dgm:styleLbl>
+  <dgm:styleLbl name="fgAcc3">
+    <dgm:fillClrLst meth="repeat">
+      <a:schemeClr val="lt1">
+        <a:alpha val="90000"/>
+      </a:schemeClr>
+    </dgm:fillClrLst>
+    <dgm:linClrLst meth="repeat">
+      <a:schemeClr val="accent2"/>
+    </dgm:linClrLst>
+    <dgm:effectClrLst/>
+    <dgm:txLinClrLst/>
+    <dgm:txFillClrLst meth="repeat">
+      <a:schemeClr val="dk1"/>
+    </dgm:txFillClrLst>
+    <dgm:txEffectClrLst/>
+  </dgm:styleLbl>
+  <dgm:styleLbl name="fgAcc4">
+    <dgm:fillClrLst meth="repeat">
+      <a:schemeClr val="lt1">
+        <a:alpha val="90000"/>
+      </a:schemeClr>
+    </dgm:fillClrLst>
+    <dgm:linClrLst meth="repeat">
+      <a:schemeClr val="accent2"/>
+    </dgm:linClrLst>
+    <dgm:effectClrLst/>
+    <dgm:txLinClrLst/>
+    <dgm:txFillClrLst meth="repeat">
+      <a:schemeClr val="dk1"/>
+    </dgm:txFillClrLst>
+    <dgm:txEffectClrLst/>
+  </dgm:styleLbl>
+  <dgm:styleLbl name="bgShp">
+    <dgm:fillClrLst meth="repeat">
+      <a:schemeClr val="accent2">
+        <a:tint val="40000"/>
+      </a:schemeClr>
+    </dgm:fillClrLst>
+    <dgm:linClrLst meth="repeat">
+      <a:schemeClr val="accent2"/>
+    </dgm:linClrLst>
+    <dgm:effectClrLst/>
+    <dgm:txLinClrLst/>
+    <dgm:txFillClrLst meth="repeat">
+      <a:schemeClr val="dk1"/>
+    </dgm:txFillClrLst>
+    <dgm:txEffectClrLst/>
+  </dgm:styleLbl>
+  <dgm:styleLbl name="dkBgShp">
+    <dgm:fillClrLst meth="repeat">
+      <a:schemeClr val="accent2">
+        <a:shade val="80000"/>
+      </a:schemeClr>
+    </dgm:fillClrLst>
+    <dgm:linClrLst meth="repeat">
+      <a:schemeClr val="accent2"/>
+    </dgm:linClrLst>
+    <dgm:effectClrLst/>
+    <dgm:txLinClrLst/>
+    <dgm:txFillClrLst meth="repeat">
+      <a:schemeClr val="lt1"/>
+    </dgm:txFillClrLst>
+    <dgm:txEffectClrLst/>
+  </dgm:styleLbl>
+  <dgm:styleLbl name="trBgShp">
+    <dgm:fillClrLst meth="repeat">
+      <a:schemeClr val="accent2">
+        <a:tint val="50000"/>
+        <a:alpha val="40000"/>
+      </a:schemeClr>
+    </dgm:fillClrLst>
+    <dgm:linClrLst meth="repeat">
+      <a:schemeClr val="accent2"/>
+    </dgm:linClrLst>
+    <dgm:effectClrLst/>
+    <dgm:txLinClrLst/>
+    <dgm:txFillClrLst meth="repeat">
+      <a:schemeClr val="lt1"/>
+    </dgm:txFillClrLst>
+    <dgm:txEffectClrLst/>
+  </dgm:styleLbl>
+  <dgm:styleLbl name="fgShp">
+    <dgm:fillClrLst meth="repeat">
+      <a:schemeClr val="accent2">
+        <a:tint val="60000"/>
+      </a:schemeClr>
+    </dgm:fillClrLst>
+    <dgm:linClrLst meth="repeat">
+      <a:schemeClr val="lt1"/>
+    </dgm:linClrLst>
+    <dgm:effectClrLst/>
+    <dgm:txLinClrLst/>
+    <dgm:txFillClrLst meth="repeat">
+      <a:schemeClr val="dk1"/>
+    </dgm:txFillClrLst>
+    <dgm:txEffectClrLst/>
+  </dgm:styleLbl>
+  <dgm:styleLbl name="revTx">
+    <dgm:fillClrLst meth="repeat">
+      <a:schemeClr val="lt1">
+        <a:alpha val="0"/>
+      </a:schemeClr>
+    </dgm:fillClrLst>
+    <dgm:linClrLst meth="repeat">
+      <a:schemeClr val="dk1">
+        <a:alpha val="0"/>
+      </a:schemeClr>
+    </dgm:linClrLst>
+    <dgm:effectClrLst/>
+    <dgm:txLinClrLst/>
+    <dgm:txFillClrLst meth="repeat">
+      <a:schemeClr val="tx1"/>
+    </dgm:txFillClrLst>
+    <dgm:txEffectClrLst/>
+  </dgm:styleLbl>
+</dgm:colorsDef>
+</file>
+
+<file path=ppt/diagrams/colors2.xml><?xml version="1.0" encoding="utf-8"?>
 <dgm:colorsDef xmlns:dgm="http://schemas.openxmlformats.org/drawingml/2006/diagram" xmlns:a="http://schemas.openxmlformats.org/drawingml/2006/main" uniqueId="urn:microsoft.com/office/officeart/2005/8/colors/accent0_3">
   <dgm:title val=""/>
   <dgm:desc val=""/>
@@ -896,6 +1648,376 @@
 </file>
 
 <file path=ppt/diagrams/data1.xml><?xml version="1.0" encoding="utf-8"?>
+<dgm:dataModel xmlns:dgm="http://schemas.openxmlformats.org/drawingml/2006/diagram" xmlns:a="http://schemas.openxmlformats.org/drawingml/2006/main">
+  <dgm:ptLst>
+    <dgm:pt modelId="{20EE2D5E-F702-4A5D-913C-FDD6D4CD6828}" type="doc">
+      <dgm:prSet loTypeId="urn:microsoft.com/office/officeart/2005/8/layout/hList6" loCatId="list" qsTypeId="urn:microsoft.com/office/officeart/2005/8/quickstyle/simple3" qsCatId="simple" csTypeId="urn:microsoft.com/office/officeart/2005/8/colors/accent2_2" csCatId="accent2"/>
+      <dgm:spPr/>
+      <dgm:t>
+        <a:bodyPr/>
+        <a:lstStyle/>
+        <a:p>
+          <a:endParaRPr lang="vi-VN"/>
+        </a:p>
+      </dgm:t>
+    </dgm:pt>
+    <dgm:pt modelId="{9E492877-3DB4-437F-B2A8-B534652324B2}">
+      <dgm:prSet/>
+      <dgm:spPr/>
+      <dgm:t>
+        <a:bodyPr/>
+        <a:lstStyle/>
+        <a:p>
+          <a:pPr rtl="0"/>
+          <a:r>
+            <a:rPr lang="en-US" smtClean="0">
+              <a:solidFill>
+                <a:srgbClr val="FF0000"/>
+              </a:solidFill>
+            </a:rPr>
+            <a:t>HTML5</a:t>
+          </a:r>
+          <a:endParaRPr lang="vi-VN">
+            <a:solidFill>
+              <a:srgbClr val="FF0000"/>
+            </a:solidFill>
+          </a:endParaRPr>
+        </a:p>
+      </dgm:t>
+    </dgm:pt>
+    <dgm:pt modelId="{0D166711-5A28-47E6-9C2B-4655D74E76EC}" type="parTrans" cxnId="{0C573826-7353-4FA3-8223-2E2F78BB2723}">
+      <dgm:prSet/>
+      <dgm:spPr/>
+      <dgm:t>
+        <a:bodyPr/>
+        <a:lstStyle/>
+        <a:p>
+          <a:endParaRPr lang="vi-VN"/>
+        </a:p>
+      </dgm:t>
+    </dgm:pt>
+    <dgm:pt modelId="{8FF42943-0148-4833-AFDA-CE6DD84AF558}" type="sibTrans" cxnId="{0C573826-7353-4FA3-8223-2E2F78BB2723}">
+      <dgm:prSet/>
+      <dgm:spPr/>
+      <dgm:t>
+        <a:bodyPr/>
+        <a:lstStyle/>
+        <a:p>
+          <a:endParaRPr lang="vi-VN"/>
+        </a:p>
+      </dgm:t>
+    </dgm:pt>
+    <dgm:pt modelId="{8D8250B8-7D61-4DD8-94EB-DCE2AAC8D1F6}">
+      <dgm:prSet/>
+      <dgm:spPr/>
+      <dgm:t>
+        <a:bodyPr/>
+        <a:lstStyle/>
+        <a:p>
+          <a:pPr algn="just" rtl="0"/>
+          <a:r>
+            <a:rPr lang="en-US" smtClean="0">
+              <a:latin typeface="Arial" pitchFamily="34" charset="0"/>
+              <a:cs typeface="Arial" pitchFamily="34" charset="0"/>
+            </a:rPr>
+            <a:t>Là chuẩn công nghệ mới  nhất của HTML.</a:t>
+          </a:r>
+          <a:endParaRPr lang="vi-VN">
+            <a:latin typeface="Arial" pitchFamily="34" charset="0"/>
+            <a:cs typeface="Arial" pitchFamily="34" charset="0"/>
+          </a:endParaRPr>
+        </a:p>
+      </dgm:t>
+    </dgm:pt>
+    <dgm:pt modelId="{F67CE5C5-5799-436A-B5BF-891425F9A5E3}" type="parTrans" cxnId="{93748C8C-DBA7-40FD-8BEE-3651422505FD}">
+      <dgm:prSet/>
+      <dgm:spPr/>
+      <dgm:t>
+        <a:bodyPr/>
+        <a:lstStyle/>
+        <a:p>
+          <a:endParaRPr lang="vi-VN"/>
+        </a:p>
+      </dgm:t>
+    </dgm:pt>
+    <dgm:pt modelId="{BB3FD149-F28A-438F-837B-9010F064CD8A}" type="sibTrans" cxnId="{93748C8C-DBA7-40FD-8BEE-3651422505FD}">
+      <dgm:prSet/>
+      <dgm:spPr/>
+      <dgm:t>
+        <a:bodyPr/>
+        <a:lstStyle/>
+        <a:p>
+          <a:endParaRPr lang="vi-VN"/>
+        </a:p>
+      </dgm:t>
+    </dgm:pt>
+    <dgm:pt modelId="{66D16FEC-866E-442D-A0E9-E25B0A7DF2DA}">
+      <dgm:prSet/>
+      <dgm:spPr/>
+      <dgm:t>
+        <a:bodyPr/>
+        <a:lstStyle/>
+        <a:p>
+          <a:pPr algn="just" rtl="0"/>
+          <a:r>
+            <a:rPr lang="en-US" smtClean="0">
+              <a:latin typeface="Arial" pitchFamily="34" charset="0"/>
+              <a:cs typeface="Arial" pitchFamily="34" charset="0"/>
+            </a:rPr>
+            <a:t>Vẫn đang được phát triển.</a:t>
+          </a:r>
+          <a:endParaRPr lang="vi-VN">
+            <a:latin typeface="Arial" pitchFamily="34" charset="0"/>
+            <a:cs typeface="Arial" pitchFamily="34" charset="0"/>
+          </a:endParaRPr>
+        </a:p>
+      </dgm:t>
+    </dgm:pt>
+    <dgm:pt modelId="{9F5C1AB7-BC2C-4827-85C3-D8CFB7A29B60}" type="parTrans" cxnId="{2F04CD73-DE41-4841-A9F8-7E23929D5A60}">
+      <dgm:prSet/>
+      <dgm:spPr/>
+      <dgm:t>
+        <a:bodyPr/>
+        <a:lstStyle/>
+        <a:p>
+          <a:endParaRPr lang="vi-VN"/>
+        </a:p>
+      </dgm:t>
+    </dgm:pt>
+    <dgm:pt modelId="{D0DDB64B-3642-40B0-B8C8-151BB4B011BB}" type="sibTrans" cxnId="{2F04CD73-DE41-4841-A9F8-7E23929D5A60}">
+      <dgm:prSet/>
+      <dgm:spPr/>
+      <dgm:t>
+        <a:bodyPr/>
+        <a:lstStyle/>
+        <a:p>
+          <a:endParaRPr lang="vi-VN"/>
+        </a:p>
+      </dgm:t>
+    </dgm:pt>
+    <dgm:pt modelId="{08A56D3E-C691-4CF9-8830-5BB0B89E94A2}">
+      <dgm:prSet/>
+      <dgm:spPr/>
+      <dgm:t>
+        <a:bodyPr/>
+        <a:lstStyle/>
+        <a:p>
+          <a:pPr algn="just" rtl="0"/>
+          <a:r>
+            <a:rPr lang="en-US" smtClean="0">
+              <a:latin typeface="Arial" pitchFamily="34" charset="0"/>
+              <a:cs typeface="Arial" pitchFamily="34" charset="0"/>
+            </a:rPr>
+            <a:t>Tính đến tháng 1/2011 thì vẫn còn trong giai đoạn đặc tả kỹ thuật</a:t>
+          </a:r>
+          <a:endParaRPr lang="vi-VN">
+            <a:latin typeface="Arial" pitchFamily="34" charset="0"/>
+            <a:cs typeface="Arial" pitchFamily="34" charset="0"/>
+          </a:endParaRPr>
+        </a:p>
+      </dgm:t>
+    </dgm:pt>
+    <dgm:pt modelId="{5788B36C-3F6F-40A8-8EC8-B7D5534E312E}" type="parTrans" cxnId="{1EBFD0D8-4761-4E40-8719-0B554DA0DF05}">
+      <dgm:prSet/>
+      <dgm:spPr/>
+      <dgm:t>
+        <a:bodyPr/>
+        <a:lstStyle/>
+        <a:p>
+          <a:endParaRPr lang="vi-VN"/>
+        </a:p>
+      </dgm:t>
+    </dgm:pt>
+    <dgm:pt modelId="{9CA8EE3F-1315-4D0C-B33B-7A75876E19C2}" type="sibTrans" cxnId="{1EBFD0D8-4761-4E40-8719-0B554DA0DF05}">
+      <dgm:prSet/>
+      <dgm:spPr/>
+      <dgm:t>
+        <a:bodyPr/>
+        <a:lstStyle/>
+        <a:p>
+          <a:endParaRPr lang="vi-VN"/>
+        </a:p>
+      </dgm:t>
+    </dgm:pt>
+    <dgm:pt modelId="{9DA62732-26A5-4EA9-83E4-49359569FB45}">
+      <dgm:prSet/>
+      <dgm:spPr/>
+      <dgm:t>
+        <a:bodyPr/>
+        <a:lstStyle/>
+        <a:p>
+          <a:pPr algn="just" rtl="0"/>
+          <a:r>
+            <a:rPr lang="en-US" smtClean="0">
+              <a:latin typeface="Arial" pitchFamily="34" charset="0"/>
+              <a:cs typeface="Arial" pitchFamily="34" charset="0"/>
+            </a:rPr>
+            <a:t>Dự kiến đến 2012 thì sẽ được đề suất sử dụng</a:t>
+          </a:r>
+          <a:endParaRPr lang="vi-VN">
+            <a:latin typeface="Arial" pitchFamily="34" charset="0"/>
+            <a:cs typeface="Arial" pitchFamily="34" charset="0"/>
+          </a:endParaRPr>
+        </a:p>
+      </dgm:t>
+    </dgm:pt>
+    <dgm:pt modelId="{7B827509-232B-49FD-802A-31B235A9EC83}" type="parTrans" cxnId="{A45FA1C8-3D31-46BB-9331-6AE5D3B5E80A}">
+      <dgm:prSet/>
+      <dgm:spPr/>
+      <dgm:t>
+        <a:bodyPr/>
+        <a:lstStyle/>
+        <a:p>
+          <a:endParaRPr lang="vi-VN"/>
+        </a:p>
+      </dgm:t>
+    </dgm:pt>
+    <dgm:pt modelId="{258665C2-29A2-4181-A4B4-F78754FD3C6D}" type="sibTrans" cxnId="{A45FA1C8-3D31-46BB-9331-6AE5D3B5E80A}">
+      <dgm:prSet/>
+      <dgm:spPr/>
+      <dgm:t>
+        <a:bodyPr/>
+        <a:lstStyle/>
+        <a:p>
+          <a:endParaRPr lang="vi-VN"/>
+        </a:p>
+      </dgm:t>
+    </dgm:pt>
+    <dgm:pt modelId="{74C6DDCB-C05A-49E8-B44C-ACBB7B02120D}">
+      <dgm:prSet/>
+      <dgm:spPr/>
+      <dgm:t>
+        <a:bodyPr/>
+        <a:lstStyle/>
+        <a:p>
+          <a:pPr algn="just" rtl="0"/>
+          <a:r>
+            <a:rPr lang="en-US" smtClean="0">
+              <a:latin typeface="Arial" pitchFamily="34" charset="0"/>
+              <a:cs typeface="Arial" pitchFamily="34" charset="0"/>
+            </a:rPr>
+            <a:t>Đến 2014 thì sẽ đặc tả đầy đủ</a:t>
+          </a:r>
+          <a:endParaRPr lang="vi-VN">
+            <a:latin typeface="Arial" pitchFamily="34" charset="0"/>
+            <a:cs typeface="Arial" pitchFamily="34" charset="0"/>
+          </a:endParaRPr>
+        </a:p>
+      </dgm:t>
+    </dgm:pt>
+    <dgm:pt modelId="{E164ED94-E168-4612-B580-6D627AE38F66}" type="parTrans" cxnId="{0F414816-02D6-4FDB-A039-BB13CA528BD2}">
+      <dgm:prSet/>
+      <dgm:spPr/>
+      <dgm:t>
+        <a:bodyPr/>
+        <a:lstStyle/>
+        <a:p>
+          <a:endParaRPr lang="vi-VN"/>
+        </a:p>
+      </dgm:t>
+    </dgm:pt>
+    <dgm:pt modelId="{3842FB5E-FAEB-4ADE-8DC1-D1EEC467A40C}" type="sibTrans" cxnId="{0F414816-02D6-4FDB-A039-BB13CA528BD2}">
+      <dgm:prSet/>
+      <dgm:spPr/>
+      <dgm:t>
+        <a:bodyPr/>
+        <a:lstStyle/>
+        <a:p>
+          <a:endParaRPr lang="vi-VN"/>
+        </a:p>
+      </dgm:t>
+    </dgm:pt>
+    <dgm:pt modelId="{9BC4EAFA-B4A3-45C5-A144-7A7CEED4C53B}">
+      <dgm:prSet/>
+      <dgm:spPr/>
+      <dgm:t>
+        <a:bodyPr/>
+        <a:lstStyle/>
+        <a:p>
+          <a:pPr algn="just" rtl="0"/>
+          <a:r>
+            <a:rPr lang="en-US" smtClean="0">
+              <a:latin typeface="Arial" pitchFamily="34" charset="0"/>
+              <a:cs typeface="Arial" pitchFamily="34" charset="0"/>
+            </a:rPr>
+            <a:t>Đến 2022 thì hoàn thành 100% và tương thích đầy đủ.</a:t>
+          </a:r>
+          <a:endParaRPr lang="vi-VN">
+            <a:latin typeface="Arial" pitchFamily="34" charset="0"/>
+            <a:cs typeface="Arial" pitchFamily="34" charset="0"/>
+          </a:endParaRPr>
+        </a:p>
+      </dgm:t>
+    </dgm:pt>
+    <dgm:pt modelId="{D20DA068-41CD-48CE-A1B0-BDB9AE06BB82}" type="parTrans" cxnId="{C8966D2E-5E63-4150-807A-010F2FE2E8F0}">
+      <dgm:prSet/>
+      <dgm:spPr/>
+      <dgm:t>
+        <a:bodyPr/>
+        <a:lstStyle/>
+        <a:p>
+          <a:endParaRPr lang="vi-VN"/>
+        </a:p>
+      </dgm:t>
+    </dgm:pt>
+    <dgm:pt modelId="{DFA44520-1A69-4074-BAE7-883230A7FEAE}" type="sibTrans" cxnId="{C8966D2E-5E63-4150-807A-010F2FE2E8F0}">
+      <dgm:prSet/>
+      <dgm:spPr/>
+      <dgm:t>
+        <a:bodyPr/>
+        <a:lstStyle/>
+        <a:p>
+          <a:endParaRPr lang="vi-VN"/>
+        </a:p>
+      </dgm:t>
+    </dgm:pt>
+    <dgm:pt modelId="{B95A78AB-21A9-4015-8250-940444BD3C15}" type="pres">
+      <dgm:prSet presAssocID="{20EE2D5E-F702-4A5D-913C-FDD6D4CD6828}" presName="Name0" presStyleCnt="0">
+        <dgm:presLayoutVars>
+          <dgm:dir/>
+          <dgm:resizeHandles val="exact"/>
+        </dgm:presLayoutVars>
+      </dgm:prSet>
+      <dgm:spPr/>
+    </dgm:pt>
+    <dgm:pt modelId="{CB4308E7-C16A-4D80-B990-A129F3D9F85C}" type="pres">
+      <dgm:prSet presAssocID="{9E492877-3DB4-437F-B2A8-B534652324B2}" presName="node" presStyleLbl="node1" presStyleIdx="0" presStyleCnt="1">
+        <dgm:presLayoutVars>
+          <dgm:bulletEnabled val="1"/>
+        </dgm:presLayoutVars>
+      </dgm:prSet>
+      <dgm:spPr/>
+    </dgm:pt>
+  </dgm:ptLst>
+  <dgm:cxnLst>
+    <dgm:cxn modelId="{DAF2F311-1F57-416C-928E-C790594461DE}" type="presOf" srcId="{74C6DDCB-C05A-49E8-B44C-ACBB7B02120D}" destId="{CB4308E7-C16A-4D80-B990-A129F3D9F85C}" srcOrd="0" destOrd="5" presId="urn:microsoft.com/office/officeart/2005/8/layout/hList6"/>
+    <dgm:cxn modelId="{0C573826-7353-4FA3-8223-2E2F78BB2723}" srcId="{20EE2D5E-F702-4A5D-913C-FDD6D4CD6828}" destId="{9E492877-3DB4-437F-B2A8-B534652324B2}" srcOrd="0" destOrd="0" parTransId="{0D166711-5A28-47E6-9C2B-4655D74E76EC}" sibTransId="{8FF42943-0148-4833-AFDA-CE6DD84AF558}"/>
+    <dgm:cxn modelId="{A6F94DF7-248B-43E6-B28D-2CAFA3A4E957}" type="presOf" srcId="{20EE2D5E-F702-4A5D-913C-FDD6D4CD6828}" destId="{B95A78AB-21A9-4015-8250-940444BD3C15}" srcOrd="0" destOrd="0" presId="urn:microsoft.com/office/officeart/2005/8/layout/hList6"/>
+    <dgm:cxn modelId="{21302D41-93AC-44F0-96A3-1B294CE34FFE}" type="presOf" srcId="{9E492877-3DB4-437F-B2A8-B534652324B2}" destId="{CB4308E7-C16A-4D80-B990-A129F3D9F85C}" srcOrd="0" destOrd="0" presId="urn:microsoft.com/office/officeart/2005/8/layout/hList6"/>
+    <dgm:cxn modelId="{2FE15E40-91CA-472F-99C8-D7D0A11075E7}" type="presOf" srcId="{08A56D3E-C691-4CF9-8830-5BB0B89E94A2}" destId="{CB4308E7-C16A-4D80-B990-A129F3D9F85C}" srcOrd="0" destOrd="3" presId="urn:microsoft.com/office/officeart/2005/8/layout/hList6"/>
+    <dgm:cxn modelId="{93748C8C-DBA7-40FD-8BEE-3651422505FD}" srcId="{9E492877-3DB4-437F-B2A8-B534652324B2}" destId="{8D8250B8-7D61-4DD8-94EB-DCE2AAC8D1F6}" srcOrd="0" destOrd="0" parTransId="{F67CE5C5-5799-436A-B5BF-891425F9A5E3}" sibTransId="{BB3FD149-F28A-438F-837B-9010F064CD8A}"/>
+    <dgm:cxn modelId="{C2F4F394-620B-4C24-A8B2-5FF642C734ED}" type="presOf" srcId="{9BC4EAFA-B4A3-45C5-A144-7A7CEED4C53B}" destId="{CB4308E7-C16A-4D80-B990-A129F3D9F85C}" srcOrd="0" destOrd="6" presId="urn:microsoft.com/office/officeart/2005/8/layout/hList6"/>
+    <dgm:cxn modelId="{0F414816-02D6-4FDB-A039-BB13CA528BD2}" srcId="{9E492877-3DB4-437F-B2A8-B534652324B2}" destId="{74C6DDCB-C05A-49E8-B44C-ACBB7B02120D}" srcOrd="4" destOrd="0" parTransId="{E164ED94-E168-4612-B580-6D627AE38F66}" sibTransId="{3842FB5E-FAEB-4ADE-8DC1-D1EEC467A40C}"/>
+    <dgm:cxn modelId="{A45FA1C8-3D31-46BB-9331-6AE5D3B5E80A}" srcId="{9E492877-3DB4-437F-B2A8-B534652324B2}" destId="{9DA62732-26A5-4EA9-83E4-49359569FB45}" srcOrd="3" destOrd="0" parTransId="{7B827509-232B-49FD-802A-31B235A9EC83}" sibTransId="{258665C2-29A2-4181-A4B4-F78754FD3C6D}"/>
+    <dgm:cxn modelId="{2F04CD73-DE41-4841-A9F8-7E23929D5A60}" srcId="{9E492877-3DB4-437F-B2A8-B534652324B2}" destId="{66D16FEC-866E-442D-A0E9-E25B0A7DF2DA}" srcOrd="1" destOrd="0" parTransId="{9F5C1AB7-BC2C-4827-85C3-D8CFB7A29B60}" sibTransId="{D0DDB64B-3642-40B0-B8C8-151BB4B011BB}"/>
+    <dgm:cxn modelId="{1EBFD0D8-4761-4E40-8719-0B554DA0DF05}" srcId="{9E492877-3DB4-437F-B2A8-B534652324B2}" destId="{08A56D3E-C691-4CF9-8830-5BB0B89E94A2}" srcOrd="2" destOrd="0" parTransId="{5788B36C-3F6F-40A8-8EC8-B7D5534E312E}" sibTransId="{9CA8EE3F-1315-4D0C-B33B-7A75876E19C2}"/>
+    <dgm:cxn modelId="{8106B156-2A33-465B-B469-749D442FCE71}" type="presOf" srcId="{8D8250B8-7D61-4DD8-94EB-DCE2AAC8D1F6}" destId="{CB4308E7-C16A-4D80-B990-A129F3D9F85C}" srcOrd="0" destOrd="1" presId="urn:microsoft.com/office/officeart/2005/8/layout/hList6"/>
+    <dgm:cxn modelId="{51CF858F-BE4E-40AD-BE23-F2E9303FFC6C}" type="presOf" srcId="{66D16FEC-866E-442D-A0E9-E25B0A7DF2DA}" destId="{CB4308E7-C16A-4D80-B990-A129F3D9F85C}" srcOrd="0" destOrd="2" presId="urn:microsoft.com/office/officeart/2005/8/layout/hList6"/>
+    <dgm:cxn modelId="{79A0168D-5F0E-45CF-9404-8F484035FAB8}" type="presOf" srcId="{9DA62732-26A5-4EA9-83E4-49359569FB45}" destId="{CB4308E7-C16A-4D80-B990-A129F3D9F85C}" srcOrd="0" destOrd="4" presId="urn:microsoft.com/office/officeart/2005/8/layout/hList6"/>
+    <dgm:cxn modelId="{C8966D2E-5E63-4150-807A-010F2FE2E8F0}" srcId="{9E492877-3DB4-437F-B2A8-B534652324B2}" destId="{9BC4EAFA-B4A3-45C5-A144-7A7CEED4C53B}" srcOrd="5" destOrd="0" parTransId="{D20DA068-41CD-48CE-A1B0-BDB9AE06BB82}" sibTransId="{DFA44520-1A69-4074-BAE7-883230A7FEAE}"/>
+    <dgm:cxn modelId="{9AEBB1E1-887A-48D6-8364-9841E2444249}" type="presParOf" srcId="{B95A78AB-21A9-4015-8250-940444BD3C15}" destId="{CB4308E7-C16A-4D80-B990-A129F3D9F85C}" srcOrd="0" destOrd="0" presId="urn:microsoft.com/office/officeart/2005/8/layout/hList6"/>
+  </dgm:cxnLst>
+  <dgm:bg/>
+  <dgm:whole/>
+  <dgm:extLst>
+    <a:ext uri="http://schemas.microsoft.com/office/drawing/2008/diagram">
+      <dsp:dataModelExt xmlns:dsp="http://schemas.microsoft.com/office/drawing/2008/diagram" xmlns="" relId="rId7" minVer="http://schemas.openxmlformats.org/drawingml/2006/diagram"/>
+    </a:ext>
+  </dgm:extLst>
+</dgm:dataModel>
+</file>
+
+<file path=ppt/diagrams/data2.xml><?xml version="1.0" encoding="utf-8"?>
 <dgm:dataModel xmlns:dgm="http://schemas.openxmlformats.org/drawingml/2006/diagram" xmlns:a="http://schemas.openxmlformats.org/drawingml/2006/main">
   <dgm:ptLst>
     <dgm:pt modelId="{49096357-9C91-4167-A972-E985BAD816A0}" type="doc">
@@ -918,7 +2040,7 @@
         <a:p>
           <a:r>
             <a:rPr lang="en-US" smtClean="0"/>
-            <a:t>ASDA</a:t>
+            <a:t>AS</a:t>
           </a:r>
           <a:endParaRPr lang="vi-VN"/>
         </a:p>
@@ -980,9 +2102,9 @@
     </dgm:pt>
   </dgm:ptLst>
   <dgm:cxnLst>
+    <dgm:cxn modelId="{5E800945-FE86-4621-A09A-16A153C76E56}" type="presOf" srcId="{49096357-9C91-4167-A972-E985BAD816A0}" destId="{31933326-C36D-4ED9-A75F-33F1E14837D8}" srcOrd="0" destOrd="0" presId="urn:microsoft.com/office/officeart/2005/8/layout/vList2"/>
     <dgm:cxn modelId="{53037927-50B0-44F0-B088-1671EEF68BD5}" type="presOf" srcId="{B0B29364-8619-4595-97C3-608B15BEC228}" destId="{45619883-06EF-40B0-97F4-84FDACE06C27}" srcOrd="0" destOrd="0" presId="urn:microsoft.com/office/officeart/2005/8/layout/vList2"/>
     <dgm:cxn modelId="{4F9CEC8A-AC29-417F-B13A-1627C41C95B3}" srcId="{49096357-9C91-4167-A972-E985BAD816A0}" destId="{B0B29364-8619-4595-97C3-608B15BEC228}" srcOrd="0" destOrd="0" parTransId="{066CCF9F-F9EC-4974-BC4F-1FB258A8D9E7}" sibTransId="{4D99351C-3DC8-4C36-9084-7BCD935801CD}"/>
-    <dgm:cxn modelId="{5E800945-FE86-4621-A09A-16A153C76E56}" type="presOf" srcId="{49096357-9C91-4167-A972-E985BAD816A0}" destId="{31933326-C36D-4ED9-A75F-33F1E14837D8}" srcOrd="0" destOrd="0" presId="urn:microsoft.com/office/officeart/2005/8/layout/vList2"/>
     <dgm:cxn modelId="{F5FE96E3-C692-4594-954B-1595C578AA9B}" type="presParOf" srcId="{31933326-C36D-4ED9-A75F-33F1E14837D8}" destId="{45619883-06EF-40B0-97F4-84FDACE06C27}" srcOrd="0" destOrd="0" presId="urn:microsoft.com/office/officeart/2005/8/layout/vList2"/>
   </dgm:cxnLst>
   <dgm:bg/>
@@ -996,6 +2118,285 @@
 </file>
 
 <file path=ppt/diagrams/drawing1.xml><?xml version="1.0" encoding="utf-8"?>
+<dsp:drawing xmlns:dgm="http://schemas.openxmlformats.org/drawingml/2006/diagram" xmlns:a="http://schemas.openxmlformats.org/drawingml/2006/main" xmlns:dsp="http://schemas.microsoft.com/office/drawing/2008/diagram">
+  <dsp:spTree>
+    <dsp:nvGrpSpPr>
+      <dsp:cNvPr id="0" name=""/>
+      <dsp:cNvGrpSpPr/>
+    </dsp:nvGrpSpPr>
+    <dsp:grpSpPr/>
+    <dsp:sp modelId="{CB4308E7-C16A-4D80-B990-A129F3D9F85C}">
+      <dsp:nvSpPr>
+        <dsp:cNvPr id="0" name=""/>
+        <dsp:cNvSpPr/>
+      </dsp:nvSpPr>
+      <dsp:spPr>
+        <a:xfrm rot="16200000">
+          <a:off x="2209800" y="-2209800"/>
+          <a:ext cx="4114800" cy="8534400"/>
+        </a:xfrm>
+        <a:prstGeom prst="flowChartManualOperation">
+          <a:avLst/>
+        </a:prstGeom>
+        <a:gradFill rotWithShape="0">
+          <a:gsLst>
+            <a:gs pos="0">
+              <a:schemeClr val="accent2">
+                <a:hueOff val="0"/>
+                <a:satOff val="0"/>
+                <a:lumOff val="0"/>
+                <a:alphaOff val="0"/>
+                <a:tint val="50000"/>
+                <a:satMod val="300000"/>
+              </a:schemeClr>
+            </a:gs>
+            <a:gs pos="35000">
+              <a:schemeClr val="accent2">
+                <a:hueOff val="0"/>
+                <a:satOff val="0"/>
+                <a:lumOff val="0"/>
+                <a:alphaOff val="0"/>
+                <a:tint val="37000"/>
+                <a:satMod val="300000"/>
+              </a:schemeClr>
+            </a:gs>
+            <a:gs pos="100000">
+              <a:schemeClr val="accent2">
+                <a:hueOff val="0"/>
+                <a:satOff val="0"/>
+                <a:lumOff val="0"/>
+                <a:alphaOff val="0"/>
+                <a:tint val="15000"/>
+                <a:satMod val="350000"/>
+              </a:schemeClr>
+            </a:gs>
+          </a:gsLst>
+          <a:lin ang="16200000" scaled="1"/>
+        </a:gradFill>
+        <a:ln>
+          <a:noFill/>
+        </a:ln>
+        <a:effectLst>
+          <a:outerShdw blurRad="40000" dist="20000" dir="5400000" rotWithShape="0">
+            <a:srgbClr val="000000">
+              <a:alpha val="38000"/>
+            </a:srgbClr>
+          </a:outerShdw>
+        </a:effectLst>
+        <a:scene3d>
+          <a:camera prst="orthographicFront"/>
+          <a:lightRig rig="flat" dir="t"/>
+        </a:scene3d>
+        <a:sp3d prstMaterial="dkEdge">
+          <a:bevelT w="8200" h="38100"/>
+        </a:sp3d>
+      </dsp:spPr>
+      <dsp:style>
+        <a:lnRef idx="0">
+          <a:scrgbClr r="0" g="0" b="0"/>
+        </a:lnRef>
+        <a:fillRef idx="2">
+          <a:scrgbClr r="0" g="0" b="0"/>
+        </a:fillRef>
+        <a:effectRef idx="1">
+          <a:scrgbClr r="0" g="0" b="0"/>
+        </a:effectRef>
+        <a:fontRef idx="minor">
+          <a:schemeClr val="dk1"/>
+        </a:fontRef>
+      </dsp:style>
+      <dsp:txBody>
+        <a:bodyPr spcFirstLastPara="0" vert="horz" wrap="square" lIns="171450" tIns="0" rIns="168672" bIns="0" numCol="1" spcCol="1270" anchor="t" anchorCtr="0">
+          <a:noAutofit/>
+        </a:bodyPr>
+        <a:lstStyle/>
+        <a:p>
+          <a:pPr lvl="0" algn="l" defTabSz="1200150" rtl="0">
+            <a:lnSpc>
+              <a:spcPct val="90000"/>
+            </a:lnSpc>
+            <a:spcBef>
+              <a:spcPct val="0"/>
+            </a:spcBef>
+            <a:spcAft>
+              <a:spcPct val="35000"/>
+            </a:spcAft>
+          </a:pPr>
+          <a:r>
+            <a:rPr lang="en-US" sz="2700" kern="1200" smtClean="0">
+              <a:solidFill>
+                <a:srgbClr val="FF0000"/>
+              </a:solidFill>
+            </a:rPr>
+            <a:t>HTML5</a:t>
+          </a:r>
+          <a:endParaRPr lang="vi-VN" sz="2700" kern="1200">
+            <a:solidFill>
+              <a:srgbClr val="FF0000"/>
+            </a:solidFill>
+          </a:endParaRPr>
+        </a:p>
+        <a:p>
+          <a:pPr marL="228600" lvl="1" indent="-228600" algn="just" defTabSz="933450" rtl="0">
+            <a:lnSpc>
+              <a:spcPct val="90000"/>
+            </a:lnSpc>
+            <a:spcBef>
+              <a:spcPct val="0"/>
+            </a:spcBef>
+            <a:spcAft>
+              <a:spcPct val="15000"/>
+            </a:spcAft>
+            <a:buChar char="••"/>
+          </a:pPr>
+          <a:r>
+            <a:rPr lang="en-US" sz="2100" kern="1200" smtClean="0">
+              <a:latin typeface="Arial" pitchFamily="34" charset="0"/>
+              <a:cs typeface="Arial" pitchFamily="34" charset="0"/>
+            </a:rPr>
+            <a:t>Là chuẩn công nghệ mới  nhất của HTML.</a:t>
+          </a:r>
+          <a:endParaRPr lang="vi-VN" sz="2100" kern="1200">
+            <a:latin typeface="Arial" pitchFamily="34" charset="0"/>
+            <a:cs typeface="Arial" pitchFamily="34" charset="0"/>
+          </a:endParaRPr>
+        </a:p>
+        <a:p>
+          <a:pPr marL="228600" lvl="1" indent="-228600" algn="just" defTabSz="933450" rtl="0">
+            <a:lnSpc>
+              <a:spcPct val="90000"/>
+            </a:lnSpc>
+            <a:spcBef>
+              <a:spcPct val="0"/>
+            </a:spcBef>
+            <a:spcAft>
+              <a:spcPct val="15000"/>
+            </a:spcAft>
+            <a:buChar char="••"/>
+          </a:pPr>
+          <a:r>
+            <a:rPr lang="en-US" sz="2100" kern="1200" smtClean="0">
+              <a:latin typeface="Arial" pitchFamily="34" charset="0"/>
+              <a:cs typeface="Arial" pitchFamily="34" charset="0"/>
+            </a:rPr>
+            <a:t>Vẫn đang được phát triển.</a:t>
+          </a:r>
+          <a:endParaRPr lang="vi-VN" sz="2100" kern="1200">
+            <a:latin typeface="Arial" pitchFamily="34" charset="0"/>
+            <a:cs typeface="Arial" pitchFamily="34" charset="0"/>
+          </a:endParaRPr>
+        </a:p>
+        <a:p>
+          <a:pPr marL="228600" lvl="1" indent="-228600" algn="just" defTabSz="933450" rtl="0">
+            <a:lnSpc>
+              <a:spcPct val="90000"/>
+            </a:lnSpc>
+            <a:spcBef>
+              <a:spcPct val="0"/>
+            </a:spcBef>
+            <a:spcAft>
+              <a:spcPct val="15000"/>
+            </a:spcAft>
+            <a:buChar char="••"/>
+          </a:pPr>
+          <a:r>
+            <a:rPr lang="en-US" sz="2100" kern="1200" smtClean="0">
+              <a:latin typeface="Arial" pitchFamily="34" charset="0"/>
+              <a:cs typeface="Arial" pitchFamily="34" charset="0"/>
+            </a:rPr>
+            <a:t>Tính đến tháng 1/2011 thì vẫn còn trong giai đoạn đặc tả kỹ thuật</a:t>
+          </a:r>
+          <a:endParaRPr lang="vi-VN" sz="2100" kern="1200">
+            <a:latin typeface="Arial" pitchFamily="34" charset="0"/>
+            <a:cs typeface="Arial" pitchFamily="34" charset="0"/>
+          </a:endParaRPr>
+        </a:p>
+        <a:p>
+          <a:pPr marL="228600" lvl="1" indent="-228600" algn="just" defTabSz="933450" rtl="0">
+            <a:lnSpc>
+              <a:spcPct val="90000"/>
+            </a:lnSpc>
+            <a:spcBef>
+              <a:spcPct val="0"/>
+            </a:spcBef>
+            <a:spcAft>
+              <a:spcPct val="15000"/>
+            </a:spcAft>
+            <a:buChar char="••"/>
+          </a:pPr>
+          <a:r>
+            <a:rPr lang="en-US" sz="2100" kern="1200" smtClean="0">
+              <a:latin typeface="Arial" pitchFamily="34" charset="0"/>
+              <a:cs typeface="Arial" pitchFamily="34" charset="0"/>
+            </a:rPr>
+            <a:t>Dự kiến đến 2012 thì sẽ được đề suất sử dụng</a:t>
+          </a:r>
+          <a:endParaRPr lang="vi-VN" sz="2100" kern="1200">
+            <a:latin typeface="Arial" pitchFamily="34" charset="0"/>
+            <a:cs typeface="Arial" pitchFamily="34" charset="0"/>
+          </a:endParaRPr>
+        </a:p>
+        <a:p>
+          <a:pPr marL="228600" lvl="1" indent="-228600" algn="just" defTabSz="933450" rtl="0">
+            <a:lnSpc>
+              <a:spcPct val="90000"/>
+            </a:lnSpc>
+            <a:spcBef>
+              <a:spcPct val="0"/>
+            </a:spcBef>
+            <a:spcAft>
+              <a:spcPct val="15000"/>
+            </a:spcAft>
+            <a:buChar char="••"/>
+          </a:pPr>
+          <a:r>
+            <a:rPr lang="en-US" sz="2100" kern="1200" smtClean="0">
+              <a:latin typeface="Arial" pitchFamily="34" charset="0"/>
+              <a:cs typeface="Arial" pitchFamily="34" charset="0"/>
+            </a:rPr>
+            <a:t>Đến 2014 thì sẽ đặc tả đầy đủ</a:t>
+          </a:r>
+          <a:endParaRPr lang="vi-VN" sz="2100" kern="1200">
+            <a:latin typeface="Arial" pitchFamily="34" charset="0"/>
+            <a:cs typeface="Arial" pitchFamily="34" charset="0"/>
+          </a:endParaRPr>
+        </a:p>
+        <a:p>
+          <a:pPr marL="228600" lvl="1" indent="-228600" algn="just" defTabSz="933450" rtl="0">
+            <a:lnSpc>
+              <a:spcPct val="90000"/>
+            </a:lnSpc>
+            <a:spcBef>
+              <a:spcPct val="0"/>
+            </a:spcBef>
+            <a:spcAft>
+              <a:spcPct val="15000"/>
+            </a:spcAft>
+            <a:buChar char="••"/>
+          </a:pPr>
+          <a:r>
+            <a:rPr lang="en-US" sz="2100" kern="1200" smtClean="0">
+              <a:latin typeface="Arial" pitchFamily="34" charset="0"/>
+              <a:cs typeface="Arial" pitchFamily="34" charset="0"/>
+            </a:rPr>
+            <a:t>Đến 2022 thì hoàn thành 100% và tương thích đầy đủ.</a:t>
+          </a:r>
+          <a:endParaRPr lang="vi-VN" sz="2100" kern="1200">
+            <a:latin typeface="Arial" pitchFamily="34" charset="0"/>
+            <a:cs typeface="Arial" pitchFamily="34" charset="0"/>
+          </a:endParaRPr>
+        </a:p>
+      </dsp:txBody>
+      <dsp:txXfrm rot="16200000">
+        <a:off x="2209800" y="-2209800"/>
+        <a:ext cx="4114800" cy="8534400"/>
+      </dsp:txXfrm>
+    </dsp:sp>
+  </dsp:spTree>
+</dsp:drawing>
+</file>
+
+<file path=ppt/diagrams/drawing2.xml><?xml version="1.0" encoding="utf-8"?>
 <dsp:drawing xmlns:dgm="http://schemas.openxmlformats.org/drawingml/2006/diagram" xmlns:a="http://schemas.openxmlformats.org/drawingml/2006/main" xmlns:dsp="http://schemas.microsoft.com/office/drawing/2008/diagram">
   <dsp:spTree>
     <dsp:nvGrpSpPr>
@@ -1070,7 +2471,7 @@
           </a:pPr>
           <a:r>
             <a:rPr lang="en-US" sz="6500" kern="1200" smtClean="0"/>
-            <a:t>ASDA</a:t>
+            <a:t>AS</a:t>
           </a:r>
           <a:endParaRPr lang="vi-VN" sz="6500" kern="1200"/>
         </a:p>
@@ -1085,6 +2486,178 @@
 </file>
 
 <file path=ppt/diagrams/layout1.xml><?xml version="1.0" encoding="utf-8"?>
+<dgm:layoutDef xmlns:dgm="http://schemas.openxmlformats.org/drawingml/2006/diagram" xmlns:a="http://schemas.openxmlformats.org/drawingml/2006/main" uniqueId="urn:microsoft.com/office/officeart/2005/8/layout/hList6">
+  <dgm:title val=""/>
+  <dgm:desc val=""/>
+  <dgm:catLst>
+    <dgm:cat type="list" pri="18000"/>
+  </dgm:catLst>
+  <dgm:sampData>
+    <dgm:dataModel>
+      <dgm:ptLst>
+        <dgm:pt modelId="0" type="doc"/>
+        <dgm:pt modelId="1">
+          <dgm:prSet phldr="1"/>
+        </dgm:pt>
+        <dgm:pt modelId="11">
+          <dgm:prSet phldr="1"/>
+        </dgm:pt>
+        <dgm:pt modelId="12">
+          <dgm:prSet phldr="1"/>
+        </dgm:pt>
+        <dgm:pt modelId="2">
+          <dgm:prSet phldr="1"/>
+        </dgm:pt>
+        <dgm:pt modelId="21">
+          <dgm:prSet phldr="1"/>
+        </dgm:pt>
+        <dgm:pt modelId="22">
+          <dgm:prSet phldr="1"/>
+        </dgm:pt>
+        <dgm:pt modelId="3">
+          <dgm:prSet phldr="1"/>
+        </dgm:pt>
+        <dgm:pt modelId="31">
+          <dgm:prSet phldr="1"/>
+        </dgm:pt>
+        <dgm:pt modelId="32">
+          <dgm:prSet phldr="1"/>
+        </dgm:pt>
+      </dgm:ptLst>
+      <dgm:cxnLst>
+        <dgm:cxn modelId="4" srcId="0" destId="1" srcOrd="0" destOrd="0"/>
+        <dgm:cxn modelId="5" srcId="0" destId="2" srcOrd="1" destOrd="0"/>
+        <dgm:cxn modelId="6" srcId="0" destId="3" srcOrd="2" destOrd="0"/>
+        <dgm:cxn modelId="13" srcId="1" destId="11" srcOrd="0" destOrd="0"/>
+        <dgm:cxn modelId="14" srcId="1" destId="12" srcOrd="1" destOrd="0"/>
+        <dgm:cxn modelId="23" srcId="2" destId="21" srcOrd="0" destOrd="0"/>
+        <dgm:cxn modelId="24" srcId="2" destId="22" srcOrd="1" destOrd="0"/>
+        <dgm:cxn modelId="33" srcId="3" destId="31" srcOrd="0" destOrd="0"/>
+        <dgm:cxn modelId="34" srcId="3" destId="32" srcOrd="1" destOrd="0"/>
+      </dgm:cxnLst>
+      <dgm:bg/>
+      <dgm:whole/>
+    </dgm:dataModel>
+  </dgm:sampData>
+  <dgm:styleData>
+    <dgm:dataModel>
+      <dgm:ptLst>
+        <dgm:pt modelId="0" type="doc"/>
+        <dgm:pt modelId="1"/>
+        <dgm:pt modelId="11"/>
+        <dgm:pt modelId="2"/>
+        <dgm:pt modelId="21"/>
+      </dgm:ptLst>
+      <dgm:cxnLst>
+        <dgm:cxn modelId="4" srcId="0" destId="1" srcOrd="0" destOrd="0"/>
+        <dgm:cxn modelId="5" srcId="0" destId="2" srcOrd="1" destOrd="0"/>
+        <dgm:cxn modelId="13" srcId="1" destId="11" srcOrd="0" destOrd="0"/>
+        <dgm:cxn modelId="23" srcId="2" destId="21" srcOrd="0" destOrd="0"/>
+      </dgm:cxnLst>
+      <dgm:bg/>
+      <dgm:whole/>
+    </dgm:dataModel>
+  </dgm:styleData>
+  <dgm:clrData>
+    <dgm:dataModel>
+      <dgm:ptLst>
+        <dgm:pt modelId="0" type="doc"/>
+        <dgm:pt modelId="1"/>
+        <dgm:pt modelId="11"/>
+        <dgm:pt modelId="2"/>
+        <dgm:pt modelId="21"/>
+        <dgm:pt modelId="3"/>
+        <dgm:pt modelId="31"/>
+        <dgm:pt modelId="4"/>
+        <dgm:pt modelId="41"/>
+      </dgm:ptLst>
+      <dgm:cxnLst>
+        <dgm:cxn modelId="5" srcId="0" destId="1" srcOrd="0" destOrd="0"/>
+        <dgm:cxn modelId="6" srcId="0" destId="2" srcOrd="1" destOrd="0"/>
+        <dgm:cxn modelId="7" srcId="0" destId="3" srcOrd="2" destOrd="0"/>
+        <dgm:cxn modelId="8" srcId="0" destId="4" srcOrd="3" destOrd="0"/>
+        <dgm:cxn modelId="13" srcId="1" destId="11" srcOrd="0" destOrd="0"/>
+        <dgm:cxn modelId="23" srcId="2" destId="21" srcOrd="0" destOrd="0"/>
+        <dgm:cxn modelId="33" srcId="3" destId="31" srcOrd="0" destOrd="0"/>
+        <dgm:cxn modelId="43" srcId="4" destId="41" srcOrd="0" destOrd="0"/>
+      </dgm:cxnLst>
+      <dgm:bg/>
+      <dgm:whole/>
+    </dgm:dataModel>
+  </dgm:clrData>
+  <dgm:layoutNode name="Name0">
+    <dgm:varLst>
+      <dgm:dir/>
+      <dgm:resizeHandles val="exact"/>
+    </dgm:varLst>
+    <dgm:choose name="Name1">
+      <dgm:if name="Name2" func="var" arg="dir" op="equ" val="norm">
+        <dgm:alg type="lin"/>
+      </dgm:if>
+      <dgm:else name="Name3">
+        <dgm:alg type="lin">
+          <dgm:param type="linDir" val="fromR"/>
+        </dgm:alg>
+      </dgm:else>
+    </dgm:choose>
+    <dgm:shape xmlns:r="http://schemas.openxmlformats.org/officeDocument/2006/relationships" r:blip="">
+      <dgm:adjLst/>
+    </dgm:shape>
+    <dgm:presOf/>
+    <dgm:constrLst>
+      <dgm:constr type="h" for="ch" ptType="node" refType="h"/>
+      <dgm:constr type="w" for="ch" ptType="node" refType="w"/>
+      <dgm:constr type="primFontSz" for="ch" ptType="node" op="equ"/>
+      <dgm:constr type="w" for="ch" forName="sibTrans" refType="w" fact="0.075"/>
+    </dgm:constrLst>
+    <dgm:ruleLst/>
+    <dgm:forEach name="nodesForEach" axis="ch" ptType="node">
+      <dgm:layoutNode name="node">
+        <dgm:varLst>
+          <dgm:bulletEnabled val="1"/>
+        </dgm:varLst>
+        <dgm:alg type="tx"/>
+        <dgm:choose name="Name4">
+          <dgm:if name="Name5" func="var" arg="dir" op="equ" val="norm">
+            <dgm:shape xmlns:r="http://schemas.openxmlformats.org/officeDocument/2006/relationships" rot="-90" type="flowChartManualOperation" r:blip="">
+              <dgm:adjLst/>
+            </dgm:shape>
+          </dgm:if>
+          <dgm:else name="Name6">
+            <dgm:shape xmlns:r="http://schemas.openxmlformats.org/officeDocument/2006/relationships" rot="90" type="flowChartManualOperation" r:blip="">
+              <dgm:adjLst/>
+            </dgm:shape>
+          </dgm:else>
+        </dgm:choose>
+        <dgm:presOf axis="desOrSelf" ptType="node"/>
+        <dgm:constrLst>
+          <dgm:constr type="primFontSz" val="65"/>
+          <dgm:constr type="tMarg"/>
+          <dgm:constr type="bMarg"/>
+          <dgm:constr type="lMarg" refType="primFontSz" fact="0.5"/>
+          <dgm:constr type="rMarg" refType="lMarg"/>
+        </dgm:constrLst>
+        <dgm:ruleLst>
+          <dgm:rule type="primFontSz" val="5" fact="NaN" max="NaN"/>
+        </dgm:ruleLst>
+      </dgm:layoutNode>
+      <dgm:forEach name="sibTransForEach" axis="followSib" ptType="sibTrans" cnt="1">
+        <dgm:layoutNode name="sibTrans">
+          <dgm:alg type="sp"/>
+          <dgm:shape xmlns:r="http://schemas.openxmlformats.org/officeDocument/2006/relationships" r:blip="">
+            <dgm:adjLst/>
+          </dgm:shape>
+          <dgm:presOf/>
+          <dgm:constrLst/>
+          <dgm:ruleLst/>
+        </dgm:layoutNode>
+      </dgm:forEach>
+    </dgm:forEach>
+  </dgm:layoutNode>
+</dgm:layoutDef>
+</file>
+
+<file path=ppt/diagrams/layout2.xml><?xml version="1.0" encoding="utf-8"?>
 <dgm:layoutDef xmlns:dgm="http://schemas.openxmlformats.org/drawingml/2006/diagram" xmlns:a="http://schemas.openxmlformats.org/drawingml/2006/main" uniqueId="urn:microsoft.com/office/officeart/2005/8/layout/vList2">
   <dgm:title val=""/>
   <dgm:desc val=""/>
@@ -1252,6 +2825,1066 @@
 </file>
 
 <file path=ppt/diagrams/quickStyle1.xml><?xml version="1.0" encoding="utf-8"?>
+<dgm:styleDef xmlns:dgm="http://schemas.openxmlformats.org/drawingml/2006/diagram" xmlns:a="http://schemas.openxmlformats.org/drawingml/2006/main" uniqueId="urn:microsoft.com/office/officeart/2005/8/quickstyle/simple3">
+  <dgm:title val=""/>
+  <dgm:desc val=""/>
+  <dgm:catLst>
+    <dgm:cat type="simple" pri="10300"/>
+  </dgm:catLst>
+  <dgm:scene3d>
+    <a:camera prst="orthographicFront"/>
+    <a:lightRig rig="threePt" dir="t"/>
+  </dgm:scene3d>
+  <dgm:styleLbl name="node0">
+    <dgm:scene3d>
+      <a:camera prst="orthographicFront"/>
+      <a:lightRig rig="flat" dir="t"/>
+    </dgm:scene3d>
+    <dgm:sp3d prstMaterial="dkEdge">
+      <a:bevelT w="8200" h="38100"/>
+    </dgm:sp3d>
+    <dgm:txPr/>
+    <dgm:style>
+      <a:lnRef idx="0">
+        <a:scrgbClr r="0" g="0" b="0"/>
+      </a:lnRef>
+      <a:fillRef idx="2">
+        <a:scrgbClr r="0" g="0" b="0"/>
+      </a:fillRef>
+      <a:effectRef idx="1">
+        <a:scrgbClr r="0" g="0" b="0"/>
+      </a:effectRef>
+      <a:fontRef idx="minor">
+        <a:schemeClr val="dk1"/>
+      </a:fontRef>
+    </dgm:style>
+  </dgm:styleLbl>
+  <dgm:styleLbl name="lnNode1">
+    <dgm:scene3d>
+      <a:camera prst="orthographicFront"/>
+      <a:lightRig rig="flat" dir="t"/>
+    </dgm:scene3d>
+    <dgm:sp3d prstMaterial="dkEdge">
+      <a:bevelT w="8200" h="38100"/>
+    </dgm:sp3d>
+    <dgm:txPr/>
+    <dgm:style>
+      <a:lnRef idx="1">
+        <a:scrgbClr r="0" g="0" b="0"/>
+      </a:lnRef>
+      <a:fillRef idx="2">
+        <a:scrgbClr r="0" g="0" b="0"/>
+      </a:fillRef>
+      <a:effectRef idx="0">
+        <a:scrgbClr r="0" g="0" b="0"/>
+      </a:effectRef>
+      <a:fontRef idx="minor">
+        <a:schemeClr val="dk1"/>
+      </a:fontRef>
+    </dgm:style>
+  </dgm:styleLbl>
+  <dgm:styleLbl name="vennNode1">
+    <dgm:scene3d>
+      <a:camera prst="orthographicFront"/>
+      <a:lightRig rig="flat" dir="t"/>
+    </dgm:scene3d>
+    <dgm:sp3d prstMaterial="dkEdge">
+      <a:bevelT w="8200" h="38100"/>
+    </dgm:sp3d>
+    <dgm:txPr/>
+    <dgm:style>
+      <a:lnRef idx="0">
+        <a:scrgbClr r="0" g="0" b="0"/>
+      </a:lnRef>
+      <a:fillRef idx="2">
+        <a:scrgbClr r="0" g="0" b="0"/>
+      </a:fillRef>
+      <a:effectRef idx="0">
+        <a:scrgbClr r="0" g="0" b="0"/>
+      </a:effectRef>
+      <a:fontRef idx="minor">
+        <a:schemeClr val="tx1"/>
+      </a:fontRef>
+    </dgm:style>
+  </dgm:styleLbl>
+  <dgm:styleLbl name="alignNode1">
+    <dgm:scene3d>
+      <a:camera prst="orthographicFront"/>
+      <a:lightRig rig="threePt" dir="t"/>
+    </dgm:scene3d>
+    <dgm:sp3d/>
+    <dgm:txPr/>
+    <dgm:style>
+      <a:lnRef idx="1">
+        <a:scrgbClr r="0" g="0" b="0"/>
+      </a:lnRef>
+      <a:fillRef idx="2">
+        <a:scrgbClr r="0" g="0" b="0"/>
+      </a:fillRef>
+      <a:effectRef idx="1">
+        <a:scrgbClr r="0" g="0" b="0"/>
+      </a:effectRef>
+      <a:fontRef idx="minor">
+        <a:schemeClr val="dk1"/>
+      </a:fontRef>
+    </dgm:style>
+  </dgm:styleLbl>
+  <dgm:styleLbl name="node1">
+    <dgm:scene3d>
+      <a:camera prst="orthographicFront"/>
+      <a:lightRig rig="flat" dir="t"/>
+    </dgm:scene3d>
+    <dgm:sp3d prstMaterial="dkEdge">
+      <a:bevelT w="8200" h="38100"/>
+    </dgm:sp3d>
+    <dgm:txPr/>
+    <dgm:style>
+      <a:lnRef idx="0">
+        <a:scrgbClr r="0" g="0" b="0"/>
+      </a:lnRef>
+      <a:fillRef idx="2">
+        <a:scrgbClr r="0" g="0" b="0"/>
+      </a:fillRef>
+      <a:effectRef idx="1">
+        <a:scrgbClr r="0" g="0" b="0"/>
+      </a:effectRef>
+      <a:fontRef idx="minor">
+        <a:schemeClr val="dk1"/>
+      </a:fontRef>
+    </dgm:style>
+  </dgm:styleLbl>
+  <dgm:styleLbl name="node2">
+    <dgm:scene3d>
+      <a:camera prst="orthographicFront"/>
+      <a:lightRig rig="flat" dir="t"/>
+    </dgm:scene3d>
+    <dgm:sp3d prstMaterial="dkEdge">
+      <a:bevelT w="8200" h="38100"/>
+    </dgm:sp3d>
+    <dgm:txPr/>
+    <dgm:style>
+      <a:lnRef idx="0">
+        <a:scrgbClr r="0" g="0" b="0"/>
+      </a:lnRef>
+      <a:fillRef idx="2">
+        <a:scrgbClr r="0" g="0" b="0"/>
+      </a:fillRef>
+      <a:effectRef idx="1">
+        <a:scrgbClr r="0" g="0" b="0"/>
+      </a:effectRef>
+      <a:fontRef idx="minor">
+        <a:schemeClr val="dk1"/>
+      </a:fontRef>
+    </dgm:style>
+  </dgm:styleLbl>
+  <dgm:styleLbl name="node3">
+    <dgm:scene3d>
+      <a:camera prst="orthographicFront"/>
+      <a:lightRig rig="flat" dir="t"/>
+    </dgm:scene3d>
+    <dgm:sp3d prstMaterial="dkEdge">
+      <a:bevelT w="8200" h="38100"/>
+    </dgm:sp3d>
+    <dgm:txPr/>
+    <dgm:style>
+      <a:lnRef idx="0">
+        <a:scrgbClr r="0" g="0" b="0"/>
+      </a:lnRef>
+      <a:fillRef idx="2">
+        <a:scrgbClr r="0" g="0" b="0"/>
+      </a:fillRef>
+      <a:effectRef idx="1">
+        <a:scrgbClr r="0" g="0" b="0"/>
+      </a:effectRef>
+      <a:fontRef idx="minor">
+        <a:schemeClr val="dk1"/>
+      </a:fontRef>
+    </dgm:style>
+  </dgm:styleLbl>
+  <dgm:styleLbl name="node4">
+    <dgm:scene3d>
+      <a:camera prst="orthographicFront"/>
+      <a:lightRig rig="flat" dir="t"/>
+    </dgm:scene3d>
+    <dgm:sp3d prstMaterial="dkEdge">
+      <a:bevelT w="8200" h="38100"/>
+    </dgm:sp3d>
+    <dgm:txPr/>
+    <dgm:style>
+      <a:lnRef idx="0">
+        <a:scrgbClr r="0" g="0" b="0"/>
+      </a:lnRef>
+      <a:fillRef idx="2">
+        <a:scrgbClr r="0" g="0" b="0"/>
+      </a:fillRef>
+      <a:effectRef idx="1">
+        <a:scrgbClr r="0" g="0" b="0"/>
+      </a:effectRef>
+      <a:fontRef idx="minor">
+        <a:schemeClr val="dk1"/>
+      </a:fontRef>
+    </dgm:style>
+  </dgm:styleLbl>
+  <dgm:styleLbl name="fgImgPlace1">
+    <dgm:scene3d>
+      <a:camera prst="orthographicFront"/>
+      <a:lightRig rig="threePt" dir="t"/>
+    </dgm:scene3d>
+    <dgm:sp3d/>
+    <dgm:txPr/>
+    <dgm:style>
+      <a:lnRef idx="1">
+        <a:scrgbClr r="0" g="0" b="0"/>
+      </a:lnRef>
+      <a:fillRef idx="1">
+        <a:scrgbClr r="0" g="0" b="0"/>
+      </a:fillRef>
+      <a:effectRef idx="1">
+        <a:scrgbClr r="0" g="0" b="0"/>
+      </a:effectRef>
+      <a:fontRef idx="minor"/>
+    </dgm:style>
+  </dgm:styleLbl>
+  <dgm:styleLbl name="alignImgPlace1">
+    <dgm:scene3d>
+      <a:camera prst="orthographicFront"/>
+      <a:lightRig rig="threePt" dir="t"/>
+    </dgm:scene3d>
+    <dgm:sp3d/>
+    <dgm:txPr/>
+    <dgm:style>
+      <a:lnRef idx="1">
+        <a:scrgbClr r="0" g="0" b="0"/>
+      </a:lnRef>
+      <a:fillRef idx="1">
+        <a:scrgbClr r="0" g="0" b="0"/>
+      </a:fillRef>
+      <a:effectRef idx="1">
+        <a:scrgbClr r="0" g="0" b="0"/>
+      </a:effectRef>
+      <a:fontRef idx="minor"/>
+    </dgm:style>
+  </dgm:styleLbl>
+  <dgm:styleLbl name="bgImgPlace1">
+    <dgm:scene3d>
+      <a:camera prst="orthographicFront"/>
+      <a:lightRig rig="threePt" dir="t"/>
+    </dgm:scene3d>
+    <dgm:sp3d/>
+    <dgm:txPr/>
+    <dgm:style>
+      <a:lnRef idx="1">
+        <a:scrgbClr r="0" g="0" b="0"/>
+      </a:lnRef>
+      <a:fillRef idx="1">
+        <a:scrgbClr r="0" g="0" b="0"/>
+      </a:fillRef>
+      <a:effectRef idx="1">
+        <a:scrgbClr r="0" g="0" b="0"/>
+      </a:effectRef>
+      <a:fontRef idx="minor"/>
+    </dgm:style>
+  </dgm:styleLbl>
+  <dgm:styleLbl name="sibTrans2D1">
+    <dgm:scene3d>
+      <a:camera prst="orthographicFront"/>
+      <a:lightRig rig="threePt" dir="t"/>
+    </dgm:scene3d>
+    <dgm:sp3d/>
+    <dgm:txPr/>
+    <dgm:style>
+      <a:lnRef idx="0">
+        <a:scrgbClr r="0" g="0" b="0"/>
+      </a:lnRef>
+      <a:fillRef idx="2">
+        <a:scrgbClr r="0" g="0" b="0"/>
+      </a:fillRef>
+      <a:effectRef idx="1">
+        <a:scrgbClr r="0" g="0" b="0"/>
+      </a:effectRef>
+      <a:fontRef idx="minor">
+        <a:schemeClr val="dk1"/>
+      </a:fontRef>
+    </dgm:style>
+  </dgm:styleLbl>
+  <dgm:styleLbl name="fgSibTrans2D1">
+    <dgm:scene3d>
+      <a:camera prst="orthographicFront"/>
+      <a:lightRig rig="threePt" dir="t"/>
+    </dgm:scene3d>
+    <dgm:sp3d/>
+    <dgm:txPr/>
+    <dgm:style>
+      <a:lnRef idx="0">
+        <a:scrgbClr r="0" g="0" b="0"/>
+      </a:lnRef>
+      <a:fillRef idx="2">
+        <a:scrgbClr r="0" g="0" b="0"/>
+      </a:fillRef>
+      <a:effectRef idx="1">
+        <a:scrgbClr r="0" g="0" b="0"/>
+      </a:effectRef>
+      <a:fontRef idx="minor">
+        <a:schemeClr val="dk1"/>
+      </a:fontRef>
+    </dgm:style>
+  </dgm:styleLbl>
+  <dgm:styleLbl name="bgSibTrans2D1">
+    <dgm:scene3d>
+      <a:camera prst="orthographicFront"/>
+      <a:lightRig rig="threePt" dir="t"/>
+    </dgm:scene3d>
+    <dgm:sp3d/>
+    <dgm:txPr/>
+    <dgm:style>
+      <a:lnRef idx="0">
+        <a:scrgbClr r="0" g="0" b="0"/>
+      </a:lnRef>
+      <a:fillRef idx="2">
+        <a:scrgbClr r="0" g="0" b="0"/>
+      </a:fillRef>
+      <a:effectRef idx="1">
+        <a:scrgbClr r="0" g="0" b="0"/>
+      </a:effectRef>
+      <a:fontRef idx="minor">
+        <a:schemeClr val="dk1"/>
+      </a:fontRef>
+    </dgm:style>
+  </dgm:styleLbl>
+  <dgm:styleLbl name="sibTrans1D1">
+    <dgm:scene3d>
+      <a:camera prst="orthographicFront"/>
+      <a:lightRig rig="threePt" dir="t"/>
+    </dgm:scene3d>
+    <dgm:sp3d/>
+    <dgm:txPr/>
+    <dgm:style>
+      <a:lnRef idx="1">
+        <a:scrgbClr r="0" g="0" b="0"/>
+      </a:lnRef>
+      <a:fillRef idx="0">
+        <a:scrgbClr r="0" g="0" b="0"/>
+      </a:fillRef>
+      <a:effectRef idx="0">
+        <a:scrgbClr r="0" g="0" b="0"/>
+      </a:effectRef>
+      <a:fontRef idx="minor"/>
+    </dgm:style>
+  </dgm:styleLbl>
+  <dgm:styleLbl name="callout">
+    <dgm:scene3d>
+      <a:camera prst="orthographicFront"/>
+      <a:lightRig rig="threePt" dir="t"/>
+    </dgm:scene3d>
+    <dgm:sp3d/>
+    <dgm:txPr/>
+    <dgm:style>
+      <a:lnRef idx="1">
+        <a:scrgbClr r="0" g="0" b="0"/>
+      </a:lnRef>
+      <a:fillRef idx="2">
+        <a:scrgbClr r="0" g="0" b="0"/>
+      </a:fillRef>
+      <a:effectRef idx="1">
+        <a:scrgbClr r="0" g="0" b="0"/>
+      </a:effectRef>
+      <a:fontRef idx="minor"/>
+    </dgm:style>
+  </dgm:styleLbl>
+  <dgm:styleLbl name="asst0">
+    <dgm:scene3d>
+      <a:camera prst="orthographicFront"/>
+      <a:lightRig rig="flat" dir="t"/>
+    </dgm:scene3d>
+    <dgm:sp3d prstMaterial="dkEdge">
+      <a:bevelT w="8200" h="38100"/>
+    </dgm:sp3d>
+    <dgm:txPr/>
+    <dgm:style>
+      <a:lnRef idx="0">
+        <a:scrgbClr r="0" g="0" b="0"/>
+      </a:lnRef>
+      <a:fillRef idx="2">
+        <a:scrgbClr r="0" g="0" b="0"/>
+      </a:fillRef>
+      <a:effectRef idx="1">
+        <a:scrgbClr r="0" g="0" b="0"/>
+      </a:effectRef>
+      <a:fontRef idx="minor">
+        <a:schemeClr val="dk1"/>
+      </a:fontRef>
+    </dgm:style>
+  </dgm:styleLbl>
+  <dgm:styleLbl name="asst1">
+    <dgm:scene3d>
+      <a:camera prst="orthographicFront"/>
+      <a:lightRig rig="flat" dir="t"/>
+    </dgm:scene3d>
+    <dgm:sp3d prstMaterial="dkEdge">
+      <a:bevelT w="8200" h="38100"/>
+    </dgm:sp3d>
+    <dgm:txPr/>
+    <dgm:style>
+      <a:lnRef idx="0">
+        <a:scrgbClr r="0" g="0" b="0"/>
+      </a:lnRef>
+      <a:fillRef idx="2">
+        <a:scrgbClr r="0" g="0" b="0"/>
+      </a:fillRef>
+      <a:effectRef idx="1">
+        <a:scrgbClr r="0" g="0" b="0"/>
+      </a:effectRef>
+      <a:fontRef idx="minor">
+        <a:schemeClr val="dk1"/>
+      </a:fontRef>
+    </dgm:style>
+  </dgm:styleLbl>
+  <dgm:styleLbl name="asst2">
+    <dgm:scene3d>
+      <a:camera prst="orthographicFront"/>
+      <a:lightRig rig="flat" dir="t"/>
+    </dgm:scene3d>
+    <dgm:sp3d prstMaterial="dkEdge">
+      <a:bevelT w="8200" h="38100"/>
+    </dgm:sp3d>
+    <dgm:txPr/>
+    <dgm:style>
+      <a:lnRef idx="0">
+        <a:scrgbClr r="0" g="0" b="0"/>
+      </a:lnRef>
+      <a:fillRef idx="2">
+        <a:scrgbClr r="0" g="0" b="0"/>
+      </a:fillRef>
+      <a:effectRef idx="1">
+        <a:scrgbClr r="0" g="0" b="0"/>
+      </a:effectRef>
+      <a:fontRef idx="minor">
+        <a:schemeClr val="dk1"/>
+      </a:fontRef>
+    </dgm:style>
+  </dgm:styleLbl>
+  <dgm:styleLbl name="asst3">
+    <dgm:scene3d>
+      <a:camera prst="orthographicFront"/>
+      <a:lightRig rig="flat" dir="t"/>
+    </dgm:scene3d>
+    <dgm:sp3d prstMaterial="dkEdge">
+      <a:bevelT w="8200" h="38100"/>
+    </dgm:sp3d>
+    <dgm:txPr/>
+    <dgm:style>
+      <a:lnRef idx="0">
+        <a:scrgbClr r="0" g="0" b="0"/>
+      </a:lnRef>
+      <a:fillRef idx="2">
+        <a:scrgbClr r="0" g="0" b="0"/>
+      </a:fillRef>
+      <a:effectRef idx="1">
+        <a:scrgbClr r="0" g="0" b="0"/>
+      </a:effectRef>
+      <a:fontRef idx="minor">
+        <a:schemeClr val="dk1"/>
+      </a:fontRef>
+    </dgm:style>
+  </dgm:styleLbl>
+  <dgm:styleLbl name="asst4">
+    <dgm:scene3d>
+      <a:camera prst="orthographicFront"/>
+      <a:lightRig rig="flat" dir="t"/>
+    </dgm:scene3d>
+    <dgm:sp3d prstMaterial="dkEdge">
+      <a:bevelT w="8200" h="38100"/>
+    </dgm:sp3d>
+    <dgm:txPr/>
+    <dgm:style>
+      <a:lnRef idx="0">
+        <a:scrgbClr r="0" g="0" b="0"/>
+      </a:lnRef>
+      <a:fillRef idx="2">
+        <a:scrgbClr r="0" g="0" b="0"/>
+      </a:fillRef>
+      <a:effectRef idx="1">
+        <a:scrgbClr r="0" g="0" b="0"/>
+      </a:effectRef>
+      <a:fontRef idx="minor">
+        <a:schemeClr val="dk1"/>
+      </a:fontRef>
+    </dgm:style>
+  </dgm:styleLbl>
+  <dgm:styleLbl name="parChTrans2D1">
+    <dgm:scene3d>
+      <a:camera prst="orthographicFront"/>
+      <a:lightRig rig="threePt" dir="t"/>
+    </dgm:scene3d>
+    <dgm:sp3d/>
+    <dgm:txPr/>
+    <dgm:style>
+      <a:lnRef idx="1">
+        <a:scrgbClr r="0" g="0" b="0"/>
+      </a:lnRef>
+      <a:fillRef idx="2">
+        <a:scrgbClr r="0" g="0" b="0"/>
+      </a:fillRef>
+      <a:effectRef idx="1">
+        <a:scrgbClr r="0" g="0" b="0"/>
+      </a:effectRef>
+      <a:fontRef idx="minor">
+        <a:schemeClr val="dk1"/>
+      </a:fontRef>
+    </dgm:style>
+  </dgm:styleLbl>
+  <dgm:styleLbl name="parChTrans2D2">
+    <dgm:scene3d>
+      <a:camera prst="orthographicFront"/>
+      <a:lightRig rig="threePt" dir="t"/>
+    </dgm:scene3d>
+    <dgm:sp3d/>
+    <dgm:txPr/>
+    <dgm:style>
+      <a:lnRef idx="1">
+        <a:scrgbClr r="0" g="0" b="0"/>
+      </a:lnRef>
+      <a:fillRef idx="2">
+        <a:scrgbClr r="0" g="0" b="0"/>
+      </a:fillRef>
+      <a:effectRef idx="1">
+        <a:scrgbClr r="0" g="0" b="0"/>
+      </a:effectRef>
+      <a:fontRef idx="minor">
+        <a:schemeClr val="dk1"/>
+      </a:fontRef>
+    </dgm:style>
+  </dgm:styleLbl>
+  <dgm:styleLbl name="parChTrans2D3">
+    <dgm:scene3d>
+      <a:camera prst="orthographicFront"/>
+      <a:lightRig rig="threePt" dir="t"/>
+    </dgm:scene3d>
+    <dgm:sp3d/>
+    <dgm:txPr/>
+    <dgm:style>
+      <a:lnRef idx="1">
+        <a:scrgbClr r="0" g="0" b="0"/>
+      </a:lnRef>
+      <a:fillRef idx="2">
+        <a:scrgbClr r="0" g="0" b="0"/>
+      </a:fillRef>
+      <a:effectRef idx="1">
+        <a:scrgbClr r="0" g="0" b="0"/>
+      </a:effectRef>
+      <a:fontRef idx="minor">
+        <a:schemeClr val="dk1"/>
+      </a:fontRef>
+    </dgm:style>
+  </dgm:styleLbl>
+  <dgm:styleLbl name="parChTrans2D4">
+    <dgm:scene3d>
+      <a:camera prst="orthographicFront"/>
+      <a:lightRig rig="threePt" dir="t"/>
+    </dgm:scene3d>
+    <dgm:sp3d/>
+    <dgm:txPr/>
+    <dgm:style>
+      <a:lnRef idx="1">
+        <a:scrgbClr r="0" g="0" b="0"/>
+      </a:lnRef>
+      <a:fillRef idx="2">
+        <a:scrgbClr r="0" g="0" b="0"/>
+      </a:fillRef>
+      <a:effectRef idx="1">
+        <a:scrgbClr r="0" g="0" b="0"/>
+      </a:effectRef>
+      <a:fontRef idx="minor">
+        <a:schemeClr val="dk1"/>
+      </a:fontRef>
+    </dgm:style>
+  </dgm:styleLbl>
+  <dgm:styleLbl name="parChTrans1D1">
+    <dgm:scene3d>
+      <a:camera prst="orthographicFront"/>
+      <a:lightRig rig="threePt" dir="t"/>
+    </dgm:scene3d>
+    <dgm:sp3d/>
+    <dgm:txPr/>
+    <dgm:style>
+      <a:lnRef idx="2">
+        <a:scrgbClr r="0" g="0" b="0"/>
+      </a:lnRef>
+      <a:fillRef idx="0">
+        <a:scrgbClr r="0" g="0" b="0"/>
+      </a:fillRef>
+      <a:effectRef idx="0">
+        <a:scrgbClr r="0" g="0" b="0"/>
+      </a:effectRef>
+      <a:fontRef idx="minor"/>
+    </dgm:style>
+  </dgm:styleLbl>
+  <dgm:styleLbl name="parChTrans1D2">
+    <dgm:scene3d>
+      <a:camera prst="orthographicFront"/>
+      <a:lightRig rig="threePt" dir="t"/>
+    </dgm:scene3d>
+    <dgm:sp3d/>
+    <dgm:txPr/>
+    <dgm:style>
+      <a:lnRef idx="2">
+        <a:scrgbClr r="0" g="0" b="0"/>
+      </a:lnRef>
+      <a:fillRef idx="0">
+        <a:scrgbClr r="0" g="0" b="0"/>
+      </a:fillRef>
+      <a:effectRef idx="0">
+        <a:scrgbClr r="0" g="0" b="0"/>
+      </a:effectRef>
+      <a:fontRef idx="minor"/>
+    </dgm:style>
+  </dgm:styleLbl>
+  <dgm:styleLbl name="parChTrans1D3">
+    <dgm:scene3d>
+      <a:camera prst="orthographicFront"/>
+      <a:lightRig rig="threePt" dir="t"/>
+    </dgm:scene3d>
+    <dgm:sp3d/>
+    <dgm:txPr/>
+    <dgm:style>
+      <a:lnRef idx="2">
+        <a:scrgbClr r="0" g="0" b="0"/>
+      </a:lnRef>
+      <a:fillRef idx="0">
+        <a:scrgbClr r="0" g="0" b="0"/>
+      </a:fillRef>
+      <a:effectRef idx="0">
+        <a:scrgbClr r="0" g="0" b="0"/>
+      </a:effectRef>
+      <a:fontRef idx="minor"/>
+    </dgm:style>
+  </dgm:styleLbl>
+  <dgm:styleLbl name="parChTrans1D4">
+    <dgm:scene3d>
+      <a:camera prst="orthographicFront"/>
+      <a:lightRig rig="threePt" dir="t"/>
+    </dgm:scene3d>
+    <dgm:sp3d/>
+    <dgm:txPr/>
+    <dgm:style>
+      <a:lnRef idx="2">
+        <a:scrgbClr r="0" g="0" b="0"/>
+      </a:lnRef>
+      <a:fillRef idx="0">
+        <a:scrgbClr r="0" g="0" b="0"/>
+      </a:fillRef>
+      <a:effectRef idx="0">
+        <a:scrgbClr r="0" g="0" b="0"/>
+      </a:effectRef>
+      <a:fontRef idx="minor"/>
+    </dgm:style>
+  </dgm:styleLbl>
+  <dgm:styleLbl name="fgAcc1">
+    <dgm:scene3d>
+      <a:camera prst="orthographicFront"/>
+      <a:lightRig rig="threePt" dir="t"/>
+    </dgm:scene3d>
+    <dgm:sp3d/>
+    <dgm:txPr/>
+    <dgm:style>
+      <a:lnRef idx="1">
+        <a:scrgbClr r="0" g="0" b="0"/>
+      </a:lnRef>
+      <a:fillRef idx="1">
+        <a:scrgbClr r="0" g="0" b="0"/>
+      </a:fillRef>
+      <a:effectRef idx="0">
+        <a:scrgbClr r="0" g="0" b="0"/>
+      </a:effectRef>
+      <a:fontRef idx="minor"/>
+    </dgm:style>
+  </dgm:styleLbl>
+  <dgm:styleLbl name="conFgAcc1">
+    <dgm:scene3d>
+      <a:camera prst="orthographicFront"/>
+      <a:lightRig rig="threePt" dir="t"/>
+    </dgm:scene3d>
+    <dgm:sp3d/>
+    <dgm:txPr/>
+    <dgm:style>
+      <a:lnRef idx="1">
+        <a:scrgbClr r="0" g="0" b="0"/>
+      </a:lnRef>
+      <a:fillRef idx="1">
+        <a:scrgbClr r="0" g="0" b="0"/>
+      </a:fillRef>
+      <a:effectRef idx="0">
+        <a:scrgbClr r="0" g="0" b="0"/>
+      </a:effectRef>
+      <a:fontRef idx="minor"/>
+    </dgm:style>
+  </dgm:styleLbl>
+  <dgm:styleLbl name="alignAcc1">
+    <dgm:scene3d>
+      <a:camera prst="orthographicFront"/>
+      <a:lightRig rig="threePt" dir="t"/>
+    </dgm:scene3d>
+    <dgm:sp3d/>
+    <dgm:txPr/>
+    <dgm:style>
+      <a:lnRef idx="1">
+        <a:scrgbClr r="0" g="0" b="0"/>
+      </a:lnRef>
+      <a:fillRef idx="1">
+        <a:scrgbClr r="0" g="0" b="0"/>
+      </a:fillRef>
+      <a:effectRef idx="0">
+        <a:scrgbClr r="0" g="0" b="0"/>
+      </a:effectRef>
+      <a:fontRef idx="minor"/>
+    </dgm:style>
+  </dgm:styleLbl>
+  <dgm:styleLbl name="trAlignAcc1">
+    <dgm:scene3d>
+      <a:camera prst="orthographicFront"/>
+      <a:lightRig rig="threePt" dir="t"/>
+    </dgm:scene3d>
+    <dgm:sp3d/>
+    <dgm:txPr/>
+    <dgm:style>
+      <a:lnRef idx="1">
+        <a:scrgbClr r="0" g="0" b="0"/>
+      </a:lnRef>
+      <a:fillRef idx="1">
+        <a:scrgbClr r="0" g="0" b="0"/>
+      </a:fillRef>
+      <a:effectRef idx="0">
+        <a:scrgbClr r="0" g="0" b="0"/>
+      </a:effectRef>
+      <a:fontRef idx="minor"/>
+    </dgm:style>
+  </dgm:styleLbl>
+  <dgm:styleLbl name="bgAcc1">
+    <dgm:scene3d>
+      <a:camera prst="orthographicFront"/>
+      <a:lightRig rig="threePt" dir="t"/>
+    </dgm:scene3d>
+    <dgm:sp3d/>
+    <dgm:txPr/>
+    <dgm:style>
+      <a:lnRef idx="1">
+        <a:scrgbClr r="0" g="0" b="0"/>
+      </a:lnRef>
+      <a:fillRef idx="1">
+        <a:scrgbClr r="0" g="0" b="0"/>
+      </a:fillRef>
+      <a:effectRef idx="0">
+        <a:scrgbClr r="0" g="0" b="0"/>
+      </a:effectRef>
+      <a:fontRef idx="minor"/>
+    </dgm:style>
+  </dgm:styleLbl>
+  <dgm:styleLbl name="solidFgAcc1">
+    <dgm:scene3d>
+      <a:camera prst="orthographicFront"/>
+      <a:lightRig rig="threePt" dir="t"/>
+    </dgm:scene3d>
+    <dgm:sp3d/>
+    <dgm:txPr/>
+    <dgm:style>
+      <a:lnRef idx="1">
+        <a:scrgbClr r="0" g="0" b="0"/>
+      </a:lnRef>
+      <a:fillRef idx="2">
+        <a:scrgbClr r="0" g="0" b="0"/>
+      </a:fillRef>
+      <a:effectRef idx="0">
+        <a:scrgbClr r="0" g="0" b="0"/>
+      </a:effectRef>
+      <a:fontRef idx="minor"/>
+    </dgm:style>
+  </dgm:styleLbl>
+  <dgm:styleLbl name="solidAlignAcc1">
+    <dgm:scene3d>
+      <a:camera prst="orthographicFront"/>
+      <a:lightRig rig="threePt" dir="t"/>
+    </dgm:scene3d>
+    <dgm:sp3d/>
+    <dgm:txPr/>
+    <dgm:style>
+      <a:lnRef idx="1">
+        <a:scrgbClr r="0" g="0" b="0"/>
+      </a:lnRef>
+      <a:fillRef idx="1">
+        <a:scrgbClr r="0" g="0" b="0"/>
+      </a:fillRef>
+      <a:effectRef idx="0">
+        <a:scrgbClr r="0" g="0" b="0"/>
+      </a:effectRef>
+      <a:fontRef idx="minor"/>
+    </dgm:style>
+  </dgm:styleLbl>
+  <dgm:styleLbl name="solidBgAcc1">
+    <dgm:scene3d>
+      <a:camera prst="orthographicFront"/>
+      <a:lightRig rig="threePt" dir="t"/>
+    </dgm:scene3d>
+    <dgm:sp3d/>
+    <dgm:txPr/>
+    <dgm:style>
+      <a:lnRef idx="1">
+        <a:scrgbClr r="0" g="0" b="0"/>
+      </a:lnRef>
+      <a:fillRef idx="1">
+        <a:scrgbClr r="0" g="0" b="0"/>
+      </a:fillRef>
+      <a:effectRef idx="0">
+        <a:scrgbClr r="0" g="0" b="0"/>
+      </a:effectRef>
+      <a:fontRef idx="minor"/>
+    </dgm:style>
+  </dgm:styleLbl>
+  <dgm:styleLbl name="fgAccFollowNode1">
+    <dgm:scene3d>
+      <a:camera prst="orthographicFront"/>
+      <a:lightRig rig="threePt" dir="t"/>
+    </dgm:scene3d>
+    <dgm:sp3d/>
+    <dgm:txPr/>
+    <dgm:style>
+      <a:lnRef idx="1">
+        <a:scrgbClr r="0" g="0" b="0"/>
+      </a:lnRef>
+      <a:fillRef idx="1">
+        <a:scrgbClr r="0" g="0" b="0"/>
+      </a:fillRef>
+      <a:effectRef idx="0">
+        <a:scrgbClr r="0" g="0" b="0"/>
+      </a:effectRef>
+      <a:fontRef idx="minor"/>
+    </dgm:style>
+  </dgm:styleLbl>
+  <dgm:styleLbl name="alignAccFollowNode1">
+    <dgm:scene3d>
+      <a:camera prst="orthographicFront"/>
+      <a:lightRig rig="threePt" dir="t"/>
+    </dgm:scene3d>
+    <dgm:sp3d/>
+    <dgm:txPr/>
+    <dgm:style>
+      <a:lnRef idx="1">
+        <a:scrgbClr r="0" g="0" b="0"/>
+      </a:lnRef>
+      <a:fillRef idx="1">
+        <a:scrgbClr r="0" g="0" b="0"/>
+      </a:fillRef>
+      <a:effectRef idx="0">
+        <a:scrgbClr r="0" g="0" b="0"/>
+      </a:effectRef>
+      <a:fontRef idx="minor"/>
+    </dgm:style>
+  </dgm:styleLbl>
+  <dgm:styleLbl name="bgAccFollowNode1">
+    <dgm:scene3d>
+      <a:camera prst="orthographicFront"/>
+      <a:lightRig rig="threePt" dir="t"/>
+    </dgm:scene3d>
+    <dgm:sp3d/>
+    <dgm:txPr/>
+    <dgm:style>
+      <a:lnRef idx="1">
+        <a:scrgbClr r="0" g="0" b="0"/>
+      </a:lnRef>
+      <a:fillRef idx="1">
+        <a:scrgbClr r="0" g="0" b="0"/>
+      </a:fillRef>
+      <a:effectRef idx="0">
+        <a:scrgbClr r="0" g="0" b="0"/>
+      </a:effectRef>
+      <a:fontRef idx="minor"/>
+    </dgm:style>
+  </dgm:styleLbl>
+  <dgm:styleLbl name="fgAcc0">
+    <dgm:scene3d>
+      <a:camera prst="orthographicFront"/>
+      <a:lightRig rig="threePt" dir="t"/>
+    </dgm:scene3d>
+    <dgm:sp3d/>
+    <dgm:txPr/>
+    <dgm:style>
+      <a:lnRef idx="1">
+        <a:scrgbClr r="0" g="0" b="0"/>
+      </a:lnRef>
+      <a:fillRef idx="1">
+        <a:scrgbClr r="0" g="0" b="0"/>
+      </a:fillRef>
+      <a:effectRef idx="0">
+        <a:scrgbClr r="0" g="0" b="0"/>
+      </a:effectRef>
+      <a:fontRef idx="minor"/>
+    </dgm:style>
+  </dgm:styleLbl>
+  <dgm:styleLbl name="fgAcc2">
+    <dgm:scene3d>
+      <a:camera prst="orthographicFront"/>
+      <a:lightRig rig="threePt" dir="t"/>
+    </dgm:scene3d>
+    <dgm:sp3d/>
+    <dgm:txPr/>
+    <dgm:style>
+      <a:lnRef idx="1">
+        <a:scrgbClr r="0" g="0" b="0"/>
+      </a:lnRef>
+      <a:fillRef idx="1">
+        <a:scrgbClr r="0" g="0" b="0"/>
+      </a:fillRef>
+      <a:effectRef idx="0">
+        <a:scrgbClr r="0" g="0" b="0"/>
+      </a:effectRef>
+      <a:fontRef idx="minor"/>
+    </dgm:style>
+  </dgm:styleLbl>
+  <dgm:styleLbl name="fgAcc3">
+    <dgm:scene3d>
+      <a:camera prst="orthographicFront"/>
+      <a:lightRig rig="threePt" dir="t"/>
+    </dgm:scene3d>
+    <dgm:sp3d/>
+    <dgm:txPr/>
+    <dgm:style>
+      <a:lnRef idx="1">
+        <a:scrgbClr r="0" g="0" b="0"/>
+      </a:lnRef>
+      <a:fillRef idx="1">
+        <a:scrgbClr r="0" g="0" b="0"/>
+      </a:fillRef>
+      <a:effectRef idx="0">
+        <a:scrgbClr r="0" g="0" b="0"/>
+      </a:effectRef>
+      <a:fontRef idx="minor"/>
+    </dgm:style>
+  </dgm:styleLbl>
+  <dgm:styleLbl name="fgAcc4">
+    <dgm:scene3d>
+      <a:camera prst="orthographicFront"/>
+      <a:lightRig rig="threePt" dir="t"/>
+    </dgm:scene3d>
+    <dgm:sp3d/>
+    <dgm:txPr/>
+    <dgm:style>
+      <a:lnRef idx="1">
+        <a:scrgbClr r="0" g="0" b="0"/>
+      </a:lnRef>
+      <a:fillRef idx="1">
+        <a:scrgbClr r="0" g="0" b="0"/>
+      </a:fillRef>
+      <a:effectRef idx="0">
+        <a:scrgbClr r="0" g="0" b="0"/>
+      </a:effectRef>
+      <a:fontRef idx="minor"/>
+    </dgm:style>
+  </dgm:styleLbl>
+  <dgm:styleLbl name="bgShp">
+    <dgm:scene3d>
+      <a:camera prst="orthographicFront"/>
+      <a:lightRig rig="threePt" dir="t"/>
+    </dgm:scene3d>
+    <dgm:sp3d/>
+    <dgm:txPr/>
+    <dgm:style>
+      <a:lnRef idx="0">
+        <a:scrgbClr r="0" g="0" b="0"/>
+      </a:lnRef>
+      <a:fillRef idx="1">
+        <a:scrgbClr r="0" g="0" b="0"/>
+      </a:fillRef>
+      <a:effectRef idx="1">
+        <a:scrgbClr r="0" g="0" b="0"/>
+      </a:effectRef>
+      <a:fontRef idx="minor"/>
+    </dgm:style>
+  </dgm:styleLbl>
+  <dgm:styleLbl name="dkBgShp">
+    <dgm:scene3d>
+      <a:camera prst="orthographicFront"/>
+      <a:lightRig rig="threePt" dir="t"/>
+    </dgm:scene3d>
+    <dgm:sp3d/>
+    <dgm:txPr/>
+    <dgm:style>
+      <a:lnRef idx="0">
+        <a:scrgbClr r="0" g="0" b="0"/>
+      </a:lnRef>
+      <a:fillRef idx="1">
+        <a:scrgbClr r="0" g="0" b="0"/>
+      </a:fillRef>
+      <a:effectRef idx="1">
+        <a:scrgbClr r="0" g="0" b="0"/>
+      </a:effectRef>
+      <a:fontRef idx="minor"/>
+    </dgm:style>
+  </dgm:styleLbl>
+  <dgm:styleLbl name="trBgShp">
+    <dgm:scene3d>
+      <a:camera prst="orthographicFront"/>
+      <a:lightRig rig="threePt" dir="t"/>
+    </dgm:scene3d>
+    <dgm:sp3d/>
+    <dgm:txPr/>
+    <dgm:style>
+      <a:lnRef idx="0">
+        <a:scrgbClr r="0" g="0" b="0"/>
+      </a:lnRef>
+      <a:fillRef idx="1">
+        <a:scrgbClr r="0" g="0" b="0"/>
+      </a:fillRef>
+      <a:effectRef idx="0">
+        <a:scrgbClr r="0" g="0" b="0"/>
+      </a:effectRef>
+      <a:fontRef idx="minor"/>
+    </dgm:style>
+  </dgm:styleLbl>
+  <dgm:styleLbl name="fgShp">
+    <dgm:scene3d>
+      <a:camera prst="orthographicFront"/>
+      <a:lightRig rig="flat" dir="t"/>
+    </dgm:scene3d>
+    <dgm:sp3d prstMaterial="dkEdge">
+      <a:bevelT w="8200" h="38100"/>
+    </dgm:sp3d>
+    <dgm:txPr/>
+    <dgm:style>
+      <a:lnRef idx="1">
+        <a:scrgbClr r="0" g="0" b="0"/>
+      </a:lnRef>
+      <a:fillRef idx="2">
+        <a:scrgbClr r="0" g="0" b="0"/>
+      </a:fillRef>
+      <a:effectRef idx="1">
+        <a:scrgbClr r="0" g="0" b="0"/>
+      </a:effectRef>
+      <a:fontRef idx="minor"/>
+    </dgm:style>
+  </dgm:styleLbl>
+  <dgm:styleLbl name="revTx">
+    <dgm:scene3d>
+      <a:camera prst="orthographicFront"/>
+      <a:lightRig rig="threePt" dir="t"/>
+    </dgm:scene3d>
+    <dgm:sp3d/>
+    <dgm:txPr/>
+    <dgm:style>
+      <a:lnRef idx="0">
+        <a:scrgbClr r="0" g="0" b="0"/>
+      </a:lnRef>
+      <a:fillRef idx="0">
+        <a:scrgbClr r="0" g="0" b="0"/>
+      </a:fillRef>
+      <a:effectRef idx="0">
+        <a:scrgbClr r="0" g="0" b="0"/>
+      </a:effectRef>
+      <a:fontRef idx="minor"/>
+    </dgm:style>
+  </dgm:styleLbl>
+</dgm:styleDef>
+</file>
+
+<file path=ppt/diagrams/quickStyle2.xml><?xml version="1.0" encoding="utf-8"?>
 <dgm:styleDef xmlns:dgm="http://schemas.openxmlformats.org/drawingml/2006/diagram" xmlns:a="http://schemas.openxmlformats.org/drawingml/2006/main" uniqueId="urn:microsoft.com/office/officeart/2005/8/quickstyle/simple1">
   <dgm:title val=""/>
   <dgm:desc val=""/>
@@ -2376,7 +5009,7 @@
               <a:pPr>
                 <a:defRPr/>
               </a:pPr>
-              <a:t>2011/11/30</a:t>
+              <a:t>2011/12/3</a:t>
             </a:fld>
             <a:endParaRPr lang="zh-CN" altLang="en-US"/>
           </a:p>
@@ -2793,6 +5426,118 @@
 </p:notes>
 </file>
 
+<file path=ppt/notesSlides/notesSlide10.xml><?xml version="1.0" encoding="utf-8"?>
+<p:notes xmlns:a="http://schemas.openxmlformats.org/drawingml/2006/main" xmlns:r="http://schemas.openxmlformats.org/officeDocument/2006/relationships" xmlns:p="http://schemas.openxmlformats.org/presentationml/2006/main">
+  <p:cSld>
+    <p:spTree>
+      <p:nvGrpSpPr>
+        <p:cNvPr id="1" name=""/>
+        <p:cNvGrpSpPr/>
+        <p:nvPr/>
+      </p:nvGrpSpPr>
+      <p:grpSpPr>
+        <a:xfrm>
+          <a:off x="0" y="0"/>
+          <a:ext cx="0" cy="0"/>
+          <a:chOff x="0" y="0"/>
+          <a:chExt cx="0" cy="0"/>
+        </a:xfrm>
+      </p:grpSpPr>
+      <p:sp>
+        <p:nvSpPr>
+          <p:cNvPr id="38914" name="Slide Image Placeholder 1"/>
+          <p:cNvSpPr>
+            <a:spLocks noGrp="1" noRot="1" noChangeAspect="1" noTextEdit="1"/>
+          </p:cNvSpPr>
+          <p:nvPr>
+            <p:ph type="sldImg"/>
+          </p:nvPr>
+        </p:nvSpPr>
+        <p:spPr bwMode="auto">
+          <a:noFill/>
+          <a:ln>
+            <a:solidFill>
+              <a:srgbClr val="000000"/>
+            </a:solidFill>
+            <a:miter lim="800000"/>
+            <a:headEnd/>
+            <a:tailEnd/>
+          </a:ln>
+        </p:spPr>
+      </p:sp>
+      <p:sp>
+        <p:nvSpPr>
+          <p:cNvPr id="38915" name="Notes Placeholder 2"/>
+          <p:cNvSpPr>
+            <a:spLocks noGrp="1"/>
+          </p:cNvSpPr>
+          <p:nvPr>
+            <p:ph type="body" idx="1"/>
+          </p:nvPr>
+        </p:nvSpPr>
+        <p:spPr bwMode="auto">
+          <a:noFill/>
+        </p:spPr>
+        <p:txBody>
+          <a:bodyPr wrap="square" numCol="1" anchor="t" anchorCtr="0" compatLnSpc="1">
+            <a:prstTxWarp prst="textNoShape">
+              <a:avLst/>
+            </a:prstTxWarp>
+          </a:bodyPr>
+          <a:lstStyle/>
+          <a:p>
+            <a:pPr eaLnBrk="1" hangingPunct="1">
+              <a:spcBef>
+                <a:spcPct val="0"/>
+              </a:spcBef>
+            </a:pPr>
+            <a:endParaRPr lang="zh-CN" altLang="en-US" smtClean="0"/>
+          </a:p>
+        </p:txBody>
+      </p:sp>
+      <p:sp>
+        <p:nvSpPr>
+          <p:cNvPr id="38916" name="Slide Number Placeholder 3"/>
+          <p:cNvSpPr>
+            <a:spLocks noGrp="1"/>
+          </p:cNvSpPr>
+          <p:nvPr>
+            <p:ph type="sldNum" sz="quarter" idx="5"/>
+          </p:nvPr>
+        </p:nvSpPr>
+        <p:spPr bwMode="auto">
+          <a:noFill/>
+          <a:ln>
+            <a:miter lim="800000"/>
+            <a:headEnd/>
+            <a:tailEnd/>
+          </a:ln>
+        </p:spPr>
+        <p:txBody>
+          <a:bodyPr wrap="square" numCol="1" anchorCtr="0" compatLnSpc="1">
+            <a:prstTxWarp prst="textNoShape">
+              <a:avLst/>
+            </a:prstTxWarp>
+          </a:bodyPr>
+          <a:lstStyle/>
+          <a:p>
+            <a:fld id="{884964A4-8746-46D0-B4FE-65104B927633}" type="slidenum">
+              <a:rPr lang="zh-CN" altLang="en-US" smtClean="0"/>
+              <a:pPr/>
+              <a:t>10</a:t>
+            </a:fld>
+            <a:endParaRPr lang="zh-CN" altLang="en-US" smtClean="0"/>
+          </a:p>
+        </p:txBody>
+      </p:sp>
+    </p:spTree>
+  </p:cSld>
+  <p:clrMapOvr>
+    <a:masterClrMapping/>
+  </p:clrMapOvr>
+</p:notes>
+</file>
+
 <file path=ppt/notesSlides/notesSlide2.xml><?xml version="1.0" encoding="utf-8"?>
 <p:notes xmlns:a="http://schemas.openxmlformats.org/drawingml/2006/main" xmlns:r="http://schemas.openxmlformats.org/officeDocument/2006/relationships" xmlns:p="http://schemas.openxmlformats.org/presentationml/2006/main">
   <p:cSld>
@@ -2930,6 +5675,124 @@
       </p:grpSpPr>
       <p:sp>
         <p:nvSpPr>
+          <p:cNvPr id="23554" name="Slide Image Placeholder 1"/>
+          <p:cNvSpPr>
+            <a:spLocks noGrp="1" noRot="1" noChangeAspect="1" noTextEdit="1"/>
+          </p:cNvSpPr>
+          <p:nvPr>
+            <p:ph type="sldImg"/>
+          </p:nvPr>
+        </p:nvSpPr>
+        <p:spPr bwMode="auto">
+          <a:noFill/>
+          <a:ln>
+            <a:solidFill>
+              <a:srgbClr val="000000"/>
+            </a:solidFill>
+            <a:miter lim="800000"/>
+            <a:headEnd/>
+            <a:tailEnd/>
+          </a:ln>
+        </p:spPr>
+      </p:sp>
+      <p:sp>
+        <p:nvSpPr>
+          <p:cNvPr id="23555" name="Notes Placeholder 2"/>
+          <p:cNvSpPr>
+            <a:spLocks noGrp="1"/>
+          </p:cNvSpPr>
+          <p:nvPr>
+            <p:ph type="body" idx="1"/>
+          </p:nvPr>
+        </p:nvSpPr>
+        <p:spPr bwMode="auto">
+          <a:noFill/>
+        </p:spPr>
+        <p:txBody>
+          <a:bodyPr wrap="square" numCol="1" anchor="t" anchorCtr="0" compatLnSpc="1">
+            <a:prstTxWarp prst="textNoShape">
+              <a:avLst/>
+            </a:prstTxWarp>
+          </a:bodyPr>
+          <a:lstStyle/>
+          <a:p>
+            <a:pPr eaLnBrk="1" hangingPunct="1">
+              <a:spcBef>
+                <a:spcPct val="0"/>
+              </a:spcBef>
+            </a:pPr>
+            <a:r>
+              <a:rPr lang="en-US" smtClean="0"/>
+              <a:t>Please email us if you have any questions.</a:t>
+            </a:r>
+            <a:endParaRPr lang="vi-VN" smtClean="0">
+              <a:latin typeface="Calibri" pitchFamily="34" charset="0"/>
+            </a:endParaRPr>
+          </a:p>
+        </p:txBody>
+      </p:sp>
+      <p:sp>
+        <p:nvSpPr>
+          <p:cNvPr id="23556" name="Slide Number Placeholder 3"/>
+          <p:cNvSpPr>
+            <a:spLocks noGrp="1"/>
+          </p:cNvSpPr>
+          <p:nvPr>
+            <p:ph type="sldNum" sz="quarter" idx="5"/>
+          </p:nvPr>
+        </p:nvSpPr>
+        <p:spPr bwMode="auto">
+          <a:noFill/>
+          <a:ln>
+            <a:miter lim="800000"/>
+            <a:headEnd/>
+            <a:tailEnd/>
+          </a:ln>
+        </p:spPr>
+        <p:txBody>
+          <a:bodyPr wrap="square" numCol="1" anchorCtr="0" compatLnSpc="1">
+            <a:prstTxWarp prst="textNoShape">
+              <a:avLst/>
+            </a:prstTxWarp>
+          </a:bodyPr>
+          <a:lstStyle/>
+          <a:p>
+            <a:fld id="{54B4CBB0-F51F-41D1-ADFC-928E58146567}" type="slidenum">
+              <a:rPr lang="zh-CN" altLang="en-US" smtClean="0"/>
+              <a:pPr/>
+              <a:t>3</a:t>
+            </a:fld>
+            <a:endParaRPr lang="zh-CN" altLang="en-US" smtClean="0"/>
+          </a:p>
+        </p:txBody>
+      </p:sp>
+    </p:spTree>
+  </p:cSld>
+  <p:clrMapOvr>
+    <a:masterClrMapping/>
+  </p:clrMapOvr>
+</p:notes>
+</file>
+
+<file path=ppt/notesSlides/notesSlide4.xml><?xml version="1.0" encoding="utf-8"?>
+<p:notes xmlns:a="http://schemas.openxmlformats.org/drawingml/2006/main" xmlns:r="http://schemas.openxmlformats.org/officeDocument/2006/relationships" xmlns:p="http://schemas.openxmlformats.org/presentationml/2006/main">
+  <p:cSld>
+    <p:spTree>
+      <p:nvGrpSpPr>
+        <p:cNvPr id="1" name=""/>
+        <p:cNvGrpSpPr/>
+        <p:nvPr/>
+      </p:nvGrpSpPr>
+      <p:grpSpPr>
+        <a:xfrm>
+          <a:off x="0" y="0"/>
+          <a:ext cx="0" cy="0"/>
+          <a:chOff x="0" y="0"/>
+          <a:chExt cx="0" cy="0"/>
+        </a:xfrm>
+      </p:grpSpPr>
+      <p:sp>
+        <p:nvSpPr>
           <p:cNvPr id="26626" name="Slide Image Placeholder 1"/>
           <p:cNvSpPr>
             <a:spLocks noGrp="1" noRot="1" noChangeAspect="1" noTextEdit="1"/>
@@ -2971,10 +5834,6 @@
           </a:bodyPr>
           <a:lstStyle/>
           <a:p>
-            <a:r>
-              <a:rPr lang="en-US" smtClean="0"/>
-              <a:t>Gia công phần mềm hiện nay gặp nhiều thách thức và cơ hội như: cloud computing, software-as-a-service, mobile device web access, data center virtualization and consolidation. Chính những công nghệ này đang ảnh hưởng đến khả năng và sự phức tạp của gia công phần mềm.</a:t>
-            </a:r>
             <a:endParaRPr lang="vi-VN" smtClean="0"/>
           </a:p>
         </p:txBody>
@@ -3008,7 +5867,7 @@
             <a:fld id="{3A8F3EA6-691A-44C4-9681-184349940B09}" type="slidenum">
               <a:rPr lang="zh-CN" altLang="en-US" smtClean="0"/>
               <a:pPr/>
-              <a:t>3</a:t>
+              <a:t>4</a:t>
             </a:fld>
             <a:endParaRPr lang="zh-CN" altLang="en-US" smtClean="0"/>
           </a:p>
@@ -3022,7 +5881,435 @@
 </p:notes>
 </file>
 
-<file path=ppt/notesSlides/notesSlide4.xml><?xml version="1.0" encoding="utf-8"?>
+<file path=ppt/notesSlides/notesSlide5.xml><?xml version="1.0" encoding="utf-8"?>
+<p:notes xmlns:a="http://schemas.openxmlformats.org/drawingml/2006/main" xmlns:r="http://schemas.openxmlformats.org/officeDocument/2006/relationships" xmlns:p="http://schemas.openxmlformats.org/presentationml/2006/main">
+  <p:cSld>
+    <p:spTree>
+      <p:nvGrpSpPr>
+        <p:cNvPr id="1" name=""/>
+        <p:cNvGrpSpPr/>
+        <p:nvPr/>
+      </p:nvGrpSpPr>
+      <p:grpSpPr>
+        <a:xfrm>
+          <a:off x="0" y="0"/>
+          <a:ext cx="0" cy="0"/>
+          <a:chOff x="0" y="0"/>
+          <a:chExt cx="0" cy="0"/>
+        </a:xfrm>
+      </p:grpSpPr>
+      <p:sp>
+        <p:nvSpPr>
+          <p:cNvPr id="26626" name="Slide Image Placeholder 1"/>
+          <p:cNvSpPr>
+            <a:spLocks noGrp="1" noRot="1" noChangeAspect="1" noTextEdit="1"/>
+          </p:cNvSpPr>
+          <p:nvPr>
+            <p:ph type="sldImg"/>
+          </p:nvPr>
+        </p:nvSpPr>
+        <p:spPr bwMode="auto">
+          <a:noFill/>
+          <a:ln>
+            <a:solidFill>
+              <a:srgbClr val="000000"/>
+            </a:solidFill>
+            <a:miter lim="800000"/>
+            <a:headEnd/>
+            <a:tailEnd/>
+          </a:ln>
+        </p:spPr>
+      </p:sp>
+      <p:sp>
+        <p:nvSpPr>
+          <p:cNvPr id="26627" name="Notes Placeholder 2"/>
+          <p:cNvSpPr>
+            <a:spLocks noGrp="1"/>
+          </p:cNvSpPr>
+          <p:nvPr>
+            <p:ph type="body" idx="1"/>
+          </p:nvPr>
+        </p:nvSpPr>
+        <p:spPr bwMode="auto">
+          <a:noFill/>
+        </p:spPr>
+        <p:txBody>
+          <a:bodyPr wrap="square" numCol="1" anchor="t" anchorCtr="0" compatLnSpc="1">
+            <a:prstTxWarp prst="textNoShape">
+              <a:avLst/>
+            </a:prstTxWarp>
+          </a:bodyPr>
+          <a:lstStyle/>
+          <a:p>
+            <a:endParaRPr lang="vi-VN" smtClean="0"/>
+          </a:p>
+        </p:txBody>
+      </p:sp>
+      <p:sp>
+        <p:nvSpPr>
+          <p:cNvPr id="26628" name="Slide Number Placeholder 3"/>
+          <p:cNvSpPr>
+            <a:spLocks noGrp="1"/>
+          </p:cNvSpPr>
+          <p:nvPr>
+            <p:ph type="sldNum" sz="quarter" idx="5"/>
+          </p:nvPr>
+        </p:nvSpPr>
+        <p:spPr bwMode="auto">
+          <a:noFill/>
+          <a:ln>
+            <a:miter lim="800000"/>
+            <a:headEnd/>
+            <a:tailEnd/>
+          </a:ln>
+        </p:spPr>
+        <p:txBody>
+          <a:bodyPr wrap="square" numCol="1" anchorCtr="0" compatLnSpc="1">
+            <a:prstTxWarp prst="textNoShape">
+              <a:avLst/>
+            </a:prstTxWarp>
+          </a:bodyPr>
+          <a:lstStyle/>
+          <a:p>
+            <a:fld id="{3A8F3EA6-691A-44C4-9681-184349940B09}" type="slidenum">
+              <a:rPr lang="zh-CN" altLang="en-US" smtClean="0"/>
+              <a:pPr/>
+              <a:t>5</a:t>
+            </a:fld>
+            <a:endParaRPr lang="zh-CN" altLang="en-US" smtClean="0"/>
+          </a:p>
+        </p:txBody>
+      </p:sp>
+    </p:spTree>
+  </p:cSld>
+  <p:clrMapOvr>
+    <a:masterClrMapping/>
+  </p:clrMapOvr>
+</p:notes>
+</file>
+
+<file path=ppt/notesSlides/notesSlide6.xml><?xml version="1.0" encoding="utf-8"?>
+<p:notes xmlns:a="http://schemas.openxmlformats.org/drawingml/2006/main" xmlns:r="http://schemas.openxmlformats.org/officeDocument/2006/relationships" xmlns:p="http://schemas.openxmlformats.org/presentationml/2006/main">
+  <p:cSld>
+    <p:spTree>
+      <p:nvGrpSpPr>
+        <p:cNvPr id="1" name=""/>
+        <p:cNvGrpSpPr/>
+        <p:nvPr/>
+      </p:nvGrpSpPr>
+      <p:grpSpPr>
+        <a:xfrm>
+          <a:off x="0" y="0"/>
+          <a:ext cx="0" cy="0"/>
+          <a:chOff x="0" y="0"/>
+          <a:chExt cx="0" cy="0"/>
+        </a:xfrm>
+      </p:grpSpPr>
+      <p:sp>
+        <p:nvSpPr>
+          <p:cNvPr id="26626" name="Slide Image Placeholder 1"/>
+          <p:cNvSpPr>
+            <a:spLocks noGrp="1" noRot="1" noChangeAspect="1" noTextEdit="1"/>
+          </p:cNvSpPr>
+          <p:nvPr>
+            <p:ph type="sldImg"/>
+          </p:nvPr>
+        </p:nvSpPr>
+        <p:spPr bwMode="auto">
+          <a:noFill/>
+          <a:ln>
+            <a:solidFill>
+              <a:srgbClr val="000000"/>
+            </a:solidFill>
+            <a:miter lim="800000"/>
+            <a:headEnd/>
+            <a:tailEnd/>
+          </a:ln>
+        </p:spPr>
+      </p:sp>
+      <p:sp>
+        <p:nvSpPr>
+          <p:cNvPr id="26627" name="Notes Placeholder 2"/>
+          <p:cNvSpPr>
+            <a:spLocks noGrp="1"/>
+          </p:cNvSpPr>
+          <p:nvPr>
+            <p:ph type="body" idx="1"/>
+          </p:nvPr>
+        </p:nvSpPr>
+        <p:spPr bwMode="auto">
+          <a:noFill/>
+        </p:spPr>
+        <p:txBody>
+          <a:bodyPr wrap="square" numCol="1" anchor="t" anchorCtr="0" compatLnSpc="1">
+            <a:prstTxWarp prst="textNoShape">
+              <a:avLst/>
+            </a:prstTxWarp>
+          </a:bodyPr>
+          <a:lstStyle/>
+          <a:p>
+            <a:endParaRPr lang="vi-VN" smtClean="0"/>
+          </a:p>
+        </p:txBody>
+      </p:sp>
+      <p:sp>
+        <p:nvSpPr>
+          <p:cNvPr id="26628" name="Slide Number Placeholder 3"/>
+          <p:cNvSpPr>
+            <a:spLocks noGrp="1"/>
+          </p:cNvSpPr>
+          <p:nvPr>
+            <p:ph type="sldNum" sz="quarter" idx="5"/>
+          </p:nvPr>
+        </p:nvSpPr>
+        <p:spPr bwMode="auto">
+          <a:noFill/>
+          <a:ln>
+            <a:miter lim="800000"/>
+            <a:headEnd/>
+            <a:tailEnd/>
+          </a:ln>
+        </p:spPr>
+        <p:txBody>
+          <a:bodyPr wrap="square" numCol="1" anchorCtr="0" compatLnSpc="1">
+            <a:prstTxWarp prst="textNoShape">
+              <a:avLst/>
+            </a:prstTxWarp>
+          </a:bodyPr>
+          <a:lstStyle/>
+          <a:p>
+            <a:fld id="{3A8F3EA6-691A-44C4-9681-184349940B09}" type="slidenum">
+              <a:rPr lang="zh-CN" altLang="en-US" smtClean="0"/>
+              <a:pPr/>
+              <a:t>6</a:t>
+            </a:fld>
+            <a:endParaRPr lang="zh-CN" altLang="en-US" smtClean="0"/>
+          </a:p>
+        </p:txBody>
+      </p:sp>
+    </p:spTree>
+  </p:cSld>
+  <p:clrMapOvr>
+    <a:masterClrMapping/>
+  </p:clrMapOvr>
+</p:notes>
+</file>
+
+<file path=ppt/notesSlides/notesSlide7.xml><?xml version="1.0" encoding="utf-8"?>
+<p:notes xmlns:a="http://schemas.openxmlformats.org/drawingml/2006/main" xmlns:r="http://schemas.openxmlformats.org/officeDocument/2006/relationships" xmlns:p="http://schemas.openxmlformats.org/presentationml/2006/main">
+  <p:cSld>
+    <p:spTree>
+      <p:nvGrpSpPr>
+        <p:cNvPr id="1" name=""/>
+        <p:cNvGrpSpPr/>
+        <p:nvPr/>
+      </p:nvGrpSpPr>
+      <p:grpSpPr>
+        <a:xfrm>
+          <a:off x="0" y="0"/>
+          <a:ext cx="0" cy="0"/>
+          <a:chOff x="0" y="0"/>
+          <a:chExt cx="0" cy="0"/>
+        </a:xfrm>
+      </p:grpSpPr>
+      <p:sp>
+        <p:nvSpPr>
+          <p:cNvPr id="26626" name="Slide Image Placeholder 1"/>
+          <p:cNvSpPr>
+            <a:spLocks noGrp="1" noRot="1" noChangeAspect="1" noTextEdit="1"/>
+          </p:cNvSpPr>
+          <p:nvPr>
+            <p:ph type="sldImg"/>
+          </p:nvPr>
+        </p:nvSpPr>
+        <p:spPr bwMode="auto">
+          <a:noFill/>
+          <a:ln>
+            <a:solidFill>
+              <a:srgbClr val="000000"/>
+            </a:solidFill>
+            <a:miter lim="800000"/>
+            <a:headEnd/>
+            <a:tailEnd/>
+          </a:ln>
+        </p:spPr>
+      </p:sp>
+      <p:sp>
+        <p:nvSpPr>
+          <p:cNvPr id="26627" name="Notes Placeholder 2"/>
+          <p:cNvSpPr>
+            <a:spLocks noGrp="1"/>
+          </p:cNvSpPr>
+          <p:nvPr>
+            <p:ph type="body" idx="1"/>
+          </p:nvPr>
+        </p:nvSpPr>
+        <p:spPr bwMode="auto">
+          <a:noFill/>
+        </p:spPr>
+        <p:txBody>
+          <a:bodyPr wrap="square" numCol="1" anchor="t" anchorCtr="0" compatLnSpc="1">
+            <a:prstTxWarp prst="textNoShape">
+              <a:avLst/>
+            </a:prstTxWarp>
+          </a:bodyPr>
+          <a:lstStyle/>
+          <a:p>
+            <a:endParaRPr lang="vi-VN" smtClean="0"/>
+          </a:p>
+        </p:txBody>
+      </p:sp>
+      <p:sp>
+        <p:nvSpPr>
+          <p:cNvPr id="26628" name="Slide Number Placeholder 3"/>
+          <p:cNvSpPr>
+            <a:spLocks noGrp="1"/>
+          </p:cNvSpPr>
+          <p:nvPr>
+            <p:ph type="sldNum" sz="quarter" idx="5"/>
+          </p:nvPr>
+        </p:nvSpPr>
+        <p:spPr bwMode="auto">
+          <a:noFill/>
+          <a:ln>
+            <a:miter lim="800000"/>
+            <a:headEnd/>
+            <a:tailEnd/>
+          </a:ln>
+        </p:spPr>
+        <p:txBody>
+          <a:bodyPr wrap="square" numCol="1" anchorCtr="0" compatLnSpc="1">
+            <a:prstTxWarp prst="textNoShape">
+              <a:avLst/>
+            </a:prstTxWarp>
+          </a:bodyPr>
+          <a:lstStyle/>
+          <a:p>
+            <a:fld id="{3A8F3EA6-691A-44C4-9681-184349940B09}" type="slidenum">
+              <a:rPr lang="zh-CN" altLang="en-US" smtClean="0"/>
+              <a:pPr/>
+              <a:t>7</a:t>
+            </a:fld>
+            <a:endParaRPr lang="zh-CN" altLang="en-US" smtClean="0"/>
+          </a:p>
+        </p:txBody>
+      </p:sp>
+    </p:spTree>
+  </p:cSld>
+  <p:clrMapOvr>
+    <a:masterClrMapping/>
+  </p:clrMapOvr>
+</p:notes>
+</file>
+
+<file path=ppt/notesSlides/notesSlide8.xml><?xml version="1.0" encoding="utf-8"?>
+<p:notes xmlns:a="http://schemas.openxmlformats.org/drawingml/2006/main" xmlns:r="http://schemas.openxmlformats.org/officeDocument/2006/relationships" xmlns:p="http://schemas.openxmlformats.org/presentationml/2006/main">
+  <p:cSld>
+    <p:spTree>
+      <p:nvGrpSpPr>
+        <p:cNvPr id="1" name=""/>
+        <p:cNvGrpSpPr/>
+        <p:nvPr/>
+      </p:nvGrpSpPr>
+      <p:grpSpPr>
+        <a:xfrm>
+          <a:off x="0" y="0"/>
+          <a:ext cx="0" cy="0"/>
+          <a:chOff x="0" y="0"/>
+          <a:chExt cx="0" cy="0"/>
+        </a:xfrm>
+      </p:grpSpPr>
+      <p:sp>
+        <p:nvSpPr>
+          <p:cNvPr id="26626" name="Slide Image Placeholder 1"/>
+          <p:cNvSpPr>
+            <a:spLocks noGrp="1" noRot="1" noChangeAspect="1" noTextEdit="1"/>
+          </p:cNvSpPr>
+          <p:nvPr>
+            <p:ph type="sldImg"/>
+          </p:nvPr>
+        </p:nvSpPr>
+        <p:spPr bwMode="auto">
+          <a:noFill/>
+          <a:ln>
+            <a:solidFill>
+              <a:srgbClr val="000000"/>
+            </a:solidFill>
+            <a:miter lim="800000"/>
+            <a:headEnd/>
+            <a:tailEnd/>
+          </a:ln>
+        </p:spPr>
+      </p:sp>
+      <p:sp>
+        <p:nvSpPr>
+          <p:cNvPr id="26627" name="Notes Placeholder 2"/>
+          <p:cNvSpPr>
+            <a:spLocks noGrp="1"/>
+          </p:cNvSpPr>
+          <p:nvPr>
+            <p:ph type="body" idx="1"/>
+          </p:nvPr>
+        </p:nvSpPr>
+        <p:spPr bwMode="auto">
+          <a:noFill/>
+        </p:spPr>
+        <p:txBody>
+          <a:bodyPr wrap="square" numCol="1" anchor="t" anchorCtr="0" compatLnSpc="1">
+            <a:prstTxWarp prst="textNoShape">
+              <a:avLst/>
+            </a:prstTxWarp>
+          </a:bodyPr>
+          <a:lstStyle/>
+          <a:p>
+            <a:endParaRPr lang="vi-VN" smtClean="0"/>
+          </a:p>
+        </p:txBody>
+      </p:sp>
+      <p:sp>
+        <p:nvSpPr>
+          <p:cNvPr id="26628" name="Slide Number Placeholder 3"/>
+          <p:cNvSpPr>
+            <a:spLocks noGrp="1"/>
+          </p:cNvSpPr>
+          <p:nvPr>
+            <p:ph type="sldNum" sz="quarter" idx="5"/>
+          </p:nvPr>
+        </p:nvSpPr>
+        <p:spPr bwMode="auto">
+          <a:noFill/>
+          <a:ln>
+            <a:miter lim="800000"/>
+            <a:headEnd/>
+            <a:tailEnd/>
+          </a:ln>
+        </p:spPr>
+        <p:txBody>
+          <a:bodyPr wrap="square" numCol="1" anchorCtr="0" compatLnSpc="1">
+            <a:prstTxWarp prst="textNoShape">
+              <a:avLst/>
+            </a:prstTxWarp>
+          </a:bodyPr>
+          <a:lstStyle/>
+          <a:p>
+            <a:fld id="{3A8F3EA6-691A-44C4-9681-184349940B09}" type="slidenum">
+              <a:rPr lang="zh-CN" altLang="en-US" smtClean="0"/>
+              <a:pPr/>
+              <a:t>8</a:t>
+            </a:fld>
+            <a:endParaRPr lang="zh-CN" altLang="en-US" smtClean="0"/>
+          </a:p>
+        </p:txBody>
+      </p:sp>
+    </p:spTree>
+  </p:cSld>
+  <p:clrMapOvr>
+    <a:masterClrMapping/>
+  </p:clrMapOvr>
+</p:notes>
+</file>
+
+<file path=ppt/notesSlides/notesSlide9.xml><?xml version="1.0" encoding="utf-8"?>
 <p:notes xmlns:a="http://schemas.openxmlformats.org/drawingml/2006/main" xmlns:r="http://schemas.openxmlformats.org/officeDocument/2006/relationships" xmlns:p="http://schemas.openxmlformats.org/presentationml/2006/main">
   <p:cSld>
     <p:spTree>
@@ -3120,119 +6407,7 @@
             <a:fld id="{42C2D286-7950-4CA7-9D87-3EFDD8B9C3DC}" type="slidenum">
               <a:rPr lang="zh-CN" altLang="en-US" smtClean="0"/>
               <a:pPr/>
-              <a:t>4</a:t>
-            </a:fld>
-            <a:endParaRPr lang="zh-CN" altLang="en-US" smtClean="0"/>
-          </a:p>
-        </p:txBody>
-      </p:sp>
-    </p:spTree>
-  </p:cSld>
-  <p:clrMapOvr>
-    <a:masterClrMapping/>
-  </p:clrMapOvr>
-</p:notes>
-</file>
-
-<file path=ppt/notesSlides/notesSlide5.xml><?xml version="1.0" encoding="utf-8"?>
-<p:notes xmlns:a="http://schemas.openxmlformats.org/drawingml/2006/main" xmlns:r="http://schemas.openxmlformats.org/officeDocument/2006/relationships" xmlns:p="http://schemas.openxmlformats.org/presentationml/2006/main">
-  <p:cSld>
-    <p:spTree>
-      <p:nvGrpSpPr>
-        <p:cNvPr id="1" name=""/>
-        <p:cNvGrpSpPr/>
-        <p:nvPr/>
-      </p:nvGrpSpPr>
-      <p:grpSpPr>
-        <a:xfrm>
-          <a:off x="0" y="0"/>
-          <a:ext cx="0" cy="0"/>
-          <a:chOff x="0" y="0"/>
-          <a:chExt cx="0" cy="0"/>
-        </a:xfrm>
-      </p:grpSpPr>
-      <p:sp>
-        <p:nvSpPr>
-          <p:cNvPr id="38914" name="Slide Image Placeholder 1"/>
-          <p:cNvSpPr>
-            <a:spLocks noGrp="1" noRot="1" noChangeAspect="1" noTextEdit="1"/>
-          </p:cNvSpPr>
-          <p:nvPr>
-            <p:ph type="sldImg"/>
-          </p:nvPr>
-        </p:nvSpPr>
-        <p:spPr bwMode="auto">
-          <a:noFill/>
-          <a:ln>
-            <a:solidFill>
-              <a:srgbClr val="000000"/>
-            </a:solidFill>
-            <a:miter lim="800000"/>
-            <a:headEnd/>
-            <a:tailEnd/>
-          </a:ln>
-        </p:spPr>
-      </p:sp>
-      <p:sp>
-        <p:nvSpPr>
-          <p:cNvPr id="38915" name="Notes Placeholder 2"/>
-          <p:cNvSpPr>
-            <a:spLocks noGrp="1"/>
-          </p:cNvSpPr>
-          <p:nvPr>
-            <p:ph type="body" idx="1"/>
-          </p:nvPr>
-        </p:nvSpPr>
-        <p:spPr bwMode="auto">
-          <a:noFill/>
-        </p:spPr>
-        <p:txBody>
-          <a:bodyPr wrap="square" numCol="1" anchor="t" anchorCtr="0" compatLnSpc="1">
-            <a:prstTxWarp prst="textNoShape">
-              <a:avLst/>
-            </a:prstTxWarp>
-          </a:bodyPr>
-          <a:lstStyle/>
-          <a:p>
-            <a:pPr eaLnBrk="1" hangingPunct="1">
-              <a:spcBef>
-                <a:spcPct val="0"/>
-              </a:spcBef>
-            </a:pPr>
-            <a:endParaRPr lang="zh-CN" altLang="en-US" smtClean="0"/>
-          </a:p>
-        </p:txBody>
-      </p:sp>
-      <p:sp>
-        <p:nvSpPr>
-          <p:cNvPr id="38916" name="Slide Number Placeholder 3"/>
-          <p:cNvSpPr>
-            <a:spLocks noGrp="1"/>
-          </p:cNvSpPr>
-          <p:nvPr>
-            <p:ph type="sldNum" sz="quarter" idx="5"/>
-          </p:nvPr>
-        </p:nvSpPr>
-        <p:spPr bwMode="auto">
-          <a:noFill/>
-          <a:ln>
-            <a:miter lim="800000"/>
-            <a:headEnd/>
-            <a:tailEnd/>
-          </a:ln>
-        </p:spPr>
-        <p:txBody>
-          <a:bodyPr wrap="square" numCol="1" anchorCtr="0" compatLnSpc="1">
-            <a:prstTxWarp prst="textNoShape">
-              <a:avLst/>
-            </a:prstTxWarp>
-          </a:bodyPr>
-          <a:lstStyle/>
-          <a:p>
-            <a:fld id="{884964A4-8746-46D0-B4FE-65104B927633}" type="slidenum">
-              <a:rPr lang="zh-CN" altLang="en-US" smtClean="0"/>
-              <a:pPr/>
-              <a:t>5</a:t>
+              <a:t>9</a:t>
             </a:fld>
             <a:endParaRPr lang="zh-CN" altLang="en-US" smtClean="0"/>
           </a:p>
@@ -4422,25 +7597,7 @@
                 <a:latin typeface="Arial" pitchFamily="34" charset="0"/>
                 <a:cs typeface="Arial" pitchFamily="34" charset="0"/>
               </a:rPr>
-              <a:t>CÁC CÔNG NGHỆ LẬP TRÌNH HiỆN </a:t>
-            </a:r>
-            <a:r>
-              <a:rPr lang="en-US" altLang="zh-CN" sz="1600" b="1" smtClean="0">
-                <a:ln w="1905"/>
-                <a:solidFill>
-                  <a:srgbClr val="FF0000"/>
-                </a:solidFill>
-                <a:effectLst>
-                  <a:innerShdw blurRad="69850" dist="43180" dir="5400000">
-                    <a:srgbClr val="000000">
-                      <a:alpha val="65000"/>
-                    </a:srgbClr>
-                  </a:innerShdw>
-                </a:effectLst>
-                <a:latin typeface="Arial" pitchFamily="34" charset="0"/>
-                <a:cs typeface="Arial" pitchFamily="34" charset="0"/>
-              </a:rPr>
-              <a:t>ĐẠI TH2008/3</a:t>
+              <a:t>CÁC CÔNG NGHỆ LẬP TRÌNH HiỆN ĐẠI TH2008/3</a:t>
             </a:r>
             <a:endParaRPr lang="en-US" altLang="zh-CN" sz="1600" b="1">
               <a:ln w="1905"/>
@@ -4693,6 +7850,221 @@
     </p:tnLst>
     <p:bldLst>
       <p:bldP spid="4098" grpId="0"/>
+    </p:bldLst>
+  </p:timing>
+</p:sld>
+</file>
+
+<file path=ppt/slides/slide10.xml><?xml version="1.0" encoding="utf-8"?>
+<p:sld xmlns:a="http://schemas.openxmlformats.org/drawingml/2006/main" xmlns:r="http://schemas.openxmlformats.org/officeDocument/2006/relationships" xmlns:p="http://schemas.openxmlformats.org/presentationml/2006/main">
+  <p:cSld>
+    <p:spTree>
+      <p:nvGrpSpPr>
+        <p:cNvPr id="1" name=""/>
+        <p:cNvGrpSpPr/>
+        <p:nvPr/>
+      </p:nvGrpSpPr>
+      <p:grpSpPr>
+        <a:xfrm>
+          <a:off x="0" y="0"/>
+          <a:ext cx="0" cy="0"/>
+          <a:chOff x="0" y="0"/>
+          <a:chExt cx="0" cy="0"/>
+        </a:xfrm>
+      </p:grpSpPr>
+      <p:sp>
+        <p:nvSpPr>
+          <p:cNvPr id="86021" name="WordArt 5"/>
+          <p:cNvSpPr>
+            <a:spLocks noChangeArrowheads="1" noChangeShapeType="1" noTextEdit="1"/>
+          </p:cNvSpPr>
+          <p:nvPr/>
+        </p:nvSpPr>
+        <p:spPr bwMode="invGray">
+          <a:xfrm>
+            <a:off x="457200" y="2343150"/>
+            <a:ext cx="5257800" cy="800100"/>
+          </a:xfrm>
+          <a:prstGeom prst="rect">
+            <a:avLst/>
+          </a:prstGeom>
+        </p:spPr>
+        <p:txBody>
+          <a:bodyPr wrap="none" fromWordArt="1">
+            <a:prstTxWarp prst="textDeflate">
+              <a:avLst>
+                <a:gd name="adj" fmla="val 0"/>
+              </a:avLst>
+            </a:prstTxWarp>
+          </a:bodyPr>
+          <a:lstStyle/>
+          <a:p>
+            <a:pPr algn="ctr"/>
+            <a:r>
+              <a:rPr lang="vi-VN" sz="3600" b="1" kern="10">
+                <a:ln w="18000">
+                  <a:solidFill>
+                    <a:schemeClr val="accent2">
+                      <a:satMod val="140000"/>
+                    </a:schemeClr>
+                  </a:solidFill>
+                  <a:prstDash val="solid"/>
+                  <a:miter lim="800000"/>
+                </a:ln>
+                <a:noFill/>
+                <a:effectLst>
+                  <a:outerShdw blurRad="25500" dist="23000" dir="7020000" algn="tl">
+                    <a:srgbClr val="000000">
+                      <a:alpha val="50000"/>
+                    </a:srgbClr>
+                  </a:outerShdw>
+                </a:effectLst>
+                <a:latin typeface="Arial"/>
+                <a:cs typeface="Arial"/>
+              </a:rPr>
+              <a:t>Thank You !</a:t>
+            </a:r>
+          </a:p>
+        </p:txBody>
+      </p:sp>
+    </p:spTree>
+  </p:cSld>
+  <p:clrMapOvr>
+    <a:masterClrMapping/>
+  </p:clrMapOvr>
+  <p:timing>
+    <p:tnLst>
+      <p:par>
+        <p:cTn id="1" dur="indefinite" restart="never" nodeType="tmRoot">
+          <p:childTnLst>
+            <p:seq concurrent="1" nextAc="seek">
+              <p:cTn id="2" dur="indefinite" nodeType="mainSeq">
+                <p:childTnLst>
+                  <p:par>
+                    <p:cTn id="3" fill="hold">
+                      <p:stCondLst>
+                        <p:cond delay="indefinite"/>
+                        <p:cond evt="onBegin" delay="0">
+                          <p:tn val="2"/>
+                        </p:cond>
+                      </p:stCondLst>
+                      <p:childTnLst>
+                        <p:par>
+                          <p:cTn id="4" fill="hold">
+                            <p:stCondLst>
+                              <p:cond delay="0"/>
+                            </p:stCondLst>
+                            <p:childTnLst>
+                              <p:par>
+                                <p:cTn id="5" presetID="53" presetClass="entr" presetSubtype="0" fill="hold" grpId="0" nodeType="afterEffect">
+                                  <p:stCondLst>
+                                    <p:cond delay="0"/>
+                                  </p:stCondLst>
+                                  <p:childTnLst>
+                                    <p:set>
+                                      <p:cBhvr>
+                                        <p:cTn id="6" dur="1" fill="hold">
+                                          <p:stCondLst>
+                                            <p:cond delay="0"/>
+                                          </p:stCondLst>
+                                        </p:cTn>
+                                        <p:tgtEl>
+                                          <p:spTgt spid="86021"/>
+                                        </p:tgtEl>
+                                        <p:attrNameLst>
+                                          <p:attrName>style.visibility</p:attrName>
+                                        </p:attrNameLst>
+                                      </p:cBhvr>
+                                      <p:to>
+                                        <p:strVal val="visible"/>
+                                      </p:to>
+                                    </p:set>
+                                    <p:anim calcmode="lin" valueType="num">
+                                      <p:cBhvr>
+                                        <p:cTn id="7" dur="500" fill="hold"/>
+                                        <p:tgtEl>
+                                          <p:spTgt spid="86021"/>
+                                        </p:tgtEl>
+                                        <p:attrNameLst>
+                                          <p:attrName>ppt_w</p:attrName>
+                                        </p:attrNameLst>
+                                      </p:cBhvr>
+                                      <p:tavLst>
+                                        <p:tav tm="0">
+                                          <p:val>
+                                            <p:fltVal val="0"/>
+                                          </p:val>
+                                        </p:tav>
+                                        <p:tav tm="100000">
+                                          <p:val>
+                                            <p:strVal val="#ppt_w"/>
+                                          </p:val>
+                                        </p:tav>
+                                      </p:tavLst>
+                                    </p:anim>
+                                    <p:anim calcmode="lin" valueType="num">
+                                      <p:cBhvr>
+                                        <p:cTn id="8" dur="500" fill="hold"/>
+                                        <p:tgtEl>
+                                          <p:spTgt spid="86021"/>
+                                        </p:tgtEl>
+                                        <p:attrNameLst>
+                                          <p:attrName>ppt_h</p:attrName>
+                                        </p:attrNameLst>
+                                      </p:cBhvr>
+                                      <p:tavLst>
+                                        <p:tav tm="0">
+                                          <p:val>
+                                            <p:fltVal val="0"/>
+                                          </p:val>
+                                        </p:tav>
+                                        <p:tav tm="100000">
+                                          <p:val>
+                                            <p:strVal val="#ppt_h"/>
+                                          </p:val>
+                                        </p:tav>
+                                      </p:tavLst>
+                                    </p:anim>
+                                    <p:animEffect transition="in" filter="fade">
+                                      <p:cBhvr>
+                                        <p:cTn id="9" dur="500"/>
+                                        <p:tgtEl>
+                                          <p:spTgt spid="86021"/>
+                                        </p:tgtEl>
+                                      </p:cBhvr>
+                                    </p:animEffect>
+                                  </p:childTnLst>
+                                </p:cTn>
+                              </p:par>
+                            </p:childTnLst>
+                          </p:cTn>
+                        </p:par>
+                      </p:childTnLst>
+                    </p:cTn>
+                  </p:par>
+                </p:childTnLst>
+              </p:cTn>
+              <p:prevCondLst>
+                <p:cond evt="onPrev" delay="0">
+                  <p:tgtEl>
+                    <p:sldTgt/>
+                  </p:tgtEl>
+                </p:cond>
+              </p:prevCondLst>
+              <p:nextCondLst>
+                <p:cond evt="onNext" delay="0">
+                  <p:tgtEl>
+                    <p:sldTgt/>
+                  </p:tgtEl>
+                </p:cond>
+              </p:nextCondLst>
+            </p:seq>
+          </p:childTnLst>
+        </p:cTn>
+      </p:par>
+    </p:tnLst>
+    <p:bldLst>
+      <p:bldP spid="86021" grpId="0" animBg="1"/>
     </p:bldLst>
   </p:timing>
 </p:sld>
@@ -5112,6 +8484,152 @@
       </p:grpSpPr>
       <p:sp>
         <p:nvSpPr>
+          <p:cNvPr id="4098" name="Rectangle 2"/>
+          <p:cNvSpPr>
+            <a:spLocks noGrp="1" noChangeArrowheads="1"/>
+          </p:cNvSpPr>
+          <p:nvPr>
+            <p:ph type="title"/>
+          </p:nvPr>
+        </p:nvSpPr>
+        <p:spPr>
+          <a:xfrm>
+            <a:off x="1662113" y="357188"/>
+            <a:ext cx="7481887" cy="563562"/>
+          </a:xfrm>
+        </p:spPr>
+        <p:txBody>
+          <a:bodyPr/>
+          <a:lstStyle/>
+          <a:p>
+            <a:pPr eaLnBrk="1" hangingPunct="1"/>
+            <a:r>
+              <a:rPr lang="en-US" altLang="zh-CN" smtClean="0">
+                <a:ea typeface="SimSun" pitchFamily="2" charset="-122"/>
+              </a:rPr>
+              <a:t>NỘI DUNG</a:t>
+            </a:r>
+            <a:endParaRPr lang="en-US" altLang="zh-CN" smtClean="0">
+              <a:solidFill>
+                <a:schemeClr val="accent1"/>
+              </a:solidFill>
+              <a:ea typeface="SimSun" pitchFamily="2" charset="-122"/>
+            </a:endParaRPr>
+          </a:p>
+        </p:txBody>
+      </p:sp>
+      <p:sp>
+        <p:nvSpPr>
+          <p:cNvPr id="4099" name="Text Box 3"/>
+          <p:cNvSpPr txBox="1">
+            <a:spLocks noChangeArrowheads="1"/>
+          </p:cNvSpPr>
+          <p:nvPr/>
+        </p:nvSpPr>
+        <p:spPr bwMode="auto">
+          <a:xfrm>
+            <a:off x="1660525" y="722313"/>
+            <a:ext cx="184150" cy="366712"/>
+          </a:xfrm>
+          <a:prstGeom prst="rect">
+            <a:avLst/>
+          </a:prstGeom>
+          <a:noFill/>
+          <a:ln w="9525">
+            <a:noFill/>
+            <a:miter lim="800000"/>
+            <a:headEnd/>
+            <a:tailEnd/>
+          </a:ln>
+        </p:spPr>
+        <p:txBody>
+          <a:bodyPr wrap="none">
+            <a:spAutoFit/>
+          </a:bodyPr>
+          <a:lstStyle/>
+          <a:p>
+            <a:endParaRPr lang="zh-CN" altLang="zh-CN">
+              <a:ea typeface="SimSun" pitchFamily="2" charset="-122"/>
+            </a:endParaRPr>
+          </a:p>
+        </p:txBody>
+      </p:sp>
+      <p:sp>
+        <p:nvSpPr>
+          <p:cNvPr id="6" name="TextBox 5"/>
+          <p:cNvSpPr txBox="1"/>
+          <p:nvPr/>
+        </p:nvSpPr>
+        <p:spPr>
+          <a:xfrm>
+            <a:off x="1219200" y="2057400"/>
+            <a:ext cx="1390124" cy="923330"/>
+          </a:xfrm>
+          <a:prstGeom prst="rect">
+            <a:avLst/>
+          </a:prstGeom>
+          <a:noFill/>
+        </p:spPr>
+        <p:txBody>
+          <a:bodyPr wrap="none" rtlCol="0">
+            <a:spAutoFit/>
+          </a:bodyPr>
+          <a:lstStyle/>
+          <a:p>
+            <a:r>
+              <a:rPr lang="en-US" smtClean="0"/>
+              <a:t>Introduction</a:t>
+            </a:r>
+          </a:p>
+          <a:p>
+            <a:r>
+              <a:rPr lang="en-US" smtClean="0"/>
+              <a:t>Storage</a:t>
+            </a:r>
+          </a:p>
+          <a:p>
+            <a:r>
+              <a:rPr lang="en-US" smtClean="0"/>
+              <a:t>Reference</a:t>
+            </a:r>
+            <a:endParaRPr lang="vi-VN"/>
+          </a:p>
+        </p:txBody>
+      </p:sp>
+    </p:spTree>
+  </p:cSld>
+  <p:clrMapOvr>
+    <a:masterClrMapping/>
+  </p:clrMapOvr>
+  <p:timing>
+    <p:tnLst>
+      <p:par>
+        <p:cTn id="1" dur="indefinite" restart="never" nodeType="tmRoot"/>
+      </p:par>
+    </p:tnLst>
+  </p:timing>
+</p:sld>
+</file>
+
+<file path=ppt/slides/slide4.xml><?xml version="1.0" encoding="utf-8"?>
+<p:sld xmlns:a="http://schemas.openxmlformats.org/drawingml/2006/main" xmlns:r="http://schemas.openxmlformats.org/officeDocument/2006/relationships" xmlns:p="http://schemas.openxmlformats.org/presentationml/2006/main">
+  <p:cSld>
+    <p:spTree>
+      <p:nvGrpSpPr>
+        <p:cNvPr id="1" name=""/>
+        <p:cNvGrpSpPr/>
+        <p:nvPr/>
+      </p:nvGrpSpPr>
+      <p:grpSpPr>
+        <a:xfrm>
+          <a:off x="0" y="0"/>
+          <a:ext cx="0" cy="0"/>
+          <a:chOff x="0" y="0"/>
+          <a:chExt cx="0" cy="0"/>
+        </a:xfrm>
+      </p:grpSpPr>
+      <p:sp>
+        <p:nvSpPr>
           <p:cNvPr id="7170" name="Title 1"/>
           <p:cNvSpPr>
             <a:spLocks noGrp="1"/>
@@ -5148,6 +8666,22 @@
           </a:p>
         </p:txBody>
       </p:sp>
+      <p:graphicFrame>
+        <p:nvGraphicFramePr>
+          <p:cNvPr id="4" name="Diagram 3"/>
+          <p:cNvGraphicFramePr/>
+          <p:nvPr/>
+        </p:nvGraphicFramePr>
+        <p:xfrm>
+          <a:off x="304800" y="1828800"/>
+          <a:ext cx="8534400" cy="4114800"/>
+        </p:xfrm>
+        <a:graphic>
+          <a:graphicData uri="http://schemas.openxmlformats.org/drawingml/2006/diagram">
+            <dgm:relIds xmlns:dgm="http://schemas.openxmlformats.org/drawingml/2006/diagram" xmlns:r="http://schemas.openxmlformats.org/officeDocument/2006/relationships" r:dm="rId3" r:lo="rId4" r:qs="rId5" r:cs="rId6"/>
+          </a:graphicData>
+        </a:graphic>
+      </p:graphicFrame>
     </p:spTree>
   </p:cSld>
   <p:clrMapOvr>
@@ -5163,7 +8697,655 @@
 </p:sld>
 </file>
 
-<file path=ppt/slides/slide4.xml><?xml version="1.0" encoding="utf-8"?>
+<file path=ppt/slides/slide5.xml><?xml version="1.0" encoding="utf-8"?>
+<p:sld xmlns:a="http://schemas.openxmlformats.org/drawingml/2006/main" xmlns:r="http://schemas.openxmlformats.org/officeDocument/2006/relationships" xmlns:p="http://schemas.openxmlformats.org/presentationml/2006/main">
+  <p:cSld>
+    <p:spTree>
+      <p:nvGrpSpPr>
+        <p:cNvPr id="1" name=""/>
+        <p:cNvGrpSpPr/>
+        <p:nvPr/>
+      </p:nvGrpSpPr>
+      <p:grpSpPr>
+        <a:xfrm>
+          <a:off x="0" y="0"/>
+          <a:ext cx="0" cy="0"/>
+          <a:chOff x="0" y="0"/>
+          <a:chExt cx="0" cy="0"/>
+        </a:xfrm>
+      </p:grpSpPr>
+      <p:sp>
+        <p:nvSpPr>
+          <p:cNvPr id="7170" name="Title 1"/>
+          <p:cNvSpPr>
+            <a:spLocks noGrp="1"/>
+          </p:cNvSpPr>
+          <p:nvPr>
+            <p:ph type="title"/>
+          </p:nvPr>
+        </p:nvSpPr>
+        <p:spPr>
+          <a:xfrm>
+            <a:off x="1662113" y="285750"/>
+            <a:ext cx="7481887" cy="563563"/>
+          </a:xfrm>
+        </p:spPr>
+        <p:txBody>
+          <a:bodyPr/>
+          <a:lstStyle/>
+          <a:p>
+            <a:r>
+              <a:rPr lang="en-US" altLang="zh-CN" smtClean="0">
+                <a:solidFill>
+                  <a:srgbClr val="002060"/>
+                </a:solidFill>
+                <a:latin typeface="Arial" charset="0"/>
+                <a:ea typeface="SimSun" pitchFamily="2" charset="-122"/>
+                <a:cs typeface="Arial" charset="0"/>
+              </a:rPr>
+              <a:t>Introduction</a:t>
+            </a:r>
+            <a:endParaRPr lang="vi-VN" smtClean="0">
+              <a:ea typeface="SimSun" pitchFamily="2" charset="-122"/>
+              <a:cs typeface="Arial" charset="0"/>
+            </a:endParaRPr>
+          </a:p>
+        </p:txBody>
+      </p:sp>
+      <p:pic>
+        <p:nvPicPr>
+          <p:cNvPr id="1026" name="Picture 2"/>
+          <p:cNvPicPr>
+            <a:picLocks noChangeAspect="1" noChangeArrowheads="1"/>
+          </p:cNvPicPr>
+          <p:nvPr/>
+        </p:nvPicPr>
+        <p:blipFill>
+          <a:blip r:embed="rId3" cstate="print"/>
+          <a:srcRect/>
+          <a:stretch>
+            <a:fillRect/>
+          </a:stretch>
+        </p:blipFill>
+        <p:spPr bwMode="auto">
+          <a:xfrm>
+            <a:off x="990600" y="2209800"/>
+            <a:ext cx="7239000" cy="4419600"/>
+          </a:xfrm>
+          <a:prstGeom prst="rect">
+            <a:avLst/>
+          </a:prstGeom>
+          <a:noFill/>
+          <a:ln w="9525">
+            <a:noFill/>
+            <a:miter lim="800000"/>
+            <a:headEnd/>
+            <a:tailEnd/>
+          </a:ln>
+        </p:spPr>
+      </p:pic>
+      <p:pic>
+        <p:nvPicPr>
+          <p:cNvPr id="1027" name="Picture 3"/>
+          <p:cNvPicPr>
+            <a:picLocks noChangeAspect="1" noChangeArrowheads="1"/>
+          </p:cNvPicPr>
+          <p:nvPr/>
+        </p:nvPicPr>
+        <p:blipFill>
+          <a:blip r:embed="rId4" cstate="print"/>
+          <a:srcRect/>
+          <a:stretch>
+            <a:fillRect/>
+          </a:stretch>
+        </p:blipFill>
+        <p:spPr bwMode="auto">
+          <a:xfrm>
+            <a:off x="1600200" y="1524000"/>
+            <a:ext cx="5495925" cy="666750"/>
+          </a:xfrm>
+          <a:prstGeom prst="rect">
+            <a:avLst/>
+          </a:prstGeom>
+          <a:noFill/>
+          <a:ln w="9525">
+            <a:noFill/>
+            <a:miter lim="800000"/>
+            <a:headEnd/>
+            <a:tailEnd/>
+          </a:ln>
+        </p:spPr>
+      </p:pic>
+      <p:sp>
+        <p:nvSpPr>
+          <p:cNvPr id="6" name="TextBox 5"/>
+          <p:cNvSpPr txBox="1"/>
+          <p:nvPr/>
+        </p:nvSpPr>
+        <p:spPr>
+          <a:xfrm>
+            <a:off x="5708444" y="6581001"/>
+            <a:ext cx="3435556" cy="276999"/>
+          </a:xfrm>
+          <a:prstGeom prst="rect">
+            <a:avLst/>
+          </a:prstGeom>
+          <a:noFill/>
+        </p:spPr>
+        <p:txBody>
+          <a:bodyPr wrap="none" rtlCol="0">
+            <a:spAutoFit/>
+          </a:bodyPr>
+          <a:lstStyle/>
+          <a:p>
+            <a:r>
+              <a:rPr lang="vi-VN" sz="1200" smtClean="0">
+                <a:hlinkClick r:id="rId5"/>
+              </a:rPr>
+              <a:t>http://slides.html5rocks.com</a:t>
+            </a:r>
+            <a:r>
+              <a:rPr lang="vi-VN" sz="1200" smtClean="0">
+                <a:hlinkClick r:id="rId5"/>
+              </a:rPr>
+              <a:t>/#</a:t>
+            </a:r>
+            <a:r>
+              <a:rPr lang="vi-VN" sz="1200" smtClean="0">
+                <a:hlinkClick r:id="rId5"/>
+              </a:rPr>
+              <a:t>formula-intro-slide</a:t>
+            </a:r>
+            <a:endParaRPr lang="vi-VN" sz="1200"/>
+          </a:p>
+        </p:txBody>
+      </p:sp>
+    </p:spTree>
+  </p:cSld>
+  <p:clrMapOvr>
+    <a:masterClrMapping/>
+  </p:clrMapOvr>
+  <p:timing>
+    <p:tnLst>
+      <p:par>
+        <p:cTn id="1" dur="indefinite" restart="never" nodeType="tmRoot"/>
+      </p:par>
+    </p:tnLst>
+  </p:timing>
+</p:sld>
+</file>
+
+<file path=ppt/slides/slide6.xml><?xml version="1.0" encoding="utf-8"?>
+<p:sld xmlns:a="http://schemas.openxmlformats.org/drawingml/2006/main" xmlns:r="http://schemas.openxmlformats.org/officeDocument/2006/relationships" xmlns:p="http://schemas.openxmlformats.org/presentationml/2006/main">
+  <p:cSld>
+    <p:spTree>
+      <p:nvGrpSpPr>
+        <p:cNvPr id="1" name=""/>
+        <p:cNvGrpSpPr/>
+        <p:nvPr/>
+      </p:nvGrpSpPr>
+      <p:grpSpPr>
+        <a:xfrm>
+          <a:off x="0" y="0"/>
+          <a:ext cx="0" cy="0"/>
+          <a:chOff x="0" y="0"/>
+          <a:chExt cx="0" cy="0"/>
+        </a:xfrm>
+      </p:grpSpPr>
+      <p:sp>
+        <p:nvSpPr>
+          <p:cNvPr id="7170" name="Title 1"/>
+          <p:cNvSpPr>
+            <a:spLocks noGrp="1"/>
+          </p:cNvSpPr>
+          <p:nvPr>
+            <p:ph type="title"/>
+          </p:nvPr>
+        </p:nvSpPr>
+        <p:spPr>
+          <a:xfrm>
+            <a:off x="1662113" y="285750"/>
+            <a:ext cx="7481887" cy="563563"/>
+          </a:xfrm>
+        </p:spPr>
+        <p:txBody>
+          <a:bodyPr/>
+          <a:lstStyle/>
+          <a:p>
+            <a:r>
+              <a:rPr lang="en-US" altLang="zh-CN" smtClean="0">
+                <a:solidFill>
+                  <a:srgbClr val="002060"/>
+                </a:solidFill>
+                <a:latin typeface="Arial" charset="0"/>
+                <a:ea typeface="SimSun" pitchFamily="2" charset="-122"/>
+                <a:cs typeface="Arial" charset="0"/>
+              </a:rPr>
+              <a:t>Web Storage – Web SQL Database</a:t>
+            </a:r>
+            <a:endParaRPr lang="vi-VN" smtClean="0">
+              <a:ea typeface="SimSun" pitchFamily="2" charset="-122"/>
+              <a:cs typeface="Arial" charset="0"/>
+            </a:endParaRPr>
+          </a:p>
+        </p:txBody>
+      </p:sp>
+      <p:sp>
+        <p:nvSpPr>
+          <p:cNvPr id="6" name="TextBox 5"/>
+          <p:cNvSpPr txBox="1"/>
+          <p:nvPr/>
+        </p:nvSpPr>
+        <p:spPr>
+          <a:xfrm>
+            <a:off x="6091561" y="6581001"/>
+            <a:ext cx="3052439" cy="276999"/>
+          </a:xfrm>
+          <a:prstGeom prst="rect">
+            <a:avLst/>
+          </a:prstGeom>
+          <a:noFill/>
+        </p:spPr>
+        <p:txBody>
+          <a:bodyPr wrap="none" rtlCol="0">
+            <a:spAutoFit/>
+          </a:bodyPr>
+          <a:lstStyle/>
+          <a:p>
+            <a:r>
+              <a:rPr lang="vi-VN" sz="1200" smtClean="0">
+                <a:hlinkClick r:id="rId3"/>
+              </a:rPr>
+              <a:t>http://slides.html5rocks.com</a:t>
+            </a:r>
+            <a:r>
+              <a:rPr lang="vi-VN" sz="1200" smtClean="0">
+                <a:hlinkClick r:id="rId3"/>
+              </a:rPr>
+              <a:t>/#</a:t>
+            </a:r>
+            <a:r>
+              <a:rPr lang="vi-VN" sz="1200" smtClean="0">
+                <a:hlinkClick r:id="rId3"/>
+              </a:rPr>
+              <a:t>web-storage</a:t>
+            </a:r>
+            <a:endParaRPr lang="vi-VN" sz="1200"/>
+          </a:p>
+        </p:txBody>
+      </p:sp>
+      <p:pic>
+        <p:nvPicPr>
+          <p:cNvPr id="2050" name="Picture 2"/>
+          <p:cNvPicPr>
+            <a:picLocks noChangeAspect="1" noChangeArrowheads="1"/>
+          </p:cNvPicPr>
+          <p:nvPr/>
+        </p:nvPicPr>
+        <p:blipFill>
+          <a:blip r:embed="rId4" cstate="print"/>
+          <a:srcRect/>
+          <a:stretch>
+            <a:fillRect/>
+          </a:stretch>
+        </p:blipFill>
+        <p:spPr bwMode="auto">
+          <a:xfrm>
+            <a:off x="533400" y="2057400"/>
+            <a:ext cx="8124825" cy="1714500"/>
+          </a:xfrm>
+          <a:prstGeom prst="rect">
+            <a:avLst/>
+          </a:prstGeom>
+          <a:noFill/>
+          <a:ln w="9525">
+            <a:noFill/>
+            <a:miter lim="800000"/>
+            <a:headEnd/>
+            <a:tailEnd/>
+          </a:ln>
+        </p:spPr>
+      </p:pic>
+      <p:pic>
+        <p:nvPicPr>
+          <p:cNvPr id="2051" name="Picture 3"/>
+          <p:cNvPicPr>
+            <a:picLocks noChangeAspect="1" noChangeArrowheads="1"/>
+          </p:cNvPicPr>
+          <p:nvPr/>
+        </p:nvPicPr>
+        <p:blipFill>
+          <a:blip r:embed="rId5" cstate="print"/>
+          <a:srcRect/>
+          <a:stretch>
+            <a:fillRect/>
+          </a:stretch>
+        </p:blipFill>
+        <p:spPr bwMode="auto">
+          <a:xfrm>
+            <a:off x="457200" y="4495800"/>
+            <a:ext cx="8096250" cy="1162050"/>
+          </a:xfrm>
+          <a:prstGeom prst="rect">
+            <a:avLst/>
+          </a:prstGeom>
+          <a:noFill/>
+          <a:ln w="9525">
+            <a:noFill/>
+            <a:miter lim="800000"/>
+            <a:headEnd/>
+            <a:tailEnd/>
+          </a:ln>
+        </p:spPr>
+      </p:pic>
+    </p:spTree>
+  </p:cSld>
+  <p:clrMapOvr>
+    <a:masterClrMapping/>
+  </p:clrMapOvr>
+  <p:timing>
+    <p:tnLst>
+      <p:par>
+        <p:cTn id="1" dur="indefinite" restart="never" nodeType="tmRoot"/>
+      </p:par>
+    </p:tnLst>
+  </p:timing>
+</p:sld>
+</file>
+
+<file path=ppt/slides/slide7.xml><?xml version="1.0" encoding="utf-8"?>
+<p:sld xmlns:a="http://schemas.openxmlformats.org/drawingml/2006/main" xmlns:r="http://schemas.openxmlformats.org/officeDocument/2006/relationships" xmlns:p="http://schemas.openxmlformats.org/presentationml/2006/main">
+  <p:cSld>
+    <p:spTree>
+      <p:nvGrpSpPr>
+        <p:cNvPr id="1" name=""/>
+        <p:cNvGrpSpPr/>
+        <p:nvPr/>
+      </p:nvGrpSpPr>
+      <p:grpSpPr>
+        <a:xfrm>
+          <a:off x="0" y="0"/>
+          <a:ext cx="0" cy="0"/>
+          <a:chOff x="0" y="0"/>
+          <a:chExt cx="0" cy="0"/>
+        </a:xfrm>
+      </p:grpSpPr>
+      <p:sp>
+        <p:nvSpPr>
+          <p:cNvPr id="7170" name="Title 1"/>
+          <p:cNvSpPr>
+            <a:spLocks noGrp="1"/>
+          </p:cNvSpPr>
+          <p:nvPr>
+            <p:ph type="title"/>
+          </p:nvPr>
+        </p:nvSpPr>
+        <p:spPr>
+          <a:xfrm>
+            <a:off x="1662113" y="285750"/>
+            <a:ext cx="7481887" cy="563563"/>
+          </a:xfrm>
+        </p:spPr>
+        <p:txBody>
+          <a:bodyPr/>
+          <a:lstStyle/>
+          <a:p>
+            <a:r>
+              <a:rPr lang="en-US" altLang="zh-CN" smtClean="0">
+                <a:solidFill>
+                  <a:srgbClr val="002060"/>
+                </a:solidFill>
+                <a:latin typeface="Arial" charset="0"/>
+                <a:ea typeface="SimSun" pitchFamily="2" charset="-122"/>
+                <a:cs typeface="Arial" charset="0"/>
+              </a:rPr>
+              <a:t>IndexedDB</a:t>
+            </a:r>
+            <a:endParaRPr lang="vi-VN" smtClean="0">
+              <a:ea typeface="SimSun" pitchFamily="2" charset="-122"/>
+              <a:cs typeface="Arial" charset="0"/>
+            </a:endParaRPr>
+          </a:p>
+        </p:txBody>
+      </p:sp>
+      <p:sp>
+        <p:nvSpPr>
+          <p:cNvPr id="6" name="TextBox 5"/>
+          <p:cNvSpPr txBox="1"/>
+          <p:nvPr/>
+        </p:nvSpPr>
+        <p:spPr>
+          <a:xfrm>
+            <a:off x="6178123" y="6581001"/>
+            <a:ext cx="2965877" cy="276999"/>
+          </a:xfrm>
+          <a:prstGeom prst="rect">
+            <a:avLst/>
+          </a:prstGeom>
+          <a:noFill/>
+        </p:spPr>
+        <p:txBody>
+          <a:bodyPr wrap="none" rtlCol="0">
+            <a:spAutoFit/>
+          </a:bodyPr>
+          <a:lstStyle/>
+          <a:p>
+            <a:r>
+              <a:rPr lang="vi-VN" sz="1200" smtClean="0">
+                <a:hlinkClick r:id="rId3"/>
+              </a:rPr>
+              <a:t>http://slides.html5rocks.com</a:t>
+            </a:r>
+            <a:r>
+              <a:rPr lang="vi-VN" sz="1200" smtClean="0">
+                <a:hlinkClick r:id="rId3"/>
+              </a:rPr>
+              <a:t>/#</a:t>
+            </a:r>
+            <a:r>
+              <a:rPr lang="vi-VN" sz="1200" smtClean="0">
+                <a:hlinkClick r:id="rId3"/>
+              </a:rPr>
+              <a:t>indexed-db</a:t>
+            </a:r>
+            <a:endParaRPr lang="vi-VN" sz="1200"/>
+          </a:p>
+        </p:txBody>
+      </p:sp>
+      <p:pic>
+        <p:nvPicPr>
+          <p:cNvPr id="3074" name="Picture 2"/>
+          <p:cNvPicPr>
+            <a:picLocks noChangeAspect="1" noChangeArrowheads="1"/>
+          </p:cNvPicPr>
+          <p:nvPr/>
+        </p:nvPicPr>
+        <p:blipFill>
+          <a:blip r:embed="rId4" cstate="print"/>
+          <a:srcRect/>
+          <a:stretch>
+            <a:fillRect/>
+          </a:stretch>
+        </p:blipFill>
+        <p:spPr bwMode="auto">
+          <a:xfrm>
+            <a:off x="533400" y="2209800"/>
+            <a:ext cx="8086725" cy="1743075"/>
+          </a:xfrm>
+          <a:prstGeom prst="rect">
+            <a:avLst/>
+          </a:prstGeom>
+          <a:noFill/>
+          <a:ln w="9525">
+            <a:noFill/>
+            <a:miter lim="800000"/>
+            <a:headEnd/>
+            <a:tailEnd/>
+          </a:ln>
+        </p:spPr>
+      </p:pic>
+    </p:spTree>
+  </p:cSld>
+  <p:clrMapOvr>
+    <a:masterClrMapping/>
+  </p:clrMapOvr>
+  <p:timing>
+    <p:tnLst>
+      <p:par>
+        <p:cTn id="1" dur="indefinite" restart="never" nodeType="tmRoot"/>
+      </p:par>
+    </p:tnLst>
+  </p:timing>
+</p:sld>
+</file>
+
+<file path=ppt/slides/slide8.xml><?xml version="1.0" encoding="utf-8"?>
+<p:sld xmlns:a="http://schemas.openxmlformats.org/drawingml/2006/main" xmlns:r="http://schemas.openxmlformats.org/officeDocument/2006/relationships" xmlns:p="http://schemas.openxmlformats.org/presentationml/2006/main">
+  <p:cSld>
+    <p:spTree>
+      <p:nvGrpSpPr>
+        <p:cNvPr id="1" name=""/>
+        <p:cNvGrpSpPr/>
+        <p:nvPr/>
+      </p:nvGrpSpPr>
+      <p:grpSpPr>
+        <a:xfrm>
+          <a:off x="0" y="0"/>
+          <a:ext cx="0" cy="0"/>
+          <a:chOff x="0" y="0"/>
+          <a:chExt cx="0" cy="0"/>
+        </a:xfrm>
+      </p:grpSpPr>
+      <p:sp>
+        <p:nvSpPr>
+          <p:cNvPr id="7170" name="Title 1"/>
+          <p:cNvSpPr>
+            <a:spLocks noGrp="1"/>
+          </p:cNvSpPr>
+          <p:nvPr>
+            <p:ph type="title"/>
+          </p:nvPr>
+        </p:nvSpPr>
+        <p:spPr>
+          <a:xfrm>
+            <a:off x="1662113" y="285750"/>
+            <a:ext cx="7481887" cy="563563"/>
+          </a:xfrm>
+        </p:spPr>
+        <p:txBody>
+          <a:bodyPr/>
+          <a:lstStyle/>
+          <a:p>
+            <a:r>
+              <a:rPr lang="en-US" altLang="zh-CN" smtClean="0">
+                <a:solidFill>
+                  <a:srgbClr val="002060"/>
+                </a:solidFill>
+                <a:latin typeface="Arial" charset="0"/>
+                <a:ea typeface="SimSun" pitchFamily="2" charset="-122"/>
+                <a:cs typeface="Arial" charset="0"/>
+              </a:rPr>
+              <a:t>Application Cache</a:t>
+            </a:r>
+            <a:endParaRPr lang="vi-VN" smtClean="0">
+              <a:ea typeface="SimSun" pitchFamily="2" charset="-122"/>
+              <a:cs typeface="Arial" charset="0"/>
+            </a:endParaRPr>
+          </a:p>
+        </p:txBody>
+      </p:sp>
+      <p:sp>
+        <p:nvSpPr>
+          <p:cNvPr id="6" name="TextBox 5"/>
+          <p:cNvSpPr txBox="1"/>
+          <p:nvPr/>
+        </p:nvSpPr>
+        <p:spPr>
+          <a:xfrm>
+            <a:off x="6219802" y="6581001"/>
+            <a:ext cx="2924198" cy="276999"/>
+          </a:xfrm>
+          <a:prstGeom prst="rect">
+            <a:avLst/>
+          </a:prstGeom>
+          <a:noFill/>
+        </p:spPr>
+        <p:txBody>
+          <a:bodyPr wrap="none" rtlCol="0">
+            <a:spAutoFit/>
+          </a:bodyPr>
+          <a:lstStyle/>
+          <a:p>
+            <a:r>
+              <a:rPr lang="vi-VN" sz="1200" smtClean="0">
+                <a:hlinkClick r:id="rId3"/>
+              </a:rPr>
+              <a:t>http://slides.html5rocks.com</a:t>
+            </a:r>
+            <a:r>
+              <a:rPr lang="vi-VN" sz="1200" smtClean="0">
+                <a:hlinkClick r:id="rId3"/>
+              </a:rPr>
+              <a:t>/#</a:t>
+            </a:r>
+            <a:r>
+              <a:rPr lang="vi-VN" sz="1200" smtClean="0">
+                <a:hlinkClick r:id="rId3"/>
+              </a:rPr>
+              <a:t>app-cache</a:t>
+            </a:r>
+            <a:endParaRPr lang="vi-VN" sz="1200"/>
+          </a:p>
+        </p:txBody>
+      </p:sp>
+      <p:pic>
+        <p:nvPicPr>
+          <p:cNvPr id="4098" name="Picture 2"/>
+          <p:cNvPicPr>
+            <a:picLocks noChangeAspect="1" noChangeArrowheads="1"/>
+          </p:cNvPicPr>
+          <p:nvPr/>
+        </p:nvPicPr>
+        <p:blipFill>
+          <a:blip r:embed="rId4" cstate="print"/>
+          <a:srcRect/>
+          <a:stretch>
+            <a:fillRect/>
+          </a:stretch>
+        </p:blipFill>
+        <p:spPr bwMode="auto">
+          <a:xfrm>
+            <a:off x="533400" y="2057400"/>
+            <a:ext cx="8096250" cy="4533900"/>
+          </a:xfrm>
+          <a:prstGeom prst="rect">
+            <a:avLst/>
+          </a:prstGeom>
+          <a:noFill/>
+          <a:ln w="9525">
+            <a:noFill/>
+            <a:miter lim="800000"/>
+            <a:headEnd/>
+            <a:tailEnd/>
+          </a:ln>
+        </p:spPr>
+      </p:pic>
+    </p:spTree>
+  </p:cSld>
+  <p:clrMapOvr>
+    <a:masterClrMapping/>
+  </p:clrMapOvr>
+  <p:timing>
+    <p:tnLst>
+      <p:par>
+        <p:cTn id="1" dur="indefinite" restart="never" nodeType="tmRoot"/>
+      </p:par>
+    </p:tnLst>
+  </p:timing>
+</p:sld>
+</file>
+
+<file path=ppt/slides/slide9.xml><?xml version="1.0" encoding="utf-8"?>
 <p:sld xmlns:a="http://schemas.openxmlformats.org/drawingml/2006/main" xmlns:r="http://schemas.openxmlformats.org/officeDocument/2006/relationships" xmlns:p="http://schemas.openxmlformats.org/presentationml/2006/main">
   <p:cSld>
     <p:spTree>
@@ -5232,221 +9414,6 @@
         <p:cTn id="1" dur="indefinite" restart="never" nodeType="tmRoot"/>
       </p:par>
     </p:tnLst>
-  </p:timing>
-</p:sld>
-</file>
-
-<file path=ppt/slides/slide5.xml><?xml version="1.0" encoding="utf-8"?>
-<p:sld xmlns:a="http://schemas.openxmlformats.org/drawingml/2006/main" xmlns:r="http://schemas.openxmlformats.org/officeDocument/2006/relationships" xmlns:p="http://schemas.openxmlformats.org/presentationml/2006/main">
-  <p:cSld>
-    <p:spTree>
-      <p:nvGrpSpPr>
-        <p:cNvPr id="1" name=""/>
-        <p:cNvGrpSpPr/>
-        <p:nvPr/>
-      </p:nvGrpSpPr>
-      <p:grpSpPr>
-        <a:xfrm>
-          <a:off x="0" y="0"/>
-          <a:ext cx="0" cy="0"/>
-          <a:chOff x="0" y="0"/>
-          <a:chExt cx="0" cy="0"/>
-        </a:xfrm>
-      </p:grpSpPr>
-      <p:sp>
-        <p:nvSpPr>
-          <p:cNvPr id="86021" name="WordArt 5"/>
-          <p:cNvSpPr>
-            <a:spLocks noChangeArrowheads="1" noChangeShapeType="1" noTextEdit="1"/>
-          </p:cNvSpPr>
-          <p:nvPr/>
-        </p:nvSpPr>
-        <p:spPr bwMode="invGray">
-          <a:xfrm>
-            <a:off x="457200" y="2343150"/>
-            <a:ext cx="5257800" cy="800100"/>
-          </a:xfrm>
-          <a:prstGeom prst="rect">
-            <a:avLst/>
-          </a:prstGeom>
-        </p:spPr>
-        <p:txBody>
-          <a:bodyPr wrap="none" fromWordArt="1">
-            <a:prstTxWarp prst="textDeflate">
-              <a:avLst>
-                <a:gd name="adj" fmla="val 0"/>
-              </a:avLst>
-            </a:prstTxWarp>
-          </a:bodyPr>
-          <a:lstStyle/>
-          <a:p>
-            <a:pPr algn="ctr"/>
-            <a:r>
-              <a:rPr lang="vi-VN" sz="3600" b="1" kern="10">
-                <a:ln w="18000">
-                  <a:solidFill>
-                    <a:schemeClr val="accent2">
-                      <a:satMod val="140000"/>
-                    </a:schemeClr>
-                  </a:solidFill>
-                  <a:prstDash val="solid"/>
-                  <a:miter lim="800000"/>
-                </a:ln>
-                <a:noFill/>
-                <a:effectLst>
-                  <a:outerShdw blurRad="25500" dist="23000" dir="7020000" algn="tl">
-                    <a:srgbClr val="000000">
-                      <a:alpha val="50000"/>
-                    </a:srgbClr>
-                  </a:outerShdw>
-                </a:effectLst>
-                <a:latin typeface="Arial"/>
-                <a:cs typeface="Arial"/>
-              </a:rPr>
-              <a:t>Thank You !</a:t>
-            </a:r>
-          </a:p>
-        </p:txBody>
-      </p:sp>
-    </p:spTree>
-  </p:cSld>
-  <p:clrMapOvr>
-    <a:masterClrMapping/>
-  </p:clrMapOvr>
-  <p:timing>
-    <p:tnLst>
-      <p:par>
-        <p:cTn id="1" dur="indefinite" restart="never" nodeType="tmRoot">
-          <p:childTnLst>
-            <p:seq concurrent="1" nextAc="seek">
-              <p:cTn id="2" dur="indefinite" nodeType="mainSeq">
-                <p:childTnLst>
-                  <p:par>
-                    <p:cTn id="3" fill="hold">
-                      <p:stCondLst>
-                        <p:cond delay="indefinite"/>
-                        <p:cond evt="onBegin" delay="0">
-                          <p:tn val="2"/>
-                        </p:cond>
-                      </p:stCondLst>
-                      <p:childTnLst>
-                        <p:par>
-                          <p:cTn id="4" fill="hold">
-                            <p:stCondLst>
-                              <p:cond delay="0"/>
-                            </p:stCondLst>
-                            <p:childTnLst>
-                              <p:par>
-                                <p:cTn id="5" presetID="53" presetClass="entr" presetSubtype="0" fill="hold" grpId="0" nodeType="afterEffect">
-                                  <p:stCondLst>
-                                    <p:cond delay="0"/>
-                                  </p:stCondLst>
-                                  <p:childTnLst>
-                                    <p:set>
-                                      <p:cBhvr>
-                                        <p:cTn id="6" dur="1" fill="hold">
-                                          <p:stCondLst>
-                                            <p:cond delay="0"/>
-                                          </p:stCondLst>
-                                        </p:cTn>
-                                        <p:tgtEl>
-                                          <p:spTgt spid="86021"/>
-                                        </p:tgtEl>
-                                        <p:attrNameLst>
-                                          <p:attrName>style.visibility</p:attrName>
-                                        </p:attrNameLst>
-                                      </p:cBhvr>
-                                      <p:to>
-                                        <p:strVal val="visible"/>
-                                      </p:to>
-                                    </p:set>
-                                    <p:anim calcmode="lin" valueType="num">
-                                      <p:cBhvr>
-                                        <p:cTn id="7" dur="500" fill="hold"/>
-                                        <p:tgtEl>
-                                          <p:spTgt spid="86021"/>
-                                        </p:tgtEl>
-                                        <p:attrNameLst>
-                                          <p:attrName>ppt_w</p:attrName>
-                                        </p:attrNameLst>
-                                      </p:cBhvr>
-                                      <p:tavLst>
-                                        <p:tav tm="0">
-                                          <p:val>
-                                            <p:fltVal val="0"/>
-                                          </p:val>
-                                        </p:tav>
-                                        <p:tav tm="100000">
-                                          <p:val>
-                                            <p:strVal val="#ppt_w"/>
-                                          </p:val>
-                                        </p:tav>
-                                      </p:tavLst>
-                                    </p:anim>
-                                    <p:anim calcmode="lin" valueType="num">
-                                      <p:cBhvr>
-                                        <p:cTn id="8" dur="500" fill="hold"/>
-                                        <p:tgtEl>
-                                          <p:spTgt spid="86021"/>
-                                        </p:tgtEl>
-                                        <p:attrNameLst>
-                                          <p:attrName>ppt_h</p:attrName>
-                                        </p:attrNameLst>
-                                      </p:cBhvr>
-                                      <p:tavLst>
-                                        <p:tav tm="0">
-                                          <p:val>
-                                            <p:fltVal val="0"/>
-                                          </p:val>
-                                        </p:tav>
-                                        <p:tav tm="100000">
-                                          <p:val>
-                                            <p:strVal val="#ppt_h"/>
-                                          </p:val>
-                                        </p:tav>
-                                      </p:tavLst>
-                                    </p:anim>
-                                    <p:animEffect transition="in" filter="fade">
-                                      <p:cBhvr>
-                                        <p:cTn id="9" dur="500"/>
-                                        <p:tgtEl>
-                                          <p:spTgt spid="86021"/>
-                                        </p:tgtEl>
-                                      </p:cBhvr>
-                                    </p:animEffect>
-                                  </p:childTnLst>
-                                </p:cTn>
-                              </p:par>
-                            </p:childTnLst>
-                          </p:cTn>
-                        </p:par>
-                      </p:childTnLst>
-                    </p:cTn>
-                  </p:par>
-                </p:childTnLst>
-              </p:cTn>
-              <p:prevCondLst>
-                <p:cond evt="onPrev" delay="0">
-                  <p:tgtEl>
-                    <p:sldTgt/>
-                  </p:tgtEl>
-                </p:cond>
-              </p:prevCondLst>
-              <p:nextCondLst>
-                <p:cond evt="onNext" delay="0">
-                  <p:tgtEl>
-                    <p:sldTgt/>
-                  </p:tgtEl>
-                </p:cond>
-              </p:nextCondLst>
-            </p:seq>
-          </p:childTnLst>
-        </p:cTn>
-      </p:par>
-    </p:tnLst>
-    <p:bldLst>
-      <p:bldP spid="86021" grpId="0" animBg="1"/>
-    </p:bldLst>
   </p:timing>
 </p:sld>
 </file>

--- a/trunk/Serminar Html5/1. Slide/HTML5.pptx
+++ b/trunk/Serminar Html5/1. Slide/HTML5.pptx
@@ -5,7 +5,7 @@
     <p:sldMasterId id="2147483648" r:id="rId1"/>
   </p:sldMasterIdLst>
   <p:notesMasterIdLst>
-    <p:notesMasterId r:id="rId30"/>
+    <p:notesMasterId r:id="rId32"/>
   </p:notesMasterIdLst>
   <p:sldIdLst>
     <p:sldId id="256" r:id="rId2"/>
@@ -25,17 +25,19 @@
     <p:sldId id="336" r:id="rId16"/>
     <p:sldId id="343" r:id="rId17"/>
     <p:sldId id="337" r:id="rId18"/>
-    <p:sldId id="344" r:id="rId19"/>
-    <p:sldId id="331" r:id="rId20"/>
-    <p:sldId id="338" r:id="rId21"/>
-    <p:sldId id="332" r:id="rId22"/>
-    <p:sldId id="339" r:id="rId23"/>
-    <p:sldId id="333" r:id="rId24"/>
-    <p:sldId id="340" r:id="rId25"/>
-    <p:sldId id="341" r:id="rId26"/>
-    <p:sldId id="342" r:id="rId27"/>
-    <p:sldId id="312" r:id="rId28"/>
-    <p:sldId id="276" r:id="rId29"/>
+    <p:sldId id="345" r:id="rId19"/>
+    <p:sldId id="346" r:id="rId20"/>
+    <p:sldId id="344" r:id="rId21"/>
+    <p:sldId id="331" r:id="rId22"/>
+    <p:sldId id="338" r:id="rId23"/>
+    <p:sldId id="332" r:id="rId24"/>
+    <p:sldId id="339" r:id="rId25"/>
+    <p:sldId id="333" r:id="rId26"/>
+    <p:sldId id="340" r:id="rId27"/>
+    <p:sldId id="341" r:id="rId28"/>
+    <p:sldId id="342" r:id="rId29"/>
+    <p:sldId id="312" r:id="rId30"/>
+    <p:sldId id="276" r:id="rId31"/>
   </p:sldIdLst>
   <p:sldSz cx="9144000" cy="6858000" type="screen4x3"/>
   <p:notesSz cx="6858000" cy="9144000"/>
@@ -915,6 +917,753 @@
 </file>
 
 <file path=ppt/diagrams/colors2.xml><?xml version="1.0" encoding="utf-8"?>
+<dgm:colorsDef xmlns:dgm="http://schemas.openxmlformats.org/drawingml/2006/diagram" xmlns:a="http://schemas.openxmlformats.org/drawingml/2006/main" uniqueId="urn:microsoft.com/office/officeart/2005/8/colors/accent2_2">
+  <dgm:title val=""/>
+  <dgm:desc val=""/>
+  <dgm:catLst>
+    <dgm:cat type="accent2" pri="11200"/>
+  </dgm:catLst>
+  <dgm:styleLbl name="node0">
+    <dgm:fillClrLst meth="repeat">
+      <a:schemeClr val="accent2"/>
+    </dgm:fillClrLst>
+    <dgm:linClrLst meth="repeat">
+      <a:schemeClr val="lt1"/>
+    </dgm:linClrLst>
+    <dgm:effectClrLst/>
+    <dgm:txLinClrLst/>
+    <dgm:txFillClrLst/>
+    <dgm:txEffectClrLst/>
+  </dgm:styleLbl>
+  <dgm:styleLbl name="node1">
+    <dgm:fillClrLst meth="repeat">
+      <a:schemeClr val="accent2"/>
+    </dgm:fillClrLst>
+    <dgm:linClrLst meth="repeat">
+      <a:schemeClr val="lt1"/>
+    </dgm:linClrLst>
+    <dgm:effectClrLst/>
+    <dgm:txLinClrLst/>
+    <dgm:txFillClrLst/>
+    <dgm:txEffectClrLst/>
+  </dgm:styleLbl>
+  <dgm:styleLbl name="alignNode1">
+    <dgm:fillClrLst meth="repeat">
+      <a:schemeClr val="accent2"/>
+    </dgm:fillClrLst>
+    <dgm:linClrLst meth="repeat">
+      <a:schemeClr val="accent2"/>
+    </dgm:linClrLst>
+    <dgm:effectClrLst/>
+    <dgm:txLinClrLst/>
+    <dgm:txFillClrLst/>
+    <dgm:txEffectClrLst/>
+  </dgm:styleLbl>
+  <dgm:styleLbl name="lnNode1">
+    <dgm:fillClrLst meth="repeat">
+      <a:schemeClr val="accent2"/>
+    </dgm:fillClrLst>
+    <dgm:linClrLst meth="repeat">
+      <a:schemeClr val="lt1"/>
+    </dgm:linClrLst>
+    <dgm:effectClrLst/>
+    <dgm:txLinClrLst/>
+    <dgm:txFillClrLst/>
+    <dgm:txEffectClrLst/>
+  </dgm:styleLbl>
+  <dgm:styleLbl name="vennNode1">
+    <dgm:fillClrLst meth="repeat">
+      <a:schemeClr val="accent2">
+        <a:alpha val="50000"/>
+      </a:schemeClr>
+    </dgm:fillClrLst>
+    <dgm:linClrLst meth="repeat">
+      <a:schemeClr val="lt1"/>
+    </dgm:linClrLst>
+    <dgm:effectClrLst/>
+    <dgm:txLinClrLst/>
+    <dgm:txFillClrLst/>
+    <dgm:txEffectClrLst/>
+  </dgm:styleLbl>
+  <dgm:styleLbl name="node2">
+    <dgm:fillClrLst meth="repeat">
+      <a:schemeClr val="accent2"/>
+    </dgm:fillClrLst>
+    <dgm:linClrLst meth="repeat">
+      <a:schemeClr val="lt1"/>
+    </dgm:linClrLst>
+    <dgm:effectClrLst/>
+    <dgm:txLinClrLst/>
+    <dgm:txFillClrLst/>
+    <dgm:txEffectClrLst/>
+  </dgm:styleLbl>
+  <dgm:styleLbl name="node3">
+    <dgm:fillClrLst meth="repeat">
+      <a:schemeClr val="accent2"/>
+    </dgm:fillClrLst>
+    <dgm:linClrLst meth="repeat">
+      <a:schemeClr val="lt1"/>
+    </dgm:linClrLst>
+    <dgm:effectClrLst/>
+    <dgm:txLinClrLst/>
+    <dgm:txFillClrLst/>
+    <dgm:txEffectClrLst/>
+  </dgm:styleLbl>
+  <dgm:styleLbl name="node4">
+    <dgm:fillClrLst meth="repeat">
+      <a:schemeClr val="accent2"/>
+    </dgm:fillClrLst>
+    <dgm:linClrLst meth="repeat">
+      <a:schemeClr val="lt1"/>
+    </dgm:linClrLst>
+    <dgm:effectClrLst/>
+    <dgm:txLinClrLst/>
+    <dgm:txFillClrLst/>
+    <dgm:txEffectClrLst/>
+  </dgm:styleLbl>
+  <dgm:styleLbl name="fgImgPlace1">
+    <dgm:fillClrLst meth="repeat">
+      <a:schemeClr val="accent2">
+        <a:tint val="50000"/>
+      </a:schemeClr>
+    </dgm:fillClrLst>
+    <dgm:linClrLst meth="repeat">
+      <a:schemeClr val="lt1"/>
+    </dgm:linClrLst>
+    <dgm:effectClrLst/>
+    <dgm:txLinClrLst/>
+    <dgm:txFillClrLst meth="repeat">
+      <a:schemeClr val="lt1"/>
+    </dgm:txFillClrLst>
+    <dgm:txEffectClrLst/>
+  </dgm:styleLbl>
+  <dgm:styleLbl name="alignImgPlace1">
+    <dgm:fillClrLst meth="repeat">
+      <a:schemeClr val="accent2">
+        <a:tint val="50000"/>
+      </a:schemeClr>
+    </dgm:fillClrLst>
+    <dgm:linClrLst meth="repeat">
+      <a:schemeClr val="lt1"/>
+    </dgm:linClrLst>
+    <dgm:effectClrLst/>
+    <dgm:txLinClrLst/>
+    <dgm:txFillClrLst meth="repeat">
+      <a:schemeClr val="lt1"/>
+    </dgm:txFillClrLst>
+    <dgm:txEffectClrLst/>
+  </dgm:styleLbl>
+  <dgm:styleLbl name="bgImgPlace1">
+    <dgm:fillClrLst meth="repeat">
+      <a:schemeClr val="accent2">
+        <a:tint val="50000"/>
+      </a:schemeClr>
+    </dgm:fillClrLst>
+    <dgm:linClrLst meth="repeat">
+      <a:schemeClr val="lt1"/>
+    </dgm:linClrLst>
+    <dgm:effectClrLst/>
+    <dgm:txLinClrLst/>
+    <dgm:txFillClrLst meth="repeat">
+      <a:schemeClr val="lt1"/>
+    </dgm:txFillClrLst>
+    <dgm:txEffectClrLst/>
+  </dgm:styleLbl>
+  <dgm:styleLbl name="sibTrans2D1">
+    <dgm:fillClrLst meth="repeat">
+      <a:schemeClr val="accent2">
+        <a:tint val="60000"/>
+      </a:schemeClr>
+    </dgm:fillClrLst>
+    <dgm:linClrLst meth="repeat">
+      <a:schemeClr val="accent2">
+        <a:tint val="60000"/>
+      </a:schemeClr>
+    </dgm:linClrLst>
+    <dgm:effectClrLst/>
+    <dgm:txLinClrLst/>
+    <dgm:txFillClrLst/>
+    <dgm:txEffectClrLst/>
+  </dgm:styleLbl>
+  <dgm:styleLbl name="fgSibTrans2D1">
+    <dgm:fillClrLst meth="repeat">
+      <a:schemeClr val="accent2">
+        <a:tint val="60000"/>
+      </a:schemeClr>
+    </dgm:fillClrLst>
+    <dgm:linClrLst meth="repeat">
+      <a:schemeClr val="accent2">
+        <a:tint val="60000"/>
+      </a:schemeClr>
+    </dgm:linClrLst>
+    <dgm:effectClrLst/>
+    <dgm:txLinClrLst/>
+    <dgm:txFillClrLst/>
+    <dgm:txEffectClrLst/>
+  </dgm:styleLbl>
+  <dgm:styleLbl name="bgSibTrans2D1">
+    <dgm:fillClrLst meth="repeat">
+      <a:schemeClr val="accent2">
+        <a:tint val="60000"/>
+      </a:schemeClr>
+    </dgm:fillClrLst>
+    <dgm:linClrLst meth="repeat">
+      <a:schemeClr val="accent2">
+        <a:tint val="60000"/>
+      </a:schemeClr>
+    </dgm:linClrLst>
+    <dgm:effectClrLst/>
+    <dgm:txLinClrLst/>
+    <dgm:txFillClrLst/>
+    <dgm:txEffectClrLst/>
+  </dgm:styleLbl>
+  <dgm:styleLbl name="sibTrans1D1">
+    <dgm:fillClrLst meth="repeat">
+      <a:schemeClr val="accent2"/>
+    </dgm:fillClrLst>
+    <dgm:linClrLst meth="repeat">
+      <a:schemeClr val="accent2"/>
+    </dgm:linClrLst>
+    <dgm:effectClrLst/>
+    <dgm:txLinClrLst/>
+    <dgm:txFillClrLst meth="repeat">
+      <a:schemeClr val="tx1"/>
+    </dgm:txFillClrLst>
+    <dgm:txEffectClrLst/>
+  </dgm:styleLbl>
+  <dgm:styleLbl name="callout">
+    <dgm:fillClrLst meth="repeat">
+      <a:schemeClr val="accent2"/>
+    </dgm:fillClrLst>
+    <dgm:linClrLst meth="repeat">
+      <a:schemeClr val="accent2">
+        <a:tint val="50000"/>
+      </a:schemeClr>
+    </dgm:linClrLst>
+    <dgm:effectClrLst/>
+    <dgm:txLinClrLst/>
+    <dgm:txFillClrLst meth="repeat">
+      <a:schemeClr val="tx1"/>
+    </dgm:txFillClrLst>
+    <dgm:txEffectClrLst/>
+  </dgm:styleLbl>
+  <dgm:styleLbl name="asst0">
+    <dgm:fillClrLst meth="repeat">
+      <a:schemeClr val="accent2"/>
+    </dgm:fillClrLst>
+    <dgm:linClrLst meth="repeat">
+      <a:schemeClr val="lt1"/>
+    </dgm:linClrLst>
+    <dgm:effectClrLst/>
+    <dgm:txLinClrLst/>
+    <dgm:txFillClrLst/>
+    <dgm:txEffectClrLst/>
+  </dgm:styleLbl>
+  <dgm:styleLbl name="asst1">
+    <dgm:fillClrLst meth="repeat">
+      <a:schemeClr val="accent2"/>
+    </dgm:fillClrLst>
+    <dgm:linClrLst meth="repeat">
+      <a:schemeClr val="lt1"/>
+    </dgm:linClrLst>
+    <dgm:effectClrLst/>
+    <dgm:txLinClrLst/>
+    <dgm:txFillClrLst/>
+    <dgm:txEffectClrLst/>
+  </dgm:styleLbl>
+  <dgm:styleLbl name="asst2">
+    <dgm:fillClrLst meth="repeat">
+      <a:schemeClr val="accent2"/>
+    </dgm:fillClrLst>
+    <dgm:linClrLst meth="repeat">
+      <a:schemeClr val="lt1"/>
+    </dgm:linClrLst>
+    <dgm:effectClrLst/>
+    <dgm:txLinClrLst/>
+    <dgm:txFillClrLst/>
+    <dgm:txEffectClrLst/>
+  </dgm:styleLbl>
+  <dgm:styleLbl name="asst3">
+    <dgm:fillClrLst meth="repeat">
+      <a:schemeClr val="accent2"/>
+    </dgm:fillClrLst>
+    <dgm:linClrLst meth="repeat">
+      <a:schemeClr val="lt1"/>
+    </dgm:linClrLst>
+    <dgm:effectClrLst/>
+    <dgm:txLinClrLst/>
+    <dgm:txFillClrLst/>
+    <dgm:txEffectClrLst/>
+  </dgm:styleLbl>
+  <dgm:styleLbl name="asst4">
+    <dgm:fillClrLst meth="repeat">
+      <a:schemeClr val="accent2"/>
+    </dgm:fillClrLst>
+    <dgm:linClrLst meth="repeat">
+      <a:schemeClr val="lt1"/>
+    </dgm:linClrLst>
+    <dgm:effectClrLst/>
+    <dgm:txLinClrLst/>
+    <dgm:txFillClrLst/>
+    <dgm:txEffectClrLst/>
+  </dgm:styleLbl>
+  <dgm:styleLbl name="parChTrans2D1">
+    <dgm:fillClrLst meth="repeat">
+      <a:schemeClr val="accent2">
+        <a:tint val="60000"/>
+      </a:schemeClr>
+    </dgm:fillClrLst>
+    <dgm:linClrLst meth="repeat">
+      <a:schemeClr val="accent2">
+        <a:tint val="60000"/>
+      </a:schemeClr>
+    </dgm:linClrLst>
+    <dgm:effectClrLst/>
+    <dgm:txLinClrLst/>
+    <dgm:txFillClrLst meth="repeat">
+      <a:schemeClr val="lt1"/>
+    </dgm:txFillClrLst>
+    <dgm:txEffectClrLst/>
+  </dgm:styleLbl>
+  <dgm:styleLbl name="parChTrans2D2">
+    <dgm:fillClrLst meth="repeat">
+      <a:schemeClr val="accent2"/>
+    </dgm:fillClrLst>
+    <dgm:linClrLst meth="repeat">
+      <a:schemeClr val="accent2"/>
+    </dgm:linClrLst>
+    <dgm:effectClrLst/>
+    <dgm:txLinClrLst/>
+    <dgm:txFillClrLst meth="repeat">
+      <a:schemeClr val="lt1"/>
+    </dgm:txFillClrLst>
+    <dgm:txEffectClrLst/>
+  </dgm:styleLbl>
+  <dgm:styleLbl name="parChTrans2D3">
+    <dgm:fillClrLst meth="repeat">
+      <a:schemeClr val="accent2"/>
+    </dgm:fillClrLst>
+    <dgm:linClrLst meth="repeat">
+      <a:schemeClr val="accent2"/>
+    </dgm:linClrLst>
+    <dgm:effectClrLst/>
+    <dgm:txLinClrLst/>
+    <dgm:txFillClrLst meth="repeat">
+      <a:schemeClr val="lt1"/>
+    </dgm:txFillClrLst>
+    <dgm:txEffectClrLst/>
+  </dgm:styleLbl>
+  <dgm:styleLbl name="parChTrans2D4">
+    <dgm:fillClrLst meth="repeat">
+      <a:schemeClr val="accent2"/>
+    </dgm:fillClrLst>
+    <dgm:linClrLst meth="repeat">
+      <a:schemeClr val="accent2"/>
+    </dgm:linClrLst>
+    <dgm:effectClrLst/>
+    <dgm:txLinClrLst/>
+    <dgm:txFillClrLst meth="repeat">
+      <a:schemeClr val="lt1"/>
+    </dgm:txFillClrLst>
+    <dgm:txEffectClrLst/>
+  </dgm:styleLbl>
+  <dgm:styleLbl name="parChTrans1D1">
+    <dgm:fillClrLst meth="repeat">
+      <a:schemeClr val="accent2"/>
+    </dgm:fillClrLst>
+    <dgm:linClrLst meth="repeat">
+      <a:schemeClr val="accent2">
+        <a:shade val="60000"/>
+      </a:schemeClr>
+    </dgm:linClrLst>
+    <dgm:effectClrLst/>
+    <dgm:txLinClrLst/>
+    <dgm:txFillClrLst meth="repeat">
+      <a:schemeClr val="tx1"/>
+    </dgm:txFillClrLst>
+    <dgm:txEffectClrLst/>
+  </dgm:styleLbl>
+  <dgm:styleLbl name="parChTrans1D2">
+    <dgm:fillClrLst meth="repeat">
+      <a:schemeClr val="accent2"/>
+    </dgm:fillClrLst>
+    <dgm:linClrLst meth="repeat">
+      <a:schemeClr val="accent2">
+        <a:shade val="60000"/>
+      </a:schemeClr>
+    </dgm:linClrLst>
+    <dgm:effectClrLst/>
+    <dgm:txLinClrLst/>
+    <dgm:txFillClrLst meth="repeat">
+      <a:schemeClr val="tx1"/>
+    </dgm:txFillClrLst>
+    <dgm:txEffectClrLst/>
+  </dgm:styleLbl>
+  <dgm:styleLbl name="parChTrans1D3">
+    <dgm:fillClrLst meth="repeat">
+      <a:schemeClr val="accent2"/>
+    </dgm:fillClrLst>
+    <dgm:linClrLst meth="repeat">
+      <a:schemeClr val="accent2">
+        <a:shade val="80000"/>
+      </a:schemeClr>
+    </dgm:linClrLst>
+    <dgm:effectClrLst/>
+    <dgm:txLinClrLst/>
+    <dgm:txFillClrLst meth="repeat">
+      <a:schemeClr val="tx1"/>
+    </dgm:txFillClrLst>
+    <dgm:txEffectClrLst/>
+  </dgm:styleLbl>
+  <dgm:styleLbl name="parChTrans1D4">
+    <dgm:fillClrLst meth="repeat">
+      <a:schemeClr val="accent2"/>
+    </dgm:fillClrLst>
+    <dgm:linClrLst meth="repeat">
+      <a:schemeClr val="accent2">
+        <a:shade val="80000"/>
+      </a:schemeClr>
+    </dgm:linClrLst>
+    <dgm:effectClrLst/>
+    <dgm:txLinClrLst/>
+    <dgm:txFillClrLst meth="repeat">
+      <a:schemeClr val="tx1"/>
+    </dgm:txFillClrLst>
+    <dgm:txEffectClrLst/>
+  </dgm:styleLbl>
+  <dgm:styleLbl name="fgAcc1">
+    <dgm:fillClrLst meth="repeat">
+      <a:schemeClr val="lt1">
+        <a:alpha val="90000"/>
+      </a:schemeClr>
+    </dgm:fillClrLst>
+    <dgm:linClrLst meth="repeat">
+      <a:schemeClr val="accent2"/>
+    </dgm:linClrLst>
+    <dgm:effectClrLst/>
+    <dgm:txLinClrLst/>
+    <dgm:txFillClrLst meth="repeat">
+      <a:schemeClr val="dk1"/>
+    </dgm:txFillClrLst>
+    <dgm:txEffectClrLst/>
+  </dgm:styleLbl>
+  <dgm:styleLbl name="conFgAcc1">
+    <dgm:fillClrLst meth="repeat">
+      <a:schemeClr val="lt1">
+        <a:alpha val="90000"/>
+      </a:schemeClr>
+    </dgm:fillClrLst>
+    <dgm:linClrLst meth="repeat">
+      <a:schemeClr val="accent2"/>
+    </dgm:linClrLst>
+    <dgm:effectClrLst/>
+    <dgm:txLinClrLst/>
+    <dgm:txFillClrLst meth="repeat">
+      <a:schemeClr val="dk1"/>
+    </dgm:txFillClrLst>
+    <dgm:txEffectClrLst/>
+  </dgm:styleLbl>
+  <dgm:styleLbl name="alignAcc1">
+    <dgm:fillClrLst meth="repeat">
+      <a:schemeClr val="lt1">
+        <a:alpha val="90000"/>
+      </a:schemeClr>
+    </dgm:fillClrLst>
+    <dgm:linClrLst meth="repeat">
+      <a:schemeClr val="accent2"/>
+    </dgm:linClrLst>
+    <dgm:effectClrLst/>
+    <dgm:txLinClrLst/>
+    <dgm:txFillClrLst meth="repeat">
+      <a:schemeClr val="dk1"/>
+    </dgm:txFillClrLst>
+    <dgm:txEffectClrLst/>
+  </dgm:styleLbl>
+  <dgm:styleLbl name="trAlignAcc1">
+    <dgm:fillClrLst meth="repeat">
+      <a:schemeClr val="lt1">
+        <a:alpha val="40000"/>
+      </a:schemeClr>
+    </dgm:fillClrLst>
+    <dgm:linClrLst meth="repeat">
+      <a:schemeClr val="accent2"/>
+    </dgm:linClrLst>
+    <dgm:effectClrLst/>
+    <dgm:txLinClrLst/>
+    <dgm:txFillClrLst meth="repeat">
+      <a:schemeClr val="dk1"/>
+    </dgm:txFillClrLst>
+    <dgm:txEffectClrLst/>
+  </dgm:styleLbl>
+  <dgm:styleLbl name="bgAcc1">
+    <dgm:fillClrLst meth="repeat">
+      <a:schemeClr val="lt1">
+        <a:alpha val="90000"/>
+      </a:schemeClr>
+    </dgm:fillClrLst>
+    <dgm:linClrLst meth="repeat">
+      <a:schemeClr val="accent2"/>
+    </dgm:linClrLst>
+    <dgm:effectClrLst/>
+    <dgm:txLinClrLst/>
+    <dgm:txFillClrLst meth="repeat">
+      <a:schemeClr val="dk1"/>
+    </dgm:txFillClrLst>
+    <dgm:txEffectClrLst/>
+  </dgm:styleLbl>
+  <dgm:styleLbl name="solidFgAcc1">
+    <dgm:fillClrLst meth="repeat">
+      <a:schemeClr val="lt1"/>
+    </dgm:fillClrLst>
+    <dgm:linClrLst meth="repeat">
+      <a:schemeClr val="accent2"/>
+    </dgm:linClrLst>
+    <dgm:effectClrLst/>
+    <dgm:txLinClrLst/>
+    <dgm:txFillClrLst meth="repeat">
+      <a:schemeClr val="dk1"/>
+    </dgm:txFillClrLst>
+    <dgm:txEffectClrLst/>
+  </dgm:styleLbl>
+  <dgm:styleLbl name="solidAlignAcc1">
+    <dgm:fillClrLst meth="repeat">
+      <a:schemeClr val="lt1"/>
+    </dgm:fillClrLst>
+    <dgm:linClrLst meth="repeat">
+      <a:schemeClr val="accent2"/>
+    </dgm:linClrLst>
+    <dgm:effectClrLst/>
+    <dgm:txLinClrLst/>
+    <dgm:txFillClrLst meth="repeat">
+      <a:schemeClr val="dk1"/>
+    </dgm:txFillClrLst>
+    <dgm:txEffectClrLst/>
+  </dgm:styleLbl>
+  <dgm:styleLbl name="solidBgAcc1">
+    <dgm:fillClrLst meth="repeat">
+      <a:schemeClr val="lt1"/>
+    </dgm:fillClrLst>
+    <dgm:linClrLst meth="repeat">
+      <a:schemeClr val="accent2"/>
+    </dgm:linClrLst>
+    <dgm:effectClrLst/>
+    <dgm:txLinClrLst/>
+    <dgm:txFillClrLst meth="repeat">
+      <a:schemeClr val="dk1"/>
+    </dgm:txFillClrLst>
+    <dgm:txEffectClrLst/>
+  </dgm:styleLbl>
+  <dgm:styleLbl name="fgAccFollowNode1">
+    <dgm:fillClrLst meth="repeat">
+      <a:schemeClr val="accent2">
+        <a:alpha val="90000"/>
+        <a:tint val="40000"/>
+      </a:schemeClr>
+    </dgm:fillClrLst>
+    <dgm:linClrLst meth="repeat">
+      <a:schemeClr val="accent2">
+        <a:alpha val="90000"/>
+        <a:tint val="40000"/>
+      </a:schemeClr>
+    </dgm:linClrLst>
+    <dgm:effectClrLst/>
+    <dgm:txLinClrLst/>
+    <dgm:txFillClrLst meth="repeat">
+      <a:schemeClr val="dk1"/>
+    </dgm:txFillClrLst>
+    <dgm:txEffectClrLst/>
+  </dgm:styleLbl>
+  <dgm:styleLbl name="alignAccFollowNode1">
+    <dgm:fillClrLst meth="repeat">
+      <a:schemeClr val="accent2">
+        <a:alpha val="90000"/>
+        <a:tint val="40000"/>
+      </a:schemeClr>
+    </dgm:fillClrLst>
+    <dgm:linClrLst meth="repeat">
+      <a:schemeClr val="accent2">
+        <a:alpha val="90000"/>
+        <a:tint val="40000"/>
+      </a:schemeClr>
+    </dgm:linClrLst>
+    <dgm:effectClrLst/>
+    <dgm:txLinClrLst/>
+    <dgm:txFillClrLst meth="repeat">
+      <a:schemeClr val="dk1"/>
+    </dgm:txFillClrLst>
+    <dgm:txEffectClrLst/>
+  </dgm:styleLbl>
+  <dgm:styleLbl name="bgAccFollowNode1">
+    <dgm:fillClrLst meth="repeat">
+      <a:schemeClr val="accent2">
+        <a:alpha val="90000"/>
+        <a:tint val="40000"/>
+      </a:schemeClr>
+    </dgm:fillClrLst>
+    <dgm:linClrLst meth="repeat">
+      <a:schemeClr val="accent2">
+        <a:alpha val="90000"/>
+        <a:tint val="40000"/>
+      </a:schemeClr>
+    </dgm:linClrLst>
+    <dgm:effectClrLst/>
+    <dgm:txLinClrLst/>
+    <dgm:txFillClrLst meth="repeat">
+      <a:schemeClr val="dk1"/>
+    </dgm:txFillClrLst>
+    <dgm:txEffectClrLst/>
+  </dgm:styleLbl>
+  <dgm:styleLbl name="fgAcc0">
+    <dgm:fillClrLst meth="repeat">
+      <a:schemeClr val="lt1">
+        <a:alpha val="90000"/>
+      </a:schemeClr>
+    </dgm:fillClrLst>
+    <dgm:linClrLst meth="repeat">
+      <a:schemeClr val="accent2"/>
+    </dgm:linClrLst>
+    <dgm:effectClrLst/>
+    <dgm:txLinClrLst/>
+    <dgm:txFillClrLst meth="repeat">
+      <a:schemeClr val="dk1"/>
+    </dgm:txFillClrLst>
+    <dgm:txEffectClrLst/>
+  </dgm:styleLbl>
+  <dgm:styleLbl name="fgAcc2">
+    <dgm:fillClrLst meth="repeat">
+      <a:schemeClr val="lt1">
+        <a:alpha val="90000"/>
+      </a:schemeClr>
+    </dgm:fillClrLst>
+    <dgm:linClrLst meth="repeat">
+      <a:schemeClr val="accent2"/>
+    </dgm:linClrLst>
+    <dgm:effectClrLst/>
+    <dgm:txLinClrLst/>
+    <dgm:txFillClrLst meth="repeat">
+      <a:schemeClr val="dk1"/>
+    </dgm:txFillClrLst>
+    <dgm:txEffectClrLst/>
+  </dgm:styleLbl>
+  <dgm:styleLbl name="fgAcc3">
+    <dgm:fillClrLst meth="repeat">
+      <a:schemeClr val="lt1">
+        <a:alpha val="90000"/>
+      </a:schemeClr>
+    </dgm:fillClrLst>
+    <dgm:linClrLst meth="repeat">
+      <a:schemeClr val="accent2"/>
+    </dgm:linClrLst>
+    <dgm:effectClrLst/>
+    <dgm:txLinClrLst/>
+    <dgm:txFillClrLst meth="repeat">
+      <a:schemeClr val="dk1"/>
+    </dgm:txFillClrLst>
+    <dgm:txEffectClrLst/>
+  </dgm:styleLbl>
+  <dgm:styleLbl name="fgAcc4">
+    <dgm:fillClrLst meth="repeat">
+      <a:schemeClr val="lt1">
+        <a:alpha val="90000"/>
+      </a:schemeClr>
+    </dgm:fillClrLst>
+    <dgm:linClrLst meth="repeat">
+      <a:schemeClr val="accent2"/>
+    </dgm:linClrLst>
+    <dgm:effectClrLst/>
+    <dgm:txLinClrLst/>
+    <dgm:txFillClrLst meth="repeat">
+      <a:schemeClr val="dk1"/>
+    </dgm:txFillClrLst>
+    <dgm:txEffectClrLst/>
+  </dgm:styleLbl>
+  <dgm:styleLbl name="bgShp">
+    <dgm:fillClrLst meth="repeat">
+      <a:schemeClr val="accent2">
+        <a:tint val="40000"/>
+      </a:schemeClr>
+    </dgm:fillClrLst>
+    <dgm:linClrLst meth="repeat">
+      <a:schemeClr val="accent2"/>
+    </dgm:linClrLst>
+    <dgm:effectClrLst/>
+    <dgm:txLinClrLst/>
+    <dgm:txFillClrLst meth="repeat">
+      <a:schemeClr val="dk1"/>
+    </dgm:txFillClrLst>
+    <dgm:txEffectClrLst/>
+  </dgm:styleLbl>
+  <dgm:styleLbl name="dkBgShp">
+    <dgm:fillClrLst meth="repeat">
+      <a:schemeClr val="accent2">
+        <a:shade val="80000"/>
+      </a:schemeClr>
+    </dgm:fillClrLst>
+    <dgm:linClrLst meth="repeat">
+      <a:schemeClr val="accent2"/>
+    </dgm:linClrLst>
+    <dgm:effectClrLst/>
+    <dgm:txLinClrLst/>
+    <dgm:txFillClrLst meth="repeat">
+      <a:schemeClr val="lt1"/>
+    </dgm:txFillClrLst>
+    <dgm:txEffectClrLst/>
+  </dgm:styleLbl>
+  <dgm:styleLbl name="trBgShp">
+    <dgm:fillClrLst meth="repeat">
+      <a:schemeClr val="accent2">
+        <a:tint val="50000"/>
+        <a:alpha val="40000"/>
+      </a:schemeClr>
+    </dgm:fillClrLst>
+    <dgm:linClrLst meth="repeat">
+      <a:schemeClr val="accent2"/>
+    </dgm:linClrLst>
+    <dgm:effectClrLst/>
+    <dgm:txLinClrLst/>
+    <dgm:txFillClrLst meth="repeat">
+      <a:schemeClr val="lt1"/>
+    </dgm:txFillClrLst>
+    <dgm:txEffectClrLst/>
+  </dgm:styleLbl>
+  <dgm:styleLbl name="fgShp">
+    <dgm:fillClrLst meth="repeat">
+      <a:schemeClr val="accent2">
+        <a:tint val="60000"/>
+      </a:schemeClr>
+    </dgm:fillClrLst>
+    <dgm:linClrLst meth="repeat">
+      <a:schemeClr val="lt1"/>
+    </dgm:linClrLst>
+    <dgm:effectClrLst/>
+    <dgm:txLinClrLst/>
+    <dgm:txFillClrLst meth="repeat">
+      <a:schemeClr val="dk1"/>
+    </dgm:txFillClrLst>
+    <dgm:txEffectClrLst/>
+  </dgm:styleLbl>
+  <dgm:styleLbl name="revTx">
+    <dgm:fillClrLst meth="repeat">
+      <a:schemeClr val="lt1">
+        <a:alpha val="0"/>
+      </a:schemeClr>
+    </dgm:fillClrLst>
+    <dgm:linClrLst meth="repeat">
+      <a:schemeClr val="dk1">
+        <a:alpha val="0"/>
+      </a:schemeClr>
+    </dgm:linClrLst>
+    <dgm:effectClrLst/>
+    <dgm:txLinClrLst/>
+    <dgm:txFillClrLst meth="repeat">
+      <a:schemeClr val="tx1"/>
+    </dgm:txFillClrLst>
+    <dgm:txEffectClrLst/>
+  </dgm:styleLbl>
+</dgm:colorsDef>
+</file>
+
+<file path=ppt/diagrams/colors3.xml><?xml version="1.0" encoding="utf-8"?>
 <dgm:colorsDef xmlns:dgm="http://schemas.openxmlformats.org/drawingml/2006/diagram" xmlns:a="http://schemas.openxmlformats.org/drawingml/2006/main" uniqueId="urn:microsoft.com/office/officeart/2005/8/colors/accent2_2">
   <dgm:title val=""/>
   <dgm:desc val=""/>
@@ -2185,6 +2934,37 @@
         </a:p>
       </dgm:t>
     </dgm:pt>
+    <dgm:pt modelId="{D8BCD9F7-6F5C-4EED-99BE-AF6FAAEA69BA}">
+      <dgm:prSet/>
+      <dgm:spPr/>
+      <dgm:t>
+        <a:bodyPr/>
+        <a:lstStyle/>
+        <a:p>
+          <a:pPr rtl="0"/>
+          <a:r>
+            <a:rPr lang="en-US" smtClean="0"/>
+            <a:t>Tabular Data</a:t>
+          </a:r>
+          <a:endParaRPr lang="vi-VN"/>
+        </a:p>
+      </dgm:t>
+    </dgm:pt>
+    <dgm:pt modelId="{802B0C64-D61E-4A5C-820E-E58E3B9D4DBF}" type="parTrans" cxnId="{329C6C3E-384E-458D-8A06-DE900755E28C}">
+      <dgm:prSet/>
+      <dgm:spPr/>
+    </dgm:pt>
+    <dgm:pt modelId="{BD68356C-3A69-4180-A417-76444AA00FD0}" type="sibTrans" cxnId="{329C6C3E-384E-458D-8A06-DE900755E28C}">
+      <dgm:prSet/>
+      <dgm:spPr/>
+      <dgm:t>
+        <a:bodyPr/>
+        <a:lstStyle/>
+        <a:p>
+          <a:endParaRPr lang="vi-VN"/>
+        </a:p>
+      </dgm:t>
+    </dgm:pt>
     <dgm:pt modelId="{6024BCA2-4FCE-40FE-99E6-629CFEA7817F}" type="pres">
       <dgm:prSet presAssocID="{A681734B-1AF6-4575-BCAE-CE0B237691F2}" presName="diagram" presStyleCnt="0">
         <dgm:presLayoutVars>
@@ -2193,260 +2973,553 @@
         </dgm:presLayoutVars>
       </dgm:prSet>
       <dgm:spPr/>
+      <dgm:t>
+        <a:bodyPr/>
+        <a:lstStyle/>
+        <a:p>
+          <a:endParaRPr lang="vi-VN"/>
+        </a:p>
+      </dgm:t>
     </dgm:pt>
     <dgm:pt modelId="{37B5A1BD-47D3-4798-B9F1-9D05D4715F1A}" type="pres">
-      <dgm:prSet presAssocID="{5EBFB79F-24BF-4788-94E0-39BA79F51756}" presName="node" presStyleLbl="node1" presStyleIdx="0" presStyleCnt="13">
+      <dgm:prSet presAssocID="{5EBFB79F-24BF-4788-94E0-39BA79F51756}" presName="node" presStyleLbl="node1" presStyleIdx="0" presStyleCnt="14">
         <dgm:presLayoutVars>
           <dgm:bulletEnabled val="1"/>
         </dgm:presLayoutVars>
       </dgm:prSet>
       <dgm:spPr/>
+      <dgm:t>
+        <a:bodyPr/>
+        <a:lstStyle/>
+        <a:p>
+          <a:endParaRPr lang="vi-VN"/>
+        </a:p>
+      </dgm:t>
     </dgm:pt>
     <dgm:pt modelId="{EB3F4693-82BD-4759-91A4-D4C161B65E10}" type="pres">
-      <dgm:prSet presAssocID="{CBBEF212-D28B-4FB7-A876-F3D8323DC954}" presName="sibTrans" presStyleLbl="sibTrans2D1" presStyleIdx="0" presStyleCnt="12"/>
+      <dgm:prSet presAssocID="{CBBEF212-D28B-4FB7-A876-F3D8323DC954}" presName="sibTrans" presStyleLbl="sibTrans2D1" presStyleIdx="0" presStyleCnt="13"/>
       <dgm:spPr/>
+      <dgm:t>
+        <a:bodyPr/>
+        <a:lstStyle/>
+        <a:p>
+          <a:endParaRPr lang="vi-VN"/>
+        </a:p>
+      </dgm:t>
     </dgm:pt>
     <dgm:pt modelId="{7C4F3EEC-FA4F-4B85-97E7-CC1E2F064D2B}" type="pres">
-      <dgm:prSet presAssocID="{CBBEF212-D28B-4FB7-A876-F3D8323DC954}" presName="connectorText" presStyleLbl="sibTrans2D1" presStyleIdx="0" presStyleCnt="12"/>
+      <dgm:prSet presAssocID="{CBBEF212-D28B-4FB7-A876-F3D8323DC954}" presName="connectorText" presStyleLbl="sibTrans2D1" presStyleIdx="0" presStyleCnt="13"/>
       <dgm:spPr/>
+      <dgm:t>
+        <a:bodyPr/>
+        <a:lstStyle/>
+        <a:p>
+          <a:endParaRPr lang="vi-VN"/>
+        </a:p>
+      </dgm:t>
     </dgm:pt>
     <dgm:pt modelId="{58D1FCDA-2A79-4DF2-8DA3-5E48DE8E44C1}" type="pres">
-      <dgm:prSet presAssocID="{C9D85D07-7735-4AA5-9B05-7617D47083C2}" presName="node" presStyleLbl="node1" presStyleIdx="1" presStyleCnt="13">
+      <dgm:prSet presAssocID="{C9D85D07-7735-4AA5-9B05-7617D47083C2}" presName="node" presStyleLbl="node1" presStyleIdx="1" presStyleCnt="14">
         <dgm:presLayoutVars>
           <dgm:bulletEnabled val="1"/>
         </dgm:presLayoutVars>
       </dgm:prSet>
       <dgm:spPr/>
+      <dgm:t>
+        <a:bodyPr/>
+        <a:lstStyle/>
+        <a:p>
+          <a:endParaRPr lang="vi-VN"/>
+        </a:p>
+      </dgm:t>
     </dgm:pt>
     <dgm:pt modelId="{D9EAE586-E475-427E-84E0-858E12055D4C}" type="pres">
-      <dgm:prSet presAssocID="{0DBBB032-DCE8-402D-97CE-688B22AE8F7C}" presName="sibTrans" presStyleLbl="sibTrans2D1" presStyleIdx="1" presStyleCnt="12"/>
+      <dgm:prSet presAssocID="{0DBBB032-DCE8-402D-97CE-688B22AE8F7C}" presName="sibTrans" presStyleLbl="sibTrans2D1" presStyleIdx="1" presStyleCnt="13"/>
       <dgm:spPr/>
+      <dgm:t>
+        <a:bodyPr/>
+        <a:lstStyle/>
+        <a:p>
+          <a:endParaRPr lang="vi-VN"/>
+        </a:p>
+      </dgm:t>
     </dgm:pt>
     <dgm:pt modelId="{E0F4641C-67E1-4D81-87DF-E6281B3B347D}" type="pres">
-      <dgm:prSet presAssocID="{0DBBB032-DCE8-402D-97CE-688B22AE8F7C}" presName="connectorText" presStyleLbl="sibTrans2D1" presStyleIdx="1" presStyleCnt="12"/>
+      <dgm:prSet presAssocID="{0DBBB032-DCE8-402D-97CE-688B22AE8F7C}" presName="connectorText" presStyleLbl="sibTrans2D1" presStyleIdx="1" presStyleCnt="13"/>
       <dgm:spPr/>
+      <dgm:t>
+        <a:bodyPr/>
+        <a:lstStyle/>
+        <a:p>
+          <a:endParaRPr lang="vi-VN"/>
+        </a:p>
+      </dgm:t>
     </dgm:pt>
     <dgm:pt modelId="{A5B58FAD-0C0E-46A0-8468-F6A96CBE74FF}" type="pres">
-      <dgm:prSet presAssocID="{5E624266-44B7-4D6D-A70C-AB8971EC75E7}" presName="node" presStyleLbl="node1" presStyleIdx="2" presStyleCnt="13">
+      <dgm:prSet presAssocID="{5E624266-44B7-4D6D-A70C-AB8971EC75E7}" presName="node" presStyleLbl="node1" presStyleIdx="2" presStyleCnt="14">
         <dgm:presLayoutVars>
           <dgm:bulletEnabled val="1"/>
         </dgm:presLayoutVars>
       </dgm:prSet>
       <dgm:spPr/>
+      <dgm:t>
+        <a:bodyPr/>
+        <a:lstStyle/>
+        <a:p>
+          <a:endParaRPr lang="vi-VN"/>
+        </a:p>
+      </dgm:t>
     </dgm:pt>
     <dgm:pt modelId="{C033A63F-C45E-47AA-8E9F-A2580286C16B}" type="pres">
-      <dgm:prSet presAssocID="{FD8B2CB3-B3D2-4842-A30D-3A7F8E4EC93E}" presName="sibTrans" presStyleLbl="sibTrans2D1" presStyleIdx="2" presStyleCnt="12"/>
+      <dgm:prSet presAssocID="{FD8B2CB3-B3D2-4842-A30D-3A7F8E4EC93E}" presName="sibTrans" presStyleLbl="sibTrans2D1" presStyleIdx="2" presStyleCnt="13"/>
       <dgm:spPr/>
+      <dgm:t>
+        <a:bodyPr/>
+        <a:lstStyle/>
+        <a:p>
+          <a:endParaRPr lang="vi-VN"/>
+        </a:p>
+      </dgm:t>
     </dgm:pt>
     <dgm:pt modelId="{0F2930B5-5182-4A4E-9997-D76B503E86B3}" type="pres">
-      <dgm:prSet presAssocID="{FD8B2CB3-B3D2-4842-A30D-3A7F8E4EC93E}" presName="connectorText" presStyleLbl="sibTrans2D1" presStyleIdx="2" presStyleCnt="12"/>
+      <dgm:prSet presAssocID="{FD8B2CB3-B3D2-4842-A30D-3A7F8E4EC93E}" presName="connectorText" presStyleLbl="sibTrans2D1" presStyleIdx="2" presStyleCnt="13"/>
       <dgm:spPr/>
+      <dgm:t>
+        <a:bodyPr/>
+        <a:lstStyle/>
+        <a:p>
+          <a:endParaRPr lang="vi-VN"/>
+        </a:p>
+      </dgm:t>
     </dgm:pt>
     <dgm:pt modelId="{AE5F0DDC-8F96-4C84-A5C8-1A19A16CDE9F}" type="pres">
-      <dgm:prSet presAssocID="{B78876E6-27B3-4D53-A50A-A4981874906F}" presName="node" presStyleLbl="node1" presStyleIdx="3" presStyleCnt="13">
+      <dgm:prSet presAssocID="{B78876E6-27B3-4D53-A50A-A4981874906F}" presName="node" presStyleLbl="node1" presStyleIdx="3" presStyleCnt="14">
         <dgm:presLayoutVars>
           <dgm:bulletEnabled val="1"/>
         </dgm:presLayoutVars>
       </dgm:prSet>
       <dgm:spPr/>
+      <dgm:t>
+        <a:bodyPr/>
+        <a:lstStyle/>
+        <a:p>
+          <a:endParaRPr lang="vi-VN"/>
+        </a:p>
+      </dgm:t>
     </dgm:pt>
     <dgm:pt modelId="{7D9C2AC8-46E4-47D3-A39C-F136E0C08C0B}" type="pres">
-      <dgm:prSet presAssocID="{A15EA52D-71D8-476E-A98B-1EE5CB51510C}" presName="sibTrans" presStyleLbl="sibTrans2D1" presStyleIdx="3" presStyleCnt="12"/>
+      <dgm:prSet presAssocID="{A15EA52D-71D8-476E-A98B-1EE5CB51510C}" presName="sibTrans" presStyleLbl="sibTrans2D1" presStyleIdx="3" presStyleCnt="13"/>
       <dgm:spPr/>
+      <dgm:t>
+        <a:bodyPr/>
+        <a:lstStyle/>
+        <a:p>
+          <a:endParaRPr lang="vi-VN"/>
+        </a:p>
+      </dgm:t>
     </dgm:pt>
     <dgm:pt modelId="{3351180B-77FB-48FC-8CD0-2D6D277F2249}" type="pres">
-      <dgm:prSet presAssocID="{A15EA52D-71D8-476E-A98B-1EE5CB51510C}" presName="connectorText" presStyleLbl="sibTrans2D1" presStyleIdx="3" presStyleCnt="12"/>
+      <dgm:prSet presAssocID="{A15EA52D-71D8-476E-A98B-1EE5CB51510C}" presName="connectorText" presStyleLbl="sibTrans2D1" presStyleIdx="3" presStyleCnt="13"/>
       <dgm:spPr/>
+      <dgm:t>
+        <a:bodyPr/>
+        <a:lstStyle/>
+        <a:p>
+          <a:endParaRPr lang="vi-VN"/>
+        </a:p>
+      </dgm:t>
     </dgm:pt>
     <dgm:pt modelId="{9DA9F0EC-4B9C-43CF-9C53-5A4C084A1D2E}" type="pres">
-      <dgm:prSet presAssocID="{B43BB8DC-8EB2-4360-B455-C875A868A366}" presName="node" presStyleLbl="node1" presStyleIdx="4" presStyleCnt="13">
+      <dgm:prSet presAssocID="{B43BB8DC-8EB2-4360-B455-C875A868A366}" presName="node" presStyleLbl="node1" presStyleIdx="4" presStyleCnt="14">
         <dgm:presLayoutVars>
           <dgm:bulletEnabled val="1"/>
         </dgm:presLayoutVars>
       </dgm:prSet>
       <dgm:spPr/>
+      <dgm:t>
+        <a:bodyPr/>
+        <a:lstStyle/>
+        <a:p>
+          <a:endParaRPr lang="vi-VN"/>
+        </a:p>
+      </dgm:t>
     </dgm:pt>
     <dgm:pt modelId="{393A9979-4E3A-4477-B0FE-6BAB5677DCDE}" type="pres">
-      <dgm:prSet presAssocID="{39588198-E4B8-416A-B002-A9224DD38CD1}" presName="sibTrans" presStyleLbl="sibTrans2D1" presStyleIdx="4" presStyleCnt="12"/>
+      <dgm:prSet presAssocID="{39588198-E4B8-416A-B002-A9224DD38CD1}" presName="sibTrans" presStyleLbl="sibTrans2D1" presStyleIdx="4" presStyleCnt="13"/>
       <dgm:spPr/>
+      <dgm:t>
+        <a:bodyPr/>
+        <a:lstStyle/>
+        <a:p>
+          <a:endParaRPr lang="vi-VN"/>
+        </a:p>
+      </dgm:t>
     </dgm:pt>
     <dgm:pt modelId="{B03173CB-983D-4352-9237-C077D558E1FE}" type="pres">
-      <dgm:prSet presAssocID="{39588198-E4B8-416A-B002-A9224DD38CD1}" presName="connectorText" presStyleLbl="sibTrans2D1" presStyleIdx="4" presStyleCnt="12"/>
+      <dgm:prSet presAssocID="{39588198-E4B8-416A-B002-A9224DD38CD1}" presName="connectorText" presStyleLbl="sibTrans2D1" presStyleIdx="4" presStyleCnt="13"/>
       <dgm:spPr/>
+      <dgm:t>
+        <a:bodyPr/>
+        <a:lstStyle/>
+        <a:p>
+          <a:endParaRPr lang="vi-VN"/>
+        </a:p>
+      </dgm:t>
     </dgm:pt>
     <dgm:pt modelId="{322B27DE-6705-4505-BB34-04ECD71323B1}" type="pres">
-      <dgm:prSet presAssocID="{F4589881-2FFC-4E58-98F2-8DFB270E88F5}" presName="node" presStyleLbl="node1" presStyleIdx="5" presStyleCnt="13">
+      <dgm:prSet presAssocID="{F4589881-2FFC-4E58-98F2-8DFB270E88F5}" presName="node" presStyleLbl="node1" presStyleIdx="5" presStyleCnt="14">
         <dgm:presLayoutVars>
           <dgm:bulletEnabled val="1"/>
         </dgm:presLayoutVars>
       </dgm:prSet>
       <dgm:spPr/>
+      <dgm:t>
+        <a:bodyPr/>
+        <a:lstStyle/>
+        <a:p>
+          <a:endParaRPr lang="vi-VN"/>
+        </a:p>
+      </dgm:t>
     </dgm:pt>
     <dgm:pt modelId="{63C7D3D3-B543-43B1-B544-8F67D77C127A}" type="pres">
-      <dgm:prSet presAssocID="{5617C3CF-86C7-452E-A4D1-3370535B57E8}" presName="sibTrans" presStyleLbl="sibTrans2D1" presStyleIdx="5" presStyleCnt="12"/>
+      <dgm:prSet presAssocID="{5617C3CF-86C7-452E-A4D1-3370535B57E8}" presName="sibTrans" presStyleLbl="sibTrans2D1" presStyleIdx="5" presStyleCnt="13"/>
       <dgm:spPr/>
+      <dgm:t>
+        <a:bodyPr/>
+        <a:lstStyle/>
+        <a:p>
+          <a:endParaRPr lang="vi-VN"/>
+        </a:p>
+      </dgm:t>
     </dgm:pt>
     <dgm:pt modelId="{40090FD5-AA78-48E7-B7B9-955E8A62E341}" type="pres">
-      <dgm:prSet presAssocID="{5617C3CF-86C7-452E-A4D1-3370535B57E8}" presName="connectorText" presStyleLbl="sibTrans2D1" presStyleIdx="5" presStyleCnt="12"/>
+      <dgm:prSet presAssocID="{5617C3CF-86C7-452E-A4D1-3370535B57E8}" presName="connectorText" presStyleLbl="sibTrans2D1" presStyleIdx="5" presStyleCnt="13"/>
       <dgm:spPr/>
+      <dgm:t>
+        <a:bodyPr/>
+        <a:lstStyle/>
+        <a:p>
+          <a:endParaRPr lang="vi-VN"/>
+        </a:p>
+      </dgm:t>
     </dgm:pt>
     <dgm:pt modelId="{9622F554-987C-4DFF-8FFB-FDCD8DA59A13}" type="pres">
-      <dgm:prSet presAssocID="{28DE9E22-7285-42EB-BA9B-676DB1D5BF24}" presName="node" presStyleLbl="node1" presStyleIdx="6" presStyleCnt="13">
+      <dgm:prSet presAssocID="{28DE9E22-7285-42EB-BA9B-676DB1D5BF24}" presName="node" presStyleLbl="node1" presStyleIdx="6" presStyleCnt="14">
         <dgm:presLayoutVars>
           <dgm:bulletEnabled val="1"/>
         </dgm:presLayoutVars>
       </dgm:prSet>
       <dgm:spPr/>
+      <dgm:t>
+        <a:bodyPr/>
+        <a:lstStyle/>
+        <a:p>
+          <a:endParaRPr lang="vi-VN"/>
+        </a:p>
+      </dgm:t>
     </dgm:pt>
     <dgm:pt modelId="{05D5D7BD-520C-440E-B2C8-89CC9AD1EABD}" type="pres">
-      <dgm:prSet presAssocID="{B2F2920E-02F8-4D4F-B2D0-82CBBF32654A}" presName="sibTrans" presStyleLbl="sibTrans2D1" presStyleIdx="6" presStyleCnt="12"/>
+      <dgm:prSet presAssocID="{B2F2920E-02F8-4D4F-B2D0-82CBBF32654A}" presName="sibTrans" presStyleLbl="sibTrans2D1" presStyleIdx="6" presStyleCnt="13"/>
       <dgm:spPr/>
+      <dgm:t>
+        <a:bodyPr/>
+        <a:lstStyle/>
+        <a:p>
+          <a:endParaRPr lang="vi-VN"/>
+        </a:p>
+      </dgm:t>
     </dgm:pt>
     <dgm:pt modelId="{9EBFB4FA-84FE-4CDB-939A-245202F6A43D}" type="pres">
-      <dgm:prSet presAssocID="{B2F2920E-02F8-4D4F-B2D0-82CBBF32654A}" presName="connectorText" presStyleLbl="sibTrans2D1" presStyleIdx="6" presStyleCnt="12"/>
+      <dgm:prSet presAssocID="{B2F2920E-02F8-4D4F-B2D0-82CBBF32654A}" presName="connectorText" presStyleLbl="sibTrans2D1" presStyleIdx="6" presStyleCnt="13"/>
       <dgm:spPr/>
+      <dgm:t>
+        <a:bodyPr/>
+        <a:lstStyle/>
+        <a:p>
+          <a:endParaRPr lang="vi-VN"/>
+        </a:p>
+      </dgm:t>
     </dgm:pt>
-    <dgm:pt modelId="{B1380026-842F-4AAC-93B3-E33CA6ED6AF4}" type="pres">
-      <dgm:prSet presAssocID="{13350044-0AD2-4199-A6A1-9232091BA1B1}" presName="node" presStyleLbl="node1" presStyleIdx="7" presStyleCnt="13">
+    <dgm:pt modelId="{3EB978A4-1482-443A-81E8-E99D9A09BD8A}" type="pres">
+      <dgm:prSet presAssocID="{D8BCD9F7-6F5C-4EED-99BE-AF6FAAEA69BA}" presName="node" presStyleLbl="node1" presStyleIdx="7" presStyleCnt="14">
         <dgm:presLayoutVars>
           <dgm:bulletEnabled val="1"/>
         </dgm:presLayoutVars>
       </dgm:prSet>
       <dgm:spPr/>
+      <dgm:t>
+        <a:bodyPr/>
+        <a:lstStyle/>
+        <a:p>
+          <a:endParaRPr lang="vi-VN"/>
+        </a:p>
+      </dgm:t>
     </dgm:pt>
-    <dgm:pt modelId="{A35E23BF-3DEC-4E98-8747-DB8E6DAE7450}" type="pres">
-      <dgm:prSet presAssocID="{9F5D30B9-60B9-4CBE-BEC0-5D79B964FCEE}" presName="sibTrans" presStyleLbl="sibTrans2D1" presStyleIdx="7" presStyleCnt="12"/>
+    <dgm:pt modelId="{780099C4-80B7-4F20-8800-225A8941C78B}" type="pres">
+      <dgm:prSet presAssocID="{BD68356C-3A69-4180-A417-76444AA00FD0}" presName="sibTrans" presStyleLbl="sibTrans2D1" presStyleIdx="7" presStyleCnt="13"/>
       <dgm:spPr/>
     </dgm:pt>
-    <dgm:pt modelId="{F3EF11AA-90A8-4014-A956-5A845077FB02}" type="pres">
-      <dgm:prSet presAssocID="{9F5D30B9-60B9-4CBE-BEC0-5D79B964FCEE}" presName="connectorText" presStyleLbl="sibTrans2D1" presStyleIdx="7" presStyleCnt="12"/>
+    <dgm:pt modelId="{B527F503-A9D1-48AC-A7BA-3C87CD12503B}" type="pres">
+      <dgm:prSet presAssocID="{BD68356C-3A69-4180-A417-76444AA00FD0}" presName="connectorText" presStyleLbl="sibTrans2D1" presStyleIdx="7" presStyleCnt="13"/>
       <dgm:spPr/>
     </dgm:pt>
-    <dgm:pt modelId="{AA05156E-12BB-4D39-896E-66B1513E48F8}" type="pres">
-      <dgm:prSet presAssocID="{44CBE115-76E7-4B54-A1F7-56E3EE484D9E}" presName="node" presStyleLbl="node1" presStyleIdx="8" presStyleCnt="13">
+    <dgm:pt modelId="{B1380026-842F-4AAC-93B3-E33CA6ED6AF4}" type="pres">
+      <dgm:prSet presAssocID="{13350044-0AD2-4199-A6A1-9232091BA1B1}" presName="node" presStyleLbl="node1" presStyleIdx="8" presStyleCnt="14">
         <dgm:presLayoutVars>
           <dgm:bulletEnabled val="1"/>
         </dgm:presLayoutVars>
       </dgm:prSet>
       <dgm:spPr/>
+      <dgm:t>
+        <a:bodyPr/>
+        <a:lstStyle/>
+        <a:p>
+          <a:endParaRPr lang="vi-VN"/>
+        </a:p>
+      </dgm:t>
     </dgm:pt>
-    <dgm:pt modelId="{95BE7D30-A3A5-4476-B9F8-DE6B0F0D67AD}" type="pres">
-      <dgm:prSet presAssocID="{3A4D36CB-4215-410E-AE1B-C5A524C572F5}" presName="sibTrans" presStyleLbl="sibTrans2D1" presStyleIdx="8" presStyleCnt="12"/>
+    <dgm:pt modelId="{A35E23BF-3DEC-4E98-8747-DB8E6DAE7450}" type="pres">
+      <dgm:prSet presAssocID="{9F5D30B9-60B9-4CBE-BEC0-5D79B964FCEE}" presName="sibTrans" presStyleLbl="sibTrans2D1" presStyleIdx="8" presStyleCnt="13"/>
       <dgm:spPr/>
+      <dgm:t>
+        <a:bodyPr/>
+        <a:lstStyle/>
+        <a:p>
+          <a:endParaRPr lang="vi-VN"/>
+        </a:p>
+      </dgm:t>
     </dgm:pt>
-    <dgm:pt modelId="{4CAE24AA-4376-4150-AE8A-2FDC38C9AF2C}" type="pres">
-      <dgm:prSet presAssocID="{3A4D36CB-4215-410E-AE1B-C5A524C572F5}" presName="connectorText" presStyleLbl="sibTrans2D1" presStyleIdx="8" presStyleCnt="12"/>
+    <dgm:pt modelId="{F3EF11AA-90A8-4014-A956-5A845077FB02}" type="pres">
+      <dgm:prSet presAssocID="{9F5D30B9-60B9-4CBE-BEC0-5D79B964FCEE}" presName="connectorText" presStyleLbl="sibTrans2D1" presStyleIdx="8" presStyleCnt="13"/>
       <dgm:spPr/>
+      <dgm:t>
+        <a:bodyPr/>
+        <a:lstStyle/>
+        <a:p>
+          <a:endParaRPr lang="vi-VN"/>
+        </a:p>
+      </dgm:t>
     </dgm:pt>
-    <dgm:pt modelId="{213C904F-CF9C-4E4E-A926-5365931DB923}" type="pres">
-      <dgm:prSet presAssocID="{E309DB7C-A068-4A95-A04F-0DCA770884A9}" presName="node" presStyleLbl="node1" presStyleIdx="9" presStyleCnt="13">
+    <dgm:pt modelId="{AA05156E-12BB-4D39-896E-66B1513E48F8}" type="pres">
+      <dgm:prSet presAssocID="{44CBE115-76E7-4B54-A1F7-56E3EE484D9E}" presName="node" presStyleLbl="node1" presStyleIdx="9" presStyleCnt="14">
         <dgm:presLayoutVars>
           <dgm:bulletEnabled val="1"/>
         </dgm:presLayoutVars>
       </dgm:prSet>
       <dgm:spPr/>
+      <dgm:t>
+        <a:bodyPr/>
+        <a:lstStyle/>
+        <a:p>
+          <a:endParaRPr lang="vi-VN"/>
+        </a:p>
+      </dgm:t>
     </dgm:pt>
-    <dgm:pt modelId="{690B661B-EF1F-4696-8A25-BDF666D49EB8}" type="pres">
-      <dgm:prSet presAssocID="{68349F06-1D25-4FA6-9E3D-E82ED777AA96}" presName="sibTrans" presStyleLbl="sibTrans2D1" presStyleIdx="9" presStyleCnt="12"/>
+    <dgm:pt modelId="{95BE7D30-A3A5-4476-B9F8-DE6B0F0D67AD}" type="pres">
+      <dgm:prSet presAssocID="{3A4D36CB-4215-410E-AE1B-C5A524C572F5}" presName="sibTrans" presStyleLbl="sibTrans2D1" presStyleIdx="9" presStyleCnt="13"/>
       <dgm:spPr/>
+      <dgm:t>
+        <a:bodyPr/>
+        <a:lstStyle/>
+        <a:p>
+          <a:endParaRPr lang="vi-VN"/>
+        </a:p>
+      </dgm:t>
     </dgm:pt>
-    <dgm:pt modelId="{7C9C8DD4-EEA7-4611-86C7-055530AF4AC1}" type="pres">
-      <dgm:prSet presAssocID="{68349F06-1D25-4FA6-9E3D-E82ED777AA96}" presName="connectorText" presStyleLbl="sibTrans2D1" presStyleIdx="9" presStyleCnt="12"/>
+    <dgm:pt modelId="{4CAE24AA-4376-4150-AE8A-2FDC38C9AF2C}" type="pres">
+      <dgm:prSet presAssocID="{3A4D36CB-4215-410E-AE1B-C5A524C572F5}" presName="connectorText" presStyleLbl="sibTrans2D1" presStyleIdx="9" presStyleCnt="13"/>
       <dgm:spPr/>
+      <dgm:t>
+        <a:bodyPr/>
+        <a:lstStyle/>
+        <a:p>
+          <a:endParaRPr lang="vi-VN"/>
+        </a:p>
+      </dgm:t>
     </dgm:pt>
-    <dgm:pt modelId="{725EFC2B-7FE0-4C2A-9604-B30BF7A9C162}" type="pres">
-      <dgm:prSet presAssocID="{D6CF722C-D1C6-4548-B949-148D3D09DED2}" presName="node" presStyleLbl="node1" presStyleIdx="10" presStyleCnt="13">
+    <dgm:pt modelId="{213C904F-CF9C-4E4E-A926-5365931DB923}" type="pres">
+      <dgm:prSet presAssocID="{E309DB7C-A068-4A95-A04F-0DCA770884A9}" presName="node" presStyleLbl="node1" presStyleIdx="10" presStyleCnt="14">
         <dgm:presLayoutVars>
           <dgm:bulletEnabled val="1"/>
         </dgm:presLayoutVars>
       </dgm:prSet>
       <dgm:spPr/>
+      <dgm:t>
+        <a:bodyPr/>
+        <a:lstStyle/>
+        <a:p>
+          <a:endParaRPr lang="vi-VN"/>
+        </a:p>
+      </dgm:t>
     </dgm:pt>
-    <dgm:pt modelId="{E8B72A6D-9082-4A49-8C65-FAFD5FC32F6B}" type="pres">
-      <dgm:prSet presAssocID="{66EF936D-3DFB-4632-BBE7-003709D40B39}" presName="sibTrans" presStyleLbl="sibTrans2D1" presStyleIdx="10" presStyleCnt="12"/>
+    <dgm:pt modelId="{690B661B-EF1F-4696-8A25-BDF666D49EB8}" type="pres">
+      <dgm:prSet presAssocID="{68349F06-1D25-4FA6-9E3D-E82ED777AA96}" presName="sibTrans" presStyleLbl="sibTrans2D1" presStyleIdx="10" presStyleCnt="13"/>
       <dgm:spPr/>
+      <dgm:t>
+        <a:bodyPr/>
+        <a:lstStyle/>
+        <a:p>
+          <a:endParaRPr lang="vi-VN"/>
+        </a:p>
+      </dgm:t>
     </dgm:pt>
-    <dgm:pt modelId="{F8D58616-EF3D-46DB-98CE-6A01354AF948}" type="pres">
-      <dgm:prSet presAssocID="{66EF936D-3DFB-4632-BBE7-003709D40B39}" presName="connectorText" presStyleLbl="sibTrans2D1" presStyleIdx="10" presStyleCnt="12"/>
+    <dgm:pt modelId="{7C9C8DD4-EEA7-4611-86C7-055530AF4AC1}" type="pres">
+      <dgm:prSet presAssocID="{68349F06-1D25-4FA6-9E3D-E82ED777AA96}" presName="connectorText" presStyleLbl="sibTrans2D1" presStyleIdx="10" presStyleCnt="13"/>
       <dgm:spPr/>
+      <dgm:t>
+        <a:bodyPr/>
+        <a:lstStyle/>
+        <a:p>
+          <a:endParaRPr lang="vi-VN"/>
+        </a:p>
+      </dgm:t>
     </dgm:pt>
-    <dgm:pt modelId="{08FE6386-AF29-471D-BFDA-B57CBDE0B63D}" type="pres">
-      <dgm:prSet presAssocID="{617136D4-E661-4374-8F4C-6391F6E3AA36}" presName="node" presStyleLbl="node1" presStyleIdx="11" presStyleCnt="13">
+    <dgm:pt modelId="{725EFC2B-7FE0-4C2A-9604-B30BF7A9C162}" type="pres">
+      <dgm:prSet presAssocID="{D6CF722C-D1C6-4548-B949-148D3D09DED2}" presName="node" presStyleLbl="node1" presStyleIdx="11" presStyleCnt="14">
         <dgm:presLayoutVars>
           <dgm:bulletEnabled val="1"/>
         </dgm:presLayoutVars>
       </dgm:prSet>
       <dgm:spPr/>
+      <dgm:t>
+        <a:bodyPr/>
+        <a:lstStyle/>
+        <a:p>
+          <a:endParaRPr lang="vi-VN"/>
+        </a:p>
+      </dgm:t>
     </dgm:pt>
-    <dgm:pt modelId="{2172913C-AFF9-4B66-BF00-AC857B7B5924}" type="pres">
-      <dgm:prSet presAssocID="{21DA58F9-E5B5-47CE-8EE3-83D08A8A6E07}" presName="sibTrans" presStyleLbl="sibTrans2D1" presStyleIdx="11" presStyleCnt="12"/>
+    <dgm:pt modelId="{E8B72A6D-9082-4A49-8C65-FAFD5FC32F6B}" type="pres">
+      <dgm:prSet presAssocID="{66EF936D-3DFB-4632-BBE7-003709D40B39}" presName="sibTrans" presStyleLbl="sibTrans2D1" presStyleIdx="11" presStyleCnt="13"/>
       <dgm:spPr/>
+      <dgm:t>
+        <a:bodyPr/>
+        <a:lstStyle/>
+        <a:p>
+          <a:endParaRPr lang="vi-VN"/>
+        </a:p>
+      </dgm:t>
     </dgm:pt>
-    <dgm:pt modelId="{A217EE64-3201-487C-843C-D32B8580FEA7}" type="pres">
-      <dgm:prSet presAssocID="{21DA58F9-E5B5-47CE-8EE3-83D08A8A6E07}" presName="connectorText" presStyleLbl="sibTrans2D1" presStyleIdx="11" presStyleCnt="12"/>
+    <dgm:pt modelId="{F8D58616-EF3D-46DB-98CE-6A01354AF948}" type="pres">
+      <dgm:prSet presAssocID="{66EF936D-3DFB-4632-BBE7-003709D40B39}" presName="connectorText" presStyleLbl="sibTrans2D1" presStyleIdx="11" presStyleCnt="13"/>
       <dgm:spPr/>
+      <dgm:t>
+        <a:bodyPr/>
+        <a:lstStyle/>
+        <a:p>
+          <a:endParaRPr lang="vi-VN"/>
+        </a:p>
+      </dgm:t>
     </dgm:pt>
-    <dgm:pt modelId="{AD01AF4C-5626-4866-98C8-A9157B74CE4C}" type="pres">
-      <dgm:prSet presAssocID="{F23EB3FB-6353-4955-B888-D61507928CFF}" presName="node" presStyleLbl="node1" presStyleIdx="12" presStyleCnt="13">
+    <dgm:pt modelId="{08FE6386-AF29-471D-BFDA-B57CBDE0B63D}" type="pres">
+      <dgm:prSet presAssocID="{617136D4-E661-4374-8F4C-6391F6E3AA36}" presName="node" presStyleLbl="node1" presStyleIdx="12" presStyleCnt="14">
         <dgm:presLayoutVars>
           <dgm:bulletEnabled val="1"/>
         </dgm:presLayoutVars>
       </dgm:prSet>
       <dgm:spPr/>
+      <dgm:t>
+        <a:bodyPr/>
+        <a:lstStyle/>
+        <a:p>
+          <a:endParaRPr lang="vi-VN"/>
+        </a:p>
+      </dgm:t>
+    </dgm:pt>
+    <dgm:pt modelId="{2172913C-AFF9-4B66-BF00-AC857B7B5924}" type="pres">
+      <dgm:prSet presAssocID="{21DA58F9-E5B5-47CE-8EE3-83D08A8A6E07}" presName="sibTrans" presStyleLbl="sibTrans2D1" presStyleIdx="12" presStyleCnt="13"/>
+      <dgm:spPr/>
+      <dgm:t>
+        <a:bodyPr/>
+        <a:lstStyle/>
+        <a:p>
+          <a:endParaRPr lang="vi-VN"/>
+        </a:p>
+      </dgm:t>
+    </dgm:pt>
+    <dgm:pt modelId="{A217EE64-3201-487C-843C-D32B8580FEA7}" type="pres">
+      <dgm:prSet presAssocID="{21DA58F9-E5B5-47CE-8EE3-83D08A8A6E07}" presName="connectorText" presStyleLbl="sibTrans2D1" presStyleIdx="12" presStyleCnt="13"/>
+      <dgm:spPr/>
+      <dgm:t>
+        <a:bodyPr/>
+        <a:lstStyle/>
+        <a:p>
+          <a:endParaRPr lang="vi-VN"/>
+        </a:p>
+      </dgm:t>
+    </dgm:pt>
+    <dgm:pt modelId="{AD01AF4C-5626-4866-98C8-A9157B74CE4C}" type="pres">
+      <dgm:prSet presAssocID="{F23EB3FB-6353-4955-B888-D61507928CFF}" presName="node" presStyleLbl="node1" presStyleIdx="13" presStyleCnt="14">
+        <dgm:presLayoutVars>
+          <dgm:bulletEnabled val="1"/>
+        </dgm:presLayoutVars>
+      </dgm:prSet>
+      <dgm:spPr/>
+      <dgm:t>
+        <a:bodyPr/>
+        <a:lstStyle/>
+        <a:p>
+          <a:endParaRPr lang="vi-VN"/>
+        </a:p>
+      </dgm:t>
     </dgm:pt>
   </dgm:ptLst>
   <dgm:cxnLst>
+    <dgm:cxn modelId="{C08C2A6B-E4EE-4A7F-8A8A-E6D568B3B4B8}" srcId="{A681734B-1AF6-4575-BCAE-CE0B237691F2}" destId="{13350044-0AD2-4199-A6A1-9232091BA1B1}" srcOrd="8" destOrd="0" parTransId="{2879261D-8340-41F8-B28F-F9EDB7514E13}" sibTransId="{9F5D30B9-60B9-4CBE-BEC0-5D79B964FCEE}"/>
+    <dgm:cxn modelId="{4BFDED73-091C-4DEE-BCB2-741DBF87DCCE}" type="presOf" srcId="{3A4D36CB-4215-410E-AE1B-C5A524C572F5}" destId="{95BE7D30-A3A5-4476-B9F8-DE6B0F0D67AD}" srcOrd="0" destOrd="0" presId="urn:microsoft.com/office/officeart/2005/8/layout/process5"/>
+    <dgm:cxn modelId="{A315DC06-7D7B-473E-A11B-342EA5DFBE91}" type="presOf" srcId="{21DA58F9-E5B5-47CE-8EE3-83D08A8A6E07}" destId="{2172913C-AFF9-4B66-BF00-AC857B7B5924}" srcOrd="0" destOrd="0" presId="urn:microsoft.com/office/officeart/2005/8/layout/process5"/>
+    <dgm:cxn modelId="{8337A3FD-FA80-4458-AAEC-EAF205BA85DF}" type="presOf" srcId="{B2F2920E-02F8-4D4F-B2D0-82CBBF32654A}" destId="{9EBFB4FA-84FE-4CDB-939A-245202F6A43D}" srcOrd="1" destOrd="0" presId="urn:microsoft.com/office/officeart/2005/8/layout/process5"/>
+    <dgm:cxn modelId="{E8144C9D-54A9-4F7C-8C9D-76454B4D1907}" type="presOf" srcId="{5617C3CF-86C7-452E-A4D1-3370535B57E8}" destId="{40090FD5-AA78-48E7-B7B9-955E8A62E341}" srcOrd="1" destOrd="0" presId="urn:microsoft.com/office/officeart/2005/8/layout/process5"/>
+    <dgm:cxn modelId="{2A766C97-B24D-4043-B526-F12631C94790}" type="presOf" srcId="{68349F06-1D25-4FA6-9E3D-E82ED777AA96}" destId="{7C9C8DD4-EEA7-4611-86C7-055530AF4AC1}" srcOrd="1" destOrd="0" presId="urn:microsoft.com/office/officeart/2005/8/layout/process5"/>
+    <dgm:cxn modelId="{DDDDF21A-08EB-4091-B060-CE8AE235257E}" type="presOf" srcId="{39588198-E4B8-416A-B002-A9224DD38CD1}" destId="{393A9979-4E3A-4477-B0FE-6BAB5677DCDE}" srcOrd="0" destOrd="0" presId="urn:microsoft.com/office/officeart/2005/8/layout/process5"/>
+    <dgm:cxn modelId="{DC4C122A-7D4B-4E0D-A891-07194A77E7DF}" type="presOf" srcId="{39588198-E4B8-416A-B002-A9224DD38CD1}" destId="{B03173CB-983D-4352-9237-C077D558E1FE}" srcOrd="1" destOrd="0" presId="urn:microsoft.com/office/officeart/2005/8/layout/process5"/>
+    <dgm:cxn modelId="{647B1098-FA5E-4219-8A2F-D230AF5A2E69}" type="presOf" srcId="{A681734B-1AF6-4575-BCAE-CE0B237691F2}" destId="{6024BCA2-4FCE-40FE-99E6-629CFEA7817F}" srcOrd="0" destOrd="0" presId="urn:microsoft.com/office/officeart/2005/8/layout/process5"/>
+    <dgm:cxn modelId="{61F22D32-8A1E-4507-92E3-119363D11E09}" type="presOf" srcId="{68349F06-1D25-4FA6-9E3D-E82ED777AA96}" destId="{690B661B-EF1F-4696-8A25-BDF666D49EB8}" srcOrd="0" destOrd="0" presId="urn:microsoft.com/office/officeart/2005/8/layout/process5"/>
+    <dgm:cxn modelId="{E970599A-DF79-42AB-8BDC-EF9921CF8AAD}" type="presOf" srcId="{44CBE115-76E7-4B54-A1F7-56E3EE484D9E}" destId="{AA05156E-12BB-4D39-896E-66B1513E48F8}" srcOrd="0" destOrd="0" presId="urn:microsoft.com/office/officeart/2005/8/layout/process5"/>
+    <dgm:cxn modelId="{B53D4321-90D3-4386-8C63-14616C5ADA6A}" type="presOf" srcId="{A15EA52D-71D8-476E-A98B-1EE5CB51510C}" destId="{3351180B-77FB-48FC-8CD0-2D6D277F2249}" srcOrd="1" destOrd="0" presId="urn:microsoft.com/office/officeart/2005/8/layout/process5"/>
+    <dgm:cxn modelId="{767A965E-A9BD-46F3-870C-6D66AB58FA72}" type="presOf" srcId="{21DA58F9-E5B5-47CE-8EE3-83D08A8A6E07}" destId="{A217EE64-3201-487C-843C-D32B8580FEA7}" srcOrd="1" destOrd="0" presId="urn:microsoft.com/office/officeart/2005/8/layout/process5"/>
+    <dgm:cxn modelId="{64350A51-D5A9-4AC5-BA20-791C32B3E983}" type="presOf" srcId="{D6CF722C-D1C6-4548-B949-148D3D09DED2}" destId="{725EFC2B-7FE0-4C2A-9604-B30BF7A9C162}" srcOrd="0" destOrd="0" presId="urn:microsoft.com/office/officeart/2005/8/layout/process5"/>
+    <dgm:cxn modelId="{179BD96D-698A-4B36-AC40-06CFE05457C7}" type="presOf" srcId="{66EF936D-3DFB-4632-BBE7-003709D40B39}" destId="{F8D58616-EF3D-46DB-98CE-6A01354AF948}" srcOrd="1" destOrd="0" presId="urn:microsoft.com/office/officeart/2005/8/layout/process5"/>
+    <dgm:cxn modelId="{22FBE9EC-90E9-4F6D-9641-5AF9CFAED461}" type="presOf" srcId="{9F5D30B9-60B9-4CBE-BEC0-5D79B964FCEE}" destId="{A35E23BF-3DEC-4E98-8747-DB8E6DAE7450}" srcOrd="0" destOrd="0" presId="urn:microsoft.com/office/officeart/2005/8/layout/process5"/>
+    <dgm:cxn modelId="{239C1DD9-C1B5-41E1-B954-A1F167C61A32}" srcId="{A681734B-1AF6-4575-BCAE-CE0B237691F2}" destId="{5E624266-44B7-4D6D-A70C-AB8971EC75E7}" srcOrd="2" destOrd="0" parTransId="{827E4C76-C500-4A6A-A267-D3348E7BC6AC}" sibTransId="{FD8B2CB3-B3D2-4842-A30D-3A7F8E4EC93E}"/>
+    <dgm:cxn modelId="{53D18043-A544-481E-82B4-65A0F60F3F3B}" srcId="{A681734B-1AF6-4575-BCAE-CE0B237691F2}" destId="{44CBE115-76E7-4B54-A1F7-56E3EE484D9E}" srcOrd="9" destOrd="0" parTransId="{8153E339-ECBE-483E-AE9B-DFDCD35C8482}" sibTransId="{3A4D36CB-4215-410E-AE1B-C5A524C572F5}"/>
+    <dgm:cxn modelId="{3BFA8E41-3B6B-4557-B55E-910606D5E464}" type="presOf" srcId="{E309DB7C-A068-4A95-A04F-0DCA770884A9}" destId="{213C904F-CF9C-4E4E-A926-5365931DB923}" srcOrd="0" destOrd="0" presId="urn:microsoft.com/office/officeart/2005/8/layout/process5"/>
     <dgm:cxn modelId="{7850F675-5837-4B7F-BB11-DD804F565CA8}" srcId="{A681734B-1AF6-4575-BCAE-CE0B237691F2}" destId="{28DE9E22-7285-42EB-BA9B-676DB1D5BF24}" srcOrd="6" destOrd="0" parTransId="{66292A17-883E-43DB-B062-DADE3180F868}" sibTransId="{B2F2920E-02F8-4D4F-B2D0-82CBBF32654A}"/>
+    <dgm:cxn modelId="{DE2B7B71-7A8F-485C-AFD8-D6BB053F3BC0}" type="presOf" srcId="{5EBFB79F-24BF-4788-94E0-39BA79F51756}" destId="{37B5A1BD-47D3-4798-B9F1-9D05D4715F1A}" srcOrd="0" destOrd="0" presId="urn:microsoft.com/office/officeart/2005/8/layout/process5"/>
+    <dgm:cxn modelId="{370CC16D-E583-49ED-A400-27029FA4DB0B}" type="presOf" srcId="{28DE9E22-7285-42EB-BA9B-676DB1D5BF24}" destId="{9622F554-987C-4DFF-8FFB-FDCD8DA59A13}" srcOrd="0" destOrd="0" presId="urn:microsoft.com/office/officeart/2005/8/layout/process5"/>
+    <dgm:cxn modelId="{1C58D1A8-65AB-4CC7-B71E-8B0C794F7EF8}" type="presOf" srcId="{C9D85D07-7735-4AA5-9B05-7617D47083C2}" destId="{58D1FCDA-2A79-4DF2-8DA3-5E48DE8E44C1}" srcOrd="0" destOrd="0" presId="urn:microsoft.com/office/officeart/2005/8/layout/process5"/>
+    <dgm:cxn modelId="{5F81787B-4CD3-453D-A4E4-D4865ECB14B2}" type="presOf" srcId="{FD8B2CB3-B3D2-4842-A30D-3A7F8E4EC93E}" destId="{C033A63F-C45E-47AA-8E9F-A2580286C16B}" srcOrd="0" destOrd="0" presId="urn:microsoft.com/office/officeart/2005/8/layout/process5"/>
+    <dgm:cxn modelId="{42DA9AC5-C170-48D9-B12C-5091619DF731}" srcId="{A681734B-1AF6-4575-BCAE-CE0B237691F2}" destId="{D6CF722C-D1C6-4548-B949-148D3D09DED2}" srcOrd="11" destOrd="0" parTransId="{CB71D95C-8433-47E0-9488-49E5677463C9}" sibTransId="{66EF936D-3DFB-4632-BBE7-003709D40B39}"/>
+    <dgm:cxn modelId="{C05CF555-3521-46D8-8BDB-331BCFDAE28D}" srcId="{A681734B-1AF6-4575-BCAE-CE0B237691F2}" destId="{C9D85D07-7735-4AA5-9B05-7617D47083C2}" srcOrd="1" destOrd="0" parTransId="{D2F6E3CF-994A-423E-B5A9-39C963462CB9}" sibTransId="{0DBBB032-DCE8-402D-97CE-688B22AE8F7C}"/>
     <dgm:cxn modelId="{5BFB7091-28E4-42F9-9454-06C313567B13}" type="presOf" srcId="{617136D4-E661-4374-8F4C-6391F6E3AA36}" destId="{08FE6386-AF29-471D-BFDA-B57CBDE0B63D}" srcOrd="0" destOrd="0" presId="urn:microsoft.com/office/officeart/2005/8/layout/process5"/>
-    <dgm:cxn modelId="{4E9DA7A2-1F52-49EC-AF50-3A9D26C6774F}" srcId="{A681734B-1AF6-4575-BCAE-CE0B237691F2}" destId="{E309DB7C-A068-4A95-A04F-0DCA770884A9}" srcOrd="9" destOrd="0" parTransId="{0CB8E92B-12B7-452D-BAAD-935388BFEE25}" sibTransId="{68349F06-1D25-4FA6-9E3D-E82ED777AA96}"/>
+    <dgm:cxn modelId="{8F182810-C704-443B-9B78-314483431947}" type="presOf" srcId="{F23EB3FB-6353-4955-B888-D61507928CFF}" destId="{AD01AF4C-5626-4866-98C8-A9157B74CE4C}" srcOrd="0" destOrd="0" presId="urn:microsoft.com/office/officeart/2005/8/layout/process5"/>
+    <dgm:cxn modelId="{F5E06384-3AC4-48CB-9632-B58D668B1726}" srcId="{A681734B-1AF6-4575-BCAE-CE0B237691F2}" destId="{617136D4-E661-4374-8F4C-6391F6E3AA36}" srcOrd="12" destOrd="0" parTransId="{7FD95FC9-0F18-4CC6-AE33-67E5280A49E3}" sibTransId="{21DA58F9-E5B5-47CE-8EE3-83D08A8A6E07}"/>
+    <dgm:cxn modelId="{4E9DA7A2-1F52-49EC-AF50-3A9D26C6774F}" srcId="{A681734B-1AF6-4575-BCAE-CE0B237691F2}" destId="{E309DB7C-A068-4A95-A04F-0DCA770884A9}" srcOrd="10" destOrd="0" parTransId="{0CB8E92B-12B7-452D-BAAD-935388BFEE25}" sibTransId="{68349F06-1D25-4FA6-9E3D-E82ED777AA96}"/>
+    <dgm:cxn modelId="{157A0B22-0AF2-4716-BFF5-000146EE395C}" type="presOf" srcId="{66EF936D-3DFB-4632-BBE7-003709D40B39}" destId="{E8B72A6D-9082-4A49-8C65-FAFD5FC32F6B}" srcOrd="0" destOrd="0" presId="urn:microsoft.com/office/officeart/2005/8/layout/process5"/>
+    <dgm:cxn modelId="{2798AC1B-A99A-4C9A-8AFE-A8A70FDDBCD9}" type="presOf" srcId="{5E624266-44B7-4D6D-A70C-AB8971EC75E7}" destId="{A5B58FAD-0C0E-46A0-8468-F6A96CBE74FF}" srcOrd="0" destOrd="0" presId="urn:microsoft.com/office/officeart/2005/8/layout/process5"/>
+    <dgm:cxn modelId="{C786A54F-64FF-4A36-A04E-39213622B1C9}" type="presOf" srcId="{3A4D36CB-4215-410E-AE1B-C5A524C572F5}" destId="{4CAE24AA-4376-4150-AE8A-2FDC38C9AF2C}" srcOrd="1" destOrd="0" presId="urn:microsoft.com/office/officeart/2005/8/layout/process5"/>
+    <dgm:cxn modelId="{5968F79D-3420-4DA2-986A-F17C0DFD55EB}" srcId="{A681734B-1AF6-4575-BCAE-CE0B237691F2}" destId="{F23EB3FB-6353-4955-B888-D61507928CFF}" srcOrd="13" destOrd="0" parTransId="{EFD03E31-A7A6-4375-97C7-409F58335FF4}" sibTransId="{E4E68098-505D-41D2-B28E-16AE68F7BB40}"/>
+    <dgm:cxn modelId="{60326328-E50A-4ACB-95D3-020E0899A33B}" type="presOf" srcId="{CBBEF212-D28B-4FB7-A876-F3D8323DC954}" destId="{7C4F3EEC-FA4F-4B85-97E7-CC1E2F064D2B}" srcOrd="1" destOrd="0" presId="urn:microsoft.com/office/officeart/2005/8/layout/process5"/>
+    <dgm:cxn modelId="{D4AADDBD-34AD-419B-9B9C-A28688BAF3ED}" type="presOf" srcId="{A15EA52D-71D8-476E-A98B-1EE5CB51510C}" destId="{7D9C2AC8-46E4-47D3-A39C-F136E0C08C0B}" srcOrd="0" destOrd="0" presId="urn:microsoft.com/office/officeart/2005/8/layout/process5"/>
+    <dgm:cxn modelId="{902B19AD-AA3E-4963-B905-5E4164E15CC7}" type="presOf" srcId="{BD68356C-3A69-4180-A417-76444AA00FD0}" destId="{780099C4-80B7-4F20-8800-225A8941C78B}" srcOrd="0" destOrd="0" presId="urn:microsoft.com/office/officeart/2005/8/layout/process5"/>
+    <dgm:cxn modelId="{DC20E208-3B5F-4775-8DDD-9FFC805D0546}" srcId="{A681734B-1AF6-4575-BCAE-CE0B237691F2}" destId="{B43BB8DC-8EB2-4360-B455-C875A868A366}" srcOrd="4" destOrd="0" parTransId="{558F281C-A5B3-4CAA-A6C9-922593C423F6}" sibTransId="{39588198-E4B8-416A-B002-A9224DD38CD1}"/>
+    <dgm:cxn modelId="{E1E199AE-A1A8-4AED-931E-A61BD15C286F}" type="presOf" srcId="{D8BCD9F7-6F5C-4EED-99BE-AF6FAAEA69BA}" destId="{3EB978A4-1482-443A-81E8-E99D9A09BD8A}" srcOrd="0" destOrd="0" presId="urn:microsoft.com/office/officeart/2005/8/layout/process5"/>
+    <dgm:cxn modelId="{78EDFDCB-F177-4F43-8412-3F6D68CF8252}" type="presOf" srcId="{CBBEF212-D28B-4FB7-A876-F3D8323DC954}" destId="{EB3F4693-82BD-4759-91A4-D4C161B65E10}" srcOrd="0" destOrd="0" presId="urn:microsoft.com/office/officeart/2005/8/layout/process5"/>
+    <dgm:cxn modelId="{FC617FBA-D3B5-463B-8EDA-F4C52A780B11}" type="presOf" srcId="{0DBBB032-DCE8-402D-97CE-688B22AE8F7C}" destId="{D9EAE586-E475-427E-84E0-858E12055D4C}" srcOrd="0" destOrd="0" presId="urn:microsoft.com/office/officeart/2005/8/layout/process5"/>
+    <dgm:cxn modelId="{1676295D-B449-4D76-8E63-6F24FA359423}" srcId="{A681734B-1AF6-4575-BCAE-CE0B237691F2}" destId="{B78876E6-27B3-4D53-A50A-A4981874906F}" srcOrd="3" destOrd="0" parTransId="{7F676B6C-5404-440D-9F15-A475B112E885}" sibTransId="{A15EA52D-71D8-476E-A98B-1EE5CB51510C}"/>
+    <dgm:cxn modelId="{12EA9193-D79C-472D-8031-FAB548B9638C}" type="presOf" srcId="{13350044-0AD2-4199-A6A1-9232091BA1B1}" destId="{B1380026-842F-4AAC-93B3-E33CA6ED6AF4}" srcOrd="0" destOrd="0" presId="urn:microsoft.com/office/officeart/2005/8/layout/process5"/>
+    <dgm:cxn modelId="{329C6C3E-384E-458D-8A06-DE900755E28C}" srcId="{A681734B-1AF6-4575-BCAE-CE0B237691F2}" destId="{D8BCD9F7-6F5C-4EED-99BE-AF6FAAEA69BA}" srcOrd="7" destOrd="0" parTransId="{802B0C64-D61E-4A5C-820E-E58E3B9D4DBF}" sibTransId="{BD68356C-3A69-4180-A417-76444AA00FD0}"/>
+    <dgm:cxn modelId="{9E2C51E9-A39C-46B5-AC69-D7D1C1D21E83}" type="presOf" srcId="{5617C3CF-86C7-452E-A4D1-3370535B57E8}" destId="{63C7D3D3-B543-43B1-B544-8F67D77C127A}" srcOrd="0" destOrd="0" presId="urn:microsoft.com/office/officeart/2005/8/layout/process5"/>
+    <dgm:cxn modelId="{D094D937-ABFF-4D77-898E-7ABE0BEB34B0}" srcId="{A681734B-1AF6-4575-BCAE-CE0B237691F2}" destId="{F4589881-2FFC-4E58-98F2-8DFB270E88F5}" srcOrd="5" destOrd="0" parTransId="{0B3737D8-1F52-49D6-AF22-D336A954CA46}" sibTransId="{5617C3CF-86C7-452E-A4D1-3370535B57E8}"/>
+    <dgm:cxn modelId="{C2B38D58-0E8B-4678-A695-7583DBFC8823}" type="presOf" srcId="{B2F2920E-02F8-4D4F-B2D0-82CBBF32654A}" destId="{05D5D7BD-520C-440E-B2C8-89CC9AD1EABD}" srcOrd="0" destOrd="0" presId="urn:microsoft.com/office/officeart/2005/8/layout/process5"/>
+    <dgm:cxn modelId="{DE907944-DDD7-48E1-B85F-007A5F3FD4EC}" type="presOf" srcId="{BD68356C-3A69-4180-A417-76444AA00FD0}" destId="{B527F503-A9D1-48AC-A7BA-3C87CD12503B}" srcOrd="1" destOrd="0" presId="urn:microsoft.com/office/officeart/2005/8/layout/process5"/>
+    <dgm:cxn modelId="{2B197BD9-5DFD-48CE-909A-FEE2ABA43E45}" type="presOf" srcId="{B43BB8DC-8EB2-4360-B455-C875A868A366}" destId="{9DA9F0EC-4B9C-43CF-9C53-5A4C084A1D2E}" srcOrd="0" destOrd="0" presId="urn:microsoft.com/office/officeart/2005/8/layout/process5"/>
+    <dgm:cxn modelId="{D3A682E7-731F-4C4C-9568-FF373136B86B}" type="presOf" srcId="{FD8B2CB3-B3D2-4842-A30D-3A7F8E4EC93E}" destId="{0F2930B5-5182-4A4E-9997-D76B503E86B3}" srcOrd="1" destOrd="0" presId="urn:microsoft.com/office/officeart/2005/8/layout/process5"/>
+    <dgm:cxn modelId="{D31CB387-C2E0-4872-B914-F35AB0395C74}" type="presOf" srcId="{F4589881-2FFC-4E58-98F2-8DFB270E88F5}" destId="{322B27DE-6705-4505-BB34-04ECD71323B1}" srcOrd="0" destOrd="0" presId="urn:microsoft.com/office/officeart/2005/8/layout/process5"/>
+    <dgm:cxn modelId="{5BE1BF7D-A01E-452C-8CC6-35707C69BB57}" srcId="{A681734B-1AF6-4575-BCAE-CE0B237691F2}" destId="{5EBFB79F-24BF-4788-94E0-39BA79F51756}" srcOrd="0" destOrd="0" parTransId="{1C2F260B-5CB4-4FE8-A09B-E8A4FAC40B17}" sibTransId="{CBBEF212-D28B-4FB7-A876-F3D8323DC954}"/>
     <dgm:cxn modelId="{20F292F5-F356-4A77-BE3F-9547158432A5}" type="presOf" srcId="{9F5D30B9-60B9-4CBE-BEC0-5D79B964FCEE}" destId="{F3EF11AA-90A8-4014-A956-5A845077FB02}" srcOrd="1" destOrd="0" presId="urn:microsoft.com/office/officeart/2005/8/layout/process5"/>
-    <dgm:cxn modelId="{370CC16D-E583-49ED-A400-27029FA4DB0B}" type="presOf" srcId="{28DE9E22-7285-42EB-BA9B-676DB1D5BF24}" destId="{9622F554-987C-4DFF-8FFB-FDCD8DA59A13}" srcOrd="0" destOrd="0" presId="urn:microsoft.com/office/officeart/2005/8/layout/process5"/>
-    <dgm:cxn modelId="{2B197BD9-5DFD-48CE-909A-FEE2ABA43E45}" type="presOf" srcId="{B43BB8DC-8EB2-4360-B455-C875A868A366}" destId="{9DA9F0EC-4B9C-43CF-9C53-5A4C084A1D2E}" srcOrd="0" destOrd="0" presId="urn:microsoft.com/office/officeart/2005/8/layout/process5"/>
-    <dgm:cxn modelId="{B53D4321-90D3-4386-8C63-14616C5ADA6A}" type="presOf" srcId="{A15EA52D-71D8-476E-A98B-1EE5CB51510C}" destId="{3351180B-77FB-48FC-8CD0-2D6D277F2249}" srcOrd="1" destOrd="0" presId="urn:microsoft.com/office/officeart/2005/8/layout/process5"/>
-    <dgm:cxn modelId="{179BD96D-698A-4B36-AC40-06CFE05457C7}" type="presOf" srcId="{66EF936D-3DFB-4632-BBE7-003709D40B39}" destId="{F8D58616-EF3D-46DB-98CE-6A01354AF948}" srcOrd="1" destOrd="0" presId="urn:microsoft.com/office/officeart/2005/8/layout/process5"/>
-    <dgm:cxn modelId="{5F81787B-4CD3-453D-A4E4-D4865ECB14B2}" type="presOf" srcId="{FD8B2CB3-B3D2-4842-A30D-3A7F8E4EC93E}" destId="{C033A63F-C45E-47AA-8E9F-A2580286C16B}" srcOrd="0" destOrd="0" presId="urn:microsoft.com/office/officeart/2005/8/layout/process5"/>
     <dgm:cxn modelId="{2B26B820-9AA7-4444-B1E3-FD1A3500EEEC}" type="presOf" srcId="{0DBBB032-DCE8-402D-97CE-688B22AE8F7C}" destId="{E0F4641C-67E1-4D81-87DF-E6281B3B347D}" srcOrd="1" destOrd="0" presId="urn:microsoft.com/office/officeart/2005/8/layout/process5"/>
-    <dgm:cxn modelId="{64350A51-D5A9-4AC5-BA20-791C32B3E983}" type="presOf" srcId="{D6CF722C-D1C6-4548-B949-148D3D09DED2}" destId="{725EFC2B-7FE0-4C2A-9604-B30BF7A9C162}" srcOrd="0" destOrd="0" presId="urn:microsoft.com/office/officeart/2005/8/layout/process5"/>
-    <dgm:cxn modelId="{8F182810-C704-443B-9B78-314483431947}" type="presOf" srcId="{F23EB3FB-6353-4955-B888-D61507928CFF}" destId="{AD01AF4C-5626-4866-98C8-A9157B74CE4C}" srcOrd="0" destOrd="0" presId="urn:microsoft.com/office/officeart/2005/8/layout/process5"/>
-    <dgm:cxn modelId="{4BFDED73-091C-4DEE-BCB2-741DBF87DCCE}" type="presOf" srcId="{3A4D36CB-4215-410E-AE1B-C5A524C572F5}" destId="{95BE7D30-A3A5-4476-B9F8-DE6B0F0D67AD}" srcOrd="0" destOrd="0" presId="urn:microsoft.com/office/officeart/2005/8/layout/process5"/>
-    <dgm:cxn modelId="{D094D937-ABFF-4D77-898E-7ABE0BEB34B0}" srcId="{A681734B-1AF6-4575-BCAE-CE0B237691F2}" destId="{F4589881-2FFC-4E58-98F2-8DFB270E88F5}" srcOrd="5" destOrd="0" parTransId="{0B3737D8-1F52-49D6-AF22-D336A954CA46}" sibTransId="{5617C3CF-86C7-452E-A4D1-3370535B57E8}"/>
-    <dgm:cxn modelId="{8337A3FD-FA80-4458-AAEC-EAF205BA85DF}" type="presOf" srcId="{B2F2920E-02F8-4D4F-B2D0-82CBBF32654A}" destId="{9EBFB4FA-84FE-4CDB-939A-245202F6A43D}" srcOrd="1" destOrd="0" presId="urn:microsoft.com/office/officeart/2005/8/layout/process5"/>
-    <dgm:cxn modelId="{61F22D32-8A1E-4507-92E3-119363D11E09}" type="presOf" srcId="{68349F06-1D25-4FA6-9E3D-E82ED777AA96}" destId="{690B661B-EF1F-4696-8A25-BDF666D49EB8}" srcOrd="0" destOrd="0" presId="urn:microsoft.com/office/officeart/2005/8/layout/process5"/>
-    <dgm:cxn modelId="{C05CF555-3521-46D8-8BDB-331BCFDAE28D}" srcId="{A681734B-1AF6-4575-BCAE-CE0B237691F2}" destId="{C9D85D07-7735-4AA5-9B05-7617D47083C2}" srcOrd="1" destOrd="0" parTransId="{D2F6E3CF-994A-423E-B5A9-39C963462CB9}" sibTransId="{0DBBB032-DCE8-402D-97CE-688B22AE8F7C}"/>
-    <dgm:cxn modelId="{1676295D-B449-4D76-8E63-6F24FA359423}" srcId="{A681734B-1AF6-4575-BCAE-CE0B237691F2}" destId="{B78876E6-27B3-4D53-A50A-A4981874906F}" srcOrd="3" destOrd="0" parTransId="{7F676B6C-5404-440D-9F15-A475B112E885}" sibTransId="{A15EA52D-71D8-476E-A98B-1EE5CB51510C}"/>
-    <dgm:cxn modelId="{2798AC1B-A99A-4C9A-8AFE-A8A70FDDBCD9}" type="presOf" srcId="{5E624266-44B7-4D6D-A70C-AB8971EC75E7}" destId="{A5B58FAD-0C0E-46A0-8468-F6A96CBE74FF}" srcOrd="0" destOrd="0" presId="urn:microsoft.com/office/officeart/2005/8/layout/process5"/>
-    <dgm:cxn modelId="{647B1098-FA5E-4219-8A2F-D230AF5A2E69}" type="presOf" srcId="{A681734B-1AF6-4575-BCAE-CE0B237691F2}" destId="{6024BCA2-4FCE-40FE-99E6-629CFEA7817F}" srcOrd="0" destOrd="0" presId="urn:microsoft.com/office/officeart/2005/8/layout/process5"/>
-    <dgm:cxn modelId="{DC4C122A-7D4B-4E0D-A891-07194A77E7DF}" type="presOf" srcId="{39588198-E4B8-416A-B002-A9224DD38CD1}" destId="{B03173CB-983D-4352-9237-C077D558E1FE}" srcOrd="1" destOrd="0" presId="urn:microsoft.com/office/officeart/2005/8/layout/process5"/>
-    <dgm:cxn modelId="{D4AADDBD-34AD-419B-9B9C-A28688BAF3ED}" type="presOf" srcId="{A15EA52D-71D8-476E-A98B-1EE5CB51510C}" destId="{7D9C2AC8-46E4-47D3-A39C-F136E0C08C0B}" srcOrd="0" destOrd="0" presId="urn:microsoft.com/office/officeart/2005/8/layout/process5"/>
-    <dgm:cxn modelId="{E970599A-DF79-42AB-8BDC-EF9921CF8AAD}" type="presOf" srcId="{44CBE115-76E7-4B54-A1F7-56E3EE484D9E}" destId="{AA05156E-12BB-4D39-896E-66B1513E48F8}" srcOrd="0" destOrd="0" presId="urn:microsoft.com/office/officeart/2005/8/layout/process5"/>
-    <dgm:cxn modelId="{60326328-E50A-4ACB-95D3-020E0899A33B}" type="presOf" srcId="{CBBEF212-D28B-4FB7-A876-F3D8323DC954}" destId="{7C4F3EEC-FA4F-4B85-97E7-CC1E2F064D2B}" srcOrd="1" destOrd="0" presId="urn:microsoft.com/office/officeart/2005/8/layout/process5"/>
-    <dgm:cxn modelId="{DE2B7B71-7A8F-485C-AFD8-D6BB053F3BC0}" type="presOf" srcId="{5EBFB79F-24BF-4788-94E0-39BA79F51756}" destId="{37B5A1BD-47D3-4798-B9F1-9D05D4715F1A}" srcOrd="0" destOrd="0" presId="urn:microsoft.com/office/officeart/2005/8/layout/process5"/>
-    <dgm:cxn modelId="{239C1DD9-C1B5-41E1-B954-A1F167C61A32}" srcId="{A681734B-1AF6-4575-BCAE-CE0B237691F2}" destId="{5E624266-44B7-4D6D-A70C-AB8971EC75E7}" srcOrd="2" destOrd="0" parTransId="{827E4C76-C500-4A6A-A267-D3348E7BC6AC}" sibTransId="{FD8B2CB3-B3D2-4842-A30D-3A7F8E4EC93E}"/>
-    <dgm:cxn modelId="{42DA9AC5-C170-48D9-B12C-5091619DF731}" srcId="{A681734B-1AF6-4575-BCAE-CE0B237691F2}" destId="{D6CF722C-D1C6-4548-B949-148D3D09DED2}" srcOrd="10" destOrd="0" parTransId="{CB71D95C-8433-47E0-9488-49E5677463C9}" sibTransId="{66EF936D-3DFB-4632-BBE7-003709D40B39}"/>
-    <dgm:cxn modelId="{9E2C51E9-A39C-46B5-AC69-D7D1C1D21E83}" type="presOf" srcId="{5617C3CF-86C7-452E-A4D1-3370535B57E8}" destId="{63C7D3D3-B543-43B1-B544-8F67D77C127A}" srcOrd="0" destOrd="0" presId="urn:microsoft.com/office/officeart/2005/8/layout/process5"/>
-    <dgm:cxn modelId="{DC20E208-3B5F-4775-8DDD-9FFC805D0546}" srcId="{A681734B-1AF6-4575-BCAE-CE0B237691F2}" destId="{B43BB8DC-8EB2-4360-B455-C875A868A366}" srcOrd="4" destOrd="0" parTransId="{558F281C-A5B3-4CAA-A6C9-922593C423F6}" sibTransId="{39588198-E4B8-416A-B002-A9224DD38CD1}"/>
     <dgm:cxn modelId="{AC9BABC9-AD15-487E-A10E-BB389CCE745F}" type="presOf" srcId="{B78876E6-27B3-4D53-A50A-A4981874906F}" destId="{AE5F0DDC-8F96-4C84-A5C8-1A19A16CDE9F}" srcOrd="0" destOrd="0" presId="urn:microsoft.com/office/officeart/2005/8/layout/process5"/>
-    <dgm:cxn modelId="{FC617FBA-D3B5-463B-8EDA-F4C52A780B11}" type="presOf" srcId="{0DBBB032-DCE8-402D-97CE-688B22AE8F7C}" destId="{D9EAE586-E475-427E-84E0-858E12055D4C}" srcOrd="0" destOrd="0" presId="urn:microsoft.com/office/officeart/2005/8/layout/process5"/>
-    <dgm:cxn modelId="{C786A54F-64FF-4A36-A04E-39213622B1C9}" type="presOf" srcId="{3A4D36CB-4215-410E-AE1B-C5A524C572F5}" destId="{4CAE24AA-4376-4150-AE8A-2FDC38C9AF2C}" srcOrd="1" destOrd="0" presId="urn:microsoft.com/office/officeart/2005/8/layout/process5"/>
-    <dgm:cxn modelId="{78EDFDCB-F177-4F43-8412-3F6D68CF8252}" type="presOf" srcId="{CBBEF212-D28B-4FB7-A876-F3D8323DC954}" destId="{EB3F4693-82BD-4759-91A4-D4C161B65E10}" srcOrd="0" destOrd="0" presId="urn:microsoft.com/office/officeart/2005/8/layout/process5"/>
-    <dgm:cxn modelId="{22FBE9EC-90E9-4F6D-9641-5AF9CFAED461}" type="presOf" srcId="{9F5D30B9-60B9-4CBE-BEC0-5D79B964FCEE}" destId="{A35E23BF-3DEC-4E98-8747-DB8E6DAE7450}" srcOrd="0" destOrd="0" presId="urn:microsoft.com/office/officeart/2005/8/layout/process5"/>
-    <dgm:cxn modelId="{5968F79D-3420-4DA2-986A-F17C0DFD55EB}" srcId="{A681734B-1AF6-4575-BCAE-CE0B237691F2}" destId="{F23EB3FB-6353-4955-B888-D61507928CFF}" srcOrd="12" destOrd="0" parTransId="{EFD03E31-A7A6-4375-97C7-409F58335FF4}" sibTransId="{E4E68098-505D-41D2-B28E-16AE68F7BB40}"/>
-    <dgm:cxn modelId="{C2B38D58-0E8B-4678-A695-7583DBFC8823}" type="presOf" srcId="{B2F2920E-02F8-4D4F-B2D0-82CBBF32654A}" destId="{05D5D7BD-520C-440E-B2C8-89CC9AD1EABD}" srcOrd="0" destOrd="0" presId="urn:microsoft.com/office/officeart/2005/8/layout/process5"/>
-    <dgm:cxn modelId="{2A766C97-B24D-4043-B526-F12631C94790}" type="presOf" srcId="{68349F06-1D25-4FA6-9E3D-E82ED777AA96}" destId="{7C9C8DD4-EEA7-4611-86C7-055530AF4AC1}" srcOrd="1" destOrd="0" presId="urn:microsoft.com/office/officeart/2005/8/layout/process5"/>
-    <dgm:cxn modelId="{12EA9193-D79C-472D-8031-FAB548B9638C}" type="presOf" srcId="{13350044-0AD2-4199-A6A1-9232091BA1B1}" destId="{B1380026-842F-4AAC-93B3-E33CA6ED6AF4}" srcOrd="0" destOrd="0" presId="urn:microsoft.com/office/officeart/2005/8/layout/process5"/>
-    <dgm:cxn modelId="{767A965E-A9BD-46F3-870C-6D66AB58FA72}" type="presOf" srcId="{21DA58F9-E5B5-47CE-8EE3-83D08A8A6E07}" destId="{A217EE64-3201-487C-843C-D32B8580FEA7}" srcOrd="1" destOrd="0" presId="urn:microsoft.com/office/officeart/2005/8/layout/process5"/>
-    <dgm:cxn modelId="{D3A682E7-731F-4C4C-9568-FF373136B86B}" type="presOf" srcId="{FD8B2CB3-B3D2-4842-A30D-3A7F8E4EC93E}" destId="{0F2930B5-5182-4A4E-9997-D76B503E86B3}" srcOrd="1" destOrd="0" presId="urn:microsoft.com/office/officeart/2005/8/layout/process5"/>
-    <dgm:cxn modelId="{3BFA8E41-3B6B-4557-B55E-910606D5E464}" type="presOf" srcId="{E309DB7C-A068-4A95-A04F-0DCA770884A9}" destId="{213C904F-CF9C-4E4E-A926-5365931DB923}" srcOrd="0" destOrd="0" presId="urn:microsoft.com/office/officeart/2005/8/layout/process5"/>
-    <dgm:cxn modelId="{A315DC06-7D7B-473E-A11B-342EA5DFBE91}" type="presOf" srcId="{21DA58F9-E5B5-47CE-8EE3-83D08A8A6E07}" destId="{2172913C-AFF9-4B66-BF00-AC857B7B5924}" srcOrd="0" destOrd="0" presId="urn:microsoft.com/office/officeart/2005/8/layout/process5"/>
-    <dgm:cxn modelId="{DDDDF21A-08EB-4091-B060-CE8AE235257E}" type="presOf" srcId="{39588198-E4B8-416A-B002-A9224DD38CD1}" destId="{393A9979-4E3A-4477-B0FE-6BAB5677DCDE}" srcOrd="0" destOrd="0" presId="urn:microsoft.com/office/officeart/2005/8/layout/process5"/>
-    <dgm:cxn modelId="{5BE1BF7D-A01E-452C-8CC6-35707C69BB57}" srcId="{A681734B-1AF6-4575-BCAE-CE0B237691F2}" destId="{5EBFB79F-24BF-4788-94E0-39BA79F51756}" srcOrd="0" destOrd="0" parTransId="{1C2F260B-5CB4-4FE8-A09B-E8A4FAC40B17}" sibTransId="{CBBEF212-D28B-4FB7-A876-F3D8323DC954}"/>
-    <dgm:cxn modelId="{F5E06384-3AC4-48CB-9632-B58D668B1726}" srcId="{A681734B-1AF6-4575-BCAE-CE0B237691F2}" destId="{617136D4-E661-4374-8F4C-6391F6E3AA36}" srcOrd="11" destOrd="0" parTransId="{7FD95FC9-0F18-4CC6-AE33-67E5280A49E3}" sibTransId="{21DA58F9-E5B5-47CE-8EE3-83D08A8A6E07}"/>
-    <dgm:cxn modelId="{53D18043-A544-481E-82B4-65A0F60F3F3B}" srcId="{A681734B-1AF6-4575-BCAE-CE0B237691F2}" destId="{44CBE115-76E7-4B54-A1F7-56E3EE484D9E}" srcOrd="8" destOrd="0" parTransId="{8153E339-ECBE-483E-AE9B-DFDCD35C8482}" sibTransId="{3A4D36CB-4215-410E-AE1B-C5A524C572F5}"/>
-    <dgm:cxn modelId="{157A0B22-0AF2-4716-BFF5-000146EE395C}" type="presOf" srcId="{66EF936D-3DFB-4632-BBE7-003709D40B39}" destId="{E8B72A6D-9082-4A49-8C65-FAFD5FC32F6B}" srcOrd="0" destOrd="0" presId="urn:microsoft.com/office/officeart/2005/8/layout/process5"/>
-    <dgm:cxn modelId="{D31CB387-C2E0-4872-B914-F35AB0395C74}" type="presOf" srcId="{F4589881-2FFC-4E58-98F2-8DFB270E88F5}" destId="{322B27DE-6705-4505-BB34-04ECD71323B1}" srcOrd="0" destOrd="0" presId="urn:microsoft.com/office/officeart/2005/8/layout/process5"/>
-    <dgm:cxn modelId="{1C58D1A8-65AB-4CC7-B71E-8B0C794F7EF8}" type="presOf" srcId="{C9D85D07-7735-4AA5-9B05-7617D47083C2}" destId="{58D1FCDA-2A79-4DF2-8DA3-5E48DE8E44C1}" srcOrd="0" destOrd="0" presId="urn:microsoft.com/office/officeart/2005/8/layout/process5"/>
-    <dgm:cxn modelId="{C08C2A6B-E4EE-4A7F-8A8A-E6D568B3B4B8}" srcId="{A681734B-1AF6-4575-BCAE-CE0B237691F2}" destId="{13350044-0AD2-4199-A6A1-9232091BA1B1}" srcOrd="7" destOrd="0" parTransId="{2879261D-8340-41F8-B28F-F9EDB7514E13}" sibTransId="{9F5D30B9-60B9-4CBE-BEC0-5D79B964FCEE}"/>
-    <dgm:cxn modelId="{E8144C9D-54A9-4F7C-8C9D-76454B4D1907}" type="presOf" srcId="{5617C3CF-86C7-452E-A4D1-3370535B57E8}" destId="{40090FD5-AA78-48E7-B7B9-955E8A62E341}" srcOrd="1" destOrd="0" presId="urn:microsoft.com/office/officeart/2005/8/layout/process5"/>
     <dgm:cxn modelId="{754BE676-BCA6-4242-AEEB-6A2E5A3E5A8E}" type="presParOf" srcId="{6024BCA2-4FCE-40FE-99E6-629CFEA7817F}" destId="{37B5A1BD-47D3-4798-B9F1-9D05D4715F1A}" srcOrd="0" destOrd="0" presId="urn:microsoft.com/office/officeart/2005/8/layout/process5"/>
     <dgm:cxn modelId="{6E2C7171-BA9B-4E4F-8C0D-6DD40BFA4A32}" type="presParOf" srcId="{6024BCA2-4FCE-40FE-99E6-629CFEA7817F}" destId="{EB3F4693-82BD-4759-91A4-D4C161B65E10}" srcOrd="1" destOrd="0" presId="urn:microsoft.com/office/officeart/2005/8/layout/process5"/>
     <dgm:cxn modelId="{AC5A7266-A138-4ED4-9B5E-705F196EA723}" type="presParOf" srcId="{EB3F4693-82BD-4759-91A4-D4C161B65E10}" destId="{7C4F3EEC-FA4F-4B85-97E7-CC1E2F064D2B}" srcOrd="0" destOrd="0" presId="urn:microsoft.com/office/officeart/2005/8/layout/process5"/>
@@ -2468,22 +3541,25 @@
     <dgm:cxn modelId="{2A4A7B34-A1C1-4A9A-82E0-6833BAC7BC09}" type="presParOf" srcId="{6024BCA2-4FCE-40FE-99E6-629CFEA7817F}" destId="{9622F554-987C-4DFF-8FFB-FDCD8DA59A13}" srcOrd="12" destOrd="0" presId="urn:microsoft.com/office/officeart/2005/8/layout/process5"/>
     <dgm:cxn modelId="{A62A239B-53CF-4C76-AA5D-DF79B17F11B4}" type="presParOf" srcId="{6024BCA2-4FCE-40FE-99E6-629CFEA7817F}" destId="{05D5D7BD-520C-440E-B2C8-89CC9AD1EABD}" srcOrd="13" destOrd="0" presId="urn:microsoft.com/office/officeart/2005/8/layout/process5"/>
     <dgm:cxn modelId="{522D68A7-B844-4340-9EA5-38E0529EF763}" type="presParOf" srcId="{05D5D7BD-520C-440E-B2C8-89CC9AD1EABD}" destId="{9EBFB4FA-84FE-4CDB-939A-245202F6A43D}" srcOrd="0" destOrd="0" presId="urn:microsoft.com/office/officeart/2005/8/layout/process5"/>
-    <dgm:cxn modelId="{CD578B4E-DF27-4271-8593-32C881E1C8AA}" type="presParOf" srcId="{6024BCA2-4FCE-40FE-99E6-629CFEA7817F}" destId="{B1380026-842F-4AAC-93B3-E33CA6ED6AF4}" srcOrd="14" destOrd="0" presId="urn:microsoft.com/office/officeart/2005/8/layout/process5"/>
-    <dgm:cxn modelId="{C9FCE622-D566-4C36-B6F1-DFD338D14B4E}" type="presParOf" srcId="{6024BCA2-4FCE-40FE-99E6-629CFEA7817F}" destId="{A35E23BF-3DEC-4E98-8747-DB8E6DAE7450}" srcOrd="15" destOrd="0" presId="urn:microsoft.com/office/officeart/2005/8/layout/process5"/>
+    <dgm:cxn modelId="{60E1BD9F-66AF-42CA-8FD1-DB7AF82C3B60}" type="presParOf" srcId="{6024BCA2-4FCE-40FE-99E6-629CFEA7817F}" destId="{3EB978A4-1482-443A-81E8-E99D9A09BD8A}" srcOrd="14" destOrd="0" presId="urn:microsoft.com/office/officeart/2005/8/layout/process5"/>
+    <dgm:cxn modelId="{9F564B58-EBE4-4AD4-A260-5C99E15B0018}" type="presParOf" srcId="{6024BCA2-4FCE-40FE-99E6-629CFEA7817F}" destId="{780099C4-80B7-4F20-8800-225A8941C78B}" srcOrd="15" destOrd="0" presId="urn:microsoft.com/office/officeart/2005/8/layout/process5"/>
+    <dgm:cxn modelId="{ED27999E-4475-4D37-9BB8-A29CDCB9B7A1}" type="presParOf" srcId="{780099C4-80B7-4F20-8800-225A8941C78B}" destId="{B527F503-A9D1-48AC-A7BA-3C87CD12503B}" srcOrd="0" destOrd="0" presId="urn:microsoft.com/office/officeart/2005/8/layout/process5"/>
+    <dgm:cxn modelId="{CD578B4E-DF27-4271-8593-32C881E1C8AA}" type="presParOf" srcId="{6024BCA2-4FCE-40FE-99E6-629CFEA7817F}" destId="{B1380026-842F-4AAC-93B3-E33CA6ED6AF4}" srcOrd="16" destOrd="0" presId="urn:microsoft.com/office/officeart/2005/8/layout/process5"/>
+    <dgm:cxn modelId="{C9FCE622-D566-4C36-B6F1-DFD338D14B4E}" type="presParOf" srcId="{6024BCA2-4FCE-40FE-99E6-629CFEA7817F}" destId="{A35E23BF-3DEC-4E98-8747-DB8E6DAE7450}" srcOrd="17" destOrd="0" presId="urn:microsoft.com/office/officeart/2005/8/layout/process5"/>
     <dgm:cxn modelId="{FA958FA4-6012-436B-8C56-32B16D014B61}" type="presParOf" srcId="{A35E23BF-3DEC-4E98-8747-DB8E6DAE7450}" destId="{F3EF11AA-90A8-4014-A956-5A845077FB02}" srcOrd="0" destOrd="0" presId="urn:microsoft.com/office/officeart/2005/8/layout/process5"/>
-    <dgm:cxn modelId="{0D32B10C-55A9-4646-9C4E-1096DA1E627F}" type="presParOf" srcId="{6024BCA2-4FCE-40FE-99E6-629CFEA7817F}" destId="{AA05156E-12BB-4D39-896E-66B1513E48F8}" srcOrd="16" destOrd="0" presId="urn:microsoft.com/office/officeart/2005/8/layout/process5"/>
-    <dgm:cxn modelId="{D877CE81-B352-4749-91DC-4FDC00525F2C}" type="presParOf" srcId="{6024BCA2-4FCE-40FE-99E6-629CFEA7817F}" destId="{95BE7D30-A3A5-4476-B9F8-DE6B0F0D67AD}" srcOrd="17" destOrd="0" presId="urn:microsoft.com/office/officeart/2005/8/layout/process5"/>
+    <dgm:cxn modelId="{0D32B10C-55A9-4646-9C4E-1096DA1E627F}" type="presParOf" srcId="{6024BCA2-4FCE-40FE-99E6-629CFEA7817F}" destId="{AA05156E-12BB-4D39-896E-66B1513E48F8}" srcOrd="18" destOrd="0" presId="urn:microsoft.com/office/officeart/2005/8/layout/process5"/>
+    <dgm:cxn modelId="{D877CE81-B352-4749-91DC-4FDC00525F2C}" type="presParOf" srcId="{6024BCA2-4FCE-40FE-99E6-629CFEA7817F}" destId="{95BE7D30-A3A5-4476-B9F8-DE6B0F0D67AD}" srcOrd="19" destOrd="0" presId="urn:microsoft.com/office/officeart/2005/8/layout/process5"/>
     <dgm:cxn modelId="{0C2851FF-7321-40E9-B272-649BD429A62A}" type="presParOf" srcId="{95BE7D30-A3A5-4476-B9F8-DE6B0F0D67AD}" destId="{4CAE24AA-4376-4150-AE8A-2FDC38C9AF2C}" srcOrd="0" destOrd="0" presId="urn:microsoft.com/office/officeart/2005/8/layout/process5"/>
-    <dgm:cxn modelId="{C51E9456-4C2E-452C-9DA6-337547DB1643}" type="presParOf" srcId="{6024BCA2-4FCE-40FE-99E6-629CFEA7817F}" destId="{213C904F-CF9C-4E4E-A926-5365931DB923}" srcOrd="18" destOrd="0" presId="urn:microsoft.com/office/officeart/2005/8/layout/process5"/>
-    <dgm:cxn modelId="{F9687701-99AF-497D-8451-57AEE8704920}" type="presParOf" srcId="{6024BCA2-4FCE-40FE-99E6-629CFEA7817F}" destId="{690B661B-EF1F-4696-8A25-BDF666D49EB8}" srcOrd="19" destOrd="0" presId="urn:microsoft.com/office/officeart/2005/8/layout/process5"/>
+    <dgm:cxn modelId="{C51E9456-4C2E-452C-9DA6-337547DB1643}" type="presParOf" srcId="{6024BCA2-4FCE-40FE-99E6-629CFEA7817F}" destId="{213C904F-CF9C-4E4E-A926-5365931DB923}" srcOrd="20" destOrd="0" presId="urn:microsoft.com/office/officeart/2005/8/layout/process5"/>
+    <dgm:cxn modelId="{F9687701-99AF-497D-8451-57AEE8704920}" type="presParOf" srcId="{6024BCA2-4FCE-40FE-99E6-629CFEA7817F}" destId="{690B661B-EF1F-4696-8A25-BDF666D49EB8}" srcOrd="21" destOrd="0" presId="urn:microsoft.com/office/officeart/2005/8/layout/process5"/>
     <dgm:cxn modelId="{A0BB5AA4-4A4C-4402-8512-44D259D9907E}" type="presParOf" srcId="{690B661B-EF1F-4696-8A25-BDF666D49EB8}" destId="{7C9C8DD4-EEA7-4611-86C7-055530AF4AC1}" srcOrd="0" destOrd="0" presId="urn:microsoft.com/office/officeart/2005/8/layout/process5"/>
-    <dgm:cxn modelId="{945FC3D2-4266-4401-A39E-42C826ECFB4A}" type="presParOf" srcId="{6024BCA2-4FCE-40FE-99E6-629CFEA7817F}" destId="{725EFC2B-7FE0-4C2A-9604-B30BF7A9C162}" srcOrd="20" destOrd="0" presId="urn:microsoft.com/office/officeart/2005/8/layout/process5"/>
-    <dgm:cxn modelId="{AB7CD264-B534-4C1A-9A3F-D261BAC0F383}" type="presParOf" srcId="{6024BCA2-4FCE-40FE-99E6-629CFEA7817F}" destId="{E8B72A6D-9082-4A49-8C65-FAFD5FC32F6B}" srcOrd="21" destOrd="0" presId="urn:microsoft.com/office/officeart/2005/8/layout/process5"/>
+    <dgm:cxn modelId="{945FC3D2-4266-4401-A39E-42C826ECFB4A}" type="presParOf" srcId="{6024BCA2-4FCE-40FE-99E6-629CFEA7817F}" destId="{725EFC2B-7FE0-4C2A-9604-B30BF7A9C162}" srcOrd="22" destOrd="0" presId="urn:microsoft.com/office/officeart/2005/8/layout/process5"/>
+    <dgm:cxn modelId="{AB7CD264-B534-4C1A-9A3F-D261BAC0F383}" type="presParOf" srcId="{6024BCA2-4FCE-40FE-99E6-629CFEA7817F}" destId="{E8B72A6D-9082-4A49-8C65-FAFD5FC32F6B}" srcOrd="23" destOrd="0" presId="urn:microsoft.com/office/officeart/2005/8/layout/process5"/>
     <dgm:cxn modelId="{A68EA95A-939D-4598-BAA7-C92C51999C77}" type="presParOf" srcId="{E8B72A6D-9082-4A49-8C65-FAFD5FC32F6B}" destId="{F8D58616-EF3D-46DB-98CE-6A01354AF948}" srcOrd="0" destOrd="0" presId="urn:microsoft.com/office/officeart/2005/8/layout/process5"/>
-    <dgm:cxn modelId="{D5DB10F0-92C3-4B4B-9E80-5BB09B66098E}" type="presParOf" srcId="{6024BCA2-4FCE-40FE-99E6-629CFEA7817F}" destId="{08FE6386-AF29-471D-BFDA-B57CBDE0B63D}" srcOrd="22" destOrd="0" presId="urn:microsoft.com/office/officeart/2005/8/layout/process5"/>
-    <dgm:cxn modelId="{EAF85E90-0D81-4072-8106-BBF89F880E6A}" type="presParOf" srcId="{6024BCA2-4FCE-40FE-99E6-629CFEA7817F}" destId="{2172913C-AFF9-4B66-BF00-AC857B7B5924}" srcOrd="23" destOrd="0" presId="urn:microsoft.com/office/officeart/2005/8/layout/process5"/>
+    <dgm:cxn modelId="{D5DB10F0-92C3-4B4B-9E80-5BB09B66098E}" type="presParOf" srcId="{6024BCA2-4FCE-40FE-99E6-629CFEA7817F}" destId="{08FE6386-AF29-471D-BFDA-B57CBDE0B63D}" srcOrd="24" destOrd="0" presId="urn:microsoft.com/office/officeart/2005/8/layout/process5"/>
+    <dgm:cxn modelId="{EAF85E90-0D81-4072-8106-BBF89F880E6A}" type="presParOf" srcId="{6024BCA2-4FCE-40FE-99E6-629CFEA7817F}" destId="{2172913C-AFF9-4B66-BF00-AC857B7B5924}" srcOrd="25" destOrd="0" presId="urn:microsoft.com/office/officeart/2005/8/layout/process5"/>
     <dgm:cxn modelId="{1B2FA1B9-108A-4BAF-BE4A-DD9F8B02B28A}" type="presParOf" srcId="{2172913C-AFF9-4B66-BF00-AC857B7B5924}" destId="{A217EE64-3201-487C-843C-D32B8580FEA7}" srcOrd="0" destOrd="0" presId="urn:microsoft.com/office/officeart/2005/8/layout/process5"/>
-    <dgm:cxn modelId="{51A053E5-7DE9-4320-8F38-928BB237DC4F}" type="presParOf" srcId="{6024BCA2-4FCE-40FE-99E6-629CFEA7817F}" destId="{AD01AF4C-5626-4866-98C8-A9157B74CE4C}" srcOrd="24" destOrd="0" presId="urn:microsoft.com/office/officeart/2005/8/layout/process5"/>
+    <dgm:cxn modelId="{51A053E5-7DE9-4320-8F38-928BB237DC4F}" type="presParOf" srcId="{6024BCA2-4FCE-40FE-99E6-629CFEA7817F}" destId="{AD01AF4C-5626-4866-98C8-A9157B74CE4C}" srcOrd="26" destOrd="0" presId="urn:microsoft.com/office/officeart/2005/8/layout/process5"/>
   </dgm:cxnLst>
   <dgm:bg/>
   <dgm:whole/>
@@ -2868,6 +3944,687 @@
     <dgm:cxn modelId="{79A0168D-5F0E-45CF-9404-8F484035FAB8}" type="presOf" srcId="{9DA62732-26A5-4EA9-83E4-49359569FB45}" destId="{CB4308E7-C16A-4D80-B990-A129F3D9F85C}" srcOrd="0" destOrd="4" presId="urn:microsoft.com/office/officeart/2005/8/layout/hList6"/>
     <dgm:cxn modelId="{C8966D2E-5E63-4150-807A-010F2FE2E8F0}" srcId="{9E492877-3DB4-437F-B2A8-B534652324B2}" destId="{9BC4EAFA-B4A3-45C5-A144-7A7CEED4C53B}" srcOrd="5" destOrd="0" parTransId="{D20DA068-41CD-48CE-A1B0-BDB9AE06BB82}" sibTransId="{DFA44520-1A69-4074-BAE7-883230A7FEAE}"/>
     <dgm:cxn modelId="{9AEBB1E1-887A-48D6-8364-9841E2444249}" type="presParOf" srcId="{B95A78AB-21A9-4015-8250-940444BD3C15}" destId="{CB4308E7-C16A-4D80-B990-A129F3D9F85C}" srcOrd="0" destOrd="0" presId="urn:microsoft.com/office/officeart/2005/8/layout/hList6"/>
+  </dgm:cxnLst>
+  <dgm:bg/>
+  <dgm:whole/>
+  <dgm:extLst>
+    <a:ext uri="http://schemas.microsoft.com/office/drawing/2008/diagram">
+      <dsp:dataModelExt xmlns:dsp="http://schemas.microsoft.com/office/drawing/2008/diagram" xmlns="" relId="rId7" minVer="http://schemas.openxmlformats.org/drawingml/2006/diagram"/>
+    </a:ext>
+  </dgm:extLst>
+</dgm:dataModel>
+</file>
+
+<file path=ppt/diagrams/data3.xml><?xml version="1.0" encoding="utf-8"?>
+<dgm:dataModel xmlns:dgm="http://schemas.openxmlformats.org/drawingml/2006/diagram" xmlns:a="http://schemas.openxmlformats.org/drawingml/2006/main">
+  <dgm:ptLst>
+    <dgm:pt modelId="{E3EDE66A-674C-4C14-841B-3DA1A08352F2}" type="doc">
+      <dgm:prSet loTypeId="urn:microsoft.com/office/officeart/2005/8/layout/list1" loCatId="list" qsTypeId="urn:microsoft.com/office/officeart/2005/8/quickstyle/simple1" qsCatId="simple" csTypeId="urn:microsoft.com/office/officeart/2005/8/colors/accent2_2" csCatId="accent2"/>
+      <dgm:spPr/>
+      <dgm:t>
+        <a:bodyPr/>
+        <a:lstStyle/>
+        <a:p>
+          <a:endParaRPr lang="vi-VN"/>
+        </a:p>
+      </dgm:t>
+    </dgm:pt>
+    <dgm:pt modelId="{24100286-2353-4314-AFC2-B7D92F706D7F}">
+      <dgm:prSet/>
+      <dgm:spPr/>
+      <dgm:t>
+        <a:bodyPr/>
+        <a:lstStyle/>
+        <a:p>
+          <a:pPr rtl="0"/>
+          <a:r>
+            <a:rPr lang="en-US" smtClean="0"/>
+            <a:t>table: tạo bảng.</a:t>
+          </a:r>
+          <a:endParaRPr lang="vi-VN"/>
+        </a:p>
+      </dgm:t>
+    </dgm:pt>
+    <dgm:pt modelId="{3A14DC15-08EA-435E-9437-CC76B8A421E4}" type="parTrans" cxnId="{9912AC95-78B6-464D-A299-FFA82F74C7B8}">
+      <dgm:prSet/>
+      <dgm:spPr/>
+      <dgm:t>
+        <a:bodyPr/>
+        <a:lstStyle/>
+        <a:p>
+          <a:endParaRPr lang="vi-VN"/>
+        </a:p>
+      </dgm:t>
+    </dgm:pt>
+    <dgm:pt modelId="{2F2ADB93-632D-42F5-A5EE-5E592604574E}" type="sibTrans" cxnId="{9912AC95-78B6-464D-A299-FFA82F74C7B8}">
+      <dgm:prSet/>
+      <dgm:spPr/>
+      <dgm:t>
+        <a:bodyPr/>
+        <a:lstStyle/>
+        <a:p>
+          <a:endParaRPr lang="vi-VN"/>
+        </a:p>
+      </dgm:t>
+    </dgm:pt>
+    <dgm:pt modelId="{143EBC7C-617B-4DF6-B5FE-CA4D12B58F5A}">
+      <dgm:prSet/>
+      <dgm:spPr/>
+      <dgm:t>
+        <a:bodyPr/>
+        <a:lstStyle/>
+        <a:p>
+          <a:pPr rtl="0"/>
+          <a:r>
+            <a:rPr lang="en-US" smtClean="0"/>
+            <a:t>caption: chú thích cho table.</a:t>
+          </a:r>
+          <a:endParaRPr lang="vi-VN"/>
+        </a:p>
+      </dgm:t>
+    </dgm:pt>
+    <dgm:pt modelId="{62C10049-541B-4E8D-AEB9-283D45DEF743}" type="parTrans" cxnId="{AEB309D7-3F0B-473B-8ED8-EC4182BE9C49}">
+      <dgm:prSet/>
+      <dgm:spPr/>
+      <dgm:t>
+        <a:bodyPr/>
+        <a:lstStyle/>
+        <a:p>
+          <a:endParaRPr lang="vi-VN"/>
+        </a:p>
+      </dgm:t>
+    </dgm:pt>
+    <dgm:pt modelId="{292E5F9C-6F52-4D88-8548-C303193624BC}" type="sibTrans" cxnId="{AEB309D7-3F0B-473B-8ED8-EC4182BE9C49}">
+      <dgm:prSet/>
+      <dgm:spPr/>
+      <dgm:t>
+        <a:bodyPr/>
+        <a:lstStyle/>
+        <a:p>
+          <a:endParaRPr lang="vi-VN"/>
+        </a:p>
+      </dgm:t>
+    </dgm:pt>
+    <dgm:pt modelId="{8091B7DE-7DC4-46CD-906C-0D9B992B5759}">
+      <dgm:prSet/>
+      <dgm:spPr/>
+      <dgm:t>
+        <a:bodyPr/>
+        <a:lstStyle/>
+        <a:p>
+          <a:pPr rtl="0"/>
+          <a:r>
+            <a:rPr lang="en-US" smtClean="0"/>
+            <a:t>colgroup: nhóm các cột trong 1 bảng để định dạng.</a:t>
+          </a:r>
+          <a:endParaRPr lang="en-US"/>
+        </a:p>
+      </dgm:t>
+    </dgm:pt>
+    <dgm:pt modelId="{281BC54D-2DCA-4DCB-A594-E5F464070C49}" type="parTrans" cxnId="{89285E6F-9C44-4321-AE64-80F87BE8B21C}">
+      <dgm:prSet/>
+      <dgm:spPr/>
+      <dgm:t>
+        <a:bodyPr/>
+        <a:lstStyle/>
+        <a:p>
+          <a:endParaRPr lang="vi-VN"/>
+        </a:p>
+      </dgm:t>
+    </dgm:pt>
+    <dgm:pt modelId="{E49F8B9F-C25F-481D-9842-5DECD0D0689A}" type="sibTrans" cxnId="{89285E6F-9C44-4321-AE64-80F87BE8B21C}">
+      <dgm:prSet/>
+      <dgm:spPr/>
+      <dgm:t>
+        <a:bodyPr/>
+        <a:lstStyle/>
+        <a:p>
+          <a:endParaRPr lang="vi-VN"/>
+        </a:p>
+      </dgm:t>
+    </dgm:pt>
+    <dgm:pt modelId="{EAC2C4D8-FC36-46BB-8BD7-210FCD3BBAA9}">
+      <dgm:prSet/>
+      <dgm:spPr/>
+      <dgm:t>
+        <a:bodyPr/>
+        <a:lstStyle/>
+        <a:p>
+          <a:pPr rtl="0"/>
+          <a:r>
+            <a:rPr lang="en-US" smtClean="0"/>
+            <a:t>col: xác định giá trị thuộc tính cho 1 hay nhiều cột trong bảng.</a:t>
+          </a:r>
+          <a:endParaRPr lang="en-US"/>
+        </a:p>
+      </dgm:t>
+    </dgm:pt>
+    <dgm:pt modelId="{DF537DE1-B570-42BA-8157-66FB0F4D616A}" type="parTrans" cxnId="{2D39C48C-2615-4D1C-90C6-26238993B28A}">
+      <dgm:prSet/>
+      <dgm:spPr/>
+      <dgm:t>
+        <a:bodyPr/>
+        <a:lstStyle/>
+        <a:p>
+          <a:endParaRPr lang="vi-VN"/>
+        </a:p>
+      </dgm:t>
+    </dgm:pt>
+    <dgm:pt modelId="{BB8FA673-3F54-40C9-8CE8-CE09D971B401}" type="sibTrans" cxnId="{2D39C48C-2615-4D1C-90C6-26238993B28A}">
+      <dgm:prSet/>
+      <dgm:spPr/>
+      <dgm:t>
+        <a:bodyPr/>
+        <a:lstStyle/>
+        <a:p>
+          <a:endParaRPr lang="vi-VN"/>
+        </a:p>
+      </dgm:t>
+    </dgm:pt>
+    <dgm:pt modelId="{C1AA48AF-B1AE-4986-845F-160EACD99E0E}">
+      <dgm:prSet/>
+      <dgm:spPr/>
+      <dgm:t>
+        <a:bodyPr/>
+        <a:lstStyle/>
+        <a:p>
+          <a:pPr rtl="0"/>
+          <a:r>
+            <a:rPr lang="en-US" smtClean="0"/>
+            <a:t>tbody: gom nhóm các nội dung làm thân của table.</a:t>
+          </a:r>
+          <a:endParaRPr lang="vi-VN"/>
+        </a:p>
+      </dgm:t>
+    </dgm:pt>
+    <dgm:pt modelId="{26BDBC46-95ED-47C0-8034-F0F7228AC309}" type="parTrans" cxnId="{AF636C62-5C83-4D16-B5F5-D7B74E52B01C}">
+      <dgm:prSet/>
+      <dgm:spPr/>
+      <dgm:t>
+        <a:bodyPr/>
+        <a:lstStyle/>
+        <a:p>
+          <a:endParaRPr lang="vi-VN"/>
+        </a:p>
+      </dgm:t>
+    </dgm:pt>
+    <dgm:pt modelId="{BC2A6E61-135D-48B5-849F-0C4E7AF759E2}" type="sibTrans" cxnId="{AF636C62-5C83-4D16-B5F5-D7B74E52B01C}">
+      <dgm:prSet/>
+      <dgm:spPr/>
+      <dgm:t>
+        <a:bodyPr/>
+        <a:lstStyle/>
+        <a:p>
+          <a:endParaRPr lang="vi-VN"/>
+        </a:p>
+      </dgm:t>
+    </dgm:pt>
+    <dgm:pt modelId="{F9CE0F44-4DB3-4578-95E7-370EC167223F}">
+      <dgm:prSet/>
+      <dgm:spPr/>
+      <dgm:t>
+        <a:bodyPr/>
+        <a:lstStyle/>
+        <a:p>
+          <a:pPr rtl="0"/>
+          <a:r>
+            <a:rPr lang="en-US" smtClean="0"/>
+            <a:t>tfoot: gom nhóm các nội dung làm footer của table.</a:t>
+          </a:r>
+          <a:endParaRPr lang="vi-VN"/>
+        </a:p>
+      </dgm:t>
+    </dgm:pt>
+    <dgm:pt modelId="{587D13FE-DFBF-4E38-B3F3-1F7B225C039C}" type="parTrans" cxnId="{54054CF1-3C19-42BD-B20A-F42CCBB7BD8B}">
+      <dgm:prSet/>
+      <dgm:spPr/>
+      <dgm:t>
+        <a:bodyPr/>
+        <a:lstStyle/>
+        <a:p>
+          <a:endParaRPr lang="vi-VN"/>
+        </a:p>
+      </dgm:t>
+    </dgm:pt>
+    <dgm:pt modelId="{7335C910-F213-4813-B7BE-32C4DE72A14E}" type="sibTrans" cxnId="{54054CF1-3C19-42BD-B20A-F42CCBB7BD8B}">
+      <dgm:prSet/>
+      <dgm:spPr/>
+      <dgm:t>
+        <a:bodyPr/>
+        <a:lstStyle/>
+        <a:p>
+          <a:endParaRPr lang="vi-VN"/>
+        </a:p>
+      </dgm:t>
+    </dgm:pt>
+    <dgm:pt modelId="{69EF21EB-82BF-4291-A505-99040FA6C7D5}">
+      <dgm:prSet/>
+      <dgm:spPr/>
+      <dgm:t>
+        <a:bodyPr/>
+        <a:lstStyle/>
+        <a:p>
+          <a:pPr rtl="0"/>
+          <a:r>
+            <a:rPr lang="en-US" smtClean="0"/>
+            <a:t>thead: gom </a:t>
+          </a:r>
+          <a:r>
+            <a:rPr lang="vi-VN" smtClean="0"/>
+            <a:t>nhóm các nội dung làm tiêu đề cho table</a:t>
+          </a:r>
+          <a:r>
+            <a:rPr lang="en-US" smtClean="0"/>
+            <a:t>.</a:t>
+          </a:r>
+          <a:endParaRPr lang="en-US"/>
+        </a:p>
+      </dgm:t>
+    </dgm:pt>
+    <dgm:pt modelId="{EB1CA655-92B1-425E-8B3C-2D0B973E5158}" type="parTrans" cxnId="{4EE02A9E-E1DC-4C4F-AF08-951826FD85D6}">
+      <dgm:prSet/>
+      <dgm:spPr/>
+      <dgm:t>
+        <a:bodyPr/>
+        <a:lstStyle/>
+        <a:p>
+          <a:endParaRPr lang="vi-VN"/>
+        </a:p>
+      </dgm:t>
+    </dgm:pt>
+    <dgm:pt modelId="{0BBA5E74-C67D-4A93-878F-5423FE0F1B6D}" type="sibTrans" cxnId="{4EE02A9E-E1DC-4C4F-AF08-951826FD85D6}">
+      <dgm:prSet/>
+      <dgm:spPr/>
+      <dgm:t>
+        <a:bodyPr/>
+        <a:lstStyle/>
+        <a:p>
+          <a:endParaRPr lang="vi-VN"/>
+        </a:p>
+      </dgm:t>
+    </dgm:pt>
+    <dgm:pt modelId="{C3EB3585-49C9-4A39-8E17-989A0C0AA0DC}">
+      <dgm:prSet/>
+      <dgm:spPr/>
+      <dgm:t>
+        <a:bodyPr/>
+        <a:lstStyle/>
+        <a:p>
+          <a:pPr rtl="0"/>
+          <a:r>
+            <a:rPr lang="en-US" smtClean="0"/>
+            <a:t>tr &amp; td: định nghĩa 1 hàng và 1 ô trong table.</a:t>
+          </a:r>
+          <a:endParaRPr lang="vi-VN"/>
+        </a:p>
+      </dgm:t>
+    </dgm:pt>
+    <dgm:pt modelId="{0E6472C1-1BF1-4665-8A4D-9E93196DCC55}" type="parTrans" cxnId="{D8B95AD3-9EC1-490B-A026-C28A8CDDA42B}">
+      <dgm:prSet/>
+      <dgm:spPr/>
+      <dgm:t>
+        <a:bodyPr/>
+        <a:lstStyle/>
+        <a:p>
+          <a:endParaRPr lang="vi-VN"/>
+        </a:p>
+      </dgm:t>
+    </dgm:pt>
+    <dgm:pt modelId="{4AA2FD4E-9D71-496D-8498-65D7C5DB9A81}" type="sibTrans" cxnId="{D8B95AD3-9EC1-490B-A026-C28A8CDDA42B}">
+      <dgm:prSet/>
+      <dgm:spPr/>
+      <dgm:t>
+        <a:bodyPr/>
+        <a:lstStyle/>
+        <a:p>
+          <a:endParaRPr lang="vi-VN"/>
+        </a:p>
+      </dgm:t>
+    </dgm:pt>
+    <dgm:pt modelId="{147B1D6B-7330-4434-89B2-20BD1F676BA5}" type="pres">
+      <dgm:prSet presAssocID="{E3EDE66A-674C-4C14-841B-3DA1A08352F2}" presName="linear" presStyleCnt="0">
+        <dgm:presLayoutVars>
+          <dgm:dir/>
+          <dgm:animLvl val="lvl"/>
+          <dgm:resizeHandles val="exact"/>
+        </dgm:presLayoutVars>
+      </dgm:prSet>
+      <dgm:spPr/>
+    </dgm:pt>
+    <dgm:pt modelId="{2FC07D9F-3C19-4FE2-AF81-1F5B754DD296}" type="pres">
+      <dgm:prSet presAssocID="{24100286-2353-4314-AFC2-B7D92F706D7F}" presName="parentLin" presStyleCnt="0"/>
+      <dgm:spPr/>
+    </dgm:pt>
+    <dgm:pt modelId="{49E887B7-36EE-414F-8204-F1EE4B781DBF}" type="pres">
+      <dgm:prSet presAssocID="{24100286-2353-4314-AFC2-B7D92F706D7F}" presName="parentLeftMargin" presStyleLbl="node1" presStyleIdx="0" presStyleCnt="8"/>
+      <dgm:spPr/>
+    </dgm:pt>
+    <dgm:pt modelId="{E59F53A7-A34E-40B5-ADA1-F735D8844FCE}" type="pres">
+      <dgm:prSet presAssocID="{24100286-2353-4314-AFC2-B7D92F706D7F}" presName="parentText" presStyleLbl="node1" presStyleIdx="0" presStyleCnt="8">
+        <dgm:presLayoutVars>
+          <dgm:chMax val="0"/>
+          <dgm:bulletEnabled val="1"/>
+        </dgm:presLayoutVars>
+      </dgm:prSet>
+      <dgm:spPr/>
+    </dgm:pt>
+    <dgm:pt modelId="{CB764E83-E97A-464E-A90B-0FF9261CDDCD}" type="pres">
+      <dgm:prSet presAssocID="{24100286-2353-4314-AFC2-B7D92F706D7F}" presName="negativeSpace" presStyleCnt="0"/>
+      <dgm:spPr/>
+    </dgm:pt>
+    <dgm:pt modelId="{BD665C14-DD08-45CA-8505-2AAED641AB52}" type="pres">
+      <dgm:prSet presAssocID="{24100286-2353-4314-AFC2-B7D92F706D7F}" presName="childText" presStyleLbl="conFgAcc1" presStyleIdx="0" presStyleCnt="8">
+        <dgm:presLayoutVars>
+          <dgm:bulletEnabled val="1"/>
+        </dgm:presLayoutVars>
+      </dgm:prSet>
+      <dgm:spPr/>
+    </dgm:pt>
+    <dgm:pt modelId="{E9C5EF09-5AF0-4FE8-AFB9-A25722542D2B}" type="pres">
+      <dgm:prSet presAssocID="{2F2ADB93-632D-42F5-A5EE-5E592604574E}" presName="spaceBetweenRectangles" presStyleCnt="0"/>
+      <dgm:spPr/>
+    </dgm:pt>
+    <dgm:pt modelId="{BED735EE-A1E7-45AB-A52E-0672043F8A82}" type="pres">
+      <dgm:prSet presAssocID="{143EBC7C-617B-4DF6-B5FE-CA4D12B58F5A}" presName="parentLin" presStyleCnt="0"/>
+      <dgm:spPr/>
+    </dgm:pt>
+    <dgm:pt modelId="{8AC88F8C-C136-4B3F-8903-CFBBBAD76A02}" type="pres">
+      <dgm:prSet presAssocID="{143EBC7C-617B-4DF6-B5FE-CA4D12B58F5A}" presName="parentLeftMargin" presStyleLbl="node1" presStyleIdx="0" presStyleCnt="8"/>
+      <dgm:spPr/>
+    </dgm:pt>
+    <dgm:pt modelId="{51BD6095-2077-45BF-A949-DB8DE7602E0A}" type="pres">
+      <dgm:prSet presAssocID="{143EBC7C-617B-4DF6-B5FE-CA4D12B58F5A}" presName="parentText" presStyleLbl="node1" presStyleIdx="1" presStyleCnt="8">
+        <dgm:presLayoutVars>
+          <dgm:chMax val="0"/>
+          <dgm:bulletEnabled val="1"/>
+        </dgm:presLayoutVars>
+      </dgm:prSet>
+      <dgm:spPr/>
+    </dgm:pt>
+    <dgm:pt modelId="{FD385CDF-BAE9-4445-AA3F-77970EF8D3C9}" type="pres">
+      <dgm:prSet presAssocID="{143EBC7C-617B-4DF6-B5FE-CA4D12B58F5A}" presName="negativeSpace" presStyleCnt="0"/>
+      <dgm:spPr/>
+    </dgm:pt>
+    <dgm:pt modelId="{02620AF2-0E71-427F-803D-A1ADA8C73E41}" type="pres">
+      <dgm:prSet presAssocID="{143EBC7C-617B-4DF6-B5FE-CA4D12B58F5A}" presName="childText" presStyleLbl="conFgAcc1" presStyleIdx="1" presStyleCnt="8">
+        <dgm:presLayoutVars>
+          <dgm:bulletEnabled val="1"/>
+        </dgm:presLayoutVars>
+      </dgm:prSet>
+      <dgm:spPr/>
+    </dgm:pt>
+    <dgm:pt modelId="{A1534AF9-94E5-4B5A-8C5B-A734A9BDC120}" type="pres">
+      <dgm:prSet presAssocID="{292E5F9C-6F52-4D88-8548-C303193624BC}" presName="spaceBetweenRectangles" presStyleCnt="0"/>
+      <dgm:spPr/>
+    </dgm:pt>
+    <dgm:pt modelId="{F7DA235C-F04D-4498-9128-29BD9E57B418}" type="pres">
+      <dgm:prSet presAssocID="{8091B7DE-7DC4-46CD-906C-0D9B992B5759}" presName="parentLin" presStyleCnt="0"/>
+      <dgm:spPr/>
+    </dgm:pt>
+    <dgm:pt modelId="{4AD14FE5-0CBB-405A-B393-023F664FBCC8}" type="pres">
+      <dgm:prSet presAssocID="{8091B7DE-7DC4-46CD-906C-0D9B992B5759}" presName="parentLeftMargin" presStyleLbl="node1" presStyleIdx="1" presStyleCnt="8"/>
+      <dgm:spPr/>
+    </dgm:pt>
+    <dgm:pt modelId="{FA0A10C3-122A-4C92-A888-4ABED9A0925B}" type="pres">
+      <dgm:prSet presAssocID="{8091B7DE-7DC4-46CD-906C-0D9B992B5759}" presName="parentText" presStyleLbl="node1" presStyleIdx="2" presStyleCnt="8">
+        <dgm:presLayoutVars>
+          <dgm:chMax val="0"/>
+          <dgm:bulletEnabled val="1"/>
+        </dgm:presLayoutVars>
+      </dgm:prSet>
+      <dgm:spPr/>
+    </dgm:pt>
+    <dgm:pt modelId="{2004078C-25DA-400C-BED6-75F53C2DF29E}" type="pres">
+      <dgm:prSet presAssocID="{8091B7DE-7DC4-46CD-906C-0D9B992B5759}" presName="negativeSpace" presStyleCnt="0"/>
+      <dgm:spPr/>
+    </dgm:pt>
+    <dgm:pt modelId="{2C2F1441-42F9-4B48-A216-6F477BC5088C}" type="pres">
+      <dgm:prSet presAssocID="{8091B7DE-7DC4-46CD-906C-0D9B992B5759}" presName="childText" presStyleLbl="conFgAcc1" presStyleIdx="2" presStyleCnt="8">
+        <dgm:presLayoutVars>
+          <dgm:bulletEnabled val="1"/>
+        </dgm:presLayoutVars>
+      </dgm:prSet>
+      <dgm:spPr/>
+    </dgm:pt>
+    <dgm:pt modelId="{14BF9702-4794-47EB-B56E-D319E8D9041F}" type="pres">
+      <dgm:prSet presAssocID="{E49F8B9F-C25F-481D-9842-5DECD0D0689A}" presName="spaceBetweenRectangles" presStyleCnt="0"/>
+      <dgm:spPr/>
+    </dgm:pt>
+    <dgm:pt modelId="{D4E5C626-2B74-455F-A257-8CC722C35272}" type="pres">
+      <dgm:prSet presAssocID="{EAC2C4D8-FC36-46BB-8BD7-210FCD3BBAA9}" presName="parentLin" presStyleCnt="0"/>
+      <dgm:spPr/>
+    </dgm:pt>
+    <dgm:pt modelId="{832251FF-811C-4874-BFAD-D4CEC000EB4C}" type="pres">
+      <dgm:prSet presAssocID="{EAC2C4D8-FC36-46BB-8BD7-210FCD3BBAA9}" presName="parentLeftMargin" presStyleLbl="node1" presStyleIdx="2" presStyleCnt="8"/>
+      <dgm:spPr/>
+    </dgm:pt>
+    <dgm:pt modelId="{B98AE6BF-5A67-47AB-A6F3-7B2C0C68CD4A}" type="pres">
+      <dgm:prSet presAssocID="{EAC2C4D8-FC36-46BB-8BD7-210FCD3BBAA9}" presName="parentText" presStyleLbl="node1" presStyleIdx="3" presStyleCnt="8">
+        <dgm:presLayoutVars>
+          <dgm:chMax val="0"/>
+          <dgm:bulletEnabled val="1"/>
+        </dgm:presLayoutVars>
+      </dgm:prSet>
+      <dgm:spPr/>
+    </dgm:pt>
+    <dgm:pt modelId="{5B389066-0CA1-432C-93C8-8FFF4D777549}" type="pres">
+      <dgm:prSet presAssocID="{EAC2C4D8-FC36-46BB-8BD7-210FCD3BBAA9}" presName="negativeSpace" presStyleCnt="0"/>
+      <dgm:spPr/>
+    </dgm:pt>
+    <dgm:pt modelId="{029F7534-DDD0-4988-928E-3B848D63D7F0}" type="pres">
+      <dgm:prSet presAssocID="{EAC2C4D8-FC36-46BB-8BD7-210FCD3BBAA9}" presName="childText" presStyleLbl="conFgAcc1" presStyleIdx="3" presStyleCnt="8">
+        <dgm:presLayoutVars>
+          <dgm:bulletEnabled val="1"/>
+        </dgm:presLayoutVars>
+      </dgm:prSet>
+      <dgm:spPr/>
+    </dgm:pt>
+    <dgm:pt modelId="{EE5C80ED-C1BC-4D1F-8E23-2C6415DCF2AF}" type="pres">
+      <dgm:prSet presAssocID="{BB8FA673-3F54-40C9-8CE8-CE09D971B401}" presName="spaceBetweenRectangles" presStyleCnt="0"/>
+      <dgm:spPr/>
+    </dgm:pt>
+    <dgm:pt modelId="{49484317-EE83-4109-BE78-CD8E6E89C7AC}" type="pres">
+      <dgm:prSet presAssocID="{C1AA48AF-B1AE-4986-845F-160EACD99E0E}" presName="parentLin" presStyleCnt="0"/>
+      <dgm:spPr/>
+    </dgm:pt>
+    <dgm:pt modelId="{5C4BEA31-5F75-48D0-9A98-634038F1CE0D}" type="pres">
+      <dgm:prSet presAssocID="{C1AA48AF-B1AE-4986-845F-160EACD99E0E}" presName="parentLeftMargin" presStyleLbl="node1" presStyleIdx="3" presStyleCnt="8"/>
+      <dgm:spPr/>
+    </dgm:pt>
+    <dgm:pt modelId="{E66D434A-56F2-4210-9D3C-8B4113986DA2}" type="pres">
+      <dgm:prSet presAssocID="{C1AA48AF-B1AE-4986-845F-160EACD99E0E}" presName="parentText" presStyleLbl="node1" presStyleIdx="4" presStyleCnt="8">
+        <dgm:presLayoutVars>
+          <dgm:chMax val="0"/>
+          <dgm:bulletEnabled val="1"/>
+        </dgm:presLayoutVars>
+      </dgm:prSet>
+      <dgm:spPr/>
+    </dgm:pt>
+    <dgm:pt modelId="{BE8DA5E2-88EC-49EF-B205-5EDCC5A56868}" type="pres">
+      <dgm:prSet presAssocID="{C1AA48AF-B1AE-4986-845F-160EACD99E0E}" presName="negativeSpace" presStyleCnt="0"/>
+      <dgm:spPr/>
+    </dgm:pt>
+    <dgm:pt modelId="{49D54536-22D0-4127-9143-25C9A2FFBDDD}" type="pres">
+      <dgm:prSet presAssocID="{C1AA48AF-B1AE-4986-845F-160EACD99E0E}" presName="childText" presStyleLbl="conFgAcc1" presStyleIdx="4" presStyleCnt="8">
+        <dgm:presLayoutVars>
+          <dgm:bulletEnabled val="1"/>
+        </dgm:presLayoutVars>
+      </dgm:prSet>
+      <dgm:spPr/>
+    </dgm:pt>
+    <dgm:pt modelId="{6423E1B3-4113-439F-9359-57C187CDCF0E}" type="pres">
+      <dgm:prSet presAssocID="{BC2A6E61-135D-48B5-849F-0C4E7AF759E2}" presName="spaceBetweenRectangles" presStyleCnt="0"/>
+      <dgm:spPr/>
+    </dgm:pt>
+    <dgm:pt modelId="{075BD037-C2FB-4273-86BB-68F18161314B}" type="pres">
+      <dgm:prSet presAssocID="{F9CE0F44-4DB3-4578-95E7-370EC167223F}" presName="parentLin" presStyleCnt="0"/>
+      <dgm:spPr/>
+    </dgm:pt>
+    <dgm:pt modelId="{1049840D-4C82-43C2-BEF1-FE33EB228999}" type="pres">
+      <dgm:prSet presAssocID="{F9CE0F44-4DB3-4578-95E7-370EC167223F}" presName="parentLeftMargin" presStyleLbl="node1" presStyleIdx="4" presStyleCnt="8"/>
+      <dgm:spPr/>
+    </dgm:pt>
+    <dgm:pt modelId="{0A548CDA-B4A4-40CC-B87A-4F8DAAA492D4}" type="pres">
+      <dgm:prSet presAssocID="{F9CE0F44-4DB3-4578-95E7-370EC167223F}" presName="parentText" presStyleLbl="node1" presStyleIdx="5" presStyleCnt="8">
+        <dgm:presLayoutVars>
+          <dgm:chMax val="0"/>
+          <dgm:bulletEnabled val="1"/>
+        </dgm:presLayoutVars>
+      </dgm:prSet>
+      <dgm:spPr/>
+    </dgm:pt>
+    <dgm:pt modelId="{2C4E5224-CA9F-41CE-A9F1-F95D2835774B}" type="pres">
+      <dgm:prSet presAssocID="{F9CE0F44-4DB3-4578-95E7-370EC167223F}" presName="negativeSpace" presStyleCnt="0"/>
+      <dgm:spPr/>
+    </dgm:pt>
+    <dgm:pt modelId="{E624938F-6B80-4486-A783-0EE41FE3ECC8}" type="pres">
+      <dgm:prSet presAssocID="{F9CE0F44-4DB3-4578-95E7-370EC167223F}" presName="childText" presStyleLbl="conFgAcc1" presStyleIdx="5" presStyleCnt="8">
+        <dgm:presLayoutVars>
+          <dgm:bulletEnabled val="1"/>
+        </dgm:presLayoutVars>
+      </dgm:prSet>
+      <dgm:spPr/>
+    </dgm:pt>
+    <dgm:pt modelId="{5D87F09F-0B20-4850-B1F8-647693655A69}" type="pres">
+      <dgm:prSet presAssocID="{7335C910-F213-4813-B7BE-32C4DE72A14E}" presName="spaceBetweenRectangles" presStyleCnt="0"/>
+      <dgm:spPr/>
+    </dgm:pt>
+    <dgm:pt modelId="{98D1A603-9DCD-4D88-9BF6-B1327CA8E9B8}" type="pres">
+      <dgm:prSet presAssocID="{69EF21EB-82BF-4291-A505-99040FA6C7D5}" presName="parentLin" presStyleCnt="0"/>
+      <dgm:spPr/>
+    </dgm:pt>
+    <dgm:pt modelId="{4A25617B-B63D-471F-9909-5796045617FE}" type="pres">
+      <dgm:prSet presAssocID="{69EF21EB-82BF-4291-A505-99040FA6C7D5}" presName="parentLeftMargin" presStyleLbl="node1" presStyleIdx="5" presStyleCnt="8"/>
+      <dgm:spPr/>
+    </dgm:pt>
+    <dgm:pt modelId="{F806E387-7F09-4A6C-8BD1-B0B7207E69C6}" type="pres">
+      <dgm:prSet presAssocID="{69EF21EB-82BF-4291-A505-99040FA6C7D5}" presName="parentText" presStyleLbl="node1" presStyleIdx="6" presStyleCnt="8">
+        <dgm:presLayoutVars>
+          <dgm:chMax val="0"/>
+          <dgm:bulletEnabled val="1"/>
+        </dgm:presLayoutVars>
+      </dgm:prSet>
+      <dgm:spPr/>
+    </dgm:pt>
+    <dgm:pt modelId="{80BE14CB-E6E9-4846-9816-B9EC6EC80234}" type="pres">
+      <dgm:prSet presAssocID="{69EF21EB-82BF-4291-A505-99040FA6C7D5}" presName="negativeSpace" presStyleCnt="0"/>
+      <dgm:spPr/>
+    </dgm:pt>
+    <dgm:pt modelId="{1D5C6970-6483-43B8-9D2D-C430ADD74B9F}" type="pres">
+      <dgm:prSet presAssocID="{69EF21EB-82BF-4291-A505-99040FA6C7D5}" presName="childText" presStyleLbl="conFgAcc1" presStyleIdx="6" presStyleCnt="8">
+        <dgm:presLayoutVars>
+          <dgm:bulletEnabled val="1"/>
+        </dgm:presLayoutVars>
+      </dgm:prSet>
+      <dgm:spPr/>
+    </dgm:pt>
+    <dgm:pt modelId="{4A89B788-764B-4F86-BE94-EF5CD3707F13}" type="pres">
+      <dgm:prSet presAssocID="{0BBA5E74-C67D-4A93-878F-5423FE0F1B6D}" presName="spaceBetweenRectangles" presStyleCnt="0"/>
+      <dgm:spPr/>
+    </dgm:pt>
+    <dgm:pt modelId="{FE1010AE-D910-4E46-A361-F576D3A45926}" type="pres">
+      <dgm:prSet presAssocID="{C3EB3585-49C9-4A39-8E17-989A0C0AA0DC}" presName="parentLin" presStyleCnt="0"/>
+      <dgm:spPr/>
+    </dgm:pt>
+    <dgm:pt modelId="{6CA55441-F058-40A4-8140-6C9FC8EBA6BF}" type="pres">
+      <dgm:prSet presAssocID="{C3EB3585-49C9-4A39-8E17-989A0C0AA0DC}" presName="parentLeftMargin" presStyleLbl="node1" presStyleIdx="6" presStyleCnt="8"/>
+      <dgm:spPr/>
+    </dgm:pt>
+    <dgm:pt modelId="{3959907F-6F30-40AC-9C8F-AA59C5142BF3}" type="pres">
+      <dgm:prSet presAssocID="{C3EB3585-49C9-4A39-8E17-989A0C0AA0DC}" presName="parentText" presStyleLbl="node1" presStyleIdx="7" presStyleCnt="8">
+        <dgm:presLayoutVars>
+          <dgm:chMax val="0"/>
+          <dgm:bulletEnabled val="1"/>
+        </dgm:presLayoutVars>
+      </dgm:prSet>
+      <dgm:spPr/>
+    </dgm:pt>
+    <dgm:pt modelId="{2C909E1F-A4BC-43BD-8027-A8472E4D85E2}" type="pres">
+      <dgm:prSet presAssocID="{C3EB3585-49C9-4A39-8E17-989A0C0AA0DC}" presName="negativeSpace" presStyleCnt="0"/>
+      <dgm:spPr/>
+    </dgm:pt>
+    <dgm:pt modelId="{071F519A-7A0C-4585-BC44-EA6625E32473}" type="pres">
+      <dgm:prSet presAssocID="{C3EB3585-49C9-4A39-8E17-989A0C0AA0DC}" presName="childText" presStyleLbl="conFgAcc1" presStyleIdx="7" presStyleCnt="8">
+        <dgm:presLayoutVars>
+          <dgm:bulletEnabled val="1"/>
+        </dgm:presLayoutVars>
+      </dgm:prSet>
+      <dgm:spPr/>
+    </dgm:pt>
+  </dgm:ptLst>
+  <dgm:cxnLst>
+    <dgm:cxn modelId="{8FC763D5-6CC1-423D-B09A-947CC3107D89}" type="presOf" srcId="{C1AA48AF-B1AE-4986-845F-160EACD99E0E}" destId="{E66D434A-56F2-4210-9D3C-8B4113986DA2}" srcOrd="1" destOrd="0" presId="urn:microsoft.com/office/officeart/2005/8/layout/list1"/>
+    <dgm:cxn modelId="{8C0685B5-3290-4D22-81CA-B9826040D49A}" type="presOf" srcId="{F9CE0F44-4DB3-4578-95E7-370EC167223F}" destId="{1049840D-4C82-43C2-BEF1-FE33EB228999}" srcOrd="0" destOrd="0" presId="urn:microsoft.com/office/officeart/2005/8/layout/list1"/>
+    <dgm:cxn modelId="{9912AC95-78B6-464D-A299-FFA82F74C7B8}" srcId="{E3EDE66A-674C-4C14-841B-3DA1A08352F2}" destId="{24100286-2353-4314-AFC2-B7D92F706D7F}" srcOrd="0" destOrd="0" parTransId="{3A14DC15-08EA-435E-9437-CC76B8A421E4}" sibTransId="{2F2ADB93-632D-42F5-A5EE-5E592604574E}"/>
+    <dgm:cxn modelId="{45FB0D6E-FFD1-4603-AED3-6CB096723762}" type="presOf" srcId="{E3EDE66A-674C-4C14-841B-3DA1A08352F2}" destId="{147B1D6B-7330-4434-89B2-20BD1F676BA5}" srcOrd="0" destOrd="0" presId="urn:microsoft.com/office/officeart/2005/8/layout/list1"/>
+    <dgm:cxn modelId="{54054CF1-3C19-42BD-B20A-F42CCBB7BD8B}" srcId="{E3EDE66A-674C-4C14-841B-3DA1A08352F2}" destId="{F9CE0F44-4DB3-4578-95E7-370EC167223F}" srcOrd="5" destOrd="0" parTransId="{587D13FE-DFBF-4E38-B3F3-1F7B225C039C}" sibTransId="{7335C910-F213-4813-B7BE-32C4DE72A14E}"/>
+    <dgm:cxn modelId="{A2E82ECF-99A7-4B64-8D05-AC4CEBD57290}" type="presOf" srcId="{F9CE0F44-4DB3-4578-95E7-370EC167223F}" destId="{0A548CDA-B4A4-40CC-B87A-4F8DAAA492D4}" srcOrd="1" destOrd="0" presId="urn:microsoft.com/office/officeart/2005/8/layout/list1"/>
+    <dgm:cxn modelId="{89285E6F-9C44-4321-AE64-80F87BE8B21C}" srcId="{E3EDE66A-674C-4C14-841B-3DA1A08352F2}" destId="{8091B7DE-7DC4-46CD-906C-0D9B992B5759}" srcOrd="2" destOrd="0" parTransId="{281BC54D-2DCA-4DCB-A594-E5F464070C49}" sibTransId="{E49F8B9F-C25F-481D-9842-5DECD0D0689A}"/>
+    <dgm:cxn modelId="{6FE3D3D3-D881-440C-B7AE-16122400D99E}" type="presOf" srcId="{24100286-2353-4314-AFC2-B7D92F706D7F}" destId="{E59F53A7-A34E-40B5-ADA1-F735D8844FCE}" srcOrd="1" destOrd="0" presId="urn:microsoft.com/office/officeart/2005/8/layout/list1"/>
+    <dgm:cxn modelId="{42D2EC6A-4222-4D60-B722-2EFE16CDDF8C}" type="presOf" srcId="{C3EB3585-49C9-4A39-8E17-989A0C0AA0DC}" destId="{6CA55441-F058-40A4-8140-6C9FC8EBA6BF}" srcOrd="0" destOrd="0" presId="urn:microsoft.com/office/officeart/2005/8/layout/list1"/>
+    <dgm:cxn modelId="{235EAF61-6B33-4998-98E9-2359253B0FD3}" type="presOf" srcId="{24100286-2353-4314-AFC2-B7D92F706D7F}" destId="{49E887B7-36EE-414F-8204-F1EE4B781DBF}" srcOrd="0" destOrd="0" presId="urn:microsoft.com/office/officeart/2005/8/layout/list1"/>
+    <dgm:cxn modelId="{AF636C62-5C83-4D16-B5F5-D7B74E52B01C}" srcId="{E3EDE66A-674C-4C14-841B-3DA1A08352F2}" destId="{C1AA48AF-B1AE-4986-845F-160EACD99E0E}" srcOrd="4" destOrd="0" parTransId="{26BDBC46-95ED-47C0-8034-F0F7228AC309}" sibTransId="{BC2A6E61-135D-48B5-849F-0C4E7AF759E2}"/>
+    <dgm:cxn modelId="{4EE02A9E-E1DC-4C4F-AF08-951826FD85D6}" srcId="{E3EDE66A-674C-4C14-841B-3DA1A08352F2}" destId="{69EF21EB-82BF-4291-A505-99040FA6C7D5}" srcOrd="6" destOrd="0" parTransId="{EB1CA655-92B1-425E-8B3C-2D0B973E5158}" sibTransId="{0BBA5E74-C67D-4A93-878F-5423FE0F1B6D}"/>
+    <dgm:cxn modelId="{55BD3374-2005-452E-9977-19FD04D0AE15}" type="presOf" srcId="{C3EB3585-49C9-4A39-8E17-989A0C0AA0DC}" destId="{3959907F-6F30-40AC-9C8F-AA59C5142BF3}" srcOrd="1" destOrd="0" presId="urn:microsoft.com/office/officeart/2005/8/layout/list1"/>
+    <dgm:cxn modelId="{862AA3EC-81A3-4FFA-BD43-217DF2C56047}" type="presOf" srcId="{143EBC7C-617B-4DF6-B5FE-CA4D12B58F5A}" destId="{51BD6095-2077-45BF-A949-DB8DE7602E0A}" srcOrd="1" destOrd="0" presId="urn:microsoft.com/office/officeart/2005/8/layout/list1"/>
+    <dgm:cxn modelId="{E9834FED-AF9B-404B-BA75-231F7DABB03B}" type="presOf" srcId="{143EBC7C-617B-4DF6-B5FE-CA4D12B58F5A}" destId="{8AC88F8C-C136-4B3F-8903-CFBBBAD76A02}" srcOrd="0" destOrd="0" presId="urn:microsoft.com/office/officeart/2005/8/layout/list1"/>
+    <dgm:cxn modelId="{6D1B7DD9-AE35-4EDF-BF46-CDEA5DCC624F}" type="presOf" srcId="{C1AA48AF-B1AE-4986-845F-160EACD99E0E}" destId="{5C4BEA31-5F75-48D0-9A98-634038F1CE0D}" srcOrd="0" destOrd="0" presId="urn:microsoft.com/office/officeart/2005/8/layout/list1"/>
+    <dgm:cxn modelId="{AEB309D7-3F0B-473B-8ED8-EC4182BE9C49}" srcId="{E3EDE66A-674C-4C14-841B-3DA1A08352F2}" destId="{143EBC7C-617B-4DF6-B5FE-CA4D12B58F5A}" srcOrd="1" destOrd="0" parTransId="{62C10049-541B-4E8D-AEB9-283D45DEF743}" sibTransId="{292E5F9C-6F52-4D88-8548-C303193624BC}"/>
+    <dgm:cxn modelId="{B50713D8-F5ED-4169-90DB-444503B54DF5}" type="presOf" srcId="{69EF21EB-82BF-4291-A505-99040FA6C7D5}" destId="{4A25617B-B63D-471F-9909-5796045617FE}" srcOrd="0" destOrd="0" presId="urn:microsoft.com/office/officeart/2005/8/layout/list1"/>
+    <dgm:cxn modelId="{13A0DC97-4DA7-487F-8B37-CB30E162B2F5}" type="presOf" srcId="{EAC2C4D8-FC36-46BB-8BD7-210FCD3BBAA9}" destId="{832251FF-811C-4874-BFAD-D4CEC000EB4C}" srcOrd="0" destOrd="0" presId="urn:microsoft.com/office/officeart/2005/8/layout/list1"/>
+    <dgm:cxn modelId="{D8B95AD3-9EC1-490B-A026-C28A8CDDA42B}" srcId="{E3EDE66A-674C-4C14-841B-3DA1A08352F2}" destId="{C3EB3585-49C9-4A39-8E17-989A0C0AA0DC}" srcOrd="7" destOrd="0" parTransId="{0E6472C1-1BF1-4665-8A4D-9E93196DCC55}" sibTransId="{4AA2FD4E-9D71-496D-8498-65D7C5DB9A81}"/>
+    <dgm:cxn modelId="{6DE580FB-39A5-4218-BE48-50F4F28E0605}" type="presOf" srcId="{8091B7DE-7DC4-46CD-906C-0D9B992B5759}" destId="{FA0A10C3-122A-4C92-A888-4ABED9A0925B}" srcOrd="1" destOrd="0" presId="urn:microsoft.com/office/officeart/2005/8/layout/list1"/>
+    <dgm:cxn modelId="{DA3A0F59-4211-4D65-AEBE-BA5F7273E698}" type="presOf" srcId="{69EF21EB-82BF-4291-A505-99040FA6C7D5}" destId="{F806E387-7F09-4A6C-8BD1-B0B7207E69C6}" srcOrd="1" destOrd="0" presId="urn:microsoft.com/office/officeart/2005/8/layout/list1"/>
+    <dgm:cxn modelId="{06FDDC12-0F02-4805-8AF2-E7E0C577B8EF}" type="presOf" srcId="{EAC2C4D8-FC36-46BB-8BD7-210FCD3BBAA9}" destId="{B98AE6BF-5A67-47AB-A6F3-7B2C0C68CD4A}" srcOrd="1" destOrd="0" presId="urn:microsoft.com/office/officeart/2005/8/layout/list1"/>
+    <dgm:cxn modelId="{2D39C48C-2615-4D1C-90C6-26238993B28A}" srcId="{E3EDE66A-674C-4C14-841B-3DA1A08352F2}" destId="{EAC2C4D8-FC36-46BB-8BD7-210FCD3BBAA9}" srcOrd="3" destOrd="0" parTransId="{DF537DE1-B570-42BA-8157-66FB0F4D616A}" sibTransId="{BB8FA673-3F54-40C9-8CE8-CE09D971B401}"/>
+    <dgm:cxn modelId="{1F291590-E174-42F6-8B48-9F9EE6A5AA92}" type="presOf" srcId="{8091B7DE-7DC4-46CD-906C-0D9B992B5759}" destId="{4AD14FE5-0CBB-405A-B393-023F664FBCC8}" srcOrd="0" destOrd="0" presId="urn:microsoft.com/office/officeart/2005/8/layout/list1"/>
+    <dgm:cxn modelId="{09889DD3-1071-45A3-BE7B-F574BB89CC65}" type="presParOf" srcId="{147B1D6B-7330-4434-89B2-20BD1F676BA5}" destId="{2FC07D9F-3C19-4FE2-AF81-1F5B754DD296}" srcOrd="0" destOrd="0" presId="urn:microsoft.com/office/officeart/2005/8/layout/list1"/>
+    <dgm:cxn modelId="{0ABDACEF-9871-4AE2-8D86-DA434C4F2D66}" type="presParOf" srcId="{2FC07D9F-3C19-4FE2-AF81-1F5B754DD296}" destId="{49E887B7-36EE-414F-8204-F1EE4B781DBF}" srcOrd="0" destOrd="0" presId="urn:microsoft.com/office/officeart/2005/8/layout/list1"/>
+    <dgm:cxn modelId="{4841DEE8-99E3-4F54-A5BF-497F629D1D82}" type="presParOf" srcId="{2FC07D9F-3C19-4FE2-AF81-1F5B754DD296}" destId="{E59F53A7-A34E-40B5-ADA1-F735D8844FCE}" srcOrd="1" destOrd="0" presId="urn:microsoft.com/office/officeart/2005/8/layout/list1"/>
+    <dgm:cxn modelId="{C3607B16-F643-4C55-8745-6CE1A12D66E4}" type="presParOf" srcId="{147B1D6B-7330-4434-89B2-20BD1F676BA5}" destId="{CB764E83-E97A-464E-A90B-0FF9261CDDCD}" srcOrd="1" destOrd="0" presId="urn:microsoft.com/office/officeart/2005/8/layout/list1"/>
+    <dgm:cxn modelId="{0B6D93B6-E817-421E-A772-FDEECC7B6553}" type="presParOf" srcId="{147B1D6B-7330-4434-89B2-20BD1F676BA5}" destId="{BD665C14-DD08-45CA-8505-2AAED641AB52}" srcOrd="2" destOrd="0" presId="urn:microsoft.com/office/officeart/2005/8/layout/list1"/>
+    <dgm:cxn modelId="{161E7150-8FA7-4BB4-BF16-2E644D1C8E55}" type="presParOf" srcId="{147B1D6B-7330-4434-89B2-20BD1F676BA5}" destId="{E9C5EF09-5AF0-4FE8-AFB9-A25722542D2B}" srcOrd="3" destOrd="0" presId="urn:microsoft.com/office/officeart/2005/8/layout/list1"/>
+    <dgm:cxn modelId="{4A43C63E-C35D-41E9-9380-CC1C4EF7FC8F}" type="presParOf" srcId="{147B1D6B-7330-4434-89B2-20BD1F676BA5}" destId="{BED735EE-A1E7-45AB-A52E-0672043F8A82}" srcOrd="4" destOrd="0" presId="urn:microsoft.com/office/officeart/2005/8/layout/list1"/>
+    <dgm:cxn modelId="{F4E9C3C5-8FE4-4AD3-B04D-D2671F103798}" type="presParOf" srcId="{BED735EE-A1E7-45AB-A52E-0672043F8A82}" destId="{8AC88F8C-C136-4B3F-8903-CFBBBAD76A02}" srcOrd="0" destOrd="0" presId="urn:microsoft.com/office/officeart/2005/8/layout/list1"/>
+    <dgm:cxn modelId="{826AB740-87B1-4E73-AD58-AA7FCE49A247}" type="presParOf" srcId="{BED735EE-A1E7-45AB-A52E-0672043F8A82}" destId="{51BD6095-2077-45BF-A949-DB8DE7602E0A}" srcOrd="1" destOrd="0" presId="urn:microsoft.com/office/officeart/2005/8/layout/list1"/>
+    <dgm:cxn modelId="{487661FC-D06F-4A97-AE91-C468DA6E7CA4}" type="presParOf" srcId="{147B1D6B-7330-4434-89B2-20BD1F676BA5}" destId="{FD385CDF-BAE9-4445-AA3F-77970EF8D3C9}" srcOrd="5" destOrd="0" presId="urn:microsoft.com/office/officeart/2005/8/layout/list1"/>
+    <dgm:cxn modelId="{DAC494E3-CAD7-401C-8CCD-BDAEF8BF16C1}" type="presParOf" srcId="{147B1D6B-7330-4434-89B2-20BD1F676BA5}" destId="{02620AF2-0E71-427F-803D-A1ADA8C73E41}" srcOrd="6" destOrd="0" presId="urn:microsoft.com/office/officeart/2005/8/layout/list1"/>
+    <dgm:cxn modelId="{8FA8D3F3-90E6-401A-A5DD-0BC5CBA8800D}" type="presParOf" srcId="{147B1D6B-7330-4434-89B2-20BD1F676BA5}" destId="{A1534AF9-94E5-4B5A-8C5B-A734A9BDC120}" srcOrd="7" destOrd="0" presId="urn:microsoft.com/office/officeart/2005/8/layout/list1"/>
+    <dgm:cxn modelId="{A308AEC8-51C8-41F1-9314-8C05DC91493A}" type="presParOf" srcId="{147B1D6B-7330-4434-89B2-20BD1F676BA5}" destId="{F7DA235C-F04D-4498-9128-29BD9E57B418}" srcOrd="8" destOrd="0" presId="urn:microsoft.com/office/officeart/2005/8/layout/list1"/>
+    <dgm:cxn modelId="{75C51E26-F6D1-4516-8AEB-531EAA2D1E5B}" type="presParOf" srcId="{F7DA235C-F04D-4498-9128-29BD9E57B418}" destId="{4AD14FE5-0CBB-405A-B393-023F664FBCC8}" srcOrd="0" destOrd="0" presId="urn:microsoft.com/office/officeart/2005/8/layout/list1"/>
+    <dgm:cxn modelId="{DBD17625-7A12-49E5-A4A9-7735EE615CD7}" type="presParOf" srcId="{F7DA235C-F04D-4498-9128-29BD9E57B418}" destId="{FA0A10C3-122A-4C92-A888-4ABED9A0925B}" srcOrd="1" destOrd="0" presId="urn:microsoft.com/office/officeart/2005/8/layout/list1"/>
+    <dgm:cxn modelId="{63EC729E-6085-415E-98E1-C082C8F90981}" type="presParOf" srcId="{147B1D6B-7330-4434-89B2-20BD1F676BA5}" destId="{2004078C-25DA-400C-BED6-75F53C2DF29E}" srcOrd="9" destOrd="0" presId="urn:microsoft.com/office/officeart/2005/8/layout/list1"/>
+    <dgm:cxn modelId="{74D538D8-5891-4009-AD0A-6D2FD35D2B47}" type="presParOf" srcId="{147B1D6B-7330-4434-89B2-20BD1F676BA5}" destId="{2C2F1441-42F9-4B48-A216-6F477BC5088C}" srcOrd="10" destOrd="0" presId="urn:microsoft.com/office/officeart/2005/8/layout/list1"/>
+    <dgm:cxn modelId="{A67C61AB-14AE-44B3-8FCA-61D5FFDBA97E}" type="presParOf" srcId="{147B1D6B-7330-4434-89B2-20BD1F676BA5}" destId="{14BF9702-4794-47EB-B56E-D319E8D9041F}" srcOrd="11" destOrd="0" presId="urn:microsoft.com/office/officeart/2005/8/layout/list1"/>
+    <dgm:cxn modelId="{510781CF-13DA-4F3C-A0C2-321DF5EC3270}" type="presParOf" srcId="{147B1D6B-7330-4434-89B2-20BD1F676BA5}" destId="{D4E5C626-2B74-455F-A257-8CC722C35272}" srcOrd="12" destOrd="0" presId="urn:microsoft.com/office/officeart/2005/8/layout/list1"/>
+    <dgm:cxn modelId="{803D33ED-6756-4B9A-A3D9-32D1927D9FC8}" type="presParOf" srcId="{D4E5C626-2B74-455F-A257-8CC722C35272}" destId="{832251FF-811C-4874-BFAD-D4CEC000EB4C}" srcOrd="0" destOrd="0" presId="urn:microsoft.com/office/officeart/2005/8/layout/list1"/>
+    <dgm:cxn modelId="{1E0A6C96-F52E-4039-A30D-9B195D5F16F3}" type="presParOf" srcId="{D4E5C626-2B74-455F-A257-8CC722C35272}" destId="{B98AE6BF-5A67-47AB-A6F3-7B2C0C68CD4A}" srcOrd="1" destOrd="0" presId="urn:microsoft.com/office/officeart/2005/8/layout/list1"/>
+    <dgm:cxn modelId="{BF8CA5DB-5B29-49A7-883B-EF1466E56D69}" type="presParOf" srcId="{147B1D6B-7330-4434-89B2-20BD1F676BA5}" destId="{5B389066-0CA1-432C-93C8-8FFF4D777549}" srcOrd="13" destOrd="0" presId="urn:microsoft.com/office/officeart/2005/8/layout/list1"/>
+    <dgm:cxn modelId="{4B73F78B-CF24-4BAA-A4CA-82E54D1BEAAD}" type="presParOf" srcId="{147B1D6B-7330-4434-89B2-20BD1F676BA5}" destId="{029F7534-DDD0-4988-928E-3B848D63D7F0}" srcOrd="14" destOrd="0" presId="urn:microsoft.com/office/officeart/2005/8/layout/list1"/>
+    <dgm:cxn modelId="{85F76DC0-7FB6-4968-8AE9-14E9772E034D}" type="presParOf" srcId="{147B1D6B-7330-4434-89B2-20BD1F676BA5}" destId="{EE5C80ED-C1BC-4D1F-8E23-2C6415DCF2AF}" srcOrd="15" destOrd="0" presId="urn:microsoft.com/office/officeart/2005/8/layout/list1"/>
+    <dgm:cxn modelId="{70DAE305-3C3B-45A9-AADC-A75D06E584B7}" type="presParOf" srcId="{147B1D6B-7330-4434-89B2-20BD1F676BA5}" destId="{49484317-EE83-4109-BE78-CD8E6E89C7AC}" srcOrd="16" destOrd="0" presId="urn:microsoft.com/office/officeart/2005/8/layout/list1"/>
+    <dgm:cxn modelId="{767595A6-18CD-4C2E-85FC-5C2110EB36DF}" type="presParOf" srcId="{49484317-EE83-4109-BE78-CD8E6E89C7AC}" destId="{5C4BEA31-5F75-48D0-9A98-634038F1CE0D}" srcOrd="0" destOrd="0" presId="urn:microsoft.com/office/officeart/2005/8/layout/list1"/>
+    <dgm:cxn modelId="{BAB05BB5-7D6E-4D02-B004-ECE0595B6E3E}" type="presParOf" srcId="{49484317-EE83-4109-BE78-CD8E6E89C7AC}" destId="{E66D434A-56F2-4210-9D3C-8B4113986DA2}" srcOrd="1" destOrd="0" presId="urn:microsoft.com/office/officeart/2005/8/layout/list1"/>
+    <dgm:cxn modelId="{2A25DDBB-F48C-4BE8-8B27-4780F2BDA01D}" type="presParOf" srcId="{147B1D6B-7330-4434-89B2-20BD1F676BA5}" destId="{BE8DA5E2-88EC-49EF-B205-5EDCC5A56868}" srcOrd="17" destOrd="0" presId="urn:microsoft.com/office/officeart/2005/8/layout/list1"/>
+    <dgm:cxn modelId="{9E1092BF-CF04-4E24-BFD4-4DA96AADC4C5}" type="presParOf" srcId="{147B1D6B-7330-4434-89B2-20BD1F676BA5}" destId="{49D54536-22D0-4127-9143-25C9A2FFBDDD}" srcOrd="18" destOrd="0" presId="urn:microsoft.com/office/officeart/2005/8/layout/list1"/>
+    <dgm:cxn modelId="{AD4334FE-3116-4882-981F-A090CA2ED56F}" type="presParOf" srcId="{147B1D6B-7330-4434-89B2-20BD1F676BA5}" destId="{6423E1B3-4113-439F-9359-57C187CDCF0E}" srcOrd="19" destOrd="0" presId="urn:microsoft.com/office/officeart/2005/8/layout/list1"/>
+    <dgm:cxn modelId="{5ED24B2E-D9F0-44EA-9EE6-0DC54CAD2CC6}" type="presParOf" srcId="{147B1D6B-7330-4434-89B2-20BD1F676BA5}" destId="{075BD037-C2FB-4273-86BB-68F18161314B}" srcOrd="20" destOrd="0" presId="urn:microsoft.com/office/officeart/2005/8/layout/list1"/>
+    <dgm:cxn modelId="{193DC0C9-3CE3-4B31-830B-0ADF3BEF227D}" type="presParOf" srcId="{075BD037-C2FB-4273-86BB-68F18161314B}" destId="{1049840D-4C82-43C2-BEF1-FE33EB228999}" srcOrd="0" destOrd="0" presId="urn:microsoft.com/office/officeart/2005/8/layout/list1"/>
+    <dgm:cxn modelId="{9F110731-5904-4397-BA3E-C02B001D7C81}" type="presParOf" srcId="{075BD037-C2FB-4273-86BB-68F18161314B}" destId="{0A548CDA-B4A4-40CC-B87A-4F8DAAA492D4}" srcOrd="1" destOrd="0" presId="urn:microsoft.com/office/officeart/2005/8/layout/list1"/>
+    <dgm:cxn modelId="{4556EBE7-F1A3-4834-A985-DA157EA7954F}" type="presParOf" srcId="{147B1D6B-7330-4434-89B2-20BD1F676BA5}" destId="{2C4E5224-CA9F-41CE-A9F1-F95D2835774B}" srcOrd="21" destOrd="0" presId="urn:microsoft.com/office/officeart/2005/8/layout/list1"/>
+    <dgm:cxn modelId="{65CD7BE7-9AE1-4003-B0DF-AB672084366F}" type="presParOf" srcId="{147B1D6B-7330-4434-89B2-20BD1F676BA5}" destId="{E624938F-6B80-4486-A783-0EE41FE3ECC8}" srcOrd="22" destOrd="0" presId="urn:microsoft.com/office/officeart/2005/8/layout/list1"/>
+    <dgm:cxn modelId="{64D46492-9A39-44C8-A3E8-ECBF518CEFD0}" type="presParOf" srcId="{147B1D6B-7330-4434-89B2-20BD1F676BA5}" destId="{5D87F09F-0B20-4850-B1F8-647693655A69}" srcOrd="23" destOrd="0" presId="urn:microsoft.com/office/officeart/2005/8/layout/list1"/>
+    <dgm:cxn modelId="{4AD3BD91-C4C8-4B0C-8EDF-A42438E2338F}" type="presParOf" srcId="{147B1D6B-7330-4434-89B2-20BD1F676BA5}" destId="{98D1A603-9DCD-4D88-9BF6-B1327CA8E9B8}" srcOrd="24" destOrd="0" presId="urn:microsoft.com/office/officeart/2005/8/layout/list1"/>
+    <dgm:cxn modelId="{FAD0A2CC-FFE0-48C4-B606-018EE5AFB45C}" type="presParOf" srcId="{98D1A603-9DCD-4D88-9BF6-B1327CA8E9B8}" destId="{4A25617B-B63D-471F-9909-5796045617FE}" srcOrd="0" destOrd="0" presId="urn:microsoft.com/office/officeart/2005/8/layout/list1"/>
+    <dgm:cxn modelId="{8E20F725-C090-4129-A96E-C06B0E999CDC}" type="presParOf" srcId="{98D1A603-9DCD-4D88-9BF6-B1327CA8E9B8}" destId="{F806E387-7F09-4A6C-8BD1-B0B7207E69C6}" srcOrd="1" destOrd="0" presId="urn:microsoft.com/office/officeart/2005/8/layout/list1"/>
+    <dgm:cxn modelId="{B9735CEF-5A36-4016-B41D-3111D7FE5831}" type="presParOf" srcId="{147B1D6B-7330-4434-89B2-20BD1F676BA5}" destId="{80BE14CB-E6E9-4846-9816-B9EC6EC80234}" srcOrd="25" destOrd="0" presId="urn:microsoft.com/office/officeart/2005/8/layout/list1"/>
+    <dgm:cxn modelId="{69D01F98-85D9-49D3-AE4F-8B74B425278D}" type="presParOf" srcId="{147B1D6B-7330-4434-89B2-20BD1F676BA5}" destId="{1D5C6970-6483-43B8-9D2D-C430ADD74B9F}" srcOrd="26" destOrd="0" presId="urn:microsoft.com/office/officeart/2005/8/layout/list1"/>
+    <dgm:cxn modelId="{ECECB85B-FC0D-4028-BD9B-52B9823CB0F2}" type="presParOf" srcId="{147B1D6B-7330-4434-89B2-20BD1F676BA5}" destId="{4A89B788-764B-4F86-BE94-EF5CD3707F13}" srcOrd="27" destOrd="0" presId="urn:microsoft.com/office/officeart/2005/8/layout/list1"/>
+    <dgm:cxn modelId="{D1AF6791-0611-41A9-9BA5-12E3E90BB60C}" type="presParOf" srcId="{147B1D6B-7330-4434-89B2-20BD1F676BA5}" destId="{FE1010AE-D910-4E46-A361-F576D3A45926}" srcOrd="28" destOrd="0" presId="urn:microsoft.com/office/officeart/2005/8/layout/list1"/>
+    <dgm:cxn modelId="{E3E34BA2-B052-44B7-9CFA-83583B20B20F}" type="presParOf" srcId="{FE1010AE-D910-4E46-A361-F576D3A45926}" destId="{6CA55441-F058-40A4-8140-6C9FC8EBA6BF}" srcOrd="0" destOrd="0" presId="urn:microsoft.com/office/officeart/2005/8/layout/list1"/>
+    <dgm:cxn modelId="{E2D440DB-B407-4F37-9CBA-FB028456A928}" type="presParOf" srcId="{FE1010AE-D910-4E46-A361-F576D3A45926}" destId="{3959907F-6F30-40AC-9C8F-AA59C5142BF3}" srcOrd="1" destOrd="0" presId="urn:microsoft.com/office/officeart/2005/8/layout/list1"/>
+    <dgm:cxn modelId="{FAA63EA2-0304-4C5B-8078-36041815D099}" type="presParOf" srcId="{147B1D6B-7330-4434-89B2-20BD1F676BA5}" destId="{2C909E1F-A4BC-43BD-8027-A8472E4D85E2}" srcOrd="29" destOrd="0" presId="urn:microsoft.com/office/officeart/2005/8/layout/list1"/>
+    <dgm:cxn modelId="{AF10F322-2748-435B-8555-C77FD3DE9CFC}" type="presParOf" srcId="{147B1D6B-7330-4434-89B2-20BD1F676BA5}" destId="{071F519A-7A0C-4585-BC44-EA6625E32473}" srcOrd="30" destOrd="0" presId="urn:microsoft.com/office/officeart/2005/8/layout/list1"/>
   </dgm:cxnLst>
   <dgm:bg/>
   <dgm:whole/>
@@ -3997,7 +5754,7 @@
         <a:ext cx="313780" cy="367063"/>
       </dsp:txXfrm>
     </dsp:sp>
-    <dsp:sp modelId="{B1380026-842F-4AAC-93B3-E33CA6ED6AF4}">
+    <dsp:sp modelId="{3EB978A4-1482-443A-81E8-E99D9A09BD8A}">
       <dsp:nvSpPr>
         <dsp:cNvPr id="0" name=""/>
         <dsp:cNvSpPr/>
@@ -4072,7 +5829,7 @@
           </a:pPr>
           <a:r>
             <a:rPr lang="en-US" sz="1400" kern="1200" smtClean="0"/>
-            <a:t>Drag &amp; Drop</a:t>
+            <a:t>Tabular Data</a:t>
           </a:r>
           <a:endParaRPr lang="vi-VN" sz="1400" kern="1200"/>
         </a:p>
@@ -4082,7 +5839,7 @@
         <a:ext cx="1480095" cy="888057"/>
       </dsp:txXfrm>
     </dsp:sp>
-    <dsp:sp modelId="{A35E23BF-3DEC-4E98-8747-DB8E6DAE7450}">
+    <dsp:sp modelId="{780099C4-80B7-4F20-8800-225A8941C78B}">
       <dsp:nvSpPr>
         <dsp:cNvPr id="0" name=""/>
         <dsp:cNvSpPr/>
@@ -4157,7 +5914,7 @@
         <a:ext cx="313780" cy="367063"/>
       </dsp:txXfrm>
     </dsp:sp>
-    <dsp:sp modelId="{AA05156E-12BB-4D39-896E-66B1513E48F8}">
+    <dsp:sp modelId="{B1380026-842F-4AAC-93B3-E33CA6ED6AF4}">
       <dsp:nvSpPr>
         <dsp:cNvPr id="0" name=""/>
         <dsp:cNvSpPr/>
@@ -4232,7 +5989,7 @@
           </a:pPr>
           <a:r>
             <a:rPr lang="en-US" sz="1400" kern="1200" smtClean="0"/>
-            <a:t>Multimedia</a:t>
+            <a:t>Drag &amp; Drop</a:t>
           </a:r>
           <a:endParaRPr lang="vi-VN" sz="1400" kern="1200"/>
         </a:p>
@@ -4242,7 +5999,7 @@
         <a:ext cx="1480095" cy="888057"/>
       </dsp:txXfrm>
     </dsp:sp>
-    <dsp:sp modelId="{95BE7D30-A3A5-4476-B9F8-DE6B0F0D67AD}">
+    <dsp:sp modelId="{A35E23BF-3DEC-4E98-8747-DB8E6DAE7450}">
       <dsp:nvSpPr>
         <dsp:cNvPr id="0" name=""/>
         <dsp:cNvSpPr/>
@@ -4317,7 +6074,7 @@
         <a:ext cx="313780" cy="367063"/>
       </dsp:txXfrm>
     </dsp:sp>
-    <dsp:sp modelId="{213C904F-CF9C-4E4E-A926-5365931DB923}">
+    <dsp:sp modelId="{AA05156E-12BB-4D39-896E-66B1513E48F8}">
       <dsp:nvSpPr>
         <dsp:cNvPr id="0" name=""/>
         <dsp:cNvSpPr/>
@@ -4333,7 +6090,12 @@
           </a:avLst>
         </a:prstGeom>
         <a:solidFill>
-          <a:srgbClr val="002060"/>
+          <a:schemeClr val="accent2">
+            <a:hueOff val="0"/>
+            <a:satOff val="0"/>
+            <a:lumOff val="0"/>
+            <a:alphaOff val="0"/>
+          </a:schemeClr>
         </a:solidFill>
         <a:ln w="38100" cap="flat" cmpd="sng" algn="ctr">
           <a:solidFill>
@@ -4386,10 +6148,10 @@
             </a:spcAft>
           </a:pPr>
           <a:r>
-            <a:rPr lang="en-US" sz="1400" b="1" kern="1200" smtClean="0"/>
-            <a:t>Canvas</a:t>
+            <a:rPr lang="en-US" sz="1400" kern="1200" smtClean="0"/>
+            <a:t>Multimedia</a:t>
           </a:r>
-          <a:endParaRPr lang="vi-VN" sz="1400" b="1" kern="1200"/>
+          <a:endParaRPr lang="vi-VN" sz="1400" kern="1200"/>
         </a:p>
       </dsp:txBody>
       <dsp:txXfrm>
@@ -4397,7 +6159,7 @@
         <a:ext cx="1480095" cy="888057"/>
       </dsp:txXfrm>
     </dsp:sp>
-    <dsp:sp modelId="{690B661B-EF1F-4696-8A25-BDF666D49EB8}">
+    <dsp:sp modelId="{95BE7D30-A3A5-4476-B9F8-DE6B0F0D67AD}">
       <dsp:nvSpPr>
         <dsp:cNvPr id="0" name=""/>
         <dsp:cNvSpPr/>
@@ -4472,7 +6234,7 @@
         <a:ext cx="313780" cy="367063"/>
       </dsp:txXfrm>
     </dsp:sp>
-    <dsp:sp modelId="{725EFC2B-7FE0-4C2A-9604-B30BF7A9C162}">
+    <dsp:sp modelId="{213C904F-CF9C-4E4E-A926-5365931DB923}">
       <dsp:nvSpPr>
         <dsp:cNvPr id="0" name=""/>
         <dsp:cNvSpPr/>
@@ -4488,12 +6250,7 @@
           </a:avLst>
         </a:prstGeom>
         <a:solidFill>
-          <a:schemeClr val="accent2">
-            <a:hueOff val="0"/>
-            <a:satOff val="0"/>
-            <a:lumOff val="0"/>
-            <a:alphaOff val="0"/>
-          </a:schemeClr>
+          <a:srgbClr val="002060"/>
         </a:solidFill>
         <a:ln w="38100" cap="flat" cmpd="sng" algn="ctr">
           <a:solidFill>
@@ -4546,10 +6303,10 @@
             </a:spcAft>
           </a:pPr>
           <a:r>
-            <a:rPr lang="en-US" sz="1400" kern="1200" smtClean="0"/>
-            <a:t>SVG</a:t>
+            <a:rPr lang="en-US" sz="1400" b="1" kern="1200" smtClean="0"/>
+            <a:t>Canvas</a:t>
           </a:r>
-          <a:endParaRPr lang="vi-VN" sz="1400" kern="1200"/>
+          <a:endParaRPr lang="vi-VN" sz="1400" b="1" kern="1200"/>
         </a:p>
       </dsp:txBody>
       <dsp:txXfrm>
@@ -4557,7 +6314,7 @@
         <a:ext cx="1480095" cy="888057"/>
       </dsp:txXfrm>
     </dsp:sp>
-    <dsp:sp modelId="{E8B72A6D-9082-4A49-8C65-FAFD5FC32F6B}">
+    <dsp:sp modelId="{690B661B-EF1F-4696-8A25-BDF666D49EB8}">
       <dsp:nvSpPr>
         <dsp:cNvPr id="0" name=""/>
         <dsp:cNvSpPr/>
@@ -4632,7 +6389,7 @@
         <a:ext cx="313780" cy="367063"/>
       </dsp:txXfrm>
     </dsp:sp>
-    <dsp:sp modelId="{08FE6386-AF29-471D-BFDA-B57CBDE0B63D}">
+    <dsp:sp modelId="{725EFC2B-7FE0-4C2A-9604-B30BF7A9C162}">
       <dsp:nvSpPr>
         <dsp:cNvPr id="0" name=""/>
         <dsp:cNvSpPr/>
@@ -4707,7 +6464,7 @@
           </a:pPr>
           <a:r>
             <a:rPr lang="en-US" sz="1400" kern="1200" smtClean="0"/>
-            <a:t>Compatibility</a:t>
+            <a:t>SVG</a:t>
           </a:r>
           <a:endParaRPr lang="vi-VN" sz="1400" kern="1200"/>
         </a:p>
@@ -4717,7 +6474,7 @@
         <a:ext cx="1480095" cy="888057"/>
       </dsp:txXfrm>
     </dsp:sp>
-    <dsp:sp modelId="{2172913C-AFF9-4B66-BF00-AC857B7B5924}">
+    <dsp:sp modelId="{E8B72A6D-9082-4A49-8C65-FAFD5FC32F6B}">
       <dsp:nvSpPr>
         <dsp:cNvPr id="0" name=""/>
         <dsp:cNvSpPr/>
@@ -4792,6 +6549,166 @@
         <a:ext cx="313780" cy="367063"/>
       </dsp:txXfrm>
     </dsp:sp>
+    <dsp:sp modelId="{08FE6386-AF29-471D-BFDA-B57CBDE0B63D}">
+      <dsp:nvSpPr>
+        <dsp:cNvPr id="0" name=""/>
+        <dsp:cNvSpPr/>
+      </dsp:nvSpPr>
+      <dsp:spPr>
+        <a:xfrm>
+          <a:off x="6940153" y="4443114"/>
+          <a:ext cx="1480095" cy="888057"/>
+        </a:xfrm>
+        <a:prstGeom prst="roundRect">
+          <a:avLst>
+            <a:gd name="adj" fmla="val 10000"/>
+          </a:avLst>
+        </a:prstGeom>
+        <a:solidFill>
+          <a:schemeClr val="accent2">
+            <a:hueOff val="0"/>
+            <a:satOff val="0"/>
+            <a:lumOff val="0"/>
+            <a:alphaOff val="0"/>
+          </a:schemeClr>
+        </a:solidFill>
+        <a:ln w="38100" cap="flat" cmpd="sng" algn="ctr">
+          <a:solidFill>
+            <a:schemeClr val="lt1">
+              <a:hueOff val="0"/>
+              <a:satOff val="0"/>
+              <a:lumOff val="0"/>
+              <a:alphaOff val="0"/>
+            </a:schemeClr>
+          </a:solidFill>
+          <a:prstDash val="solid"/>
+        </a:ln>
+        <a:effectLst>
+          <a:outerShdw blurRad="40000" dist="20000" dir="5400000" rotWithShape="0">
+            <a:srgbClr val="000000">
+              <a:alpha val="38000"/>
+            </a:srgbClr>
+          </a:outerShdw>
+        </a:effectLst>
+      </dsp:spPr>
+      <dsp:style>
+        <a:lnRef idx="3">
+          <a:scrgbClr r="0" g="0" b="0"/>
+        </a:lnRef>
+        <a:fillRef idx="1">
+          <a:scrgbClr r="0" g="0" b="0"/>
+        </a:fillRef>
+        <a:effectRef idx="1">
+          <a:scrgbClr r="0" g="0" b="0"/>
+        </a:effectRef>
+        <a:fontRef idx="minor">
+          <a:schemeClr val="lt1"/>
+        </a:fontRef>
+      </dsp:style>
+      <dsp:txBody>
+        <a:bodyPr spcFirstLastPara="0" vert="horz" wrap="square" lIns="53340" tIns="53340" rIns="53340" bIns="53340" numCol="1" spcCol="1270" anchor="ctr" anchorCtr="0">
+          <a:noAutofit/>
+        </a:bodyPr>
+        <a:lstStyle/>
+        <a:p>
+          <a:pPr lvl="0" algn="ctr" defTabSz="622300" rtl="0">
+            <a:lnSpc>
+              <a:spcPct val="90000"/>
+            </a:lnSpc>
+            <a:spcBef>
+              <a:spcPct val="0"/>
+            </a:spcBef>
+            <a:spcAft>
+              <a:spcPct val="35000"/>
+            </a:spcAft>
+          </a:pPr>
+          <a:r>
+            <a:rPr lang="en-US" sz="1400" kern="1200" smtClean="0"/>
+            <a:t>Compatibility</a:t>
+          </a:r>
+          <a:endParaRPr lang="vi-VN" sz="1400" kern="1200"/>
+        </a:p>
+      </dsp:txBody>
+      <dsp:txXfrm>
+        <a:off x="6940153" y="4443114"/>
+        <a:ext cx="1480095" cy="888057"/>
+      </dsp:txXfrm>
+    </dsp:sp>
+    <dsp:sp modelId="{2172913C-AFF9-4B66-BF00-AC857B7B5924}">
+      <dsp:nvSpPr>
+        <dsp:cNvPr id="0" name=""/>
+        <dsp:cNvSpPr/>
+      </dsp:nvSpPr>
+      <dsp:spPr>
+        <a:xfrm rot="10800000">
+          <a:off x="6496124" y="4703611"/>
+          <a:ext cx="313780" cy="367063"/>
+        </a:xfrm>
+        <a:prstGeom prst="rightArrow">
+          <a:avLst>
+            <a:gd name="adj1" fmla="val 60000"/>
+            <a:gd name="adj2" fmla="val 50000"/>
+          </a:avLst>
+        </a:prstGeom>
+        <a:solidFill>
+          <a:schemeClr val="accent2">
+            <a:tint val="60000"/>
+            <a:hueOff val="0"/>
+            <a:satOff val="0"/>
+            <a:lumOff val="0"/>
+            <a:alphaOff val="0"/>
+          </a:schemeClr>
+        </a:solidFill>
+        <a:ln>
+          <a:noFill/>
+        </a:ln>
+        <a:effectLst>
+          <a:outerShdw blurRad="40000" dist="20000" dir="5400000" rotWithShape="0">
+            <a:srgbClr val="000000">
+              <a:alpha val="38000"/>
+            </a:srgbClr>
+          </a:outerShdw>
+        </a:effectLst>
+      </dsp:spPr>
+      <dsp:style>
+        <a:lnRef idx="0">
+          <a:scrgbClr r="0" g="0" b="0"/>
+        </a:lnRef>
+        <a:fillRef idx="1">
+          <a:scrgbClr r="0" g="0" b="0"/>
+        </a:fillRef>
+        <a:effectRef idx="1">
+          <a:scrgbClr r="0" g="0" b="0"/>
+        </a:effectRef>
+        <a:fontRef idx="minor">
+          <a:schemeClr val="lt1"/>
+        </a:fontRef>
+      </dsp:style>
+      <dsp:txBody>
+        <a:bodyPr spcFirstLastPara="0" vert="horz" wrap="square" lIns="0" tIns="0" rIns="0" bIns="0" numCol="1" spcCol="1270" anchor="ctr" anchorCtr="0">
+          <a:noAutofit/>
+        </a:bodyPr>
+        <a:lstStyle/>
+        <a:p>
+          <a:pPr lvl="0" algn="ctr" defTabSz="533400">
+            <a:lnSpc>
+              <a:spcPct val="90000"/>
+            </a:lnSpc>
+            <a:spcBef>
+              <a:spcPct val="0"/>
+            </a:spcBef>
+            <a:spcAft>
+              <a:spcPct val="35000"/>
+            </a:spcAft>
+          </a:pPr>
+          <a:endParaRPr lang="vi-VN" sz="1200" kern="1200"/>
+        </a:p>
+      </dsp:txBody>
+      <dsp:txXfrm rot="10800000">
+        <a:off x="6496124" y="4703611"/>
+        <a:ext cx="313780" cy="367063"/>
+      </dsp:txXfrm>
+    </dsp:sp>
     <dsp:sp modelId="{AD01AF4C-5626-4866-98C8-A9157B74CE4C}">
       <dsp:nvSpPr>
         <dsp:cNvPr id="0" name=""/>
@@ -4799,7 +6716,7 @@
       </dsp:nvSpPr>
       <dsp:spPr>
         <a:xfrm>
-          <a:off x="6940153" y="4443114"/>
+          <a:off x="4868019" y="4443114"/>
           <a:ext cx="1480095" cy="888057"/>
         </a:xfrm>
         <a:prstGeom prst="roundRect">
@@ -4868,7 +6785,7 @@
         </a:p>
       </dsp:txBody>
       <dsp:txXfrm>
-        <a:off x="6940153" y="4443114"/>
+        <a:off x="4868019" y="4443114"/>
         <a:ext cx="1480095" cy="888057"/>
       </dsp:txXfrm>
     </dsp:sp>
@@ -5149,6 +7066,1026 @@
       <dsp:txXfrm rot="16200000">
         <a:off x="2209800" y="-2209800"/>
         <a:ext cx="4114800" cy="8534400"/>
+      </dsp:txXfrm>
+    </dsp:sp>
+  </dsp:spTree>
+</dsp:drawing>
+</file>
+
+<file path=ppt/diagrams/drawing3.xml><?xml version="1.0" encoding="utf-8"?>
+<dsp:drawing xmlns:dgm="http://schemas.openxmlformats.org/drawingml/2006/diagram" xmlns:a="http://schemas.openxmlformats.org/drawingml/2006/main" xmlns:dsp="http://schemas.microsoft.com/office/drawing/2008/diagram">
+  <dsp:spTree>
+    <dsp:nvGrpSpPr>
+      <dsp:cNvPr id="0" name=""/>
+      <dsp:cNvGrpSpPr/>
+    </dsp:nvGrpSpPr>
+    <dsp:grpSpPr/>
+    <dsp:sp modelId="{BD665C14-DD08-45CA-8505-2AAED641AB52}">
+      <dsp:nvSpPr>
+        <dsp:cNvPr id="0" name=""/>
+        <dsp:cNvSpPr/>
+      </dsp:nvSpPr>
+      <dsp:spPr>
+        <a:xfrm>
+          <a:off x="0" y="611460"/>
+          <a:ext cx="8305800" cy="327600"/>
+        </a:xfrm>
+        <a:prstGeom prst="rect">
+          <a:avLst/>
+        </a:prstGeom>
+        <a:solidFill>
+          <a:schemeClr val="lt1">
+            <a:alpha val="90000"/>
+            <a:hueOff val="0"/>
+            <a:satOff val="0"/>
+            <a:lumOff val="0"/>
+            <a:alphaOff val="0"/>
+          </a:schemeClr>
+        </a:solidFill>
+        <a:ln w="25400" cap="flat" cmpd="sng" algn="ctr">
+          <a:solidFill>
+            <a:schemeClr val="accent2">
+              <a:hueOff val="0"/>
+              <a:satOff val="0"/>
+              <a:lumOff val="0"/>
+              <a:alphaOff val="0"/>
+            </a:schemeClr>
+          </a:solidFill>
+          <a:prstDash val="solid"/>
+        </a:ln>
+        <a:effectLst/>
+      </dsp:spPr>
+      <dsp:style>
+        <a:lnRef idx="2">
+          <a:scrgbClr r="0" g="0" b="0"/>
+        </a:lnRef>
+        <a:fillRef idx="1">
+          <a:scrgbClr r="0" g="0" b="0"/>
+        </a:fillRef>
+        <a:effectRef idx="0">
+          <a:scrgbClr r="0" g="0" b="0"/>
+        </a:effectRef>
+        <a:fontRef idx="minor"/>
+      </dsp:style>
+    </dsp:sp>
+    <dsp:sp modelId="{E59F53A7-A34E-40B5-ADA1-F735D8844FCE}">
+      <dsp:nvSpPr>
+        <dsp:cNvPr id="0" name=""/>
+        <dsp:cNvSpPr/>
+      </dsp:nvSpPr>
+      <dsp:spPr>
+        <a:xfrm>
+          <a:off x="415290" y="419580"/>
+          <a:ext cx="5814060" cy="383760"/>
+        </a:xfrm>
+        <a:prstGeom prst="roundRect">
+          <a:avLst/>
+        </a:prstGeom>
+        <a:solidFill>
+          <a:schemeClr val="accent2">
+            <a:hueOff val="0"/>
+            <a:satOff val="0"/>
+            <a:lumOff val="0"/>
+            <a:alphaOff val="0"/>
+          </a:schemeClr>
+        </a:solidFill>
+        <a:ln w="25400" cap="flat" cmpd="sng" algn="ctr">
+          <a:solidFill>
+            <a:schemeClr val="lt1">
+              <a:hueOff val="0"/>
+              <a:satOff val="0"/>
+              <a:lumOff val="0"/>
+              <a:alphaOff val="0"/>
+            </a:schemeClr>
+          </a:solidFill>
+          <a:prstDash val="solid"/>
+        </a:ln>
+        <a:effectLst/>
+      </dsp:spPr>
+      <dsp:style>
+        <a:lnRef idx="2">
+          <a:scrgbClr r="0" g="0" b="0"/>
+        </a:lnRef>
+        <a:fillRef idx="1">
+          <a:scrgbClr r="0" g="0" b="0"/>
+        </a:fillRef>
+        <a:effectRef idx="0">
+          <a:scrgbClr r="0" g="0" b="0"/>
+        </a:effectRef>
+        <a:fontRef idx="minor">
+          <a:schemeClr val="lt1"/>
+        </a:fontRef>
+      </dsp:style>
+      <dsp:txBody>
+        <a:bodyPr spcFirstLastPara="0" vert="horz" wrap="square" lIns="219758" tIns="0" rIns="219758" bIns="0" numCol="1" spcCol="1270" anchor="ctr" anchorCtr="0">
+          <a:noAutofit/>
+        </a:bodyPr>
+        <a:lstStyle/>
+        <a:p>
+          <a:pPr lvl="0" algn="l" defTabSz="577850" rtl="0">
+            <a:lnSpc>
+              <a:spcPct val="90000"/>
+            </a:lnSpc>
+            <a:spcBef>
+              <a:spcPct val="0"/>
+            </a:spcBef>
+            <a:spcAft>
+              <a:spcPct val="35000"/>
+            </a:spcAft>
+          </a:pPr>
+          <a:r>
+            <a:rPr lang="en-US" sz="1300" kern="1200" smtClean="0"/>
+            <a:t>table: tạo bảng.</a:t>
+          </a:r>
+          <a:endParaRPr lang="vi-VN" sz="1300" kern="1200"/>
+        </a:p>
+      </dsp:txBody>
+      <dsp:txXfrm>
+        <a:off x="415290" y="419580"/>
+        <a:ext cx="5814060" cy="383760"/>
+      </dsp:txXfrm>
+    </dsp:sp>
+    <dsp:sp modelId="{02620AF2-0E71-427F-803D-A1ADA8C73E41}">
+      <dsp:nvSpPr>
+        <dsp:cNvPr id="0" name=""/>
+        <dsp:cNvSpPr/>
+      </dsp:nvSpPr>
+      <dsp:spPr>
+        <a:xfrm>
+          <a:off x="0" y="1201140"/>
+          <a:ext cx="8305800" cy="327600"/>
+        </a:xfrm>
+        <a:prstGeom prst="rect">
+          <a:avLst/>
+        </a:prstGeom>
+        <a:solidFill>
+          <a:schemeClr val="lt1">
+            <a:alpha val="90000"/>
+            <a:hueOff val="0"/>
+            <a:satOff val="0"/>
+            <a:lumOff val="0"/>
+            <a:alphaOff val="0"/>
+          </a:schemeClr>
+        </a:solidFill>
+        <a:ln w="25400" cap="flat" cmpd="sng" algn="ctr">
+          <a:solidFill>
+            <a:schemeClr val="accent2">
+              <a:hueOff val="0"/>
+              <a:satOff val="0"/>
+              <a:lumOff val="0"/>
+              <a:alphaOff val="0"/>
+            </a:schemeClr>
+          </a:solidFill>
+          <a:prstDash val="solid"/>
+        </a:ln>
+        <a:effectLst/>
+      </dsp:spPr>
+      <dsp:style>
+        <a:lnRef idx="2">
+          <a:scrgbClr r="0" g="0" b="0"/>
+        </a:lnRef>
+        <a:fillRef idx="1">
+          <a:scrgbClr r="0" g="0" b="0"/>
+        </a:fillRef>
+        <a:effectRef idx="0">
+          <a:scrgbClr r="0" g="0" b="0"/>
+        </a:effectRef>
+        <a:fontRef idx="minor"/>
+      </dsp:style>
+    </dsp:sp>
+    <dsp:sp modelId="{51BD6095-2077-45BF-A949-DB8DE7602E0A}">
+      <dsp:nvSpPr>
+        <dsp:cNvPr id="0" name=""/>
+        <dsp:cNvSpPr/>
+      </dsp:nvSpPr>
+      <dsp:spPr>
+        <a:xfrm>
+          <a:off x="415290" y="1009260"/>
+          <a:ext cx="5814060" cy="383760"/>
+        </a:xfrm>
+        <a:prstGeom prst="roundRect">
+          <a:avLst/>
+        </a:prstGeom>
+        <a:solidFill>
+          <a:schemeClr val="accent2">
+            <a:hueOff val="0"/>
+            <a:satOff val="0"/>
+            <a:lumOff val="0"/>
+            <a:alphaOff val="0"/>
+          </a:schemeClr>
+        </a:solidFill>
+        <a:ln w="25400" cap="flat" cmpd="sng" algn="ctr">
+          <a:solidFill>
+            <a:schemeClr val="lt1">
+              <a:hueOff val="0"/>
+              <a:satOff val="0"/>
+              <a:lumOff val="0"/>
+              <a:alphaOff val="0"/>
+            </a:schemeClr>
+          </a:solidFill>
+          <a:prstDash val="solid"/>
+        </a:ln>
+        <a:effectLst/>
+      </dsp:spPr>
+      <dsp:style>
+        <a:lnRef idx="2">
+          <a:scrgbClr r="0" g="0" b="0"/>
+        </a:lnRef>
+        <a:fillRef idx="1">
+          <a:scrgbClr r="0" g="0" b="0"/>
+        </a:fillRef>
+        <a:effectRef idx="0">
+          <a:scrgbClr r="0" g="0" b="0"/>
+        </a:effectRef>
+        <a:fontRef idx="minor">
+          <a:schemeClr val="lt1"/>
+        </a:fontRef>
+      </dsp:style>
+      <dsp:txBody>
+        <a:bodyPr spcFirstLastPara="0" vert="horz" wrap="square" lIns="219758" tIns="0" rIns="219758" bIns="0" numCol="1" spcCol="1270" anchor="ctr" anchorCtr="0">
+          <a:noAutofit/>
+        </a:bodyPr>
+        <a:lstStyle/>
+        <a:p>
+          <a:pPr lvl="0" algn="l" defTabSz="577850" rtl="0">
+            <a:lnSpc>
+              <a:spcPct val="90000"/>
+            </a:lnSpc>
+            <a:spcBef>
+              <a:spcPct val="0"/>
+            </a:spcBef>
+            <a:spcAft>
+              <a:spcPct val="35000"/>
+            </a:spcAft>
+          </a:pPr>
+          <a:r>
+            <a:rPr lang="en-US" sz="1300" kern="1200" smtClean="0"/>
+            <a:t>caption: chú thích cho table.</a:t>
+          </a:r>
+          <a:endParaRPr lang="vi-VN" sz="1300" kern="1200"/>
+        </a:p>
+      </dsp:txBody>
+      <dsp:txXfrm>
+        <a:off x="415290" y="1009260"/>
+        <a:ext cx="5814060" cy="383760"/>
+      </dsp:txXfrm>
+    </dsp:sp>
+    <dsp:sp modelId="{2C2F1441-42F9-4B48-A216-6F477BC5088C}">
+      <dsp:nvSpPr>
+        <dsp:cNvPr id="0" name=""/>
+        <dsp:cNvSpPr/>
+      </dsp:nvSpPr>
+      <dsp:spPr>
+        <a:xfrm>
+          <a:off x="0" y="1790820"/>
+          <a:ext cx="8305800" cy="327600"/>
+        </a:xfrm>
+        <a:prstGeom prst="rect">
+          <a:avLst/>
+        </a:prstGeom>
+        <a:solidFill>
+          <a:schemeClr val="lt1">
+            <a:alpha val="90000"/>
+            <a:hueOff val="0"/>
+            <a:satOff val="0"/>
+            <a:lumOff val="0"/>
+            <a:alphaOff val="0"/>
+          </a:schemeClr>
+        </a:solidFill>
+        <a:ln w="25400" cap="flat" cmpd="sng" algn="ctr">
+          <a:solidFill>
+            <a:schemeClr val="accent2">
+              <a:hueOff val="0"/>
+              <a:satOff val="0"/>
+              <a:lumOff val="0"/>
+              <a:alphaOff val="0"/>
+            </a:schemeClr>
+          </a:solidFill>
+          <a:prstDash val="solid"/>
+        </a:ln>
+        <a:effectLst/>
+      </dsp:spPr>
+      <dsp:style>
+        <a:lnRef idx="2">
+          <a:scrgbClr r="0" g="0" b="0"/>
+        </a:lnRef>
+        <a:fillRef idx="1">
+          <a:scrgbClr r="0" g="0" b="0"/>
+        </a:fillRef>
+        <a:effectRef idx="0">
+          <a:scrgbClr r="0" g="0" b="0"/>
+        </a:effectRef>
+        <a:fontRef idx="minor"/>
+      </dsp:style>
+    </dsp:sp>
+    <dsp:sp modelId="{FA0A10C3-122A-4C92-A888-4ABED9A0925B}">
+      <dsp:nvSpPr>
+        <dsp:cNvPr id="0" name=""/>
+        <dsp:cNvSpPr/>
+      </dsp:nvSpPr>
+      <dsp:spPr>
+        <a:xfrm>
+          <a:off x="415290" y="1598940"/>
+          <a:ext cx="5814060" cy="383760"/>
+        </a:xfrm>
+        <a:prstGeom prst="roundRect">
+          <a:avLst/>
+        </a:prstGeom>
+        <a:solidFill>
+          <a:schemeClr val="accent2">
+            <a:hueOff val="0"/>
+            <a:satOff val="0"/>
+            <a:lumOff val="0"/>
+            <a:alphaOff val="0"/>
+          </a:schemeClr>
+        </a:solidFill>
+        <a:ln w="25400" cap="flat" cmpd="sng" algn="ctr">
+          <a:solidFill>
+            <a:schemeClr val="lt1">
+              <a:hueOff val="0"/>
+              <a:satOff val="0"/>
+              <a:lumOff val="0"/>
+              <a:alphaOff val="0"/>
+            </a:schemeClr>
+          </a:solidFill>
+          <a:prstDash val="solid"/>
+        </a:ln>
+        <a:effectLst/>
+      </dsp:spPr>
+      <dsp:style>
+        <a:lnRef idx="2">
+          <a:scrgbClr r="0" g="0" b="0"/>
+        </a:lnRef>
+        <a:fillRef idx="1">
+          <a:scrgbClr r="0" g="0" b="0"/>
+        </a:fillRef>
+        <a:effectRef idx="0">
+          <a:scrgbClr r="0" g="0" b="0"/>
+        </a:effectRef>
+        <a:fontRef idx="minor">
+          <a:schemeClr val="lt1"/>
+        </a:fontRef>
+      </dsp:style>
+      <dsp:txBody>
+        <a:bodyPr spcFirstLastPara="0" vert="horz" wrap="square" lIns="219758" tIns="0" rIns="219758" bIns="0" numCol="1" spcCol="1270" anchor="ctr" anchorCtr="0">
+          <a:noAutofit/>
+        </a:bodyPr>
+        <a:lstStyle/>
+        <a:p>
+          <a:pPr lvl="0" algn="l" defTabSz="577850" rtl="0">
+            <a:lnSpc>
+              <a:spcPct val="90000"/>
+            </a:lnSpc>
+            <a:spcBef>
+              <a:spcPct val="0"/>
+            </a:spcBef>
+            <a:spcAft>
+              <a:spcPct val="35000"/>
+            </a:spcAft>
+          </a:pPr>
+          <a:r>
+            <a:rPr lang="en-US" sz="1300" kern="1200" smtClean="0"/>
+            <a:t>colgroup: nhóm các cột trong 1 bảng để định dạng.</a:t>
+          </a:r>
+          <a:endParaRPr lang="en-US" sz="1300" kern="1200"/>
+        </a:p>
+      </dsp:txBody>
+      <dsp:txXfrm>
+        <a:off x="415290" y="1598940"/>
+        <a:ext cx="5814060" cy="383760"/>
+      </dsp:txXfrm>
+    </dsp:sp>
+    <dsp:sp modelId="{029F7534-DDD0-4988-928E-3B848D63D7F0}">
+      <dsp:nvSpPr>
+        <dsp:cNvPr id="0" name=""/>
+        <dsp:cNvSpPr/>
+      </dsp:nvSpPr>
+      <dsp:spPr>
+        <a:xfrm>
+          <a:off x="0" y="2380500"/>
+          <a:ext cx="8305800" cy="327600"/>
+        </a:xfrm>
+        <a:prstGeom prst="rect">
+          <a:avLst/>
+        </a:prstGeom>
+        <a:solidFill>
+          <a:schemeClr val="lt1">
+            <a:alpha val="90000"/>
+            <a:hueOff val="0"/>
+            <a:satOff val="0"/>
+            <a:lumOff val="0"/>
+            <a:alphaOff val="0"/>
+          </a:schemeClr>
+        </a:solidFill>
+        <a:ln w="25400" cap="flat" cmpd="sng" algn="ctr">
+          <a:solidFill>
+            <a:schemeClr val="accent2">
+              <a:hueOff val="0"/>
+              <a:satOff val="0"/>
+              <a:lumOff val="0"/>
+              <a:alphaOff val="0"/>
+            </a:schemeClr>
+          </a:solidFill>
+          <a:prstDash val="solid"/>
+        </a:ln>
+        <a:effectLst/>
+      </dsp:spPr>
+      <dsp:style>
+        <a:lnRef idx="2">
+          <a:scrgbClr r="0" g="0" b="0"/>
+        </a:lnRef>
+        <a:fillRef idx="1">
+          <a:scrgbClr r="0" g="0" b="0"/>
+        </a:fillRef>
+        <a:effectRef idx="0">
+          <a:scrgbClr r="0" g="0" b="0"/>
+        </a:effectRef>
+        <a:fontRef idx="minor"/>
+      </dsp:style>
+    </dsp:sp>
+    <dsp:sp modelId="{B98AE6BF-5A67-47AB-A6F3-7B2C0C68CD4A}">
+      <dsp:nvSpPr>
+        <dsp:cNvPr id="0" name=""/>
+        <dsp:cNvSpPr/>
+      </dsp:nvSpPr>
+      <dsp:spPr>
+        <a:xfrm>
+          <a:off x="415290" y="2188620"/>
+          <a:ext cx="5814060" cy="383760"/>
+        </a:xfrm>
+        <a:prstGeom prst="roundRect">
+          <a:avLst/>
+        </a:prstGeom>
+        <a:solidFill>
+          <a:schemeClr val="accent2">
+            <a:hueOff val="0"/>
+            <a:satOff val="0"/>
+            <a:lumOff val="0"/>
+            <a:alphaOff val="0"/>
+          </a:schemeClr>
+        </a:solidFill>
+        <a:ln w="25400" cap="flat" cmpd="sng" algn="ctr">
+          <a:solidFill>
+            <a:schemeClr val="lt1">
+              <a:hueOff val="0"/>
+              <a:satOff val="0"/>
+              <a:lumOff val="0"/>
+              <a:alphaOff val="0"/>
+            </a:schemeClr>
+          </a:solidFill>
+          <a:prstDash val="solid"/>
+        </a:ln>
+        <a:effectLst/>
+      </dsp:spPr>
+      <dsp:style>
+        <a:lnRef idx="2">
+          <a:scrgbClr r="0" g="0" b="0"/>
+        </a:lnRef>
+        <a:fillRef idx="1">
+          <a:scrgbClr r="0" g="0" b="0"/>
+        </a:fillRef>
+        <a:effectRef idx="0">
+          <a:scrgbClr r="0" g="0" b="0"/>
+        </a:effectRef>
+        <a:fontRef idx="minor">
+          <a:schemeClr val="lt1"/>
+        </a:fontRef>
+      </dsp:style>
+      <dsp:txBody>
+        <a:bodyPr spcFirstLastPara="0" vert="horz" wrap="square" lIns="219758" tIns="0" rIns="219758" bIns="0" numCol="1" spcCol="1270" anchor="ctr" anchorCtr="0">
+          <a:noAutofit/>
+        </a:bodyPr>
+        <a:lstStyle/>
+        <a:p>
+          <a:pPr lvl="0" algn="l" defTabSz="577850" rtl="0">
+            <a:lnSpc>
+              <a:spcPct val="90000"/>
+            </a:lnSpc>
+            <a:spcBef>
+              <a:spcPct val="0"/>
+            </a:spcBef>
+            <a:spcAft>
+              <a:spcPct val="35000"/>
+            </a:spcAft>
+          </a:pPr>
+          <a:r>
+            <a:rPr lang="en-US" sz="1300" kern="1200" smtClean="0"/>
+            <a:t>col: xác định giá trị thuộc tính cho 1 hay nhiều cột trong bảng.</a:t>
+          </a:r>
+          <a:endParaRPr lang="en-US" sz="1300" kern="1200"/>
+        </a:p>
+      </dsp:txBody>
+      <dsp:txXfrm>
+        <a:off x="415290" y="2188620"/>
+        <a:ext cx="5814060" cy="383760"/>
+      </dsp:txXfrm>
+    </dsp:sp>
+    <dsp:sp modelId="{49D54536-22D0-4127-9143-25C9A2FFBDDD}">
+      <dsp:nvSpPr>
+        <dsp:cNvPr id="0" name=""/>
+        <dsp:cNvSpPr/>
+      </dsp:nvSpPr>
+      <dsp:spPr>
+        <a:xfrm>
+          <a:off x="0" y="2970180"/>
+          <a:ext cx="8305800" cy="327600"/>
+        </a:xfrm>
+        <a:prstGeom prst="rect">
+          <a:avLst/>
+        </a:prstGeom>
+        <a:solidFill>
+          <a:schemeClr val="lt1">
+            <a:alpha val="90000"/>
+            <a:hueOff val="0"/>
+            <a:satOff val="0"/>
+            <a:lumOff val="0"/>
+            <a:alphaOff val="0"/>
+          </a:schemeClr>
+        </a:solidFill>
+        <a:ln w="25400" cap="flat" cmpd="sng" algn="ctr">
+          <a:solidFill>
+            <a:schemeClr val="accent2">
+              <a:hueOff val="0"/>
+              <a:satOff val="0"/>
+              <a:lumOff val="0"/>
+              <a:alphaOff val="0"/>
+            </a:schemeClr>
+          </a:solidFill>
+          <a:prstDash val="solid"/>
+        </a:ln>
+        <a:effectLst/>
+      </dsp:spPr>
+      <dsp:style>
+        <a:lnRef idx="2">
+          <a:scrgbClr r="0" g="0" b="0"/>
+        </a:lnRef>
+        <a:fillRef idx="1">
+          <a:scrgbClr r="0" g="0" b="0"/>
+        </a:fillRef>
+        <a:effectRef idx="0">
+          <a:scrgbClr r="0" g="0" b="0"/>
+        </a:effectRef>
+        <a:fontRef idx="minor"/>
+      </dsp:style>
+    </dsp:sp>
+    <dsp:sp modelId="{E66D434A-56F2-4210-9D3C-8B4113986DA2}">
+      <dsp:nvSpPr>
+        <dsp:cNvPr id="0" name=""/>
+        <dsp:cNvSpPr/>
+      </dsp:nvSpPr>
+      <dsp:spPr>
+        <a:xfrm>
+          <a:off x="415290" y="2778300"/>
+          <a:ext cx="5814060" cy="383760"/>
+        </a:xfrm>
+        <a:prstGeom prst="roundRect">
+          <a:avLst/>
+        </a:prstGeom>
+        <a:solidFill>
+          <a:schemeClr val="accent2">
+            <a:hueOff val="0"/>
+            <a:satOff val="0"/>
+            <a:lumOff val="0"/>
+            <a:alphaOff val="0"/>
+          </a:schemeClr>
+        </a:solidFill>
+        <a:ln w="25400" cap="flat" cmpd="sng" algn="ctr">
+          <a:solidFill>
+            <a:schemeClr val="lt1">
+              <a:hueOff val="0"/>
+              <a:satOff val="0"/>
+              <a:lumOff val="0"/>
+              <a:alphaOff val="0"/>
+            </a:schemeClr>
+          </a:solidFill>
+          <a:prstDash val="solid"/>
+        </a:ln>
+        <a:effectLst/>
+      </dsp:spPr>
+      <dsp:style>
+        <a:lnRef idx="2">
+          <a:scrgbClr r="0" g="0" b="0"/>
+        </a:lnRef>
+        <a:fillRef idx="1">
+          <a:scrgbClr r="0" g="0" b="0"/>
+        </a:fillRef>
+        <a:effectRef idx="0">
+          <a:scrgbClr r="0" g="0" b="0"/>
+        </a:effectRef>
+        <a:fontRef idx="minor">
+          <a:schemeClr val="lt1"/>
+        </a:fontRef>
+      </dsp:style>
+      <dsp:txBody>
+        <a:bodyPr spcFirstLastPara="0" vert="horz" wrap="square" lIns="219758" tIns="0" rIns="219758" bIns="0" numCol="1" spcCol="1270" anchor="ctr" anchorCtr="0">
+          <a:noAutofit/>
+        </a:bodyPr>
+        <a:lstStyle/>
+        <a:p>
+          <a:pPr lvl="0" algn="l" defTabSz="577850" rtl="0">
+            <a:lnSpc>
+              <a:spcPct val="90000"/>
+            </a:lnSpc>
+            <a:spcBef>
+              <a:spcPct val="0"/>
+            </a:spcBef>
+            <a:spcAft>
+              <a:spcPct val="35000"/>
+            </a:spcAft>
+          </a:pPr>
+          <a:r>
+            <a:rPr lang="en-US" sz="1300" kern="1200" smtClean="0"/>
+            <a:t>tbody: gom nhóm các nội dung làm thân của table.</a:t>
+          </a:r>
+          <a:endParaRPr lang="vi-VN" sz="1300" kern="1200"/>
+        </a:p>
+      </dsp:txBody>
+      <dsp:txXfrm>
+        <a:off x="415290" y="2778300"/>
+        <a:ext cx="5814060" cy="383760"/>
+      </dsp:txXfrm>
+    </dsp:sp>
+    <dsp:sp modelId="{E624938F-6B80-4486-A783-0EE41FE3ECC8}">
+      <dsp:nvSpPr>
+        <dsp:cNvPr id="0" name=""/>
+        <dsp:cNvSpPr/>
+      </dsp:nvSpPr>
+      <dsp:spPr>
+        <a:xfrm>
+          <a:off x="0" y="3559860"/>
+          <a:ext cx="8305800" cy="327600"/>
+        </a:xfrm>
+        <a:prstGeom prst="rect">
+          <a:avLst/>
+        </a:prstGeom>
+        <a:solidFill>
+          <a:schemeClr val="lt1">
+            <a:alpha val="90000"/>
+            <a:hueOff val="0"/>
+            <a:satOff val="0"/>
+            <a:lumOff val="0"/>
+            <a:alphaOff val="0"/>
+          </a:schemeClr>
+        </a:solidFill>
+        <a:ln w="25400" cap="flat" cmpd="sng" algn="ctr">
+          <a:solidFill>
+            <a:schemeClr val="accent2">
+              <a:hueOff val="0"/>
+              <a:satOff val="0"/>
+              <a:lumOff val="0"/>
+              <a:alphaOff val="0"/>
+            </a:schemeClr>
+          </a:solidFill>
+          <a:prstDash val="solid"/>
+        </a:ln>
+        <a:effectLst/>
+      </dsp:spPr>
+      <dsp:style>
+        <a:lnRef idx="2">
+          <a:scrgbClr r="0" g="0" b="0"/>
+        </a:lnRef>
+        <a:fillRef idx="1">
+          <a:scrgbClr r="0" g="0" b="0"/>
+        </a:fillRef>
+        <a:effectRef idx="0">
+          <a:scrgbClr r="0" g="0" b="0"/>
+        </a:effectRef>
+        <a:fontRef idx="minor"/>
+      </dsp:style>
+    </dsp:sp>
+    <dsp:sp modelId="{0A548CDA-B4A4-40CC-B87A-4F8DAAA492D4}">
+      <dsp:nvSpPr>
+        <dsp:cNvPr id="0" name=""/>
+        <dsp:cNvSpPr/>
+      </dsp:nvSpPr>
+      <dsp:spPr>
+        <a:xfrm>
+          <a:off x="415290" y="3367980"/>
+          <a:ext cx="5814060" cy="383760"/>
+        </a:xfrm>
+        <a:prstGeom prst="roundRect">
+          <a:avLst/>
+        </a:prstGeom>
+        <a:solidFill>
+          <a:schemeClr val="accent2">
+            <a:hueOff val="0"/>
+            <a:satOff val="0"/>
+            <a:lumOff val="0"/>
+            <a:alphaOff val="0"/>
+          </a:schemeClr>
+        </a:solidFill>
+        <a:ln w="25400" cap="flat" cmpd="sng" algn="ctr">
+          <a:solidFill>
+            <a:schemeClr val="lt1">
+              <a:hueOff val="0"/>
+              <a:satOff val="0"/>
+              <a:lumOff val="0"/>
+              <a:alphaOff val="0"/>
+            </a:schemeClr>
+          </a:solidFill>
+          <a:prstDash val="solid"/>
+        </a:ln>
+        <a:effectLst/>
+      </dsp:spPr>
+      <dsp:style>
+        <a:lnRef idx="2">
+          <a:scrgbClr r="0" g="0" b="0"/>
+        </a:lnRef>
+        <a:fillRef idx="1">
+          <a:scrgbClr r="0" g="0" b="0"/>
+        </a:fillRef>
+        <a:effectRef idx="0">
+          <a:scrgbClr r="0" g="0" b="0"/>
+        </a:effectRef>
+        <a:fontRef idx="minor">
+          <a:schemeClr val="lt1"/>
+        </a:fontRef>
+      </dsp:style>
+      <dsp:txBody>
+        <a:bodyPr spcFirstLastPara="0" vert="horz" wrap="square" lIns="219758" tIns="0" rIns="219758" bIns="0" numCol="1" spcCol="1270" anchor="ctr" anchorCtr="0">
+          <a:noAutofit/>
+        </a:bodyPr>
+        <a:lstStyle/>
+        <a:p>
+          <a:pPr lvl="0" algn="l" defTabSz="577850" rtl="0">
+            <a:lnSpc>
+              <a:spcPct val="90000"/>
+            </a:lnSpc>
+            <a:spcBef>
+              <a:spcPct val="0"/>
+            </a:spcBef>
+            <a:spcAft>
+              <a:spcPct val="35000"/>
+            </a:spcAft>
+          </a:pPr>
+          <a:r>
+            <a:rPr lang="en-US" sz="1300" kern="1200" smtClean="0"/>
+            <a:t>tfoot: gom nhóm các nội dung làm footer của table.</a:t>
+          </a:r>
+          <a:endParaRPr lang="vi-VN" sz="1300" kern="1200"/>
+        </a:p>
+      </dsp:txBody>
+      <dsp:txXfrm>
+        <a:off x="415290" y="3367980"/>
+        <a:ext cx="5814060" cy="383760"/>
+      </dsp:txXfrm>
+    </dsp:sp>
+    <dsp:sp modelId="{1D5C6970-6483-43B8-9D2D-C430ADD74B9F}">
+      <dsp:nvSpPr>
+        <dsp:cNvPr id="0" name=""/>
+        <dsp:cNvSpPr/>
+      </dsp:nvSpPr>
+      <dsp:spPr>
+        <a:xfrm>
+          <a:off x="0" y="4149540"/>
+          <a:ext cx="8305800" cy="327600"/>
+        </a:xfrm>
+        <a:prstGeom prst="rect">
+          <a:avLst/>
+        </a:prstGeom>
+        <a:solidFill>
+          <a:schemeClr val="lt1">
+            <a:alpha val="90000"/>
+            <a:hueOff val="0"/>
+            <a:satOff val="0"/>
+            <a:lumOff val="0"/>
+            <a:alphaOff val="0"/>
+          </a:schemeClr>
+        </a:solidFill>
+        <a:ln w="25400" cap="flat" cmpd="sng" algn="ctr">
+          <a:solidFill>
+            <a:schemeClr val="accent2">
+              <a:hueOff val="0"/>
+              <a:satOff val="0"/>
+              <a:lumOff val="0"/>
+              <a:alphaOff val="0"/>
+            </a:schemeClr>
+          </a:solidFill>
+          <a:prstDash val="solid"/>
+        </a:ln>
+        <a:effectLst/>
+      </dsp:spPr>
+      <dsp:style>
+        <a:lnRef idx="2">
+          <a:scrgbClr r="0" g="0" b="0"/>
+        </a:lnRef>
+        <a:fillRef idx="1">
+          <a:scrgbClr r="0" g="0" b="0"/>
+        </a:fillRef>
+        <a:effectRef idx="0">
+          <a:scrgbClr r="0" g="0" b="0"/>
+        </a:effectRef>
+        <a:fontRef idx="minor"/>
+      </dsp:style>
+    </dsp:sp>
+    <dsp:sp modelId="{F806E387-7F09-4A6C-8BD1-B0B7207E69C6}">
+      <dsp:nvSpPr>
+        <dsp:cNvPr id="0" name=""/>
+        <dsp:cNvSpPr/>
+      </dsp:nvSpPr>
+      <dsp:spPr>
+        <a:xfrm>
+          <a:off x="415290" y="3957660"/>
+          <a:ext cx="5814060" cy="383760"/>
+        </a:xfrm>
+        <a:prstGeom prst="roundRect">
+          <a:avLst/>
+        </a:prstGeom>
+        <a:solidFill>
+          <a:schemeClr val="accent2">
+            <a:hueOff val="0"/>
+            <a:satOff val="0"/>
+            <a:lumOff val="0"/>
+            <a:alphaOff val="0"/>
+          </a:schemeClr>
+        </a:solidFill>
+        <a:ln w="25400" cap="flat" cmpd="sng" algn="ctr">
+          <a:solidFill>
+            <a:schemeClr val="lt1">
+              <a:hueOff val="0"/>
+              <a:satOff val="0"/>
+              <a:lumOff val="0"/>
+              <a:alphaOff val="0"/>
+            </a:schemeClr>
+          </a:solidFill>
+          <a:prstDash val="solid"/>
+        </a:ln>
+        <a:effectLst/>
+      </dsp:spPr>
+      <dsp:style>
+        <a:lnRef idx="2">
+          <a:scrgbClr r="0" g="0" b="0"/>
+        </a:lnRef>
+        <a:fillRef idx="1">
+          <a:scrgbClr r="0" g="0" b="0"/>
+        </a:fillRef>
+        <a:effectRef idx="0">
+          <a:scrgbClr r="0" g="0" b="0"/>
+        </a:effectRef>
+        <a:fontRef idx="minor">
+          <a:schemeClr val="lt1"/>
+        </a:fontRef>
+      </dsp:style>
+      <dsp:txBody>
+        <a:bodyPr spcFirstLastPara="0" vert="horz" wrap="square" lIns="219758" tIns="0" rIns="219758" bIns="0" numCol="1" spcCol="1270" anchor="ctr" anchorCtr="0">
+          <a:noAutofit/>
+        </a:bodyPr>
+        <a:lstStyle/>
+        <a:p>
+          <a:pPr lvl="0" algn="l" defTabSz="577850" rtl="0">
+            <a:lnSpc>
+              <a:spcPct val="90000"/>
+            </a:lnSpc>
+            <a:spcBef>
+              <a:spcPct val="0"/>
+            </a:spcBef>
+            <a:spcAft>
+              <a:spcPct val="35000"/>
+            </a:spcAft>
+          </a:pPr>
+          <a:r>
+            <a:rPr lang="en-US" sz="1300" kern="1200" smtClean="0"/>
+            <a:t>thead: gom </a:t>
+          </a:r>
+          <a:r>
+            <a:rPr lang="vi-VN" sz="1300" kern="1200" smtClean="0"/>
+            <a:t>nhóm các nội dung làm tiêu đề cho table</a:t>
+          </a:r>
+          <a:r>
+            <a:rPr lang="en-US" sz="1300" kern="1200" smtClean="0"/>
+            <a:t>.</a:t>
+          </a:r>
+          <a:endParaRPr lang="en-US" sz="1300" kern="1200"/>
+        </a:p>
+      </dsp:txBody>
+      <dsp:txXfrm>
+        <a:off x="415290" y="3957660"/>
+        <a:ext cx="5814060" cy="383760"/>
+      </dsp:txXfrm>
+    </dsp:sp>
+    <dsp:sp modelId="{071F519A-7A0C-4585-BC44-EA6625E32473}">
+      <dsp:nvSpPr>
+        <dsp:cNvPr id="0" name=""/>
+        <dsp:cNvSpPr/>
+      </dsp:nvSpPr>
+      <dsp:spPr>
+        <a:xfrm>
+          <a:off x="0" y="4739220"/>
+          <a:ext cx="8305800" cy="327600"/>
+        </a:xfrm>
+        <a:prstGeom prst="rect">
+          <a:avLst/>
+        </a:prstGeom>
+        <a:solidFill>
+          <a:schemeClr val="lt1">
+            <a:alpha val="90000"/>
+            <a:hueOff val="0"/>
+            <a:satOff val="0"/>
+            <a:lumOff val="0"/>
+            <a:alphaOff val="0"/>
+          </a:schemeClr>
+        </a:solidFill>
+        <a:ln w="25400" cap="flat" cmpd="sng" algn="ctr">
+          <a:solidFill>
+            <a:schemeClr val="accent2">
+              <a:hueOff val="0"/>
+              <a:satOff val="0"/>
+              <a:lumOff val="0"/>
+              <a:alphaOff val="0"/>
+            </a:schemeClr>
+          </a:solidFill>
+          <a:prstDash val="solid"/>
+        </a:ln>
+        <a:effectLst/>
+      </dsp:spPr>
+      <dsp:style>
+        <a:lnRef idx="2">
+          <a:scrgbClr r="0" g="0" b="0"/>
+        </a:lnRef>
+        <a:fillRef idx="1">
+          <a:scrgbClr r="0" g="0" b="0"/>
+        </a:fillRef>
+        <a:effectRef idx="0">
+          <a:scrgbClr r="0" g="0" b="0"/>
+        </a:effectRef>
+        <a:fontRef idx="minor"/>
+      </dsp:style>
+    </dsp:sp>
+    <dsp:sp modelId="{3959907F-6F30-40AC-9C8F-AA59C5142BF3}">
+      <dsp:nvSpPr>
+        <dsp:cNvPr id="0" name=""/>
+        <dsp:cNvSpPr/>
+      </dsp:nvSpPr>
+      <dsp:spPr>
+        <a:xfrm>
+          <a:off x="415290" y="4547340"/>
+          <a:ext cx="5814060" cy="383760"/>
+        </a:xfrm>
+        <a:prstGeom prst="roundRect">
+          <a:avLst/>
+        </a:prstGeom>
+        <a:solidFill>
+          <a:schemeClr val="accent2">
+            <a:hueOff val="0"/>
+            <a:satOff val="0"/>
+            <a:lumOff val="0"/>
+            <a:alphaOff val="0"/>
+          </a:schemeClr>
+        </a:solidFill>
+        <a:ln w="25400" cap="flat" cmpd="sng" algn="ctr">
+          <a:solidFill>
+            <a:schemeClr val="lt1">
+              <a:hueOff val="0"/>
+              <a:satOff val="0"/>
+              <a:lumOff val="0"/>
+              <a:alphaOff val="0"/>
+            </a:schemeClr>
+          </a:solidFill>
+          <a:prstDash val="solid"/>
+        </a:ln>
+        <a:effectLst/>
+      </dsp:spPr>
+      <dsp:style>
+        <a:lnRef idx="2">
+          <a:scrgbClr r="0" g="0" b="0"/>
+        </a:lnRef>
+        <a:fillRef idx="1">
+          <a:scrgbClr r="0" g="0" b="0"/>
+        </a:fillRef>
+        <a:effectRef idx="0">
+          <a:scrgbClr r="0" g="0" b="0"/>
+        </a:effectRef>
+        <a:fontRef idx="minor">
+          <a:schemeClr val="lt1"/>
+        </a:fontRef>
+      </dsp:style>
+      <dsp:txBody>
+        <a:bodyPr spcFirstLastPara="0" vert="horz" wrap="square" lIns="219758" tIns="0" rIns="219758" bIns="0" numCol="1" spcCol="1270" anchor="ctr" anchorCtr="0">
+          <a:noAutofit/>
+        </a:bodyPr>
+        <a:lstStyle/>
+        <a:p>
+          <a:pPr lvl="0" algn="l" defTabSz="577850" rtl="0">
+            <a:lnSpc>
+              <a:spcPct val="90000"/>
+            </a:lnSpc>
+            <a:spcBef>
+              <a:spcPct val="0"/>
+            </a:spcBef>
+            <a:spcAft>
+              <a:spcPct val="35000"/>
+            </a:spcAft>
+          </a:pPr>
+          <a:r>
+            <a:rPr lang="en-US" sz="1300" kern="1200" smtClean="0"/>
+            <a:t>tr &amp; td: định nghĩa 1 hàng và 1 ô trong table.</a:t>
+          </a:r>
+          <a:endParaRPr lang="vi-VN" sz="1300" kern="1200"/>
+        </a:p>
+      </dsp:txBody>
+      <dsp:txXfrm>
+        <a:off x="415290" y="4547340"/>
+        <a:ext cx="5814060" cy="383760"/>
       </dsp:txXfrm>
     </dsp:sp>
   </dsp:spTree>
@@ -5498,6 +8435,231 @@
 </dgm:layoutDef>
 </file>
 
+<file path=ppt/diagrams/layout3.xml><?xml version="1.0" encoding="utf-8"?>
+<dgm:layoutDef xmlns:dgm="http://schemas.openxmlformats.org/drawingml/2006/diagram" xmlns:a="http://schemas.openxmlformats.org/drawingml/2006/main" uniqueId="urn:microsoft.com/office/officeart/2005/8/layout/list1">
+  <dgm:title val=""/>
+  <dgm:desc val=""/>
+  <dgm:catLst>
+    <dgm:cat type="list" pri="4000"/>
+  </dgm:catLst>
+  <dgm:sampData>
+    <dgm:dataModel>
+      <dgm:ptLst>
+        <dgm:pt modelId="0" type="doc"/>
+        <dgm:pt modelId="1">
+          <dgm:prSet phldr="1"/>
+        </dgm:pt>
+        <dgm:pt modelId="2">
+          <dgm:prSet phldr="1"/>
+        </dgm:pt>
+        <dgm:pt modelId="3">
+          <dgm:prSet phldr="1"/>
+        </dgm:pt>
+      </dgm:ptLst>
+      <dgm:cxnLst>
+        <dgm:cxn modelId="4" srcId="0" destId="1" srcOrd="0" destOrd="0"/>
+        <dgm:cxn modelId="5" srcId="0" destId="2" srcOrd="1" destOrd="0"/>
+        <dgm:cxn modelId="6" srcId="0" destId="3" srcOrd="2" destOrd="0"/>
+      </dgm:cxnLst>
+      <dgm:bg/>
+      <dgm:whole/>
+    </dgm:dataModel>
+  </dgm:sampData>
+  <dgm:styleData>
+    <dgm:dataModel>
+      <dgm:ptLst>
+        <dgm:pt modelId="0" type="doc"/>
+        <dgm:pt modelId="1"/>
+        <dgm:pt modelId="2"/>
+      </dgm:ptLst>
+      <dgm:cxnLst>
+        <dgm:cxn modelId="4" srcId="0" destId="1" srcOrd="0" destOrd="0"/>
+        <dgm:cxn modelId="5" srcId="0" destId="2" srcOrd="1" destOrd="0"/>
+      </dgm:cxnLst>
+      <dgm:bg/>
+      <dgm:whole/>
+    </dgm:dataModel>
+  </dgm:styleData>
+  <dgm:clrData>
+    <dgm:dataModel>
+      <dgm:ptLst>
+        <dgm:pt modelId="0" type="doc"/>
+        <dgm:pt modelId="1"/>
+        <dgm:pt modelId="2"/>
+        <dgm:pt modelId="3"/>
+        <dgm:pt modelId="4"/>
+      </dgm:ptLst>
+      <dgm:cxnLst>
+        <dgm:cxn modelId="5" srcId="0" destId="1" srcOrd="0" destOrd="0"/>
+        <dgm:cxn modelId="6" srcId="0" destId="2" srcOrd="1" destOrd="0"/>
+        <dgm:cxn modelId="7" srcId="0" destId="3" srcOrd="2" destOrd="0"/>
+        <dgm:cxn modelId="8" srcId="0" destId="4" srcOrd="3" destOrd="0"/>
+      </dgm:cxnLst>
+      <dgm:bg/>
+      <dgm:whole/>
+    </dgm:dataModel>
+  </dgm:clrData>
+  <dgm:layoutNode name="linear">
+    <dgm:varLst>
+      <dgm:dir/>
+      <dgm:animLvl val="lvl"/>
+      <dgm:resizeHandles val="exact"/>
+    </dgm:varLst>
+    <dgm:choose name="Name0">
+      <dgm:if name="Name1" func="var" arg="dir" op="equ" val="norm">
+        <dgm:alg type="lin">
+          <dgm:param type="linDir" val="fromT"/>
+          <dgm:param type="vertAlign" val="mid"/>
+          <dgm:param type="horzAlign" val="l"/>
+          <dgm:param type="nodeHorzAlign" val="l"/>
+        </dgm:alg>
+      </dgm:if>
+      <dgm:else name="Name2">
+        <dgm:alg type="lin">
+          <dgm:param type="linDir" val="fromT"/>
+          <dgm:param type="vertAlign" val="mid"/>
+          <dgm:param type="horzAlign" val="r"/>
+          <dgm:param type="nodeHorzAlign" val="r"/>
+        </dgm:alg>
+      </dgm:else>
+    </dgm:choose>
+    <dgm:shape xmlns:r="http://schemas.openxmlformats.org/officeDocument/2006/relationships" r:blip="">
+      <dgm:adjLst/>
+    </dgm:shape>
+    <dgm:presOf/>
+    <dgm:constrLst>
+      <dgm:constr type="w" for="ch" forName="parentLin" refType="w"/>
+      <dgm:constr type="h" for="ch" forName="parentLin" val="INF"/>
+      <dgm:constr type="w" for="des" forName="parentLeftMargin" refType="w" fact="0.05"/>
+      <dgm:constr type="w" for="des" forName="parentText" refType="w" fact="0.7"/>
+      <dgm:constr type="h" for="des" forName="parentText" refType="primFontSz" refFor="des" refForName="parentText" fact="0.82"/>
+      <dgm:constr type="h" for="ch" forName="negativeSpace" refType="primFontSz" refFor="des" refForName="parentText" fact="-0.41"/>
+      <dgm:constr type="h" for="ch" forName="negativeSpace" refType="h" refFor="des" refForName="parentText" op="lte" fact="-0.82"/>
+      <dgm:constr type="h" for="ch" forName="negativeSpace" refType="h" refFor="des" refForName="parentText" op="gte" fact="-0.82"/>
+      <dgm:constr type="w" for="ch" forName="childText" refType="w"/>
+      <dgm:constr type="h" for="ch" forName="childText" refType="primFontSz" refFor="des" refForName="parentText" fact="0.7"/>
+      <dgm:constr type="primFontSz" for="des" forName="parentText" val="65"/>
+      <dgm:constr type="primFontSz" for="ch" forName="childText" refType="primFontSz" refFor="des" refForName="parentText"/>
+      <dgm:constr type="tMarg" for="ch" forName="childText" refType="primFontSz" refFor="des" refForName="parentText" fact="1.64"/>
+      <dgm:constr type="tMarg" for="ch" forName="childText" refType="h" refFor="des" refForName="parentText" op="lte" fact="3.28"/>
+      <dgm:constr type="tMarg" for="ch" forName="childText" refType="h" refFor="des" refForName="parentText" op="gte" fact="3.28"/>
+      <dgm:constr type="lMarg" for="ch" forName="childText" refType="w" fact="0.22"/>
+      <dgm:constr type="rMarg" for="ch" forName="childText" refType="lMarg" refFor="ch" refForName="childText"/>
+      <dgm:constr type="lMarg" for="des" forName="parentText" refType="w" fact="0.075"/>
+      <dgm:constr type="rMarg" for="des" forName="parentText" refType="lMarg" refFor="des" refForName="parentText"/>
+      <dgm:constr type="h" for="ch" forName="spaceBetweenRectangles" refType="primFontSz" refFor="des" refForName="parentText" fact="0.15"/>
+    </dgm:constrLst>
+    <dgm:ruleLst>
+      <dgm:rule type="primFontSz" for="des" forName="parentText" val="5" fact="NaN" max="NaN"/>
+    </dgm:ruleLst>
+    <dgm:forEach name="Name3" axis="ch" ptType="node">
+      <dgm:layoutNode name="parentLin">
+        <dgm:choose name="Name4">
+          <dgm:if name="Name5" func="var" arg="dir" op="equ" val="norm">
+            <dgm:alg type="lin">
+              <dgm:param type="linDir" val="fromL"/>
+              <dgm:param type="horzAlign" val="l"/>
+              <dgm:param type="nodeHorzAlign" val="l"/>
+            </dgm:alg>
+          </dgm:if>
+          <dgm:else name="Name6">
+            <dgm:alg type="lin">
+              <dgm:param type="linDir" val="fromR"/>
+              <dgm:param type="horzAlign" val="r"/>
+              <dgm:param type="nodeHorzAlign" val="r"/>
+            </dgm:alg>
+          </dgm:else>
+        </dgm:choose>
+        <dgm:shape xmlns:r="http://schemas.openxmlformats.org/officeDocument/2006/relationships" r:blip="">
+          <dgm:adjLst/>
+        </dgm:shape>
+        <dgm:presOf/>
+        <dgm:constrLst/>
+        <dgm:ruleLst/>
+        <dgm:layoutNode name="parentLeftMargin">
+          <dgm:alg type="sp"/>
+          <dgm:shape xmlns:r="http://schemas.openxmlformats.org/officeDocument/2006/relationships" type="rect" r:blip="" hideGeom="1">
+            <dgm:adjLst/>
+          </dgm:shape>
+          <dgm:presOf axis="self"/>
+          <dgm:constrLst>
+            <dgm:constr type="h"/>
+          </dgm:constrLst>
+          <dgm:ruleLst/>
+        </dgm:layoutNode>
+        <dgm:layoutNode name="parentText" styleLbl="node1">
+          <dgm:varLst>
+            <dgm:chMax val="0"/>
+            <dgm:bulletEnabled val="1"/>
+          </dgm:varLst>
+          <dgm:choose name="Name7">
+            <dgm:if name="Name8" func="var" arg="dir" op="equ" val="norm">
+              <dgm:alg type="tx">
+                <dgm:param type="parTxLTRAlign" val="l"/>
+                <dgm:param type="parTxRTLAlign" val="l"/>
+              </dgm:alg>
+            </dgm:if>
+            <dgm:else name="Name9">
+              <dgm:alg type="tx">
+                <dgm:param type="parTxLTRAlign" val="r"/>
+                <dgm:param type="parTxRTLAlign" val="r"/>
+              </dgm:alg>
+            </dgm:else>
+          </dgm:choose>
+          <dgm:shape xmlns:r="http://schemas.openxmlformats.org/officeDocument/2006/relationships" type="roundRect" r:blip="">
+            <dgm:adjLst/>
+          </dgm:shape>
+          <dgm:presOf axis="self" ptType="node"/>
+          <dgm:constrLst>
+            <dgm:constr type="tMarg"/>
+            <dgm:constr type="bMarg"/>
+          </dgm:constrLst>
+          <dgm:ruleLst/>
+        </dgm:layoutNode>
+      </dgm:layoutNode>
+      <dgm:layoutNode name="negativeSpace">
+        <dgm:alg type="sp"/>
+        <dgm:shape xmlns:r="http://schemas.openxmlformats.org/officeDocument/2006/relationships" r:blip="">
+          <dgm:adjLst/>
+        </dgm:shape>
+        <dgm:presOf/>
+        <dgm:constrLst/>
+        <dgm:ruleLst/>
+      </dgm:layoutNode>
+      <dgm:layoutNode name="childText" styleLbl="conFgAcc1">
+        <dgm:varLst>
+          <dgm:bulletEnabled val="1"/>
+        </dgm:varLst>
+        <dgm:alg type="tx">
+          <dgm:param type="stBulletLvl" val="1"/>
+        </dgm:alg>
+        <dgm:shape xmlns:r="http://schemas.openxmlformats.org/officeDocument/2006/relationships" type="rect" r:blip="" zOrderOff="-2">
+          <dgm:adjLst/>
+        </dgm:shape>
+        <dgm:presOf axis="des" ptType="node"/>
+        <dgm:constrLst>
+          <dgm:constr type="secFontSz" refType="primFontSz"/>
+        </dgm:constrLst>
+        <dgm:ruleLst>
+          <dgm:rule type="h" val="INF" fact="NaN" max="NaN"/>
+        </dgm:ruleLst>
+      </dgm:layoutNode>
+      <dgm:forEach name="Name10" axis="followSib" ptType="sibTrans" cnt="1">
+        <dgm:layoutNode name="spaceBetweenRectangles">
+          <dgm:alg type="sp"/>
+          <dgm:shape xmlns:r="http://schemas.openxmlformats.org/officeDocument/2006/relationships" r:blip="">
+            <dgm:adjLst/>
+          </dgm:shape>
+          <dgm:presOf/>
+          <dgm:constrLst/>
+          <dgm:ruleLst/>
+        </dgm:layoutNode>
+      </dgm:forEach>
+    </dgm:forEach>
+  </dgm:layoutNode>
+</dgm:layoutDef>
+</file>
+
 <file path=ppt/diagrams/quickStyle1.xml><?xml version="1.0" encoding="utf-8"?>
 <dgm:styleDef xmlns:dgm="http://schemas.openxmlformats.org/drawingml/2006/diagram" xmlns:a="http://schemas.openxmlformats.org/drawingml/2006/main" uniqueId="urn:microsoft.com/office/officeart/2005/8/quickstyle/simple2">
   <dgm:title val=""/>
@@ -7564,6 +10726,1040 @@
         <a:scrgbClr r="0" g="0" b="0"/>
       </a:fillRef>
       <a:effectRef idx="1">
+        <a:scrgbClr r="0" g="0" b="0"/>
+      </a:effectRef>
+      <a:fontRef idx="minor"/>
+    </dgm:style>
+  </dgm:styleLbl>
+  <dgm:styleLbl name="revTx">
+    <dgm:scene3d>
+      <a:camera prst="orthographicFront"/>
+      <a:lightRig rig="threePt" dir="t"/>
+    </dgm:scene3d>
+    <dgm:sp3d/>
+    <dgm:txPr/>
+    <dgm:style>
+      <a:lnRef idx="0">
+        <a:scrgbClr r="0" g="0" b="0"/>
+      </a:lnRef>
+      <a:fillRef idx="0">
+        <a:scrgbClr r="0" g="0" b="0"/>
+      </a:fillRef>
+      <a:effectRef idx="0">
+        <a:scrgbClr r="0" g="0" b="0"/>
+      </a:effectRef>
+      <a:fontRef idx="minor"/>
+    </dgm:style>
+  </dgm:styleLbl>
+</dgm:styleDef>
+</file>
+
+<file path=ppt/diagrams/quickStyle3.xml><?xml version="1.0" encoding="utf-8"?>
+<dgm:styleDef xmlns:dgm="http://schemas.openxmlformats.org/drawingml/2006/diagram" xmlns:a="http://schemas.openxmlformats.org/drawingml/2006/main" uniqueId="urn:microsoft.com/office/officeart/2005/8/quickstyle/simple1">
+  <dgm:title val=""/>
+  <dgm:desc val=""/>
+  <dgm:catLst>
+    <dgm:cat type="simple" pri="10100"/>
+  </dgm:catLst>
+  <dgm:scene3d>
+    <a:camera prst="orthographicFront"/>
+    <a:lightRig rig="threePt" dir="t"/>
+  </dgm:scene3d>
+  <dgm:styleLbl name="node0">
+    <dgm:scene3d>
+      <a:camera prst="orthographicFront"/>
+      <a:lightRig rig="threePt" dir="t"/>
+    </dgm:scene3d>
+    <dgm:sp3d/>
+    <dgm:txPr/>
+    <dgm:style>
+      <a:lnRef idx="2">
+        <a:scrgbClr r="0" g="0" b="0"/>
+      </a:lnRef>
+      <a:fillRef idx="1">
+        <a:scrgbClr r="0" g="0" b="0"/>
+      </a:fillRef>
+      <a:effectRef idx="0">
+        <a:scrgbClr r="0" g="0" b="0"/>
+      </a:effectRef>
+      <a:fontRef idx="minor">
+        <a:schemeClr val="lt1"/>
+      </a:fontRef>
+    </dgm:style>
+  </dgm:styleLbl>
+  <dgm:styleLbl name="lnNode1">
+    <dgm:scene3d>
+      <a:camera prst="orthographicFront"/>
+      <a:lightRig rig="threePt" dir="t"/>
+    </dgm:scene3d>
+    <dgm:sp3d/>
+    <dgm:txPr/>
+    <dgm:style>
+      <a:lnRef idx="2">
+        <a:scrgbClr r="0" g="0" b="0"/>
+      </a:lnRef>
+      <a:fillRef idx="1">
+        <a:scrgbClr r="0" g="0" b="0"/>
+      </a:fillRef>
+      <a:effectRef idx="0">
+        <a:scrgbClr r="0" g="0" b="0"/>
+      </a:effectRef>
+      <a:fontRef idx="minor">
+        <a:schemeClr val="lt1"/>
+      </a:fontRef>
+    </dgm:style>
+  </dgm:styleLbl>
+  <dgm:styleLbl name="vennNode1">
+    <dgm:scene3d>
+      <a:camera prst="orthographicFront"/>
+      <a:lightRig rig="threePt" dir="t"/>
+    </dgm:scene3d>
+    <dgm:sp3d/>
+    <dgm:txPr/>
+    <dgm:style>
+      <a:lnRef idx="2">
+        <a:scrgbClr r="0" g="0" b="0"/>
+      </a:lnRef>
+      <a:fillRef idx="1">
+        <a:scrgbClr r="0" g="0" b="0"/>
+      </a:fillRef>
+      <a:effectRef idx="0">
+        <a:scrgbClr r="0" g="0" b="0"/>
+      </a:effectRef>
+      <a:fontRef idx="minor">
+        <a:schemeClr val="tx1"/>
+      </a:fontRef>
+    </dgm:style>
+  </dgm:styleLbl>
+  <dgm:styleLbl name="alignNode1">
+    <dgm:scene3d>
+      <a:camera prst="orthographicFront"/>
+      <a:lightRig rig="threePt" dir="t"/>
+    </dgm:scene3d>
+    <dgm:sp3d/>
+    <dgm:txPr/>
+    <dgm:style>
+      <a:lnRef idx="2">
+        <a:scrgbClr r="0" g="0" b="0"/>
+      </a:lnRef>
+      <a:fillRef idx="1">
+        <a:scrgbClr r="0" g="0" b="0"/>
+      </a:fillRef>
+      <a:effectRef idx="0">
+        <a:scrgbClr r="0" g="0" b="0"/>
+      </a:effectRef>
+      <a:fontRef idx="minor">
+        <a:schemeClr val="lt1"/>
+      </a:fontRef>
+    </dgm:style>
+  </dgm:styleLbl>
+  <dgm:styleLbl name="node1">
+    <dgm:scene3d>
+      <a:camera prst="orthographicFront"/>
+      <a:lightRig rig="threePt" dir="t"/>
+    </dgm:scene3d>
+    <dgm:sp3d/>
+    <dgm:txPr/>
+    <dgm:style>
+      <a:lnRef idx="2">
+        <a:scrgbClr r="0" g="0" b="0"/>
+      </a:lnRef>
+      <a:fillRef idx="1">
+        <a:scrgbClr r="0" g="0" b="0"/>
+      </a:fillRef>
+      <a:effectRef idx="0">
+        <a:scrgbClr r="0" g="0" b="0"/>
+      </a:effectRef>
+      <a:fontRef idx="minor">
+        <a:schemeClr val="lt1"/>
+      </a:fontRef>
+    </dgm:style>
+  </dgm:styleLbl>
+  <dgm:styleLbl name="node2">
+    <dgm:scene3d>
+      <a:camera prst="orthographicFront"/>
+      <a:lightRig rig="threePt" dir="t"/>
+    </dgm:scene3d>
+    <dgm:sp3d/>
+    <dgm:txPr/>
+    <dgm:style>
+      <a:lnRef idx="2">
+        <a:scrgbClr r="0" g="0" b="0"/>
+      </a:lnRef>
+      <a:fillRef idx="1">
+        <a:scrgbClr r="0" g="0" b="0"/>
+      </a:fillRef>
+      <a:effectRef idx="0">
+        <a:scrgbClr r="0" g="0" b="0"/>
+      </a:effectRef>
+      <a:fontRef idx="minor">
+        <a:schemeClr val="lt1"/>
+      </a:fontRef>
+    </dgm:style>
+  </dgm:styleLbl>
+  <dgm:styleLbl name="node3">
+    <dgm:scene3d>
+      <a:camera prst="orthographicFront"/>
+      <a:lightRig rig="threePt" dir="t"/>
+    </dgm:scene3d>
+    <dgm:sp3d/>
+    <dgm:txPr/>
+    <dgm:style>
+      <a:lnRef idx="2">
+        <a:scrgbClr r="0" g="0" b="0"/>
+      </a:lnRef>
+      <a:fillRef idx="1">
+        <a:scrgbClr r="0" g="0" b="0"/>
+      </a:fillRef>
+      <a:effectRef idx="0">
+        <a:scrgbClr r="0" g="0" b="0"/>
+      </a:effectRef>
+      <a:fontRef idx="minor">
+        <a:schemeClr val="lt1"/>
+      </a:fontRef>
+    </dgm:style>
+  </dgm:styleLbl>
+  <dgm:styleLbl name="node4">
+    <dgm:scene3d>
+      <a:camera prst="orthographicFront"/>
+      <a:lightRig rig="threePt" dir="t"/>
+    </dgm:scene3d>
+    <dgm:sp3d/>
+    <dgm:txPr/>
+    <dgm:style>
+      <a:lnRef idx="2">
+        <a:scrgbClr r="0" g="0" b="0"/>
+      </a:lnRef>
+      <a:fillRef idx="1">
+        <a:scrgbClr r="0" g="0" b="0"/>
+      </a:fillRef>
+      <a:effectRef idx="0">
+        <a:scrgbClr r="0" g="0" b="0"/>
+      </a:effectRef>
+      <a:fontRef idx="minor">
+        <a:schemeClr val="lt1"/>
+      </a:fontRef>
+    </dgm:style>
+  </dgm:styleLbl>
+  <dgm:styleLbl name="fgImgPlace1">
+    <dgm:scene3d>
+      <a:camera prst="orthographicFront"/>
+      <a:lightRig rig="threePt" dir="t"/>
+    </dgm:scene3d>
+    <dgm:sp3d/>
+    <dgm:txPr/>
+    <dgm:style>
+      <a:lnRef idx="2">
+        <a:scrgbClr r="0" g="0" b="0"/>
+      </a:lnRef>
+      <a:fillRef idx="1">
+        <a:scrgbClr r="0" g="0" b="0"/>
+      </a:fillRef>
+      <a:effectRef idx="0">
+        <a:scrgbClr r="0" g="0" b="0"/>
+      </a:effectRef>
+      <a:fontRef idx="minor"/>
+    </dgm:style>
+  </dgm:styleLbl>
+  <dgm:styleLbl name="alignImgPlace1">
+    <dgm:scene3d>
+      <a:camera prst="orthographicFront"/>
+      <a:lightRig rig="threePt" dir="t"/>
+    </dgm:scene3d>
+    <dgm:sp3d/>
+    <dgm:txPr/>
+    <dgm:style>
+      <a:lnRef idx="2">
+        <a:scrgbClr r="0" g="0" b="0"/>
+      </a:lnRef>
+      <a:fillRef idx="1">
+        <a:scrgbClr r="0" g="0" b="0"/>
+      </a:fillRef>
+      <a:effectRef idx="0">
+        <a:scrgbClr r="0" g="0" b="0"/>
+      </a:effectRef>
+      <a:fontRef idx="minor"/>
+    </dgm:style>
+  </dgm:styleLbl>
+  <dgm:styleLbl name="bgImgPlace1">
+    <dgm:scene3d>
+      <a:camera prst="orthographicFront"/>
+      <a:lightRig rig="threePt" dir="t"/>
+    </dgm:scene3d>
+    <dgm:sp3d/>
+    <dgm:txPr/>
+    <dgm:style>
+      <a:lnRef idx="2">
+        <a:scrgbClr r="0" g="0" b="0"/>
+      </a:lnRef>
+      <a:fillRef idx="1">
+        <a:scrgbClr r="0" g="0" b="0"/>
+      </a:fillRef>
+      <a:effectRef idx="0">
+        <a:scrgbClr r="0" g="0" b="0"/>
+      </a:effectRef>
+      <a:fontRef idx="minor"/>
+    </dgm:style>
+  </dgm:styleLbl>
+  <dgm:styleLbl name="sibTrans2D1">
+    <dgm:scene3d>
+      <a:camera prst="orthographicFront"/>
+      <a:lightRig rig="threePt" dir="t"/>
+    </dgm:scene3d>
+    <dgm:sp3d/>
+    <dgm:txPr/>
+    <dgm:style>
+      <a:lnRef idx="0">
+        <a:scrgbClr r="0" g="0" b="0"/>
+      </a:lnRef>
+      <a:fillRef idx="1">
+        <a:scrgbClr r="0" g="0" b="0"/>
+      </a:fillRef>
+      <a:effectRef idx="0">
+        <a:scrgbClr r="0" g="0" b="0"/>
+      </a:effectRef>
+      <a:fontRef idx="minor">
+        <a:schemeClr val="lt1"/>
+      </a:fontRef>
+    </dgm:style>
+  </dgm:styleLbl>
+  <dgm:styleLbl name="fgSibTrans2D1">
+    <dgm:scene3d>
+      <a:camera prst="orthographicFront"/>
+      <a:lightRig rig="threePt" dir="t"/>
+    </dgm:scene3d>
+    <dgm:sp3d/>
+    <dgm:txPr/>
+    <dgm:style>
+      <a:lnRef idx="0">
+        <a:scrgbClr r="0" g="0" b="0"/>
+      </a:lnRef>
+      <a:fillRef idx="1">
+        <a:scrgbClr r="0" g="0" b="0"/>
+      </a:fillRef>
+      <a:effectRef idx="0">
+        <a:scrgbClr r="0" g="0" b="0"/>
+      </a:effectRef>
+      <a:fontRef idx="minor">
+        <a:schemeClr val="lt1"/>
+      </a:fontRef>
+    </dgm:style>
+  </dgm:styleLbl>
+  <dgm:styleLbl name="bgSibTrans2D1">
+    <dgm:scene3d>
+      <a:camera prst="orthographicFront"/>
+      <a:lightRig rig="threePt" dir="t"/>
+    </dgm:scene3d>
+    <dgm:sp3d/>
+    <dgm:txPr/>
+    <dgm:style>
+      <a:lnRef idx="0">
+        <a:scrgbClr r="0" g="0" b="0"/>
+      </a:lnRef>
+      <a:fillRef idx="1">
+        <a:scrgbClr r="0" g="0" b="0"/>
+      </a:fillRef>
+      <a:effectRef idx="0">
+        <a:scrgbClr r="0" g="0" b="0"/>
+      </a:effectRef>
+      <a:fontRef idx="minor">
+        <a:schemeClr val="lt1"/>
+      </a:fontRef>
+    </dgm:style>
+  </dgm:styleLbl>
+  <dgm:styleLbl name="sibTrans1D1">
+    <dgm:scene3d>
+      <a:camera prst="orthographicFront"/>
+      <a:lightRig rig="threePt" dir="t"/>
+    </dgm:scene3d>
+    <dgm:sp3d/>
+    <dgm:txPr/>
+    <dgm:style>
+      <a:lnRef idx="1">
+        <a:scrgbClr r="0" g="0" b="0"/>
+      </a:lnRef>
+      <a:fillRef idx="0">
+        <a:scrgbClr r="0" g="0" b="0"/>
+      </a:fillRef>
+      <a:effectRef idx="0">
+        <a:scrgbClr r="0" g="0" b="0"/>
+      </a:effectRef>
+      <a:fontRef idx="minor"/>
+    </dgm:style>
+  </dgm:styleLbl>
+  <dgm:styleLbl name="callout">
+    <dgm:scene3d>
+      <a:camera prst="orthographicFront"/>
+      <a:lightRig rig="threePt" dir="t"/>
+    </dgm:scene3d>
+    <dgm:sp3d/>
+    <dgm:txPr/>
+    <dgm:style>
+      <a:lnRef idx="2">
+        <a:scrgbClr r="0" g="0" b="0"/>
+      </a:lnRef>
+      <a:fillRef idx="1">
+        <a:scrgbClr r="0" g="0" b="0"/>
+      </a:fillRef>
+      <a:effectRef idx="0">
+        <a:scrgbClr r="0" g="0" b="0"/>
+      </a:effectRef>
+      <a:fontRef idx="minor"/>
+    </dgm:style>
+  </dgm:styleLbl>
+  <dgm:styleLbl name="asst0">
+    <dgm:scene3d>
+      <a:camera prst="orthographicFront"/>
+      <a:lightRig rig="threePt" dir="t"/>
+    </dgm:scene3d>
+    <dgm:sp3d/>
+    <dgm:txPr/>
+    <dgm:style>
+      <a:lnRef idx="2">
+        <a:scrgbClr r="0" g="0" b="0"/>
+      </a:lnRef>
+      <a:fillRef idx="1">
+        <a:scrgbClr r="0" g="0" b="0"/>
+      </a:fillRef>
+      <a:effectRef idx="0">
+        <a:scrgbClr r="0" g="0" b="0"/>
+      </a:effectRef>
+      <a:fontRef idx="minor">
+        <a:schemeClr val="lt1"/>
+      </a:fontRef>
+    </dgm:style>
+  </dgm:styleLbl>
+  <dgm:styleLbl name="asst1">
+    <dgm:scene3d>
+      <a:camera prst="orthographicFront"/>
+      <a:lightRig rig="threePt" dir="t"/>
+    </dgm:scene3d>
+    <dgm:sp3d/>
+    <dgm:txPr/>
+    <dgm:style>
+      <a:lnRef idx="2">
+        <a:scrgbClr r="0" g="0" b="0"/>
+      </a:lnRef>
+      <a:fillRef idx="1">
+        <a:scrgbClr r="0" g="0" b="0"/>
+      </a:fillRef>
+      <a:effectRef idx="0">
+        <a:scrgbClr r="0" g="0" b="0"/>
+      </a:effectRef>
+      <a:fontRef idx="minor">
+        <a:schemeClr val="lt1"/>
+      </a:fontRef>
+    </dgm:style>
+  </dgm:styleLbl>
+  <dgm:styleLbl name="asst2">
+    <dgm:scene3d>
+      <a:camera prst="orthographicFront"/>
+      <a:lightRig rig="threePt" dir="t"/>
+    </dgm:scene3d>
+    <dgm:sp3d/>
+    <dgm:txPr/>
+    <dgm:style>
+      <a:lnRef idx="2">
+        <a:scrgbClr r="0" g="0" b="0"/>
+      </a:lnRef>
+      <a:fillRef idx="1">
+        <a:scrgbClr r="0" g="0" b="0"/>
+      </a:fillRef>
+      <a:effectRef idx="0">
+        <a:scrgbClr r="0" g="0" b="0"/>
+      </a:effectRef>
+      <a:fontRef idx="minor">
+        <a:schemeClr val="lt1"/>
+      </a:fontRef>
+    </dgm:style>
+  </dgm:styleLbl>
+  <dgm:styleLbl name="asst3">
+    <dgm:scene3d>
+      <a:camera prst="orthographicFront"/>
+      <a:lightRig rig="threePt" dir="t"/>
+    </dgm:scene3d>
+    <dgm:sp3d/>
+    <dgm:txPr/>
+    <dgm:style>
+      <a:lnRef idx="2">
+        <a:scrgbClr r="0" g="0" b="0"/>
+      </a:lnRef>
+      <a:fillRef idx="1">
+        <a:scrgbClr r="0" g="0" b="0"/>
+      </a:fillRef>
+      <a:effectRef idx="0">
+        <a:scrgbClr r="0" g="0" b="0"/>
+      </a:effectRef>
+      <a:fontRef idx="minor">
+        <a:schemeClr val="lt1"/>
+      </a:fontRef>
+    </dgm:style>
+  </dgm:styleLbl>
+  <dgm:styleLbl name="asst4">
+    <dgm:scene3d>
+      <a:camera prst="orthographicFront"/>
+      <a:lightRig rig="threePt" dir="t"/>
+    </dgm:scene3d>
+    <dgm:sp3d/>
+    <dgm:txPr/>
+    <dgm:style>
+      <a:lnRef idx="2">
+        <a:scrgbClr r="0" g="0" b="0"/>
+      </a:lnRef>
+      <a:fillRef idx="1">
+        <a:scrgbClr r="0" g="0" b="0"/>
+      </a:fillRef>
+      <a:effectRef idx="0">
+        <a:scrgbClr r="0" g="0" b="0"/>
+      </a:effectRef>
+      <a:fontRef idx="minor">
+        <a:schemeClr val="lt1"/>
+      </a:fontRef>
+    </dgm:style>
+  </dgm:styleLbl>
+  <dgm:styleLbl name="parChTrans2D1">
+    <dgm:scene3d>
+      <a:camera prst="orthographicFront"/>
+      <a:lightRig rig="threePt" dir="t"/>
+    </dgm:scene3d>
+    <dgm:sp3d/>
+    <dgm:txPr/>
+    <dgm:style>
+      <a:lnRef idx="2">
+        <a:scrgbClr r="0" g="0" b="0"/>
+      </a:lnRef>
+      <a:fillRef idx="1">
+        <a:scrgbClr r="0" g="0" b="0"/>
+      </a:fillRef>
+      <a:effectRef idx="0">
+        <a:scrgbClr r="0" g="0" b="0"/>
+      </a:effectRef>
+      <a:fontRef idx="minor">
+        <a:schemeClr val="lt1"/>
+      </a:fontRef>
+    </dgm:style>
+  </dgm:styleLbl>
+  <dgm:styleLbl name="parChTrans2D2">
+    <dgm:scene3d>
+      <a:camera prst="orthographicFront"/>
+      <a:lightRig rig="threePt" dir="t"/>
+    </dgm:scene3d>
+    <dgm:sp3d/>
+    <dgm:txPr/>
+    <dgm:style>
+      <a:lnRef idx="2">
+        <a:scrgbClr r="0" g="0" b="0"/>
+      </a:lnRef>
+      <a:fillRef idx="1">
+        <a:scrgbClr r="0" g="0" b="0"/>
+      </a:fillRef>
+      <a:effectRef idx="0">
+        <a:scrgbClr r="0" g="0" b="0"/>
+      </a:effectRef>
+      <a:fontRef idx="minor">
+        <a:schemeClr val="lt1"/>
+      </a:fontRef>
+    </dgm:style>
+  </dgm:styleLbl>
+  <dgm:styleLbl name="parChTrans2D3">
+    <dgm:scene3d>
+      <a:camera prst="orthographicFront"/>
+      <a:lightRig rig="threePt" dir="t"/>
+    </dgm:scene3d>
+    <dgm:sp3d/>
+    <dgm:txPr/>
+    <dgm:style>
+      <a:lnRef idx="2">
+        <a:scrgbClr r="0" g="0" b="0"/>
+      </a:lnRef>
+      <a:fillRef idx="1">
+        <a:scrgbClr r="0" g="0" b="0"/>
+      </a:fillRef>
+      <a:effectRef idx="0">
+        <a:scrgbClr r="0" g="0" b="0"/>
+      </a:effectRef>
+      <a:fontRef idx="minor">
+        <a:schemeClr val="lt1"/>
+      </a:fontRef>
+    </dgm:style>
+  </dgm:styleLbl>
+  <dgm:styleLbl name="parChTrans2D4">
+    <dgm:scene3d>
+      <a:camera prst="orthographicFront"/>
+      <a:lightRig rig="threePt" dir="t"/>
+    </dgm:scene3d>
+    <dgm:sp3d/>
+    <dgm:txPr/>
+    <dgm:style>
+      <a:lnRef idx="2">
+        <a:scrgbClr r="0" g="0" b="0"/>
+      </a:lnRef>
+      <a:fillRef idx="1">
+        <a:scrgbClr r="0" g="0" b="0"/>
+      </a:fillRef>
+      <a:effectRef idx="0">
+        <a:scrgbClr r="0" g="0" b="0"/>
+      </a:effectRef>
+      <a:fontRef idx="minor">
+        <a:schemeClr val="lt1"/>
+      </a:fontRef>
+    </dgm:style>
+  </dgm:styleLbl>
+  <dgm:styleLbl name="parChTrans1D1">
+    <dgm:scene3d>
+      <a:camera prst="orthographicFront"/>
+      <a:lightRig rig="threePt" dir="t"/>
+    </dgm:scene3d>
+    <dgm:sp3d/>
+    <dgm:txPr/>
+    <dgm:style>
+      <a:lnRef idx="2">
+        <a:scrgbClr r="0" g="0" b="0"/>
+      </a:lnRef>
+      <a:fillRef idx="0">
+        <a:scrgbClr r="0" g="0" b="0"/>
+      </a:fillRef>
+      <a:effectRef idx="0">
+        <a:scrgbClr r="0" g="0" b="0"/>
+      </a:effectRef>
+      <a:fontRef idx="minor"/>
+    </dgm:style>
+  </dgm:styleLbl>
+  <dgm:styleLbl name="parChTrans1D2">
+    <dgm:scene3d>
+      <a:camera prst="orthographicFront"/>
+      <a:lightRig rig="threePt" dir="t"/>
+    </dgm:scene3d>
+    <dgm:sp3d/>
+    <dgm:txPr/>
+    <dgm:style>
+      <a:lnRef idx="2">
+        <a:scrgbClr r="0" g="0" b="0"/>
+      </a:lnRef>
+      <a:fillRef idx="0">
+        <a:scrgbClr r="0" g="0" b="0"/>
+      </a:fillRef>
+      <a:effectRef idx="0">
+        <a:scrgbClr r="0" g="0" b="0"/>
+      </a:effectRef>
+      <a:fontRef idx="minor"/>
+    </dgm:style>
+  </dgm:styleLbl>
+  <dgm:styleLbl name="parChTrans1D3">
+    <dgm:scene3d>
+      <a:camera prst="orthographicFront"/>
+      <a:lightRig rig="threePt" dir="t"/>
+    </dgm:scene3d>
+    <dgm:sp3d/>
+    <dgm:txPr/>
+    <dgm:style>
+      <a:lnRef idx="2">
+        <a:scrgbClr r="0" g="0" b="0"/>
+      </a:lnRef>
+      <a:fillRef idx="0">
+        <a:scrgbClr r="0" g="0" b="0"/>
+      </a:fillRef>
+      <a:effectRef idx="0">
+        <a:scrgbClr r="0" g="0" b="0"/>
+      </a:effectRef>
+      <a:fontRef idx="minor"/>
+    </dgm:style>
+  </dgm:styleLbl>
+  <dgm:styleLbl name="parChTrans1D4">
+    <dgm:scene3d>
+      <a:camera prst="orthographicFront"/>
+      <a:lightRig rig="threePt" dir="t"/>
+    </dgm:scene3d>
+    <dgm:sp3d/>
+    <dgm:txPr/>
+    <dgm:style>
+      <a:lnRef idx="2">
+        <a:scrgbClr r="0" g="0" b="0"/>
+      </a:lnRef>
+      <a:fillRef idx="0">
+        <a:scrgbClr r="0" g="0" b="0"/>
+      </a:fillRef>
+      <a:effectRef idx="0">
+        <a:scrgbClr r="0" g="0" b="0"/>
+      </a:effectRef>
+      <a:fontRef idx="minor"/>
+    </dgm:style>
+  </dgm:styleLbl>
+  <dgm:styleLbl name="fgAcc1">
+    <dgm:scene3d>
+      <a:camera prst="orthographicFront"/>
+      <a:lightRig rig="threePt" dir="t"/>
+    </dgm:scene3d>
+    <dgm:sp3d/>
+    <dgm:txPr/>
+    <dgm:style>
+      <a:lnRef idx="2">
+        <a:scrgbClr r="0" g="0" b="0"/>
+      </a:lnRef>
+      <a:fillRef idx="1">
+        <a:scrgbClr r="0" g="0" b="0"/>
+      </a:fillRef>
+      <a:effectRef idx="0">
+        <a:scrgbClr r="0" g="0" b="0"/>
+      </a:effectRef>
+      <a:fontRef idx="minor"/>
+    </dgm:style>
+  </dgm:styleLbl>
+  <dgm:styleLbl name="conFgAcc1">
+    <dgm:scene3d>
+      <a:camera prst="orthographicFront"/>
+      <a:lightRig rig="threePt" dir="t"/>
+    </dgm:scene3d>
+    <dgm:sp3d/>
+    <dgm:txPr/>
+    <dgm:style>
+      <a:lnRef idx="2">
+        <a:scrgbClr r="0" g="0" b="0"/>
+      </a:lnRef>
+      <a:fillRef idx="1">
+        <a:scrgbClr r="0" g="0" b="0"/>
+      </a:fillRef>
+      <a:effectRef idx="0">
+        <a:scrgbClr r="0" g="0" b="0"/>
+      </a:effectRef>
+      <a:fontRef idx="minor"/>
+    </dgm:style>
+  </dgm:styleLbl>
+  <dgm:styleLbl name="alignAcc1">
+    <dgm:scene3d>
+      <a:camera prst="orthographicFront"/>
+      <a:lightRig rig="threePt" dir="t"/>
+    </dgm:scene3d>
+    <dgm:sp3d/>
+    <dgm:txPr/>
+    <dgm:style>
+      <a:lnRef idx="2">
+        <a:scrgbClr r="0" g="0" b="0"/>
+      </a:lnRef>
+      <a:fillRef idx="1">
+        <a:scrgbClr r="0" g="0" b="0"/>
+      </a:fillRef>
+      <a:effectRef idx="0">
+        <a:scrgbClr r="0" g="0" b="0"/>
+      </a:effectRef>
+      <a:fontRef idx="minor"/>
+    </dgm:style>
+  </dgm:styleLbl>
+  <dgm:styleLbl name="trAlignAcc1">
+    <dgm:scene3d>
+      <a:camera prst="orthographicFront"/>
+      <a:lightRig rig="threePt" dir="t"/>
+    </dgm:scene3d>
+    <dgm:sp3d/>
+    <dgm:txPr/>
+    <dgm:style>
+      <a:lnRef idx="1">
+        <a:scrgbClr r="0" g="0" b="0"/>
+      </a:lnRef>
+      <a:fillRef idx="1">
+        <a:scrgbClr r="0" g="0" b="0"/>
+      </a:fillRef>
+      <a:effectRef idx="0">
+        <a:scrgbClr r="0" g="0" b="0"/>
+      </a:effectRef>
+      <a:fontRef idx="minor"/>
+    </dgm:style>
+  </dgm:styleLbl>
+  <dgm:styleLbl name="bgAcc1">
+    <dgm:scene3d>
+      <a:camera prst="orthographicFront"/>
+      <a:lightRig rig="threePt" dir="t"/>
+    </dgm:scene3d>
+    <dgm:sp3d/>
+    <dgm:txPr/>
+    <dgm:style>
+      <a:lnRef idx="2">
+        <a:scrgbClr r="0" g="0" b="0"/>
+      </a:lnRef>
+      <a:fillRef idx="1">
+        <a:scrgbClr r="0" g="0" b="0"/>
+      </a:fillRef>
+      <a:effectRef idx="0">
+        <a:scrgbClr r="0" g="0" b="0"/>
+      </a:effectRef>
+      <a:fontRef idx="minor"/>
+    </dgm:style>
+  </dgm:styleLbl>
+  <dgm:styleLbl name="solidFgAcc1">
+    <dgm:scene3d>
+      <a:camera prst="orthographicFront"/>
+      <a:lightRig rig="threePt" dir="t"/>
+    </dgm:scene3d>
+    <dgm:sp3d/>
+    <dgm:txPr/>
+    <dgm:style>
+      <a:lnRef idx="2">
+        <a:scrgbClr r="0" g="0" b="0"/>
+      </a:lnRef>
+      <a:fillRef idx="1">
+        <a:scrgbClr r="0" g="0" b="0"/>
+      </a:fillRef>
+      <a:effectRef idx="0">
+        <a:scrgbClr r="0" g="0" b="0"/>
+      </a:effectRef>
+      <a:fontRef idx="minor"/>
+    </dgm:style>
+  </dgm:styleLbl>
+  <dgm:styleLbl name="solidAlignAcc1">
+    <dgm:scene3d>
+      <a:camera prst="orthographicFront"/>
+      <a:lightRig rig="threePt" dir="t"/>
+    </dgm:scene3d>
+    <dgm:sp3d/>
+    <dgm:txPr/>
+    <dgm:style>
+      <a:lnRef idx="2">
+        <a:scrgbClr r="0" g="0" b="0"/>
+      </a:lnRef>
+      <a:fillRef idx="1">
+        <a:scrgbClr r="0" g="0" b="0"/>
+      </a:fillRef>
+      <a:effectRef idx="0">
+        <a:scrgbClr r="0" g="0" b="0"/>
+      </a:effectRef>
+      <a:fontRef idx="minor"/>
+    </dgm:style>
+  </dgm:styleLbl>
+  <dgm:styleLbl name="solidBgAcc1">
+    <dgm:scene3d>
+      <a:camera prst="orthographicFront"/>
+      <a:lightRig rig="threePt" dir="t"/>
+    </dgm:scene3d>
+    <dgm:sp3d/>
+    <dgm:txPr/>
+    <dgm:style>
+      <a:lnRef idx="2">
+        <a:scrgbClr r="0" g="0" b="0"/>
+      </a:lnRef>
+      <a:fillRef idx="1">
+        <a:scrgbClr r="0" g="0" b="0"/>
+      </a:fillRef>
+      <a:effectRef idx="0">
+        <a:scrgbClr r="0" g="0" b="0"/>
+      </a:effectRef>
+      <a:fontRef idx="minor"/>
+    </dgm:style>
+  </dgm:styleLbl>
+  <dgm:styleLbl name="fgAccFollowNode1">
+    <dgm:scene3d>
+      <a:camera prst="orthographicFront"/>
+      <a:lightRig rig="threePt" dir="t"/>
+    </dgm:scene3d>
+    <dgm:sp3d/>
+    <dgm:txPr/>
+    <dgm:style>
+      <a:lnRef idx="2">
+        <a:scrgbClr r="0" g="0" b="0"/>
+      </a:lnRef>
+      <a:fillRef idx="1">
+        <a:scrgbClr r="0" g="0" b="0"/>
+      </a:fillRef>
+      <a:effectRef idx="0">
+        <a:scrgbClr r="0" g="0" b="0"/>
+      </a:effectRef>
+      <a:fontRef idx="minor"/>
+    </dgm:style>
+  </dgm:styleLbl>
+  <dgm:styleLbl name="alignAccFollowNode1">
+    <dgm:scene3d>
+      <a:camera prst="orthographicFront"/>
+      <a:lightRig rig="threePt" dir="t"/>
+    </dgm:scene3d>
+    <dgm:sp3d/>
+    <dgm:txPr/>
+    <dgm:style>
+      <a:lnRef idx="2">
+        <a:scrgbClr r="0" g="0" b="0"/>
+      </a:lnRef>
+      <a:fillRef idx="1">
+        <a:scrgbClr r="0" g="0" b="0"/>
+      </a:fillRef>
+      <a:effectRef idx="0">
+        <a:scrgbClr r="0" g="0" b="0"/>
+      </a:effectRef>
+      <a:fontRef idx="minor"/>
+    </dgm:style>
+  </dgm:styleLbl>
+  <dgm:styleLbl name="bgAccFollowNode1">
+    <dgm:scene3d>
+      <a:camera prst="orthographicFront"/>
+      <a:lightRig rig="threePt" dir="t"/>
+    </dgm:scene3d>
+    <dgm:sp3d/>
+    <dgm:txPr/>
+    <dgm:style>
+      <a:lnRef idx="2">
+        <a:scrgbClr r="0" g="0" b="0"/>
+      </a:lnRef>
+      <a:fillRef idx="1">
+        <a:scrgbClr r="0" g="0" b="0"/>
+      </a:fillRef>
+      <a:effectRef idx="0">
+        <a:scrgbClr r="0" g="0" b="0"/>
+      </a:effectRef>
+      <a:fontRef idx="minor"/>
+    </dgm:style>
+  </dgm:styleLbl>
+  <dgm:styleLbl name="fgAcc0">
+    <dgm:scene3d>
+      <a:camera prst="orthographicFront"/>
+      <a:lightRig rig="threePt" dir="t"/>
+    </dgm:scene3d>
+    <dgm:sp3d/>
+    <dgm:txPr/>
+    <dgm:style>
+      <a:lnRef idx="2">
+        <a:scrgbClr r="0" g="0" b="0"/>
+      </a:lnRef>
+      <a:fillRef idx="1">
+        <a:scrgbClr r="0" g="0" b="0"/>
+      </a:fillRef>
+      <a:effectRef idx="0">
+        <a:scrgbClr r="0" g="0" b="0"/>
+      </a:effectRef>
+      <a:fontRef idx="minor"/>
+    </dgm:style>
+  </dgm:styleLbl>
+  <dgm:styleLbl name="fgAcc2">
+    <dgm:scene3d>
+      <a:camera prst="orthographicFront"/>
+      <a:lightRig rig="threePt" dir="t"/>
+    </dgm:scene3d>
+    <dgm:sp3d/>
+    <dgm:txPr/>
+    <dgm:style>
+      <a:lnRef idx="2">
+        <a:scrgbClr r="0" g="0" b="0"/>
+      </a:lnRef>
+      <a:fillRef idx="1">
+        <a:scrgbClr r="0" g="0" b="0"/>
+      </a:fillRef>
+      <a:effectRef idx="0">
+        <a:scrgbClr r="0" g="0" b="0"/>
+      </a:effectRef>
+      <a:fontRef idx="minor"/>
+    </dgm:style>
+  </dgm:styleLbl>
+  <dgm:styleLbl name="fgAcc3">
+    <dgm:scene3d>
+      <a:camera prst="orthographicFront"/>
+      <a:lightRig rig="threePt" dir="t"/>
+    </dgm:scene3d>
+    <dgm:sp3d/>
+    <dgm:txPr/>
+    <dgm:style>
+      <a:lnRef idx="2">
+        <a:scrgbClr r="0" g="0" b="0"/>
+      </a:lnRef>
+      <a:fillRef idx="1">
+        <a:scrgbClr r="0" g="0" b="0"/>
+      </a:fillRef>
+      <a:effectRef idx="0">
+        <a:scrgbClr r="0" g="0" b="0"/>
+      </a:effectRef>
+      <a:fontRef idx="minor"/>
+    </dgm:style>
+  </dgm:styleLbl>
+  <dgm:styleLbl name="fgAcc4">
+    <dgm:scene3d>
+      <a:camera prst="orthographicFront"/>
+      <a:lightRig rig="threePt" dir="t"/>
+    </dgm:scene3d>
+    <dgm:sp3d/>
+    <dgm:txPr/>
+    <dgm:style>
+      <a:lnRef idx="2">
+        <a:scrgbClr r="0" g="0" b="0"/>
+      </a:lnRef>
+      <a:fillRef idx="1">
+        <a:scrgbClr r="0" g="0" b="0"/>
+      </a:fillRef>
+      <a:effectRef idx="0">
+        <a:scrgbClr r="0" g="0" b="0"/>
+      </a:effectRef>
+      <a:fontRef idx="minor"/>
+    </dgm:style>
+  </dgm:styleLbl>
+  <dgm:styleLbl name="bgShp">
+    <dgm:scene3d>
+      <a:camera prst="orthographicFront"/>
+      <a:lightRig rig="threePt" dir="t"/>
+    </dgm:scene3d>
+    <dgm:sp3d/>
+    <dgm:txPr/>
+    <dgm:style>
+      <a:lnRef idx="0">
+        <a:scrgbClr r="0" g="0" b="0"/>
+      </a:lnRef>
+      <a:fillRef idx="1">
+        <a:scrgbClr r="0" g="0" b="0"/>
+      </a:fillRef>
+      <a:effectRef idx="0">
+        <a:scrgbClr r="0" g="0" b="0"/>
+      </a:effectRef>
+      <a:fontRef idx="minor"/>
+    </dgm:style>
+  </dgm:styleLbl>
+  <dgm:styleLbl name="dkBgShp">
+    <dgm:scene3d>
+      <a:camera prst="orthographicFront"/>
+      <a:lightRig rig="threePt" dir="t"/>
+    </dgm:scene3d>
+    <dgm:sp3d/>
+    <dgm:txPr/>
+    <dgm:style>
+      <a:lnRef idx="0">
+        <a:scrgbClr r="0" g="0" b="0"/>
+      </a:lnRef>
+      <a:fillRef idx="1">
+        <a:scrgbClr r="0" g="0" b="0"/>
+      </a:fillRef>
+      <a:effectRef idx="0">
+        <a:scrgbClr r="0" g="0" b="0"/>
+      </a:effectRef>
+      <a:fontRef idx="minor"/>
+    </dgm:style>
+  </dgm:styleLbl>
+  <dgm:styleLbl name="trBgShp">
+    <dgm:scene3d>
+      <a:camera prst="orthographicFront"/>
+      <a:lightRig rig="threePt" dir="t"/>
+    </dgm:scene3d>
+    <dgm:sp3d/>
+    <dgm:txPr/>
+    <dgm:style>
+      <a:lnRef idx="0">
+        <a:scrgbClr r="0" g="0" b="0"/>
+      </a:lnRef>
+      <a:fillRef idx="1">
+        <a:scrgbClr r="0" g="0" b="0"/>
+      </a:fillRef>
+      <a:effectRef idx="0">
+        <a:scrgbClr r="0" g="0" b="0"/>
+      </a:effectRef>
+      <a:fontRef idx="minor"/>
+    </dgm:style>
+  </dgm:styleLbl>
+  <dgm:styleLbl name="fgShp">
+    <dgm:scene3d>
+      <a:camera prst="orthographicFront"/>
+      <a:lightRig rig="threePt" dir="t"/>
+    </dgm:scene3d>
+    <dgm:sp3d/>
+    <dgm:txPr/>
+    <dgm:style>
+      <a:lnRef idx="2">
+        <a:scrgbClr r="0" g="0" b="0"/>
+      </a:lnRef>
+      <a:fillRef idx="1">
+        <a:scrgbClr r="0" g="0" b="0"/>
+      </a:fillRef>
+      <a:effectRef idx="0">
         <a:scrgbClr r="0" g="0" b="0"/>
       </a:effectRef>
       <a:fontRef idx="minor"/>
@@ -9812,10 +14008,6 @@
           </a:bodyPr>
           <a:lstStyle/>
           <a:p>
-            <a:r>
-              <a:rPr lang="vi-VN" smtClean="0"/>
-              <a:t>http://www.findmebyip.com/litmus/</a:t>
-            </a:r>
             <a:endParaRPr lang="vi-VN" smtClean="0"/>
           </a:p>
         </p:txBody>
@@ -9923,10 +14115,6 @@
           </a:bodyPr>
           <a:lstStyle/>
           <a:p>
-            <a:r>
-              <a:rPr lang="vi-VN" smtClean="0"/>
-              <a:t>http://www.findmebyip.com/litmus/</a:t>
-            </a:r>
             <a:endParaRPr lang="vi-VN" smtClean="0"/>
           </a:p>
         </p:txBody>
@@ -10038,7 +14226,6 @@
               <a:rPr lang="vi-VN" smtClean="0"/>
               <a:t>http://www.findmebyip.com/litmus/</a:t>
             </a:r>
-            <a:endParaRPr lang="vi-VN" smtClean="0"/>
           </a:p>
         </p:txBody>
       </p:sp>
@@ -10086,6 +14273,226 @@
 </file>
 
 <file path=ppt/notesSlides/notesSlide27.xml><?xml version="1.0" encoding="utf-8"?>
+<p:notes xmlns:a="http://schemas.openxmlformats.org/drawingml/2006/main" xmlns:r="http://schemas.openxmlformats.org/officeDocument/2006/relationships" xmlns:p="http://schemas.openxmlformats.org/presentationml/2006/main">
+  <p:cSld>
+    <p:spTree>
+      <p:nvGrpSpPr>
+        <p:cNvPr id="1" name=""/>
+        <p:cNvGrpSpPr/>
+        <p:nvPr/>
+      </p:nvGrpSpPr>
+      <p:grpSpPr>
+        <a:xfrm>
+          <a:off x="0" y="0"/>
+          <a:ext cx="0" cy="0"/>
+          <a:chOff x="0" y="0"/>
+          <a:chExt cx="0" cy="0"/>
+        </a:xfrm>
+      </p:grpSpPr>
+      <p:sp>
+        <p:nvSpPr>
+          <p:cNvPr id="26626" name="Slide Image Placeholder 1"/>
+          <p:cNvSpPr>
+            <a:spLocks noGrp="1" noRot="1" noChangeAspect="1" noTextEdit="1"/>
+          </p:cNvSpPr>
+          <p:nvPr>
+            <p:ph type="sldImg"/>
+          </p:nvPr>
+        </p:nvSpPr>
+        <p:spPr bwMode="auto">
+          <a:noFill/>
+          <a:ln>
+            <a:solidFill>
+              <a:srgbClr val="000000"/>
+            </a:solidFill>
+            <a:miter lim="800000"/>
+            <a:headEnd/>
+            <a:tailEnd/>
+          </a:ln>
+        </p:spPr>
+      </p:sp>
+      <p:sp>
+        <p:nvSpPr>
+          <p:cNvPr id="26627" name="Notes Placeholder 2"/>
+          <p:cNvSpPr>
+            <a:spLocks noGrp="1"/>
+          </p:cNvSpPr>
+          <p:nvPr>
+            <p:ph type="body" idx="1"/>
+          </p:nvPr>
+        </p:nvSpPr>
+        <p:spPr bwMode="auto">
+          <a:noFill/>
+        </p:spPr>
+        <p:txBody>
+          <a:bodyPr wrap="square" numCol="1" anchor="t" anchorCtr="0" compatLnSpc="1">
+            <a:prstTxWarp prst="textNoShape">
+              <a:avLst/>
+            </a:prstTxWarp>
+          </a:bodyPr>
+          <a:lstStyle/>
+          <a:p>
+            <a:r>
+              <a:rPr lang="vi-VN" smtClean="0"/>
+              <a:t>http://www.findmebyip.com/litmus/</a:t>
+            </a:r>
+          </a:p>
+        </p:txBody>
+      </p:sp>
+      <p:sp>
+        <p:nvSpPr>
+          <p:cNvPr id="26628" name="Slide Number Placeholder 3"/>
+          <p:cNvSpPr>
+            <a:spLocks noGrp="1"/>
+          </p:cNvSpPr>
+          <p:nvPr>
+            <p:ph type="sldNum" sz="quarter" idx="5"/>
+          </p:nvPr>
+        </p:nvSpPr>
+        <p:spPr bwMode="auto">
+          <a:noFill/>
+          <a:ln>
+            <a:miter lim="800000"/>
+            <a:headEnd/>
+            <a:tailEnd/>
+          </a:ln>
+        </p:spPr>
+        <p:txBody>
+          <a:bodyPr wrap="square" numCol="1" anchorCtr="0" compatLnSpc="1">
+            <a:prstTxWarp prst="textNoShape">
+              <a:avLst/>
+            </a:prstTxWarp>
+          </a:bodyPr>
+          <a:lstStyle/>
+          <a:p>
+            <a:fld id="{3A8F3EA6-691A-44C4-9681-184349940B09}" type="slidenum">
+              <a:rPr lang="zh-CN" altLang="en-US" smtClean="0"/>
+              <a:pPr/>
+              <a:t>27</a:t>
+            </a:fld>
+            <a:endParaRPr lang="zh-CN" altLang="en-US" smtClean="0"/>
+          </a:p>
+        </p:txBody>
+      </p:sp>
+    </p:spTree>
+  </p:cSld>
+  <p:clrMapOvr>
+    <a:masterClrMapping/>
+  </p:clrMapOvr>
+</p:notes>
+</file>
+
+<file path=ppt/notesSlides/notesSlide28.xml><?xml version="1.0" encoding="utf-8"?>
+<p:notes xmlns:a="http://schemas.openxmlformats.org/drawingml/2006/main" xmlns:r="http://schemas.openxmlformats.org/officeDocument/2006/relationships" xmlns:p="http://schemas.openxmlformats.org/presentationml/2006/main">
+  <p:cSld>
+    <p:spTree>
+      <p:nvGrpSpPr>
+        <p:cNvPr id="1" name=""/>
+        <p:cNvGrpSpPr/>
+        <p:nvPr/>
+      </p:nvGrpSpPr>
+      <p:grpSpPr>
+        <a:xfrm>
+          <a:off x="0" y="0"/>
+          <a:ext cx="0" cy="0"/>
+          <a:chOff x="0" y="0"/>
+          <a:chExt cx="0" cy="0"/>
+        </a:xfrm>
+      </p:grpSpPr>
+      <p:sp>
+        <p:nvSpPr>
+          <p:cNvPr id="26626" name="Slide Image Placeholder 1"/>
+          <p:cNvSpPr>
+            <a:spLocks noGrp="1" noRot="1" noChangeAspect="1" noTextEdit="1"/>
+          </p:cNvSpPr>
+          <p:nvPr>
+            <p:ph type="sldImg"/>
+          </p:nvPr>
+        </p:nvSpPr>
+        <p:spPr bwMode="auto">
+          <a:noFill/>
+          <a:ln>
+            <a:solidFill>
+              <a:srgbClr val="000000"/>
+            </a:solidFill>
+            <a:miter lim="800000"/>
+            <a:headEnd/>
+            <a:tailEnd/>
+          </a:ln>
+        </p:spPr>
+      </p:sp>
+      <p:sp>
+        <p:nvSpPr>
+          <p:cNvPr id="26627" name="Notes Placeholder 2"/>
+          <p:cNvSpPr>
+            <a:spLocks noGrp="1"/>
+          </p:cNvSpPr>
+          <p:nvPr>
+            <p:ph type="body" idx="1"/>
+          </p:nvPr>
+        </p:nvSpPr>
+        <p:spPr bwMode="auto">
+          <a:noFill/>
+        </p:spPr>
+        <p:txBody>
+          <a:bodyPr wrap="square" numCol="1" anchor="t" anchorCtr="0" compatLnSpc="1">
+            <a:prstTxWarp prst="textNoShape">
+              <a:avLst/>
+            </a:prstTxWarp>
+          </a:bodyPr>
+          <a:lstStyle/>
+          <a:p>
+            <a:r>
+              <a:rPr lang="vi-VN" smtClean="0"/>
+              <a:t>http://www.findmebyip.com/litmus/</a:t>
+            </a:r>
+          </a:p>
+        </p:txBody>
+      </p:sp>
+      <p:sp>
+        <p:nvSpPr>
+          <p:cNvPr id="26628" name="Slide Number Placeholder 3"/>
+          <p:cNvSpPr>
+            <a:spLocks noGrp="1"/>
+          </p:cNvSpPr>
+          <p:nvPr>
+            <p:ph type="sldNum" sz="quarter" idx="5"/>
+          </p:nvPr>
+        </p:nvSpPr>
+        <p:spPr bwMode="auto">
+          <a:noFill/>
+          <a:ln>
+            <a:miter lim="800000"/>
+            <a:headEnd/>
+            <a:tailEnd/>
+          </a:ln>
+        </p:spPr>
+        <p:txBody>
+          <a:bodyPr wrap="square" numCol="1" anchorCtr="0" compatLnSpc="1">
+            <a:prstTxWarp prst="textNoShape">
+              <a:avLst/>
+            </a:prstTxWarp>
+          </a:bodyPr>
+          <a:lstStyle/>
+          <a:p>
+            <a:fld id="{3A8F3EA6-691A-44C4-9681-184349940B09}" type="slidenum">
+              <a:rPr lang="zh-CN" altLang="en-US" smtClean="0"/>
+              <a:pPr/>
+              <a:t>28</a:t>
+            </a:fld>
+            <a:endParaRPr lang="zh-CN" altLang="en-US" smtClean="0"/>
+          </a:p>
+        </p:txBody>
+      </p:sp>
+    </p:spTree>
+  </p:cSld>
+  <p:clrMapOvr>
+    <a:masterClrMapping/>
+  </p:clrMapOvr>
+</p:notes>
+</file>
+
+<file path=ppt/notesSlides/notesSlide29.xml><?xml version="1.0" encoding="utf-8"?>
 <p:notes xmlns:a="http://schemas.openxmlformats.org/drawingml/2006/main" xmlns:r="http://schemas.openxmlformats.org/officeDocument/2006/relationships" xmlns:p="http://schemas.openxmlformats.org/presentationml/2006/main">
   <p:cSld>
     <p:spTree>
@@ -10183,119 +14590,7 @@
             <a:fld id="{42C2D286-7950-4CA7-9D87-3EFDD8B9C3DC}" type="slidenum">
               <a:rPr lang="zh-CN" altLang="en-US" smtClean="0"/>
               <a:pPr/>
-              <a:t>27</a:t>
-            </a:fld>
-            <a:endParaRPr lang="zh-CN" altLang="en-US" smtClean="0"/>
-          </a:p>
-        </p:txBody>
-      </p:sp>
-    </p:spTree>
-  </p:cSld>
-  <p:clrMapOvr>
-    <a:masterClrMapping/>
-  </p:clrMapOvr>
-</p:notes>
-</file>
-
-<file path=ppt/notesSlides/notesSlide28.xml><?xml version="1.0" encoding="utf-8"?>
-<p:notes xmlns:a="http://schemas.openxmlformats.org/drawingml/2006/main" xmlns:r="http://schemas.openxmlformats.org/officeDocument/2006/relationships" xmlns:p="http://schemas.openxmlformats.org/presentationml/2006/main">
-  <p:cSld>
-    <p:spTree>
-      <p:nvGrpSpPr>
-        <p:cNvPr id="1" name=""/>
-        <p:cNvGrpSpPr/>
-        <p:nvPr/>
-      </p:nvGrpSpPr>
-      <p:grpSpPr>
-        <a:xfrm>
-          <a:off x="0" y="0"/>
-          <a:ext cx="0" cy="0"/>
-          <a:chOff x="0" y="0"/>
-          <a:chExt cx="0" cy="0"/>
-        </a:xfrm>
-      </p:grpSpPr>
-      <p:sp>
-        <p:nvSpPr>
-          <p:cNvPr id="38914" name="Slide Image Placeholder 1"/>
-          <p:cNvSpPr>
-            <a:spLocks noGrp="1" noRot="1" noChangeAspect="1" noTextEdit="1"/>
-          </p:cNvSpPr>
-          <p:nvPr>
-            <p:ph type="sldImg"/>
-          </p:nvPr>
-        </p:nvSpPr>
-        <p:spPr bwMode="auto">
-          <a:noFill/>
-          <a:ln>
-            <a:solidFill>
-              <a:srgbClr val="000000"/>
-            </a:solidFill>
-            <a:miter lim="800000"/>
-            <a:headEnd/>
-            <a:tailEnd/>
-          </a:ln>
-        </p:spPr>
-      </p:sp>
-      <p:sp>
-        <p:nvSpPr>
-          <p:cNvPr id="38915" name="Notes Placeholder 2"/>
-          <p:cNvSpPr>
-            <a:spLocks noGrp="1"/>
-          </p:cNvSpPr>
-          <p:nvPr>
-            <p:ph type="body" idx="1"/>
-          </p:nvPr>
-        </p:nvSpPr>
-        <p:spPr bwMode="auto">
-          <a:noFill/>
-        </p:spPr>
-        <p:txBody>
-          <a:bodyPr wrap="square" numCol="1" anchor="t" anchorCtr="0" compatLnSpc="1">
-            <a:prstTxWarp prst="textNoShape">
-              <a:avLst/>
-            </a:prstTxWarp>
-          </a:bodyPr>
-          <a:lstStyle/>
-          <a:p>
-            <a:pPr eaLnBrk="1" hangingPunct="1">
-              <a:spcBef>
-                <a:spcPct val="0"/>
-              </a:spcBef>
-            </a:pPr>
-            <a:endParaRPr lang="zh-CN" altLang="en-US" smtClean="0"/>
-          </a:p>
-        </p:txBody>
-      </p:sp>
-      <p:sp>
-        <p:nvSpPr>
-          <p:cNvPr id="38916" name="Slide Number Placeholder 3"/>
-          <p:cNvSpPr>
-            <a:spLocks noGrp="1"/>
-          </p:cNvSpPr>
-          <p:nvPr>
-            <p:ph type="sldNum" sz="quarter" idx="5"/>
-          </p:nvPr>
-        </p:nvSpPr>
-        <p:spPr bwMode="auto">
-          <a:noFill/>
-          <a:ln>
-            <a:miter lim="800000"/>
-            <a:headEnd/>
-            <a:tailEnd/>
-          </a:ln>
-        </p:spPr>
-        <p:txBody>
-          <a:bodyPr wrap="square" numCol="1" anchorCtr="0" compatLnSpc="1">
-            <a:prstTxWarp prst="textNoShape">
-              <a:avLst/>
-            </a:prstTxWarp>
-          </a:bodyPr>
-          <a:lstStyle/>
-          <a:p>
-            <a:fld id="{884964A4-8746-46D0-B4FE-65104B927633}" type="slidenum">
-              <a:rPr lang="zh-CN" altLang="en-US" smtClean="0"/>
-              <a:pPr/>
-              <a:t>28</a:t>
+              <a:t>29</a:t>
             </a:fld>
             <a:endParaRPr lang="zh-CN" altLang="en-US" smtClean="0"/>
           </a:p>
@@ -10410,6 +14705,118 @@
               <a:rPr lang="zh-CN" altLang="en-US" smtClean="0"/>
               <a:pPr/>
               <a:t>3</a:t>
+            </a:fld>
+            <a:endParaRPr lang="zh-CN" altLang="en-US" smtClean="0"/>
+          </a:p>
+        </p:txBody>
+      </p:sp>
+    </p:spTree>
+  </p:cSld>
+  <p:clrMapOvr>
+    <a:masterClrMapping/>
+  </p:clrMapOvr>
+</p:notes>
+</file>
+
+<file path=ppt/notesSlides/notesSlide30.xml><?xml version="1.0" encoding="utf-8"?>
+<p:notes xmlns:a="http://schemas.openxmlformats.org/drawingml/2006/main" xmlns:r="http://schemas.openxmlformats.org/officeDocument/2006/relationships" xmlns:p="http://schemas.openxmlformats.org/presentationml/2006/main">
+  <p:cSld>
+    <p:spTree>
+      <p:nvGrpSpPr>
+        <p:cNvPr id="1" name=""/>
+        <p:cNvGrpSpPr/>
+        <p:nvPr/>
+      </p:nvGrpSpPr>
+      <p:grpSpPr>
+        <a:xfrm>
+          <a:off x="0" y="0"/>
+          <a:ext cx="0" cy="0"/>
+          <a:chOff x="0" y="0"/>
+          <a:chExt cx="0" cy="0"/>
+        </a:xfrm>
+      </p:grpSpPr>
+      <p:sp>
+        <p:nvSpPr>
+          <p:cNvPr id="38914" name="Slide Image Placeholder 1"/>
+          <p:cNvSpPr>
+            <a:spLocks noGrp="1" noRot="1" noChangeAspect="1" noTextEdit="1"/>
+          </p:cNvSpPr>
+          <p:nvPr>
+            <p:ph type="sldImg"/>
+          </p:nvPr>
+        </p:nvSpPr>
+        <p:spPr bwMode="auto">
+          <a:noFill/>
+          <a:ln>
+            <a:solidFill>
+              <a:srgbClr val="000000"/>
+            </a:solidFill>
+            <a:miter lim="800000"/>
+            <a:headEnd/>
+            <a:tailEnd/>
+          </a:ln>
+        </p:spPr>
+      </p:sp>
+      <p:sp>
+        <p:nvSpPr>
+          <p:cNvPr id="38915" name="Notes Placeholder 2"/>
+          <p:cNvSpPr>
+            <a:spLocks noGrp="1"/>
+          </p:cNvSpPr>
+          <p:nvPr>
+            <p:ph type="body" idx="1"/>
+          </p:nvPr>
+        </p:nvSpPr>
+        <p:spPr bwMode="auto">
+          <a:noFill/>
+        </p:spPr>
+        <p:txBody>
+          <a:bodyPr wrap="square" numCol="1" anchor="t" anchorCtr="0" compatLnSpc="1">
+            <a:prstTxWarp prst="textNoShape">
+              <a:avLst/>
+            </a:prstTxWarp>
+          </a:bodyPr>
+          <a:lstStyle/>
+          <a:p>
+            <a:pPr eaLnBrk="1" hangingPunct="1">
+              <a:spcBef>
+                <a:spcPct val="0"/>
+              </a:spcBef>
+            </a:pPr>
+            <a:endParaRPr lang="zh-CN" altLang="en-US" smtClean="0"/>
+          </a:p>
+        </p:txBody>
+      </p:sp>
+      <p:sp>
+        <p:nvSpPr>
+          <p:cNvPr id="38916" name="Slide Number Placeholder 3"/>
+          <p:cNvSpPr>
+            <a:spLocks noGrp="1"/>
+          </p:cNvSpPr>
+          <p:nvPr>
+            <p:ph type="sldNum" sz="quarter" idx="5"/>
+          </p:nvPr>
+        </p:nvSpPr>
+        <p:spPr bwMode="auto">
+          <a:noFill/>
+          <a:ln>
+            <a:miter lim="800000"/>
+            <a:headEnd/>
+            <a:tailEnd/>
+          </a:ln>
+        </p:spPr>
+        <p:txBody>
+          <a:bodyPr wrap="square" numCol="1" anchorCtr="0" compatLnSpc="1">
+            <a:prstTxWarp prst="textNoShape">
+              <a:avLst/>
+            </a:prstTxWarp>
+          </a:bodyPr>
+          <a:lstStyle/>
+          <a:p>
+            <a:fld id="{884964A4-8746-46D0-B4FE-65104B927633}" type="slidenum">
+              <a:rPr lang="zh-CN" altLang="en-US" smtClean="0"/>
+              <a:pPr/>
+              <a:t>30</a:t>
             </a:fld>
             <a:endParaRPr lang="zh-CN" altLang="en-US" smtClean="0"/>
           </a:p>
@@ -12971,21 +17378,13 @@
             </a:r>
             <a:r>
               <a:rPr lang="vi-VN" smtClean="0"/>
-              <a:t>" </a:t>
-            </a:r>
-            <a:r>
-              <a:rPr lang="vi-VN" smtClean="0"/>
-              <a:t>/&gt;</a:t>
+              <a:t>" /&gt;</a:t>
             </a:r>
           </a:p>
           <a:p>
             <a:r>
               <a:rPr lang="vi-VN" smtClean="0"/>
-              <a:t>	&lt;</a:t>
-            </a:r>
-            <a:r>
-              <a:rPr lang="vi-VN" smtClean="0"/>
-              <a:t>input </a:t>
+              <a:t>	&lt;input </a:t>
             </a:r>
             <a:r>
               <a:rPr lang="vi-VN" smtClean="0">
@@ -13015,15 +17414,7 @@
           <a:p>
             <a:r>
               <a:rPr lang="vi-VN" smtClean="0"/>
-              <a:t>&lt;/</a:t>
-            </a:r>
-            <a:r>
-              <a:rPr lang="vi-VN" smtClean="0"/>
-              <a:t>form</a:t>
-            </a:r>
-            <a:r>
-              <a:rPr lang="vi-VN" smtClean="0"/>
-              <a:t>&gt;</a:t>
+              <a:t>&lt;/form&gt;</a:t>
             </a:r>
             <a:endParaRPr lang="vi-VN"/>
           </a:p>
@@ -13041,7 +17432,7 @@
           <a:blip r:embed="rId4" cstate="print">
             <a:extLst>
               <a:ext uri="{28A0092B-C50C-407E-A947-70E740481C1C}">
-                <a14:useLocalDpi xmlns:a14="http://schemas.microsoft.com/office/drawing/2010/main" xmlns="" val="0"/>
+                <a14:useLocalDpi xmlns="" xmlns:a14="http://schemas.microsoft.com/office/drawing/2010/main" val="0"/>
               </a:ext>
             </a:extLst>
           </a:blip>
@@ -13061,7 +17452,7 @@
           <a:noFill/>
           <a:extLst>
             <a:ext uri="{909E8E84-426E-40DD-AFC4-6F175D3DCCD1}">
-              <a14:hiddenFill xmlns:a14="http://schemas.microsoft.com/office/drawing/2010/main" xmlns="">
+              <a14:hiddenFill xmlns="" xmlns:a14="http://schemas.microsoft.com/office/drawing/2010/main">
                 <a:solidFill>
                   <a:srgbClr val="FFFFFF"/>
                 </a:solidFill>
@@ -13082,7 +17473,7 @@
           <a:blip r:embed="rId5" cstate="print">
             <a:extLst>
               <a:ext uri="{28A0092B-C50C-407E-A947-70E740481C1C}">
-                <a14:useLocalDpi xmlns:a14="http://schemas.microsoft.com/office/drawing/2010/main" xmlns="" val="0"/>
+                <a14:useLocalDpi xmlns="" xmlns:a14="http://schemas.microsoft.com/office/drawing/2010/main" val="0"/>
               </a:ext>
             </a:extLst>
           </a:blip>
@@ -13102,7 +17493,7 @@
           <a:noFill/>
           <a:extLst>
             <a:ext uri="{909E8E84-426E-40DD-AFC4-6F175D3DCCD1}">
-              <a14:hiddenFill xmlns:a14="http://schemas.microsoft.com/office/drawing/2010/main" xmlns="">
+              <a14:hiddenFill xmlns="" xmlns:a14="http://schemas.microsoft.com/office/drawing/2010/main">
                 <a:solidFill>
                   <a:srgbClr val="FFFFFF"/>
                 </a:solidFill>
@@ -13362,11 +17753,7 @@
           <a:p>
             <a:r>
               <a:rPr lang="vi-VN" smtClean="0"/>
-              <a:t>	&lt;</a:t>
-            </a:r>
-            <a:r>
-              <a:rPr lang="vi-VN" smtClean="0"/>
-              <a:t>input </a:t>
+              <a:t>	&lt;input </a:t>
             </a:r>
             <a:r>
               <a:rPr lang="vi-VN" smtClean="0">
@@ -13390,25 +17777,13 @@
             </a:r>
             <a:r>
               <a:rPr lang="vi-VN" smtClean="0"/>
-              <a:t>" name="user_email</a:t>
-            </a:r>
-            <a:r>
-              <a:rPr lang="vi-VN" smtClean="0"/>
-              <a:t>" </a:t>
-            </a:r>
-            <a:r>
-              <a:rPr lang="vi-VN" smtClean="0"/>
-              <a:t>/&gt;</a:t>
+              <a:t>" name="user_email" /&gt;</a:t>
             </a:r>
           </a:p>
           <a:p>
             <a:r>
               <a:rPr lang="vi-VN" smtClean="0"/>
-              <a:t>	&lt;</a:t>
-            </a:r>
-            <a:r>
-              <a:rPr lang="vi-VN" smtClean="0"/>
-              <a:t>input </a:t>
+              <a:t>	&lt;input </a:t>
             </a:r>
             <a:r>
               <a:rPr lang="vi-VN" smtClean="0">
@@ -13434,20 +17809,11 @@
               <a:rPr lang="vi-VN" smtClean="0"/>
               <a:t>" name="points" min="1" max="10" /&gt;</a:t>
             </a:r>
-            <a:endParaRPr lang="vi-VN" smtClean="0"/>
           </a:p>
           <a:p>
             <a:r>
               <a:rPr lang="vi-VN" smtClean="0"/>
-              <a:t>&lt;/</a:t>
-            </a:r>
-            <a:r>
-              <a:rPr lang="vi-VN" smtClean="0"/>
-              <a:t>form</a:t>
-            </a:r>
-            <a:r>
-              <a:rPr lang="vi-VN" smtClean="0"/>
-              <a:t>&gt;</a:t>
+              <a:t>&lt;/form&gt;</a:t>
             </a:r>
             <a:endParaRPr lang="vi-VN"/>
           </a:p>
@@ -13465,7 +17831,7 @@
           <a:blip r:embed="rId4" cstate="print">
             <a:extLst>
               <a:ext uri="{28A0092B-C50C-407E-A947-70E740481C1C}">
-                <a14:useLocalDpi xmlns:a14="http://schemas.microsoft.com/office/drawing/2010/main" xmlns="" val="0"/>
+                <a14:useLocalDpi xmlns="" xmlns:a14="http://schemas.microsoft.com/office/drawing/2010/main" val="0"/>
               </a:ext>
             </a:extLst>
           </a:blip>
@@ -13485,7 +17851,7 @@
           <a:noFill/>
           <a:extLst>
             <a:ext uri="{909E8E84-426E-40DD-AFC4-6F175D3DCCD1}">
-              <a14:hiddenFill xmlns:a14="http://schemas.microsoft.com/office/drawing/2010/main" xmlns="">
+              <a14:hiddenFill xmlns="" xmlns:a14="http://schemas.microsoft.com/office/drawing/2010/main">
                 <a:solidFill>
                   <a:srgbClr val="FFFFFF"/>
                 </a:solidFill>
@@ -13506,7 +17872,7 @@
           <a:blip r:embed="rId5" cstate="print">
             <a:extLst>
               <a:ext uri="{28A0092B-C50C-407E-A947-70E740481C1C}">
-                <a14:useLocalDpi xmlns:a14="http://schemas.microsoft.com/office/drawing/2010/main" xmlns="" val="0"/>
+                <a14:useLocalDpi xmlns="" xmlns:a14="http://schemas.microsoft.com/office/drawing/2010/main" val="0"/>
               </a:ext>
             </a:extLst>
           </a:blip>
@@ -13526,7 +17892,7 @@
           <a:noFill/>
           <a:extLst>
             <a:ext uri="{909E8E84-426E-40DD-AFC4-6F175D3DCCD1}">
-              <a14:hiddenFill xmlns:a14="http://schemas.microsoft.com/office/drawing/2010/main" xmlns="">
+              <a14:hiddenFill xmlns="" xmlns:a14="http://schemas.microsoft.com/office/drawing/2010/main">
                 <a:solidFill>
                   <a:srgbClr val="FFFFFF"/>
                 </a:solidFill>
@@ -13786,45 +18152,25 @@
           <a:p>
             <a:r>
               <a:rPr lang="vi-VN" smtClean="0"/>
-              <a:t>	&lt;</a:t>
-            </a:r>
-            <a:r>
-              <a:rPr lang="vi-VN" smtClean="0"/>
-              <a:t>meter value="2" min="0" max="10"&gt;2 out of 10&lt;/meter&gt;</a:t>
+              <a:t>	&lt;meter value="2" min="0" max="10"&gt;2 out of 10&lt;/meter&gt;</a:t>
             </a:r>
           </a:p>
           <a:p>
             <a:r>
               <a:rPr lang="vi-VN" smtClean="0"/>
-              <a:t>	&lt;</a:t>
-            </a:r>
-            <a:r>
-              <a:rPr lang="vi-VN" smtClean="0"/>
-              <a:t>br /&gt;</a:t>
+              <a:t>	&lt;br /&gt;</a:t>
             </a:r>
           </a:p>
           <a:p>
             <a:r>
               <a:rPr lang="vi-VN" smtClean="0"/>
-              <a:t>	&lt;</a:t>
-            </a:r>
-            <a:r>
-              <a:rPr lang="vi-VN" smtClean="0"/>
-              <a:t>meter value="0.6"&gt;60%&lt;/meter&gt;</a:t>
+              <a:t>	&lt;meter value="0.6"&gt;60%&lt;/meter&gt;</a:t>
             </a:r>
           </a:p>
           <a:p>
             <a:r>
               <a:rPr lang="vi-VN" smtClean="0"/>
-              <a:t>&lt;/</a:t>
-            </a:r>
-            <a:r>
-              <a:rPr lang="vi-VN" smtClean="0"/>
-              <a:t>form</a:t>
-            </a:r>
-            <a:r>
-              <a:rPr lang="vi-VN" smtClean="0"/>
-              <a:t>&gt;</a:t>
+              <a:t>&lt;/form&gt;</a:t>
             </a:r>
             <a:endParaRPr lang="vi-VN"/>
           </a:p>
@@ -13842,7 +18188,7 @@
           <a:blip r:embed="rId4" cstate="print">
             <a:extLst>
               <a:ext uri="{28A0092B-C50C-407E-A947-70E740481C1C}">
-                <a14:useLocalDpi xmlns:a14="http://schemas.microsoft.com/office/drawing/2010/main" xmlns="" val="0"/>
+                <a14:useLocalDpi xmlns="" xmlns:a14="http://schemas.microsoft.com/office/drawing/2010/main" val="0"/>
               </a:ext>
             </a:extLst>
           </a:blip>
@@ -13862,7 +18208,7 @@
           <a:noFill/>
           <a:extLst>
             <a:ext uri="{909E8E84-426E-40DD-AFC4-6F175D3DCCD1}">
-              <a14:hiddenFill xmlns:a14="http://schemas.microsoft.com/office/drawing/2010/main" xmlns="">
+              <a14:hiddenFill xmlns="" xmlns:a14="http://schemas.microsoft.com/office/drawing/2010/main">
                 <a:solidFill>
                   <a:srgbClr val="FFFFFF"/>
                 </a:solidFill>
@@ -14090,47 +18436,26 @@
           <a:p>
             <a:r>
               <a:rPr lang="vi-VN" smtClean="0"/>
-              <a:t>	&lt;</a:t>
-            </a:r>
-            <a:r>
-              <a:rPr lang="vi-VN" smtClean="0"/>
-              <a:t>input type="range" name="a" value="50" /&gt;</a:t>
+              <a:t>	&lt;input type="range" name="a" value="50" /&gt;</a:t>
             </a:r>
           </a:p>
           <a:p>
             <a:r>
               <a:rPr lang="vi-VN" smtClean="0"/>
-              <a:t>	+&lt;</a:t>
-            </a:r>
-            <a:r>
-              <a:rPr lang="vi-VN" smtClean="0"/>
-              <a:t>input type="number" name="b" value="50" /&gt;</a:t>
+              <a:t>	+&lt;input type="number" name="b" value="50" /&gt;</a:t>
             </a:r>
           </a:p>
           <a:p>
             <a:r>
               <a:rPr lang="vi-VN" smtClean="0"/>
-              <a:t>	=&lt;</a:t>
-            </a:r>
-            <a:r>
-              <a:rPr lang="vi-VN" smtClean="0"/>
-              <a:t>output name="x" for="a b"&gt;&lt;/output&gt;</a:t>
+              <a:t>	=&lt;output name="x" for="a b"&gt;&lt;/output&gt;</a:t>
             </a:r>
           </a:p>
           <a:p>
             <a:r>
               <a:rPr lang="vi-VN" smtClean="0"/>
-              <a:t>&lt;/</a:t>
+              <a:t>&lt;/form&gt;</a:t>
             </a:r>
-            <a:r>
-              <a:rPr lang="vi-VN" smtClean="0"/>
-              <a:t>form</a:t>
-            </a:r>
-            <a:r>
-              <a:rPr lang="vi-VN" smtClean="0"/>
-              <a:t>&gt;</a:t>
-            </a:r>
-            <a:endParaRPr lang="vi-VN" smtClean="0"/>
           </a:p>
           <a:p>
             <a:r>
@@ -14141,17 +18466,8 @@
           <a:p>
             <a:r>
               <a:rPr lang="vi-VN" smtClean="0"/>
-              <a:t>&lt;/</a:t>
+              <a:t>&lt;/html&gt;</a:t>
             </a:r>
-            <a:r>
-              <a:rPr lang="vi-VN" smtClean="0"/>
-              <a:t>html</a:t>
-            </a:r>
-            <a:r>
-              <a:rPr lang="vi-VN" smtClean="0"/>
-              <a:t>&gt;</a:t>
-            </a:r>
-            <a:endParaRPr lang="vi-VN" smtClean="0"/>
           </a:p>
         </p:txBody>
       </p:sp>
@@ -14574,76 +18890,28 @@
           <a:p>
             <a:r>
               <a:rPr lang="vi-VN" smtClean="0"/>
-              <a:t>Drag &amp; Drop</a:t>
+              <a:t>Tabular Data</a:t>
             </a:r>
             <a:endParaRPr lang="vi-VN"/>
           </a:p>
         </p:txBody>
       </p:sp>
-      <p:pic>
-        <p:nvPicPr>
-          <p:cNvPr id="16387" name="Picture 3"/>
-          <p:cNvPicPr>
-            <a:picLocks noChangeAspect="1" noChangeArrowheads="1"/>
-          </p:cNvPicPr>
+      <p:graphicFrame>
+        <p:nvGraphicFramePr>
+          <p:cNvPr id="8" name="Diagram 7"/>
+          <p:cNvGraphicFramePr/>
           <p:nvPr/>
-        </p:nvPicPr>
-        <p:blipFill>
-          <a:blip r:embed="rId3" cstate="print"/>
-          <a:srcRect/>
-          <a:stretch>
-            <a:fillRect/>
-          </a:stretch>
-        </p:blipFill>
-        <p:spPr bwMode="auto">
-          <a:xfrm>
-            <a:off x="0" y="2667000"/>
-            <a:ext cx="4038600" cy="2711495"/>
-          </a:xfrm>
-          <a:prstGeom prst="rect">
-            <a:avLst/>
-          </a:prstGeom>
-          <a:noFill/>
-          <a:ln w="9525">
-            <a:noFill/>
-            <a:miter lim="800000"/>
-            <a:headEnd/>
-            <a:tailEnd/>
-          </a:ln>
-        </p:spPr>
-      </p:pic>
-      <p:pic>
-        <p:nvPicPr>
-          <p:cNvPr id="16388" name="Picture 4"/>
-          <p:cNvPicPr>
-            <a:picLocks noChangeAspect="1" noChangeArrowheads="1"/>
-          </p:cNvPicPr>
-          <p:nvPr/>
-        </p:nvPicPr>
-        <p:blipFill>
-          <a:blip r:embed="rId4" cstate="print"/>
-          <a:srcRect/>
-          <a:stretch>
-            <a:fillRect/>
-          </a:stretch>
-        </p:blipFill>
-        <p:spPr bwMode="auto">
-          <a:xfrm>
-            <a:off x="4952999" y="2590800"/>
-            <a:ext cx="4191001" cy="2744462"/>
-          </a:xfrm>
-          <a:prstGeom prst="rect">
-            <a:avLst/>
-          </a:prstGeom>
-          <a:noFill/>
-          <a:ln w="9525">
-            <a:noFill/>
-            <a:miter lim="800000"/>
-            <a:headEnd/>
-            <a:tailEnd/>
-          </a:ln>
-        </p:spPr>
-      </p:pic>
+        </p:nvGraphicFramePr>
+        <p:xfrm>
+          <a:off x="838200" y="1371600"/>
+          <a:ext cx="8305800" cy="5486400"/>
+        </p:xfrm>
+        <a:graphic>
+          <a:graphicData uri="http://schemas.openxmlformats.org/drawingml/2006/diagram">
+            <dgm:relIds xmlns:dgm="http://schemas.openxmlformats.org/drawingml/2006/diagram" xmlns:r="http://schemas.openxmlformats.org/officeDocument/2006/relationships" r:dm="rId3" r:lo="rId4" r:qs="rId5" r:cs="rId6"/>
+          </a:graphicData>
+        </a:graphic>
+      </p:graphicFrame>
     </p:spTree>
   </p:cSld>
   <p:clrMapOvr>
@@ -14698,7 +18966,7 @@
           <a:p>
             <a:r>
               <a:rPr lang="vi-VN" smtClean="0"/>
-              <a:t>Multimedia</a:t>
+              <a:t>Tabular Data</a:t>
             </a:r>
             <a:endParaRPr lang="vi-VN"/>
           </a:p>
@@ -14706,7 +18974,7 @@
       </p:sp>
       <p:pic>
         <p:nvPicPr>
-          <p:cNvPr id="6148" name="Picture 4"/>
+          <p:cNvPr id="1026" name="Picture 2"/>
           <p:cNvPicPr>
             <a:picLocks noChangeAspect="1" noChangeArrowheads="1"/>
           </p:cNvPicPr>
@@ -14721,8 +18989,8 @@
         </p:blipFill>
         <p:spPr bwMode="auto">
           <a:xfrm>
-            <a:off x="2971800" y="2514600"/>
-            <a:ext cx="3048000" cy="409575"/>
+            <a:off x="381000" y="1524000"/>
+            <a:ext cx="4876800" cy="4981527"/>
           </a:xfrm>
           <a:prstGeom prst="rect">
             <a:avLst/>
@@ -14738,7 +19006,7 @@
       </p:pic>
       <p:pic>
         <p:nvPicPr>
-          <p:cNvPr id="6151" name="Picture 7"/>
+          <p:cNvPr id="1027" name="Picture 3"/>
           <p:cNvPicPr>
             <a:picLocks noChangeAspect="1" noChangeArrowheads="1"/>
           </p:cNvPicPr>
@@ -14753,40 +19021,8 @@
         </p:blipFill>
         <p:spPr bwMode="auto">
           <a:xfrm>
-            <a:off x="533400" y="1600200"/>
-            <a:ext cx="8096250" cy="752475"/>
-          </a:xfrm>
-          <a:prstGeom prst="rect">
-            <a:avLst/>
-          </a:prstGeom>
-          <a:noFill/>
-          <a:ln w="9525">
-            <a:noFill/>
-            <a:miter lim="800000"/>
-            <a:headEnd/>
-            <a:tailEnd/>
-          </a:ln>
-        </p:spPr>
-      </p:pic>
-      <p:pic>
-        <p:nvPicPr>
-          <p:cNvPr id="6152" name="Picture 8"/>
-          <p:cNvPicPr>
-            <a:picLocks noChangeAspect="1" noChangeArrowheads="1"/>
-          </p:cNvPicPr>
-          <p:nvPr/>
-        </p:nvPicPr>
-        <p:blipFill>
-          <a:blip r:embed="rId5" cstate="print"/>
-          <a:srcRect/>
-          <a:stretch>
-            <a:fillRect/>
-          </a:stretch>
-        </p:blipFill>
-        <p:spPr bwMode="auto">
-          <a:xfrm>
-            <a:off x="1600200" y="3505200"/>
-            <a:ext cx="5543550" cy="3058510"/>
+            <a:off x="5257800" y="1752600"/>
+            <a:ext cx="3592365" cy="1905000"/>
           </a:xfrm>
           <a:prstGeom prst="rect">
             <a:avLst/>
@@ -15249,6 +19485,286 @@
           <a:p>
             <a:r>
               <a:rPr lang="vi-VN" smtClean="0"/>
+              <a:t>Drag &amp; Drop</a:t>
+            </a:r>
+            <a:endParaRPr lang="vi-VN"/>
+          </a:p>
+        </p:txBody>
+      </p:sp>
+      <p:pic>
+        <p:nvPicPr>
+          <p:cNvPr id="16387" name="Picture 3"/>
+          <p:cNvPicPr>
+            <a:picLocks noChangeAspect="1" noChangeArrowheads="1"/>
+          </p:cNvPicPr>
+          <p:nvPr/>
+        </p:nvPicPr>
+        <p:blipFill>
+          <a:blip r:embed="rId3" cstate="print"/>
+          <a:srcRect/>
+          <a:stretch>
+            <a:fillRect/>
+          </a:stretch>
+        </p:blipFill>
+        <p:spPr bwMode="auto">
+          <a:xfrm>
+            <a:off x="0" y="2667000"/>
+            <a:ext cx="4038600" cy="2711495"/>
+          </a:xfrm>
+          <a:prstGeom prst="rect">
+            <a:avLst/>
+          </a:prstGeom>
+          <a:noFill/>
+          <a:ln w="9525">
+            <a:noFill/>
+            <a:miter lim="800000"/>
+            <a:headEnd/>
+            <a:tailEnd/>
+          </a:ln>
+        </p:spPr>
+      </p:pic>
+      <p:pic>
+        <p:nvPicPr>
+          <p:cNvPr id="16388" name="Picture 4"/>
+          <p:cNvPicPr>
+            <a:picLocks noChangeAspect="1" noChangeArrowheads="1"/>
+          </p:cNvPicPr>
+          <p:nvPr/>
+        </p:nvPicPr>
+        <p:blipFill>
+          <a:blip r:embed="rId4" cstate="print"/>
+          <a:srcRect/>
+          <a:stretch>
+            <a:fillRect/>
+          </a:stretch>
+        </p:blipFill>
+        <p:spPr bwMode="auto">
+          <a:xfrm>
+            <a:off x="4952999" y="2590800"/>
+            <a:ext cx="4191001" cy="2744462"/>
+          </a:xfrm>
+          <a:prstGeom prst="rect">
+            <a:avLst/>
+          </a:prstGeom>
+          <a:noFill/>
+          <a:ln w="9525">
+            <a:noFill/>
+            <a:miter lim="800000"/>
+            <a:headEnd/>
+            <a:tailEnd/>
+          </a:ln>
+        </p:spPr>
+      </p:pic>
+    </p:spTree>
+  </p:cSld>
+  <p:clrMapOvr>
+    <a:masterClrMapping/>
+  </p:clrMapOvr>
+  <p:timing>
+    <p:tnLst>
+      <p:par>
+        <p:cTn id="1" dur="indefinite" restart="never" nodeType="tmRoot"/>
+      </p:par>
+    </p:tnLst>
+  </p:timing>
+</p:sld>
+</file>
+
+<file path=ppt/slides/slide21.xml><?xml version="1.0" encoding="utf-8"?>
+<p:sld xmlns:a="http://schemas.openxmlformats.org/drawingml/2006/main" xmlns:r="http://schemas.openxmlformats.org/officeDocument/2006/relationships" xmlns:p="http://schemas.openxmlformats.org/presentationml/2006/main">
+  <p:cSld>
+    <p:spTree>
+      <p:nvGrpSpPr>
+        <p:cNvPr id="1" name=""/>
+        <p:cNvGrpSpPr/>
+        <p:nvPr/>
+      </p:nvGrpSpPr>
+      <p:grpSpPr>
+        <a:xfrm>
+          <a:off x="0" y="0"/>
+          <a:ext cx="0" cy="0"/>
+          <a:chOff x="0" y="0"/>
+          <a:chExt cx="0" cy="0"/>
+        </a:xfrm>
+      </p:grpSpPr>
+      <p:sp>
+        <p:nvSpPr>
+          <p:cNvPr id="7170" name="Title 1"/>
+          <p:cNvSpPr>
+            <a:spLocks noGrp="1"/>
+          </p:cNvSpPr>
+          <p:nvPr>
+            <p:ph type="title"/>
+          </p:nvPr>
+        </p:nvSpPr>
+        <p:spPr>
+          <a:xfrm>
+            <a:off x="1662113" y="285750"/>
+            <a:ext cx="7481887" cy="563563"/>
+          </a:xfrm>
+        </p:spPr>
+        <p:txBody>
+          <a:bodyPr/>
+          <a:lstStyle/>
+          <a:p>
+            <a:r>
+              <a:rPr lang="vi-VN" smtClean="0"/>
+              <a:t>Multimedia</a:t>
+            </a:r>
+            <a:endParaRPr lang="vi-VN"/>
+          </a:p>
+        </p:txBody>
+      </p:sp>
+      <p:pic>
+        <p:nvPicPr>
+          <p:cNvPr id="6148" name="Picture 4"/>
+          <p:cNvPicPr>
+            <a:picLocks noChangeAspect="1" noChangeArrowheads="1"/>
+          </p:cNvPicPr>
+          <p:nvPr/>
+        </p:nvPicPr>
+        <p:blipFill>
+          <a:blip r:embed="rId3" cstate="print"/>
+          <a:srcRect/>
+          <a:stretch>
+            <a:fillRect/>
+          </a:stretch>
+        </p:blipFill>
+        <p:spPr bwMode="auto">
+          <a:xfrm>
+            <a:off x="2971800" y="2514600"/>
+            <a:ext cx="3048000" cy="409575"/>
+          </a:xfrm>
+          <a:prstGeom prst="rect">
+            <a:avLst/>
+          </a:prstGeom>
+          <a:noFill/>
+          <a:ln w="9525">
+            <a:noFill/>
+            <a:miter lim="800000"/>
+            <a:headEnd/>
+            <a:tailEnd/>
+          </a:ln>
+        </p:spPr>
+      </p:pic>
+      <p:pic>
+        <p:nvPicPr>
+          <p:cNvPr id="6151" name="Picture 7"/>
+          <p:cNvPicPr>
+            <a:picLocks noChangeAspect="1" noChangeArrowheads="1"/>
+          </p:cNvPicPr>
+          <p:nvPr/>
+        </p:nvPicPr>
+        <p:blipFill>
+          <a:blip r:embed="rId4" cstate="print"/>
+          <a:srcRect/>
+          <a:stretch>
+            <a:fillRect/>
+          </a:stretch>
+        </p:blipFill>
+        <p:spPr bwMode="auto">
+          <a:xfrm>
+            <a:off x="533400" y="1600200"/>
+            <a:ext cx="8096250" cy="752475"/>
+          </a:xfrm>
+          <a:prstGeom prst="rect">
+            <a:avLst/>
+          </a:prstGeom>
+          <a:noFill/>
+          <a:ln w="9525">
+            <a:noFill/>
+            <a:miter lim="800000"/>
+            <a:headEnd/>
+            <a:tailEnd/>
+          </a:ln>
+        </p:spPr>
+      </p:pic>
+      <p:pic>
+        <p:nvPicPr>
+          <p:cNvPr id="6152" name="Picture 8"/>
+          <p:cNvPicPr>
+            <a:picLocks noChangeAspect="1" noChangeArrowheads="1"/>
+          </p:cNvPicPr>
+          <p:nvPr/>
+        </p:nvPicPr>
+        <p:blipFill>
+          <a:blip r:embed="rId5" cstate="print"/>
+          <a:srcRect/>
+          <a:stretch>
+            <a:fillRect/>
+          </a:stretch>
+        </p:blipFill>
+        <p:spPr bwMode="auto">
+          <a:xfrm>
+            <a:off x="1600200" y="3505200"/>
+            <a:ext cx="5543550" cy="3058510"/>
+          </a:xfrm>
+          <a:prstGeom prst="rect">
+            <a:avLst/>
+          </a:prstGeom>
+          <a:noFill/>
+          <a:ln w="9525">
+            <a:noFill/>
+            <a:miter lim="800000"/>
+            <a:headEnd/>
+            <a:tailEnd/>
+          </a:ln>
+        </p:spPr>
+      </p:pic>
+    </p:spTree>
+  </p:cSld>
+  <p:clrMapOvr>
+    <a:masterClrMapping/>
+  </p:clrMapOvr>
+  <p:timing>
+    <p:tnLst>
+      <p:par>
+        <p:cTn id="1" dur="indefinite" restart="never" nodeType="tmRoot"/>
+      </p:par>
+    </p:tnLst>
+  </p:timing>
+</p:sld>
+</file>
+
+<file path=ppt/slides/slide22.xml><?xml version="1.0" encoding="utf-8"?>
+<p:sld xmlns:a="http://schemas.openxmlformats.org/drawingml/2006/main" xmlns:r="http://schemas.openxmlformats.org/officeDocument/2006/relationships" xmlns:p="http://schemas.openxmlformats.org/presentationml/2006/main">
+  <p:cSld>
+    <p:spTree>
+      <p:nvGrpSpPr>
+        <p:cNvPr id="1" name=""/>
+        <p:cNvGrpSpPr/>
+        <p:nvPr/>
+      </p:nvGrpSpPr>
+      <p:grpSpPr>
+        <a:xfrm>
+          <a:off x="0" y="0"/>
+          <a:ext cx="0" cy="0"/>
+          <a:chOff x="0" y="0"/>
+          <a:chExt cx="0" cy="0"/>
+        </a:xfrm>
+      </p:grpSpPr>
+      <p:sp>
+        <p:nvSpPr>
+          <p:cNvPr id="7170" name="Title 1"/>
+          <p:cNvSpPr>
+            <a:spLocks noGrp="1"/>
+          </p:cNvSpPr>
+          <p:nvPr>
+            <p:ph type="title"/>
+          </p:nvPr>
+        </p:nvSpPr>
+        <p:spPr>
+          <a:xfrm>
+            <a:off x="1662113" y="285750"/>
+            <a:ext cx="7481887" cy="563563"/>
+          </a:xfrm>
+        </p:spPr>
+        <p:txBody>
+          <a:bodyPr/>
+          <a:lstStyle/>
+          <a:p>
+            <a:r>
+              <a:rPr lang="vi-VN" smtClean="0"/>
               <a:t>Multimedia</a:t>
             </a:r>
             <a:endParaRPr lang="vi-VN"/>
@@ -15366,7 +19882,7 @@
 </p:sld>
 </file>
 
-<file path=ppt/slides/slide21.xml><?xml version="1.0" encoding="utf-8"?>
+<file path=ppt/slides/slide23.xml><?xml version="1.0" encoding="utf-8"?>
 <p:sld xmlns:a="http://schemas.openxmlformats.org/drawingml/2006/main" xmlns:r="http://schemas.openxmlformats.org/officeDocument/2006/relationships" xmlns:p="http://schemas.openxmlformats.org/presentationml/2006/main">
   <p:cSld>
     <p:spTree>
@@ -15566,7 +20082,7 @@
 </p:sld>
 </file>
 
-<file path=ppt/slides/slide22.xml><?xml version="1.0" encoding="utf-8"?>
+<file path=ppt/slides/slide24.xml><?xml version="1.0" encoding="utf-8"?>
 <p:sld xmlns:a="http://schemas.openxmlformats.org/drawingml/2006/main" xmlns:r="http://schemas.openxmlformats.org/officeDocument/2006/relationships" xmlns:p="http://schemas.openxmlformats.org/presentationml/2006/main">
   <p:cSld>
     <p:spTree>
@@ -15766,7 +20282,7 @@
 </p:sld>
 </file>
 
-<file path=ppt/slides/slide23.xml><?xml version="1.0" encoding="utf-8"?>
+<file path=ppt/slides/slide25.xml><?xml version="1.0" encoding="utf-8"?>
 <p:sld xmlns:a="http://schemas.openxmlformats.org/drawingml/2006/main" xmlns:r="http://schemas.openxmlformats.org/officeDocument/2006/relationships" xmlns:p="http://schemas.openxmlformats.org/presentationml/2006/main">
   <p:cSld>
     <p:spTree>
@@ -15966,7 +20482,7 @@
 </p:sld>
 </file>
 
-<file path=ppt/slides/slide24.xml><?xml version="1.0" encoding="utf-8"?>
+<file path=ppt/slides/slide26.xml><?xml version="1.0" encoding="utf-8"?>
 <p:sld xmlns:a="http://schemas.openxmlformats.org/drawingml/2006/main" xmlns:r="http://schemas.openxmlformats.org/officeDocument/2006/relationships" xmlns:p="http://schemas.openxmlformats.org/presentationml/2006/main">
   <p:cSld>
     <p:spTree>
@@ -16012,15 +20528,7 @@
             </a:br>
             <a:r>
               <a:rPr lang="vi-VN" smtClean="0"/>
-              <a:t>HTML5 </a:t>
-            </a:r>
-            <a:r>
-              <a:rPr lang="vi-VN" smtClean="0"/>
-              <a:t>Web </a:t>
-            </a:r>
-            <a:r>
-              <a:rPr lang="vi-VN" smtClean="0"/>
-              <a:t>Applications</a:t>
+              <a:t>HTML5 Web Applications</a:t>
             </a:r>
             <a:endParaRPr lang="vi-VN"/>
           </a:p>
@@ -16073,7 +20581,7 @@
 </p:sld>
 </file>
 
-<file path=ppt/slides/slide25.xml><?xml version="1.0" encoding="utf-8"?>
+<file path=ppt/slides/slide27.xml><?xml version="1.0" encoding="utf-8"?>
 <p:sld xmlns:a="http://schemas.openxmlformats.org/drawingml/2006/main" xmlns:r="http://schemas.openxmlformats.org/officeDocument/2006/relationships" xmlns:p="http://schemas.openxmlformats.org/presentationml/2006/main">
   <p:cSld>
     <p:spTree>
@@ -16119,15 +20627,7 @@
             </a:br>
             <a:r>
               <a:rPr lang="vi-VN" sz="2600" smtClean="0"/>
-              <a:t>HTML5 Graphics &amp; </a:t>
-            </a:r>
-            <a:r>
-              <a:rPr lang="vi-VN" sz="2600" smtClean="0"/>
-              <a:t>Embedded </a:t>
-            </a:r>
-            <a:r>
-              <a:rPr lang="vi-VN" sz="2600" smtClean="0"/>
-              <a:t>Content</a:t>
+              <a:t>HTML5 Graphics &amp; Embedded Content</a:t>
             </a:r>
             <a:endParaRPr lang="vi-VN" sz="2600"/>
           </a:p>
@@ -16180,7 +20680,7 @@
 </p:sld>
 </file>
 
-<file path=ppt/slides/slide26.xml><?xml version="1.0" encoding="utf-8"?>
+<file path=ppt/slides/slide28.xml><?xml version="1.0" encoding="utf-8"?>
 <p:sld xmlns:a="http://schemas.openxmlformats.org/drawingml/2006/main" xmlns:r="http://schemas.openxmlformats.org/officeDocument/2006/relationships" xmlns:p="http://schemas.openxmlformats.org/presentationml/2006/main">
   <p:cSld>
     <p:spTree>
@@ -16226,11 +20726,7 @@
             </a:br>
             <a:r>
               <a:rPr lang="vi-VN" sz="2600" smtClean="0"/>
-              <a:t>HTML5 </a:t>
-            </a:r>
-            <a:r>
-              <a:rPr lang="vi-VN" sz="2600" smtClean="0"/>
-              <a:t>Multimedia</a:t>
+              <a:t>HTML5 Multimedia</a:t>
             </a:r>
             <a:endParaRPr lang="vi-VN" sz="2600"/>
           </a:p>
@@ -16315,7 +20811,7 @@
 </p:sld>
 </file>
 
-<file path=ppt/slides/slide27.xml><?xml version="1.0" encoding="utf-8"?>
+<file path=ppt/slides/slide29.xml><?xml version="1.0" encoding="utf-8"?>
 <p:sld xmlns:a="http://schemas.openxmlformats.org/drawingml/2006/main" xmlns:r="http://schemas.openxmlformats.org/officeDocument/2006/relationships" xmlns:p="http://schemas.openxmlformats.org/presentationml/2006/main">
   <p:cSld>
     <p:spTree>
@@ -16627,7 +21123,127 @@
 </p:sld>
 </file>
 
-<file path=ppt/slides/slide28.xml><?xml version="1.0" encoding="utf-8"?>
+<file path=ppt/slides/slide3.xml><?xml version="1.0" encoding="utf-8"?>
+<p:sld xmlns:a="http://schemas.openxmlformats.org/drawingml/2006/main" xmlns:r="http://schemas.openxmlformats.org/officeDocument/2006/relationships" xmlns:p="http://schemas.openxmlformats.org/presentationml/2006/main">
+  <p:cSld>
+    <p:spTree>
+      <p:nvGrpSpPr>
+        <p:cNvPr id="1" name=""/>
+        <p:cNvGrpSpPr/>
+        <p:nvPr/>
+      </p:nvGrpSpPr>
+      <p:grpSpPr>
+        <a:xfrm>
+          <a:off x="0" y="0"/>
+          <a:ext cx="0" cy="0"/>
+          <a:chOff x="0" y="0"/>
+          <a:chExt cx="0" cy="0"/>
+        </a:xfrm>
+      </p:grpSpPr>
+      <p:sp>
+        <p:nvSpPr>
+          <p:cNvPr id="4098" name="Rectangle 2"/>
+          <p:cNvSpPr>
+            <a:spLocks noGrp="1" noChangeArrowheads="1"/>
+          </p:cNvSpPr>
+          <p:nvPr>
+            <p:ph type="title"/>
+          </p:nvPr>
+        </p:nvSpPr>
+        <p:spPr>
+          <a:xfrm>
+            <a:off x="1662113" y="357188"/>
+            <a:ext cx="7481887" cy="563562"/>
+          </a:xfrm>
+        </p:spPr>
+        <p:txBody>
+          <a:bodyPr/>
+          <a:lstStyle/>
+          <a:p>
+            <a:pPr eaLnBrk="1" hangingPunct="1"/>
+            <a:r>
+              <a:rPr lang="en-US" altLang="zh-CN" smtClean="0">
+                <a:ea typeface="SimSun" pitchFamily="2" charset="-122"/>
+              </a:rPr>
+              <a:t>NỘI DUNG</a:t>
+            </a:r>
+            <a:endParaRPr lang="en-US" altLang="zh-CN" smtClean="0">
+              <a:solidFill>
+                <a:schemeClr val="accent1"/>
+              </a:solidFill>
+              <a:ea typeface="SimSun" pitchFamily="2" charset="-122"/>
+            </a:endParaRPr>
+          </a:p>
+        </p:txBody>
+      </p:sp>
+      <p:sp>
+        <p:nvSpPr>
+          <p:cNvPr id="4099" name="Text Box 3"/>
+          <p:cNvSpPr txBox="1">
+            <a:spLocks noChangeArrowheads="1"/>
+          </p:cNvSpPr>
+          <p:nvPr/>
+        </p:nvSpPr>
+        <p:spPr bwMode="auto">
+          <a:xfrm>
+            <a:off x="1660525" y="722313"/>
+            <a:ext cx="184150" cy="366712"/>
+          </a:xfrm>
+          <a:prstGeom prst="rect">
+            <a:avLst/>
+          </a:prstGeom>
+          <a:noFill/>
+          <a:ln w="9525">
+            <a:noFill/>
+            <a:miter lim="800000"/>
+            <a:headEnd/>
+            <a:tailEnd/>
+          </a:ln>
+        </p:spPr>
+        <p:txBody>
+          <a:bodyPr wrap="none">
+            <a:spAutoFit/>
+          </a:bodyPr>
+          <a:lstStyle/>
+          <a:p>
+            <a:endParaRPr lang="zh-CN" altLang="zh-CN">
+              <a:ea typeface="SimSun" pitchFamily="2" charset="-122"/>
+            </a:endParaRPr>
+          </a:p>
+        </p:txBody>
+      </p:sp>
+      <p:graphicFrame>
+        <p:nvGraphicFramePr>
+          <p:cNvPr id="7" name="Diagram 6"/>
+          <p:cNvGraphicFramePr/>
+          <p:nvPr/>
+        </p:nvGraphicFramePr>
+        <p:xfrm>
+          <a:off x="0" y="1524000"/>
+          <a:ext cx="9144000" cy="5334000"/>
+        </p:xfrm>
+        <a:graphic>
+          <a:graphicData uri="http://schemas.openxmlformats.org/drawingml/2006/diagram">
+            <dgm:relIds xmlns:dgm="http://schemas.openxmlformats.org/drawingml/2006/diagram" xmlns:r="http://schemas.openxmlformats.org/officeDocument/2006/relationships" r:dm="rId3" r:lo="rId4" r:qs="rId5" r:cs="rId6"/>
+          </a:graphicData>
+        </a:graphic>
+      </p:graphicFrame>
+    </p:spTree>
+  </p:cSld>
+  <p:clrMapOvr>
+    <a:masterClrMapping/>
+  </p:clrMapOvr>
+  <p:timing>
+    <p:tnLst>
+      <p:par>
+        <p:cTn id="1" dur="indefinite" restart="never" nodeType="tmRoot"/>
+      </p:par>
+    </p:tnLst>
+  </p:timing>
+</p:sld>
+</file>
+
+<file path=ppt/slides/slide30.xml><?xml version="1.0" encoding="utf-8"?>
 <p:sld xmlns:a="http://schemas.openxmlformats.org/drawingml/2006/main" xmlns:r="http://schemas.openxmlformats.org/officeDocument/2006/relationships" xmlns:p="http://schemas.openxmlformats.org/presentationml/2006/main">
   <p:cSld>
     <p:spTree>
@@ -16838,126 +21454,6 @@
     <p:bldLst>
       <p:bldP spid="86021" grpId="0" animBg="1"/>
     </p:bldLst>
-  </p:timing>
-</p:sld>
-</file>
-
-<file path=ppt/slides/slide3.xml><?xml version="1.0" encoding="utf-8"?>
-<p:sld xmlns:a="http://schemas.openxmlformats.org/drawingml/2006/main" xmlns:r="http://schemas.openxmlformats.org/officeDocument/2006/relationships" xmlns:p="http://schemas.openxmlformats.org/presentationml/2006/main">
-  <p:cSld>
-    <p:spTree>
-      <p:nvGrpSpPr>
-        <p:cNvPr id="1" name=""/>
-        <p:cNvGrpSpPr/>
-        <p:nvPr/>
-      </p:nvGrpSpPr>
-      <p:grpSpPr>
-        <a:xfrm>
-          <a:off x="0" y="0"/>
-          <a:ext cx="0" cy="0"/>
-          <a:chOff x="0" y="0"/>
-          <a:chExt cx="0" cy="0"/>
-        </a:xfrm>
-      </p:grpSpPr>
-      <p:sp>
-        <p:nvSpPr>
-          <p:cNvPr id="4098" name="Rectangle 2"/>
-          <p:cNvSpPr>
-            <a:spLocks noGrp="1" noChangeArrowheads="1"/>
-          </p:cNvSpPr>
-          <p:nvPr>
-            <p:ph type="title"/>
-          </p:nvPr>
-        </p:nvSpPr>
-        <p:spPr>
-          <a:xfrm>
-            <a:off x="1662113" y="357188"/>
-            <a:ext cx="7481887" cy="563562"/>
-          </a:xfrm>
-        </p:spPr>
-        <p:txBody>
-          <a:bodyPr/>
-          <a:lstStyle/>
-          <a:p>
-            <a:pPr eaLnBrk="1" hangingPunct="1"/>
-            <a:r>
-              <a:rPr lang="en-US" altLang="zh-CN" smtClean="0">
-                <a:ea typeface="SimSun" pitchFamily="2" charset="-122"/>
-              </a:rPr>
-              <a:t>NỘI DUNG</a:t>
-            </a:r>
-            <a:endParaRPr lang="en-US" altLang="zh-CN" smtClean="0">
-              <a:solidFill>
-                <a:schemeClr val="accent1"/>
-              </a:solidFill>
-              <a:ea typeface="SimSun" pitchFamily="2" charset="-122"/>
-            </a:endParaRPr>
-          </a:p>
-        </p:txBody>
-      </p:sp>
-      <p:sp>
-        <p:nvSpPr>
-          <p:cNvPr id="4099" name="Text Box 3"/>
-          <p:cNvSpPr txBox="1">
-            <a:spLocks noChangeArrowheads="1"/>
-          </p:cNvSpPr>
-          <p:nvPr/>
-        </p:nvSpPr>
-        <p:spPr bwMode="auto">
-          <a:xfrm>
-            <a:off x="1660525" y="722313"/>
-            <a:ext cx="184150" cy="366712"/>
-          </a:xfrm>
-          <a:prstGeom prst="rect">
-            <a:avLst/>
-          </a:prstGeom>
-          <a:noFill/>
-          <a:ln w="9525">
-            <a:noFill/>
-            <a:miter lim="800000"/>
-            <a:headEnd/>
-            <a:tailEnd/>
-          </a:ln>
-        </p:spPr>
-        <p:txBody>
-          <a:bodyPr wrap="none">
-            <a:spAutoFit/>
-          </a:bodyPr>
-          <a:lstStyle/>
-          <a:p>
-            <a:endParaRPr lang="zh-CN" altLang="zh-CN">
-              <a:ea typeface="SimSun" pitchFamily="2" charset="-122"/>
-            </a:endParaRPr>
-          </a:p>
-        </p:txBody>
-      </p:sp>
-      <p:graphicFrame>
-        <p:nvGraphicFramePr>
-          <p:cNvPr id="7" name="Diagram 6"/>
-          <p:cNvGraphicFramePr/>
-          <p:nvPr/>
-        </p:nvGraphicFramePr>
-        <p:xfrm>
-          <a:off x="0" y="1524000"/>
-          <a:ext cx="9144000" cy="5334000"/>
-        </p:xfrm>
-        <a:graphic>
-          <a:graphicData uri="http://schemas.openxmlformats.org/drawingml/2006/diagram">
-            <dgm:relIds xmlns:dgm="http://schemas.openxmlformats.org/drawingml/2006/diagram" xmlns:r="http://schemas.openxmlformats.org/officeDocument/2006/relationships" r:dm="rId3" r:lo="rId4" r:qs="rId5" r:cs="rId6"/>
-          </a:graphicData>
-        </a:graphic>
-      </p:graphicFrame>
-    </p:spTree>
-  </p:cSld>
-  <p:clrMapOvr>
-    <a:masterClrMapping/>
-  </p:clrMapOvr>
-  <p:timing>
-    <p:tnLst>
-      <p:par>
-        <p:cTn id="1" dur="indefinite" restart="never" nodeType="tmRoot"/>
-      </p:par>
-    </p:tnLst>
   </p:timing>
 </p:sld>
 </file>
